--- a/Exercise1.pptx
+++ b/Exercise1.pptx
@@ -108,6 +108,11 @@
       </a:defRPr>
     </a:lvl9pPr>
   </p:defaultTextStyle>
+  <p:extLst>
+    <p:ext uri="{EFAFB233-063F-42B5-8137-9DF3F51BA10A}">
+      <p15:sldGuideLst xmlns:p15="http://schemas.microsoft.com/office/powerpoint/2012/main"/>
+    </p:ext>
+  </p:extLst>
 </p:presentation>
 </file>
 
@@ -3457,7 +3462,31 @@
           <a:bodyPr/>
           <a:lstStyle/>
           <a:p>
-            <a:endParaRPr lang="zh-CN" altLang="en-US"/>
+            <a:r>
+              <a:rPr lang="zh-CN" altLang="en-US" dirty="0"/>
+              <a:t>白日依山尽</a:t>
+            </a:r>
+            <a:endParaRPr lang="en-US" altLang="zh-CN" dirty="0"/>
+          </a:p>
+          <a:p>
+            <a:r>
+              <a:rPr lang="zh-CN" altLang="en-US" dirty="0"/>
+              <a:t>黄河入海流</a:t>
+            </a:r>
+            <a:endParaRPr lang="en-US" altLang="zh-CN" dirty="0"/>
+          </a:p>
+          <a:p>
+            <a:r>
+              <a:rPr lang="zh-CN" altLang="en-US" dirty="0"/>
+              <a:t>欲穷千里目</a:t>
+            </a:r>
+            <a:endParaRPr lang="en-US" altLang="zh-CN" dirty="0"/>
+          </a:p>
+          <a:p>
+            <a:r>
+              <a:rPr lang="zh-CN" altLang="en-US" dirty="0"/>
+              <a:t>更上一层楼</a:t>
+            </a:r>
           </a:p>
         </p:txBody>
       </p:sp>

--- a/Exercise1.pptx
+++ b/Exercise1.pptx
@@ -3379,7 +3379,19 @@
           <a:bodyPr/>
           <a:lstStyle/>
           <a:p>
-            <a:endParaRPr lang="zh-CN" altLang="en-US"/>
+            <a:r>
+              <a:rPr lang="zh-CN" altLang="zh-CN" sz="2400" kern="1200" dirty="0">
+                <a:solidFill>
+                  <a:schemeClr val="tx1"/>
+                </a:solidFill>
+                <a:effectLst/>
+                <a:latin typeface="+mn-lt"/>
+                <a:ea typeface="+mn-ea"/>
+                <a:cs typeface="+mn-cs"/>
+              </a:rPr>
+              <a:t>唐朝是我国古典诗歌发展的全盛时期，唐诗是我国优秀的文学遗产之一，也是全世界文学宝库中的一颗灿烂的明珠。</a:t>
+            </a:r>
+            <a:endParaRPr lang="zh-CN" altLang="en-US" dirty="0"/>
           </a:p>
         </p:txBody>
       </p:sp>
@@ -3652,7 +3664,31 @@
           <a:bodyPr/>
           <a:lstStyle/>
           <a:p>
-            <a:endParaRPr lang="zh-CN" altLang="en-US"/>
+            <a:r>
+              <a:rPr lang="zh-CN" altLang="en-US" dirty="0"/>
+              <a:t>君问归期未有期</a:t>
+            </a:r>
+            <a:endParaRPr lang="en-US" altLang="zh-CN" dirty="0"/>
+          </a:p>
+          <a:p>
+            <a:r>
+              <a:rPr lang="zh-CN" altLang="en-US" dirty="0"/>
+              <a:t>巴山夜雨涨秋池</a:t>
+            </a:r>
+            <a:endParaRPr lang="en-US" altLang="zh-CN" dirty="0"/>
+          </a:p>
+          <a:p>
+            <a:r>
+              <a:rPr lang="zh-CN" altLang="en-US" dirty="0"/>
+              <a:t>何当共剪西窗烛</a:t>
+            </a:r>
+            <a:endParaRPr lang="en-US" altLang="zh-CN" dirty="0"/>
+          </a:p>
+          <a:p>
+            <a:r>
+              <a:rPr lang="zh-CN" altLang="en-US" dirty="0"/>
+              <a:t>却话巴山夜雨时</a:t>
+            </a:r>
           </a:p>
         </p:txBody>
       </p:sp>
@@ -3738,7 +3774,80 @@
             <a:pPr marL="0" indent="0">
               <a:buNone/>
             </a:pPr>
-            <a:endParaRPr lang="zh-CN" altLang="en-US" dirty="0"/>
+            <a:r>
+              <a:rPr lang="zh-CN" altLang="en-US" dirty="0"/>
+              <a:t>丞相祠堂何处寻</a:t>
+            </a:r>
+            <a:endParaRPr lang="en-US" altLang="zh-CN" dirty="0"/>
+          </a:p>
+          <a:p>
+            <a:pPr marL="0" indent="0">
+              <a:buNone/>
+            </a:pPr>
+            <a:r>
+              <a:rPr lang="zh-CN" altLang="en-US" dirty="0"/>
+              <a:t>锦官城外柏森森</a:t>
+            </a:r>
+            <a:endParaRPr lang="en-US" altLang="zh-CN" dirty="0"/>
+          </a:p>
+          <a:p>
+            <a:pPr marL="0" indent="0">
+              <a:buNone/>
+            </a:pPr>
+            <a:r>
+              <a:rPr lang="zh-CN" altLang="en-US" dirty="0"/>
+              <a:t>映阶碧草自春色</a:t>
+            </a:r>
+            <a:endParaRPr lang="en-US" altLang="zh-CN" dirty="0"/>
+          </a:p>
+          <a:p>
+            <a:pPr marL="0" indent="0">
+              <a:buNone/>
+            </a:pPr>
+            <a:r>
+              <a:rPr lang="zh-CN" altLang="en-US" dirty="0"/>
+              <a:t>隔叶黄鹂空好音</a:t>
+            </a:r>
+            <a:endParaRPr lang="en-US" altLang="zh-CN" dirty="0"/>
+          </a:p>
+          <a:p>
+            <a:pPr marL="0" indent="0">
+              <a:buNone/>
+            </a:pPr>
+            <a:r>
+              <a:rPr lang="zh-CN" altLang="en-US" dirty="0"/>
+              <a:t>三顾频频天下计</a:t>
+            </a:r>
+            <a:endParaRPr lang="en-US" altLang="zh-CN" dirty="0"/>
+          </a:p>
+          <a:p>
+            <a:pPr marL="0" indent="0">
+              <a:buNone/>
+            </a:pPr>
+            <a:r>
+              <a:rPr lang="zh-CN" altLang="en-US" dirty="0"/>
+              <a:t>两朝开济老臣心</a:t>
+            </a:r>
+            <a:endParaRPr lang="en-US" altLang="zh-CN" dirty="0"/>
+          </a:p>
+          <a:p>
+            <a:pPr marL="0" indent="0">
+              <a:buNone/>
+            </a:pPr>
+            <a:r>
+              <a:rPr lang="zh-CN" altLang="en-US" dirty="0"/>
+              <a:t>出师未捷身先死</a:t>
+            </a:r>
+            <a:endParaRPr lang="en-US" altLang="zh-CN" dirty="0"/>
+          </a:p>
+          <a:p>
+            <a:pPr marL="0" indent="0">
+              <a:buNone/>
+            </a:pPr>
+            <a:r>
+              <a:rPr lang="zh-CN" altLang="en-US" dirty="0"/>
+              <a:t>长使英雄泪满襟</a:t>
+            </a:r>
           </a:p>
         </p:txBody>
       </p:sp>

--- a/Exercise1.pptx
+++ b/Exercise1.pptx
@@ -3348,11 +3348,15 @@
         </p:nvSpPr>
         <p:spPr/>
         <p:txBody>
-          <a:bodyPr/>
-          <a:lstStyle/>
-          <a:p>
-            <a:r>
-              <a:rPr lang="zh-CN" altLang="en-US" dirty="0"/>
+          <a:bodyPr>
+            <a:normAutofit/>
+          </a:bodyPr>
+          <a:lstStyle/>
+          <a:p>
+            <a:r>
+              <a:rPr lang="zh-CN" altLang="en-US" sz="8000" dirty="0">
+                <a:ea typeface="华文新魏" panose="02010800040101010101" pitchFamily="2" charset="-122"/>
+              </a:rPr>
               <a:t>唐诗赏析</a:t>
             </a:r>
           </a:p>
@@ -3374,24 +3378,34 @@
             <p:ph type="subTitle" idx="1"/>
           </p:nvPr>
         </p:nvSpPr>
-        <p:spPr/>
-        <p:txBody>
-          <a:bodyPr/>
-          <a:lstStyle/>
-          <a:p>
-            <a:r>
-              <a:rPr lang="zh-CN" altLang="zh-CN" sz="2400" kern="1200" dirty="0">
+        <p:spPr>
+          <a:xfrm>
+            <a:off x="2819400" y="3509963"/>
+            <a:ext cx="6553199" cy="1340076"/>
+          </a:xfrm>
+        </p:spPr>
+        <p:txBody>
+          <a:bodyPr>
+            <a:normAutofit/>
+          </a:bodyPr>
+          <a:lstStyle/>
+          <a:p>
+            <a:pPr algn="l"/>
+            <a:r>
+              <a:rPr lang="zh-CN" altLang="zh-CN" sz="2800" b="1" kern="1200" dirty="0">
                 <a:solidFill>
                   <a:schemeClr val="tx1"/>
                 </a:solidFill>
                 <a:effectLst/>
-                <a:latin typeface="+mn-lt"/>
-                <a:ea typeface="+mn-ea"/>
-                <a:cs typeface="+mn-cs"/>
+                <a:latin typeface="楷体" panose="02010609060101010101" pitchFamily="49" charset="-122"/>
+                <a:ea typeface="楷体" panose="02010609060101010101" pitchFamily="49" charset="-122"/>
               </a:rPr>
               <a:t>唐朝是我国古典诗歌发展的全盛时期，唐诗是我国优秀的文学遗产之一，也是全世界文学宝库中的一颗灿烂的明珠。</a:t>
             </a:r>
-            <a:endParaRPr lang="zh-CN" altLang="en-US" dirty="0"/>
+            <a:endParaRPr lang="zh-CN" altLang="en-US" sz="2800" b="1" dirty="0">
+              <a:latin typeface="楷体" panose="02010609060101010101" pitchFamily="49" charset="-122"/>
+              <a:ea typeface="楷体" panose="02010609060101010101" pitchFamily="49" charset="-122"/>
+            </a:endParaRPr>
           </a:p>
         </p:txBody>
       </p:sp>

--- a/Exercise1.pptx
+++ b/Exercise1.pptx
@@ -3460,10 +3460,21 @@
           <a:bodyPr/>
           <a:lstStyle/>
           <a:p>
-            <a:r>
-              <a:rPr lang="zh-CN" altLang="en-US" dirty="0"/>
+            <a:pPr algn="ctr"/>
+            <a:r>
+              <a:rPr lang="zh-CN" altLang="en-US" sz="6600" dirty="0">
+                <a:latin typeface="华文新魏" panose="02010800040101010101" pitchFamily="2" charset="-122"/>
+                <a:ea typeface="华文新魏" panose="02010800040101010101" pitchFamily="2" charset="-122"/>
+              </a:rPr>
               <a:t>登鹳雀楼</a:t>
             </a:r>
+            <a:r>
+              <a:rPr lang="zh-CN" altLang="en-US" sz="2800" dirty="0">
+                <a:latin typeface="华文新魏" panose="02010800040101010101" pitchFamily="2" charset="-122"/>
+                <a:ea typeface="华文新魏" panose="02010800040101010101" pitchFamily="2" charset="-122"/>
+              </a:rPr>
+              <a:t>王之涣</a:t>
+            </a:r>
           </a:p>
         </p:txBody>
       </p:sp>
@@ -3488,13 +3499,17 @@
           <a:bodyPr/>
           <a:lstStyle/>
           <a:p>
+            <a:pPr marL="0" indent="0" algn="ctr">
+              <a:buNone/>
+            </a:pPr>
             <a:r>
               <a:rPr lang="zh-CN" altLang="en-US" dirty="0"/>
               <a:t>白日依山尽</a:t>
             </a:r>
-            <a:endParaRPr lang="en-US" altLang="zh-CN" dirty="0"/>
-          </a:p>
-          <a:p>
+            <a:r>
+              <a:rPr lang="en-US" altLang="zh-CN" dirty="0"/>
+              <a:t> </a:t>
+            </a:r>
             <a:r>
               <a:rPr lang="zh-CN" altLang="en-US" dirty="0"/>
               <a:t>黄河入海流</a:t>
@@ -3502,13 +3517,17 @@
             <a:endParaRPr lang="en-US" altLang="zh-CN" dirty="0"/>
           </a:p>
           <a:p>
+            <a:pPr marL="0" indent="0" algn="ctr">
+              <a:buNone/>
+            </a:pPr>
             <a:r>
               <a:rPr lang="zh-CN" altLang="en-US" dirty="0"/>
               <a:t>欲穷千里目</a:t>
             </a:r>
-            <a:endParaRPr lang="en-US" altLang="zh-CN" dirty="0"/>
-          </a:p>
-          <a:p>
+            <a:r>
+              <a:rPr lang="en-US" altLang="zh-CN" dirty="0"/>
+              <a:t> </a:t>
+            </a:r>
             <a:r>
               <a:rPr lang="zh-CN" altLang="en-US" dirty="0"/>
               <a:t>更上一层楼</a:t>

--- a/Exercise1.pptx
+++ b/Exercise1.pptx
@@ -3532,9 +3532,52 @@
               <a:rPr lang="zh-CN" altLang="en-US" dirty="0"/>
               <a:t>更上一层楼</a:t>
             </a:r>
-          </a:p>
-        </p:txBody>
-      </p:sp>
+            <a:endParaRPr lang="en-US" altLang="zh-CN" dirty="0"/>
+          </a:p>
+          <a:p>
+            <a:pPr marL="0" indent="0" algn="ctr">
+              <a:buNone/>
+            </a:pPr>
+            <a:endParaRPr lang="zh-CN" altLang="en-US" dirty="0"/>
+          </a:p>
+        </p:txBody>
+      </p:sp>
+      <p:pic>
+        <p:nvPicPr>
+          <p:cNvPr id="5" name="图片 4" descr="湖边的建筑&#10;&#10;描述已自动生成">
+            <a:extLst>
+              <a:ext uri="{FF2B5EF4-FFF2-40B4-BE49-F238E27FC236}">
+                <a16:creationId xmlns:a16="http://schemas.microsoft.com/office/drawing/2014/main" id="{B8E17991-27D0-47BA-8AC9-2163EB31FFF6}"/>
+              </a:ext>
+            </a:extLst>
+          </p:cNvPr>
+          <p:cNvPicPr>
+            <a:picLocks noChangeAspect="1"/>
+          </p:cNvPicPr>
+          <p:nvPr/>
+        </p:nvPicPr>
+        <p:blipFill>
+          <a:blip r:embed="rId2">
+            <a:extLst>
+              <a:ext uri="{28A0092B-C50C-407E-A947-70E740481C1C}">
+                <a14:useLocalDpi xmlns:a14="http://schemas.microsoft.com/office/drawing/2010/main" val="0"/>
+              </a:ext>
+            </a:extLst>
+          </a:blip>
+          <a:stretch>
+            <a:fillRect/>
+          </a:stretch>
+        </p:blipFill>
+        <p:spPr>
+          <a:xfrm>
+            <a:off x="4597052" y="4847573"/>
+            <a:ext cx="7594948" cy="2010427"/>
+          </a:xfrm>
+          <a:prstGeom prst="rect">
+            <a:avLst/>
+          </a:prstGeom>
+        </p:spPr>
+      </p:pic>
     </p:spTree>
     <p:extLst>
       <p:ext uri="{BB962C8B-B14F-4D97-AF65-F5344CB8AC3E}">

--- a/Exercise1.pptx
+++ b/Exercise1.pptx
@@ -263,7 +263,7 @@
           <a:p>
             <a:fld id="{3ED103FD-9823-4368-A732-42423E8CFAAD}" type="datetimeFigureOut">
               <a:rPr lang="zh-CN" altLang="en-US" smtClean="0"/>
-              <a:t>2022/5/1</a:t>
+              <a:t>2022/5/20</a:t>
             </a:fld>
             <a:endParaRPr lang="zh-CN" altLang="en-US"/>
           </a:p>
@@ -461,7 +461,7 @@
           <a:p>
             <a:fld id="{3ED103FD-9823-4368-A732-42423E8CFAAD}" type="datetimeFigureOut">
               <a:rPr lang="zh-CN" altLang="en-US" smtClean="0"/>
-              <a:t>2022/5/1</a:t>
+              <a:t>2022/5/20</a:t>
             </a:fld>
             <a:endParaRPr lang="zh-CN" altLang="en-US"/>
           </a:p>
@@ -669,7 +669,7 @@
           <a:p>
             <a:fld id="{3ED103FD-9823-4368-A732-42423E8CFAAD}" type="datetimeFigureOut">
               <a:rPr lang="zh-CN" altLang="en-US" smtClean="0"/>
-              <a:t>2022/5/1</a:t>
+              <a:t>2022/5/20</a:t>
             </a:fld>
             <a:endParaRPr lang="zh-CN" altLang="en-US"/>
           </a:p>
@@ -867,7 +867,7 @@
           <a:p>
             <a:fld id="{3ED103FD-9823-4368-A732-42423E8CFAAD}" type="datetimeFigureOut">
               <a:rPr lang="zh-CN" altLang="en-US" smtClean="0"/>
-              <a:t>2022/5/1</a:t>
+              <a:t>2022/5/20</a:t>
             </a:fld>
             <a:endParaRPr lang="zh-CN" altLang="en-US"/>
           </a:p>
@@ -1142,7 +1142,7 @@
           <a:p>
             <a:fld id="{3ED103FD-9823-4368-A732-42423E8CFAAD}" type="datetimeFigureOut">
               <a:rPr lang="zh-CN" altLang="en-US" smtClean="0"/>
-              <a:t>2022/5/1</a:t>
+              <a:t>2022/5/20</a:t>
             </a:fld>
             <a:endParaRPr lang="zh-CN" altLang="en-US"/>
           </a:p>
@@ -1407,7 +1407,7 @@
           <a:p>
             <a:fld id="{3ED103FD-9823-4368-A732-42423E8CFAAD}" type="datetimeFigureOut">
               <a:rPr lang="zh-CN" altLang="en-US" smtClean="0"/>
-              <a:t>2022/5/1</a:t>
+              <a:t>2022/5/20</a:t>
             </a:fld>
             <a:endParaRPr lang="zh-CN" altLang="en-US"/>
           </a:p>
@@ -1819,7 +1819,7 @@
           <a:p>
             <a:fld id="{3ED103FD-9823-4368-A732-42423E8CFAAD}" type="datetimeFigureOut">
               <a:rPr lang="zh-CN" altLang="en-US" smtClean="0"/>
-              <a:t>2022/5/1</a:t>
+              <a:t>2022/5/20</a:t>
             </a:fld>
             <a:endParaRPr lang="zh-CN" altLang="en-US"/>
           </a:p>
@@ -1960,7 +1960,7 @@
           <a:p>
             <a:fld id="{3ED103FD-9823-4368-A732-42423E8CFAAD}" type="datetimeFigureOut">
               <a:rPr lang="zh-CN" altLang="en-US" smtClean="0"/>
-              <a:t>2022/5/1</a:t>
+              <a:t>2022/5/20</a:t>
             </a:fld>
             <a:endParaRPr lang="zh-CN" altLang="en-US"/>
           </a:p>
@@ -2073,7 +2073,7 @@
           <a:p>
             <a:fld id="{3ED103FD-9823-4368-A732-42423E8CFAAD}" type="datetimeFigureOut">
               <a:rPr lang="zh-CN" altLang="en-US" smtClean="0"/>
-              <a:t>2022/5/1</a:t>
+              <a:t>2022/5/20</a:t>
             </a:fld>
             <a:endParaRPr lang="zh-CN" altLang="en-US"/>
           </a:p>
@@ -2384,7 +2384,7 @@
           <a:p>
             <a:fld id="{3ED103FD-9823-4368-A732-42423E8CFAAD}" type="datetimeFigureOut">
               <a:rPr lang="zh-CN" altLang="en-US" smtClean="0"/>
-              <a:t>2022/5/1</a:t>
+              <a:t>2022/5/20</a:t>
             </a:fld>
             <a:endParaRPr lang="zh-CN" altLang="en-US"/>
           </a:p>
@@ -2672,7 +2672,7 @@
           <a:p>
             <a:fld id="{3ED103FD-9823-4368-A732-42423E8CFAAD}" type="datetimeFigureOut">
               <a:rPr lang="zh-CN" altLang="en-US" smtClean="0"/>
-              <a:t>2022/5/1</a:t>
+              <a:t>2022/5/20</a:t>
             </a:fld>
             <a:endParaRPr lang="zh-CN" altLang="en-US"/>
           </a:p>
@@ -2913,7 +2913,7 @@
           <a:p>
             <a:fld id="{3ED103FD-9823-4368-A732-42423E8CFAAD}" type="datetimeFigureOut">
               <a:rPr lang="zh-CN" altLang="en-US" smtClean="0"/>
-              <a:t>2022/5/1</a:t>
+              <a:t>2022/5/20</a:t>
             </a:fld>
             <a:endParaRPr lang="zh-CN" altLang="en-US"/>
           </a:p>
@@ -3819,10 +3819,21 @@
           <a:bodyPr/>
           <a:lstStyle/>
           <a:p>
-            <a:r>
-              <a:rPr lang="zh-CN" altLang="en-US" dirty="0"/>
+            <a:pPr algn="ctr"/>
+            <a:r>
+              <a:rPr lang="zh-CN" altLang="en-US" sz="6600" dirty="0">
+                <a:latin typeface="华文新魏" panose="02010800040101010101" pitchFamily="2" charset="-122"/>
+                <a:ea typeface="华文新魏" panose="02010800040101010101" pitchFamily="2" charset="-122"/>
+              </a:rPr>
               <a:t>蜀相</a:t>
             </a:r>
+            <a:r>
+              <a:rPr lang="zh-CN" altLang="en-US" sz="2800" dirty="0">
+                <a:latin typeface="华文新魏" panose="02010800040101010101" pitchFamily="2" charset="-122"/>
+                <a:ea typeface="华文新魏" panose="02010800040101010101" pitchFamily="2" charset="-122"/>
+              </a:rPr>
+              <a:t>杜甫</a:t>
+            </a:r>
           </a:p>
         </p:txBody>
       </p:sp>
@@ -3844,84 +3855,131 @@
         </p:nvSpPr>
         <p:spPr/>
         <p:txBody>
-          <a:bodyPr/>
+          <a:bodyPr>
+            <a:noAutofit/>
+          </a:bodyPr>
           <a:lstStyle/>
           <a:p>
             <a:pPr marL="0" indent="0">
               <a:buNone/>
             </a:pPr>
             <a:r>
-              <a:rPr lang="zh-CN" altLang="en-US" dirty="0"/>
+              <a:rPr lang="zh-CN" altLang="en-US" sz="3200" dirty="0">
+                <a:latin typeface="楷体" panose="02010609060101010101" pitchFamily="49" charset="-122"/>
+                <a:ea typeface="楷体" panose="02010609060101010101" pitchFamily="49" charset="-122"/>
+              </a:rPr>
               <a:t>丞相祠堂何处寻</a:t>
             </a:r>
-            <a:endParaRPr lang="en-US" altLang="zh-CN" dirty="0"/>
+            <a:endParaRPr lang="en-US" altLang="zh-CN" sz="3200" dirty="0">
+              <a:latin typeface="楷体" panose="02010609060101010101" pitchFamily="49" charset="-122"/>
+              <a:ea typeface="楷体" panose="02010609060101010101" pitchFamily="49" charset="-122"/>
+            </a:endParaRPr>
           </a:p>
           <a:p>
             <a:pPr marL="0" indent="0">
               <a:buNone/>
             </a:pPr>
             <a:r>
-              <a:rPr lang="zh-CN" altLang="en-US" dirty="0"/>
+              <a:rPr lang="zh-CN" altLang="en-US" sz="3200" dirty="0">
+                <a:latin typeface="楷体" panose="02010609060101010101" pitchFamily="49" charset="-122"/>
+                <a:ea typeface="楷体" panose="02010609060101010101" pitchFamily="49" charset="-122"/>
+              </a:rPr>
               <a:t>锦官城外柏森森</a:t>
             </a:r>
-            <a:endParaRPr lang="en-US" altLang="zh-CN" dirty="0"/>
+            <a:endParaRPr lang="en-US" altLang="zh-CN" sz="3200" dirty="0">
+              <a:latin typeface="楷体" panose="02010609060101010101" pitchFamily="49" charset="-122"/>
+              <a:ea typeface="楷体" panose="02010609060101010101" pitchFamily="49" charset="-122"/>
+            </a:endParaRPr>
           </a:p>
           <a:p>
             <a:pPr marL="0" indent="0">
               <a:buNone/>
             </a:pPr>
             <a:r>
-              <a:rPr lang="zh-CN" altLang="en-US" dirty="0"/>
+              <a:rPr lang="zh-CN" altLang="en-US" sz="3200" dirty="0">
+                <a:latin typeface="楷体" panose="02010609060101010101" pitchFamily="49" charset="-122"/>
+                <a:ea typeface="楷体" panose="02010609060101010101" pitchFamily="49" charset="-122"/>
+              </a:rPr>
               <a:t>映阶碧草自春色</a:t>
             </a:r>
-            <a:endParaRPr lang="en-US" altLang="zh-CN" dirty="0"/>
+            <a:endParaRPr lang="en-US" altLang="zh-CN" sz="3200" dirty="0">
+              <a:latin typeface="楷体" panose="02010609060101010101" pitchFamily="49" charset="-122"/>
+              <a:ea typeface="楷体" panose="02010609060101010101" pitchFamily="49" charset="-122"/>
+            </a:endParaRPr>
           </a:p>
           <a:p>
             <a:pPr marL="0" indent="0">
               <a:buNone/>
             </a:pPr>
             <a:r>
-              <a:rPr lang="zh-CN" altLang="en-US" dirty="0"/>
+              <a:rPr lang="zh-CN" altLang="en-US" sz="3200" dirty="0">
+                <a:latin typeface="楷体" panose="02010609060101010101" pitchFamily="49" charset="-122"/>
+                <a:ea typeface="楷体" panose="02010609060101010101" pitchFamily="49" charset="-122"/>
+              </a:rPr>
               <a:t>隔叶黄鹂空好音</a:t>
             </a:r>
-            <a:endParaRPr lang="en-US" altLang="zh-CN" dirty="0"/>
+            <a:endParaRPr lang="en-US" altLang="zh-CN" sz="3200" dirty="0">
+              <a:latin typeface="楷体" panose="02010609060101010101" pitchFamily="49" charset="-122"/>
+              <a:ea typeface="楷体" panose="02010609060101010101" pitchFamily="49" charset="-122"/>
+            </a:endParaRPr>
           </a:p>
           <a:p>
             <a:pPr marL="0" indent="0">
               <a:buNone/>
             </a:pPr>
             <a:r>
-              <a:rPr lang="zh-CN" altLang="en-US" dirty="0"/>
+              <a:rPr lang="zh-CN" altLang="en-US" sz="3200" dirty="0">
+                <a:latin typeface="楷体" panose="02010609060101010101" pitchFamily="49" charset="-122"/>
+                <a:ea typeface="楷体" panose="02010609060101010101" pitchFamily="49" charset="-122"/>
+              </a:rPr>
               <a:t>三顾频频天下计</a:t>
             </a:r>
-            <a:endParaRPr lang="en-US" altLang="zh-CN" dirty="0"/>
+            <a:endParaRPr lang="en-US" altLang="zh-CN" sz="3200" dirty="0">
+              <a:latin typeface="楷体" panose="02010609060101010101" pitchFamily="49" charset="-122"/>
+              <a:ea typeface="楷体" panose="02010609060101010101" pitchFamily="49" charset="-122"/>
+            </a:endParaRPr>
           </a:p>
           <a:p>
             <a:pPr marL="0" indent="0">
               <a:buNone/>
             </a:pPr>
             <a:r>
-              <a:rPr lang="zh-CN" altLang="en-US" dirty="0"/>
+              <a:rPr lang="zh-CN" altLang="en-US" sz="3200" dirty="0">
+                <a:latin typeface="楷体" panose="02010609060101010101" pitchFamily="49" charset="-122"/>
+                <a:ea typeface="楷体" panose="02010609060101010101" pitchFamily="49" charset="-122"/>
+              </a:rPr>
               <a:t>两朝开济老臣心</a:t>
             </a:r>
-            <a:endParaRPr lang="en-US" altLang="zh-CN" dirty="0"/>
+            <a:endParaRPr lang="en-US" altLang="zh-CN" sz="3200" dirty="0">
+              <a:latin typeface="楷体" panose="02010609060101010101" pitchFamily="49" charset="-122"/>
+              <a:ea typeface="楷体" panose="02010609060101010101" pitchFamily="49" charset="-122"/>
+            </a:endParaRPr>
           </a:p>
           <a:p>
             <a:pPr marL="0" indent="0">
               <a:buNone/>
             </a:pPr>
             <a:r>
-              <a:rPr lang="zh-CN" altLang="en-US" dirty="0"/>
+              <a:rPr lang="zh-CN" altLang="en-US" sz="3200" dirty="0">
+                <a:latin typeface="楷体" panose="02010609060101010101" pitchFamily="49" charset="-122"/>
+                <a:ea typeface="楷体" panose="02010609060101010101" pitchFamily="49" charset="-122"/>
+              </a:rPr>
               <a:t>出师未捷身先死</a:t>
             </a:r>
-            <a:endParaRPr lang="en-US" altLang="zh-CN" dirty="0"/>
+            <a:endParaRPr lang="en-US" altLang="zh-CN" sz="3200" dirty="0">
+              <a:latin typeface="楷体" panose="02010609060101010101" pitchFamily="49" charset="-122"/>
+              <a:ea typeface="楷体" panose="02010609060101010101" pitchFamily="49" charset="-122"/>
+            </a:endParaRPr>
           </a:p>
           <a:p>
             <a:pPr marL="0" indent="0">
               <a:buNone/>
             </a:pPr>
             <a:r>
-              <a:rPr lang="zh-CN" altLang="en-US" dirty="0"/>
+              <a:rPr lang="zh-CN" altLang="en-US" sz="3200" dirty="0">
+                <a:latin typeface="楷体" panose="02010609060101010101" pitchFamily="49" charset="-122"/>
+                <a:ea typeface="楷体" panose="02010609060101010101" pitchFamily="49" charset="-122"/>
+              </a:rPr>
               <a:t>长使英雄泪满襟</a:t>
             </a:r>
           </a:p>

--- a/Exercise1.pptx
+++ b/Exercise1.pptx
@@ -3985,6 +3985,175 @@
           </a:p>
         </p:txBody>
       </p:sp>
+      <p:sp>
+        <p:nvSpPr>
+          <p:cNvPr id="4" name="文本框 3">
+            <a:extLst>
+              <a:ext uri="{FF2B5EF4-FFF2-40B4-BE49-F238E27FC236}">
+                <a16:creationId xmlns:a16="http://schemas.microsoft.com/office/drawing/2014/main" id="{6023DA56-E0A3-40C0-AAC5-530C95DA8FDC}"/>
+              </a:ext>
+            </a:extLst>
+          </p:cNvPr>
+          <p:cNvSpPr txBox="1"/>
+          <p:nvPr/>
+        </p:nvSpPr>
+        <p:spPr>
+          <a:xfrm>
+            <a:off x="10070927" y="0"/>
+            <a:ext cx="2121073" cy="6840000"/>
+          </a:xfrm>
+          <a:prstGeom prst="rect">
+            <a:avLst/>
+          </a:prstGeom>
+          <a:solidFill>
+            <a:schemeClr val="accent1"/>
+          </a:solidFill>
+        </p:spPr>
+        <p:txBody>
+          <a:bodyPr wrap="square" lIns="180000" tIns="684000" rIns="180000" bIns="684000" rtlCol="0">
+            <a:spAutoFit/>
+          </a:bodyPr>
+          <a:lstStyle/>
+          <a:p>
+            <a:pPr>
+              <a:lnSpc>
+                <a:spcPct val="150000"/>
+              </a:lnSpc>
+            </a:pPr>
+            <a:r>
+              <a:rPr lang="zh-CN" altLang="zh-CN" sz="2000" b="1" kern="100" dirty="0">
+                <a:solidFill>
+                  <a:schemeClr val="bg1">
+                    <a:lumMod val="95000"/>
+                  </a:schemeClr>
+                </a:solidFill>
+                <a:effectLst/>
+                <a:latin typeface="楷体" panose="02010609060101010101" pitchFamily="49" charset="-122"/>
+                <a:ea typeface="楷体" panose="02010609060101010101" pitchFamily="49" charset="-122"/>
+                <a:cs typeface="Times New Roman" panose="02020603050405020304" pitchFamily="18" charset="0"/>
+              </a:rPr>
+              <a:t>杜甫</a:t>
+            </a:r>
+            <a:r>
+              <a:rPr lang="en-US" altLang="zh-CN" sz="2000" b="1" kern="100" dirty="0">
+                <a:solidFill>
+                  <a:schemeClr val="bg1">
+                    <a:lumMod val="95000"/>
+                  </a:schemeClr>
+                </a:solidFill>
+                <a:effectLst/>
+                <a:latin typeface="楷体" panose="02010609060101010101" pitchFamily="49" charset="-122"/>
+                <a:ea typeface="楷体" panose="02010609060101010101" pitchFamily="49" charset="-122"/>
+              </a:rPr>
+              <a:t>(</a:t>
+            </a:r>
+            <a:r>
+              <a:rPr lang="zh-CN" altLang="zh-CN" sz="2000" b="1" kern="100" dirty="0">
+                <a:solidFill>
+                  <a:schemeClr val="bg1">
+                    <a:lumMod val="95000"/>
+                  </a:schemeClr>
+                </a:solidFill>
+                <a:effectLst/>
+                <a:latin typeface="楷体" panose="02010609060101010101" pitchFamily="49" charset="-122"/>
+                <a:ea typeface="楷体" panose="02010609060101010101" pitchFamily="49" charset="-122"/>
+                <a:cs typeface="Times New Roman" panose="02020603050405020304" pitchFamily="18" charset="0"/>
+              </a:rPr>
+              <a:t>公元</a:t>
+            </a:r>
+            <a:r>
+              <a:rPr lang="en-US" altLang="zh-CN" sz="2000" b="1" kern="100" dirty="0">
+                <a:solidFill>
+                  <a:schemeClr val="bg1">
+                    <a:lumMod val="95000"/>
+                  </a:schemeClr>
+                </a:solidFill>
+                <a:effectLst/>
+                <a:latin typeface="楷体" panose="02010609060101010101" pitchFamily="49" charset="-122"/>
+                <a:ea typeface="楷体" panose="02010609060101010101" pitchFamily="49" charset="-122"/>
+              </a:rPr>
+              <a:t>712</a:t>
+            </a:r>
+            <a:r>
+              <a:rPr lang="zh-CN" altLang="zh-CN" sz="2000" b="1" kern="100" dirty="0">
+                <a:solidFill>
+                  <a:schemeClr val="bg1">
+                    <a:lumMod val="95000"/>
+                  </a:schemeClr>
+                </a:solidFill>
+                <a:effectLst/>
+                <a:latin typeface="楷体" panose="02010609060101010101" pitchFamily="49" charset="-122"/>
+                <a:ea typeface="楷体" panose="02010609060101010101" pitchFamily="49" charset="-122"/>
+                <a:cs typeface="Times New Roman" panose="02020603050405020304" pitchFamily="18" charset="0"/>
+              </a:rPr>
+              <a:t>—</a:t>
+            </a:r>
+            <a:r>
+              <a:rPr lang="en-US" altLang="zh-CN" sz="2000" b="1" kern="100" dirty="0">
+                <a:solidFill>
+                  <a:schemeClr val="bg1">
+                    <a:lumMod val="95000"/>
+                  </a:schemeClr>
+                </a:solidFill>
+                <a:effectLst/>
+                <a:latin typeface="楷体" panose="02010609060101010101" pitchFamily="49" charset="-122"/>
+                <a:ea typeface="楷体" panose="02010609060101010101" pitchFamily="49" charset="-122"/>
+              </a:rPr>
+              <a:t>770</a:t>
+            </a:r>
+            <a:r>
+              <a:rPr lang="zh-CN" altLang="zh-CN" sz="2000" b="1" kern="100" dirty="0">
+                <a:solidFill>
+                  <a:schemeClr val="bg1">
+                    <a:lumMod val="95000"/>
+                  </a:schemeClr>
+                </a:solidFill>
+                <a:effectLst/>
+                <a:latin typeface="楷体" panose="02010609060101010101" pitchFamily="49" charset="-122"/>
+                <a:ea typeface="楷体" panose="02010609060101010101" pitchFamily="49" charset="-122"/>
+                <a:cs typeface="Times New Roman" panose="02020603050405020304" pitchFamily="18" charset="0"/>
+              </a:rPr>
+              <a:t>年</a:t>
+            </a:r>
+            <a:r>
+              <a:rPr lang="en-US" altLang="zh-CN" sz="2000" b="1" kern="100" dirty="0">
+                <a:solidFill>
+                  <a:schemeClr val="bg1">
+                    <a:lumMod val="95000"/>
+                  </a:schemeClr>
+                </a:solidFill>
+                <a:effectLst/>
+                <a:latin typeface="楷体" panose="02010609060101010101" pitchFamily="49" charset="-122"/>
+                <a:ea typeface="楷体" panose="02010609060101010101" pitchFamily="49" charset="-122"/>
+              </a:rPr>
+              <a:t>)</a:t>
+            </a:r>
+            <a:r>
+              <a:rPr lang="zh-CN" altLang="zh-CN" sz="2000" b="1" kern="100" dirty="0">
+                <a:solidFill>
+                  <a:schemeClr val="bg1">
+                    <a:lumMod val="95000"/>
+                  </a:schemeClr>
+                </a:solidFill>
+                <a:effectLst/>
+                <a:latin typeface="楷体" panose="02010609060101010101" pitchFamily="49" charset="-122"/>
+                <a:ea typeface="楷体" panose="02010609060101010101" pitchFamily="49" charset="-122"/>
+                <a:cs typeface="Times New Roman" panose="02020603050405020304" pitchFamily="18" charset="0"/>
+              </a:rPr>
+              <a:t>是我国历史上伟大的现实主义诗人，他的诗反映了战乱中人民的深重苦难，揭露了封建社会的腐朽和罪恶，表达了对人民的同情和对祖国的热爱之情。</a:t>
+            </a:r>
+            <a:endParaRPr lang="zh-CN" altLang="en-US" sz="2000" b="1" dirty="0">
+              <a:solidFill>
+                <a:schemeClr val="bg1">
+                  <a:lumMod val="95000"/>
+                </a:schemeClr>
+              </a:solidFill>
+              <a:latin typeface="楷体" panose="02010609060101010101" pitchFamily="49" charset="-122"/>
+              <a:ea typeface="楷体" panose="02010609060101010101" pitchFamily="49" charset="-122"/>
+            </a:endParaRPr>
+          </a:p>
+        </p:txBody>
+      </p:sp>
     </p:spTree>
     <p:extLst>
       <p:ext uri="{BB962C8B-B14F-4D97-AF65-F5344CB8AC3E}">

--- a/Exercise1.pptx
+++ b/Exercise1.pptx
@@ -3624,40 +3624,755 @@
             <p:ph type="title"/>
           </p:nvPr>
         </p:nvSpPr>
-        <p:spPr/>
-        <p:txBody>
-          <a:bodyPr/>
-          <a:lstStyle/>
-          <a:p>
-            <a:r>
-              <a:rPr lang="zh-CN" altLang="en-US" dirty="0"/>
+        <p:spPr>
+          <a:xfrm>
+            <a:off x="950933" y="1876870"/>
+            <a:ext cx="10515600" cy="1325563"/>
+          </a:xfrm>
+        </p:spPr>
+        <p:txBody>
+          <a:bodyPr/>
+          <a:lstStyle/>
+          <a:p>
+            <a:pPr algn="ctr"/>
+            <a:r>
+              <a:rPr lang="zh-CN" altLang="zh-CN" sz="6600" dirty="0">
+                <a:latin typeface="华文新魏" panose="02010800040101010101" pitchFamily="2" charset="-122"/>
+                <a:ea typeface="华文新魏" panose="02010800040101010101" pitchFamily="2" charset="-122"/>
+              </a:rPr>
               <a:t>塞下曲</a:t>
             </a:r>
-          </a:p>
-        </p:txBody>
-      </p:sp>
-      <p:sp>
-        <p:nvSpPr>
-          <p:cNvPr id="3" name="内容占位符 2">
-            <a:extLst>
-              <a:ext uri="{FF2B5EF4-FFF2-40B4-BE49-F238E27FC236}">
-                <a16:creationId xmlns:a16="http://schemas.microsoft.com/office/drawing/2014/main" id="{A1B45C7C-5180-4228-B175-8FD1C133397D}"/>
-              </a:ext>
-            </a:extLst>
-          </p:cNvPr>
-          <p:cNvSpPr>
-            <a:spLocks noGrp="1"/>
-          </p:cNvSpPr>
+            <a:r>
+              <a:rPr lang="en-US" altLang="zh-CN" dirty="0">
+                <a:latin typeface="华文新魏" panose="02010800040101010101" pitchFamily="2" charset="-122"/>
+                <a:ea typeface="华文新魏" panose="02010800040101010101" pitchFamily="2" charset="-122"/>
+              </a:rPr>
+              <a:t>  </a:t>
+            </a:r>
+            <a:r>
+              <a:rPr lang="zh-CN" altLang="zh-CN" sz="2800" dirty="0">
+                <a:latin typeface="华文新魏" panose="02010800040101010101" pitchFamily="2" charset="-122"/>
+                <a:ea typeface="华文新魏" panose="02010800040101010101" pitchFamily="2" charset="-122"/>
+              </a:rPr>
+              <a:t>李白</a:t>
+            </a:r>
+            <a:endParaRPr lang="zh-CN" altLang="en-US" sz="2800" dirty="0">
+              <a:latin typeface="华文新魏" panose="02010800040101010101" pitchFamily="2" charset="-122"/>
+              <a:ea typeface="华文新魏" panose="02010800040101010101" pitchFamily="2" charset="-122"/>
+            </a:endParaRPr>
+          </a:p>
+        </p:txBody>
+      </p:sp>
+      <p:graphicFrame>
+        <p:nvGraphicFramePr>
+          <p:cNvPr id="4" name="表格 4">
+            <a:extLst>
+              <a:ext uri="{FF2B5EF4-FFF2-40B4-BE49-F238E27FC236}">
+                <a16:creationId xmlns:a16="http://schemas.microsoft.com/office/drawing/2014/main" id="{0494F3F0-35CC-41D8-8A63-B95203325A9B}"/>
+              </a:ext>
+            </a:extLst>
+          </p:cNvPr>
+          <p:cNvGraphicFramePr>
+            <a:graphicFrameLocks noGrp="1"/>
+          </p:cNvGraphicFramePr>
           <p:nvPr>
             <p:ph idx="1"/>
-          </p:nvPr>
-        </p:nvSpPr>
-        <p:spPr/>
-        <p:txBody>
-          <a:bodyPr/>
-          <a:lstStyle/>
-          <a:p>
-            <a:endParaRPr lang="zh-CN" altLang="en-US"/>
+            <p:extLst>
+              <p:ext uri="{D42A27DB-BD31-4B8C-83A1-F6EECF244321}">
+                <p14:modId xmlns:p14="http://schemas.microsoft.com/office/powerpoint/2010/main" val="2408689037"/>
+              </p:ext>
+            </p:extLst>
+          </p:nvPr>
+        </p:nvGraphicFramePr>
+        <p:xfrm>
+          <a:off x="950933" y="3878974"/>
+          <a:ext cx="10515600" cy="1828800"/>
+        </p:xfrm>
+        <a:graphic>
+          <a:graphicData uri="http://schemas.openxmlformats.org/drawingml/2006/table">
+            <a:tbl>
+              <a:tblPr firstRow="1" bandRow="1">
+                <a:tableStyleId>{5C22544A-7EE6-4342-B048-85BDC9FD1C3A}</a:tableStyleId>
+              </a:tblPr>
+              <a:tblGrid>
+                <a:gridCol w="5257800">
+                  <a:extLst>
+                    <a:ext uri="{9D8B030D-6E8A-4147-A177-3AD203B41FA5}">
+                      <a16:colId xmlns:a16="http://schemas.microsoft.com/office/drawing/2014/main" val="1576488188"/>
+                    </a:ext>
+                  </a:extLst>
+                </a:gridCol>
+                <a:gridCol w="5257800">
+                  <a:extLst>
+                    <a:ext uri="{9D8B030D-6E8A-4147-A177-3AD203B41FA5}">
+                      <a16:colId xmlns:a16="http://schemas.microsoft.com/office/drawing/2014/main" val="1276958167"/>
+                    </a:ext>
+                  </a:extLst>
+                </a:gridCol>
+              </a:tblGrid>
+              <a:tr h="370840">
+                <a:tc>
+                  <a:txBody>
+                    <a:bodyPr/>
+                    <a:lstStyle/>
+                    <a:p>
+                      <a:pPr algn="ctr"/>
+                      <a:r>
+                        <a:rPr lang="zh-CN" altLang="en-US" sz="2400" b="0" dirty="0">
+                          <a:solidFill>
+                            <a:schemeClr val="tx1"/>
+                          </a:solidFill>
+                          <a:latin typeface="宋体" panose="02010600030101010101" pitchFamily="2" charset="-122"/>
+                          <a:ea typeface="宋体" panose="02010600030101010101" pitchFamily="2" charset="-122"/>
+                        </a:rPr>
+                        <a:t>五月天山雪</a:t>
+                      </a:r>
+                    </a:p>
+                  </a:txBody>
+                  <a:tcPr>
+                    <a:lnL w="28575" cap="flat" cmpd="sng" algn="ctr">
+                      <a:solidFill>
+                        <a:schemeClr val="tx1"/>
+                      </a:solidFill>
+                      <a:prstDash val="solid"/>
+                      <a:round/>
+                      <a:headEnd type="none" w="med" len="med"/>
+                      <a:tailEnd type="none" w="med" len="med"/>
+                    </a:lnL>
+                    <a:lnR w="19050" cap="flat" cmpd="sng" algn="ctr">
+                      <a:solidFill>
+                        <a:schemeClr val="tx1"/>
+                      </a:solidFill>
+                      <a:prstDash val="solid"/>
+                      <a:round/>
+                      <a:headEnd type="none" w="med" len="med"/>
+                      <a:tailEnd type="none" w="med" len="med"/>
+                    </a:lnR>
+                    <a:lnT w="28575" cap="flat" cmpd="sng" algn="ctr">
+                      <a:solidFill>
+                        <a:schemeClr val="tx1"/>
+                      </a:solidFill>
+                      <a:prstDash val="solid"/>
+                      <a:round/>
+                      <a:headEnd type="none" w="med" len="med"/>
+                      <a:tailEnd type="none" w="med" len="med"/>
+                    </a:lnT>
+                    <a:lnB w="19050" cap="flat" cmpd="sng" algn="ctr">
+                      <a:solidFill>
+                        <a:schemeClr val="tx1"/>
+                      </a:solidFill>
+                      <a:prstDash val="solid"/>
+                      <a:round/>
+                      <a:headEnd type="none" w="med" len="med"/>
+                      <a:tailEnd type="none" w="med" len="med"/>
+                    </a:lnB>
+                    <a:lnTlToBr w="12700" cmpd="sng">
+                      <a:noFill/>
+                      <a:prstDash val="solid"/>
+                    </a:lnTlToBr>
+                    <a:lnBlToTr w="12700" cmpd="sng">
+                      <a:noFill/>
+                      <a:prstDash val="solid"/>
+                    </a:lnBlToTr>
+                    <a:solidFill>
+                      <a:schemeClr val="bg1"/>
+                    </a:solidFill>
+                  </a:tcPr>
+                </a:tc>
+                <a:tc>
+                  <a:txBody>
+                    <a:bodyPr/>
+                    <a:lstStyle/>
+                    <a:p>
+                      <a:pPr algn="ctr"/>
+                      <a:r>
+                        <a:rPr lang="zh-CN" altLang="en-US" sz="2400" b="0" dirty="0">
+                          <a:solidFill>
+                            <a:schemeClr val="tx1"/>
+                          </a:solidFill>
+                          <a:latin typeface="宋体" panose="02010600030101010101" pitchFamily="2" charset="-122"/>
+                          <a:ea typeface="宋体" panose="02010600030101010101" pitchFamily="2" charset="-122"/>
+                        </a:rPr>
+                        <a:t>无花只有寒</a:t>
+                      </a:r>
+                    </a:p>
+                  </a:txBody>
+                  <a:tcPr>
+                    <a:lnL w="19050" cap="flat" cmpd="sng" algn="ctr">
+                      <a:solidFill>
+                        <a:schemeClr val="tx1"/>
+                      </a:solidFill>
+                      <a:prstDash val="solid"/>
+                      <a:round/>
+                      <a:headEnd type="none" w="med" len="med"/>
+                      <a:tailEnd type="none" w="med" len="med"/>
+                    </a:lnL>
+                    <a:lnR w="28575" cap="flat" cmpd="sng" algn="ctr">
+                      <a:solidFill>
+                        <a:schemeClr val="tx1"/>
+                      </a:solidFill>
+                      <a:prstDash val="solid"/>
+                      <a:round/>
+                      <a:headEnd type="none" w="med" len="med"/>
+                      <a:tailEnd type="none" w="med" len="med"/>
+                    </a:lnR>
+                    <a:lnT w="28575" cap="flat" cmpd="sng" algn="ctr">
+                      <a:solidFill>
+                        <a:schemeClr val="tx1"/>
+                      </a:solidFill>
+                      <a:prstDash val="solid"/>
+                      <a:round/>
+                      <a:headEnd type="none" w="med" len="med"/>
+                      <a:tailEnd type="none" w="med" len="med"/>
+                    </a:lnT>
+                    <a:lnB w="19050" cap="flat" cmpd="sng" algn="ctr">
+                      <a:solidFill>
+                        <a:schemeClr val="tx1"/>
+                      </a:solidFill>
+                      <a:prstDash val="solid"/>
+                      <a:round/>
+                      <a:headEnd type="none" w="med" len="med"/>
+                      <a:tailEnd type="none" w="med" len="med"/>
+                    </a:lnB>
+                    <a:lnTlToBr w="12700" cmpd="sng">
+                      <a:noFill/>
+                      <a:prstDash val="solid"/>
+                    </a:lnTlToBr>
+                    <a:lnBlToTr w="12700" cmpd="sng">
+                      <a:noFill/>
+                      <a:prstDash val="solid"/>
+                    </a:lnBlToTr>
+                    <a:solidFill>
+                      <a:schemeClr val="bg1"/>
+                    </a:solidFill>
+                  </a:tcPr>
+                </a:tc>
+                <a:extLst>
+                  <a:ext uri="{0D108BD9-81ED-4DB2-BD59-A6C34878D82A}">
+                    <a16:rowId xmlns:a16="http://schemas.microsoft.com/office/drawing/2014/main" val="1130041721"/>
+                  </a:ext>
+                </a:extLst>
+              </a:tr>
+              <a:tr h="370840">
+                <a:tc>
+                  <a:txBody>
+                    <a:bodyPr/>
+                    <a:lstStyle/>
+                    <a:p>
+                      <a:pPr algn="ctr"/>
+                      <a:r>
+                        <a:rPr lang="zh-CN" altLang="en-US" sz="2400" dirty="0">
+                          <a:solidFill>
+                            <a:schemeClr val="tx1"/>
+                          </a:solidFill>
+                          <a:latin typeface="宋体" panose="02010600030101010101" pitchFamily="2" charset="-122"/>
+                          <a:ea typeface="宋体" panose="02010600030101010101" pitchFamily="2" charset="-122"/>
+                        </a:rPr>
+                        <a:t>笛中闻折柳</a:t>
+                      </a:r>
+                    </a:p>
+                  </a:txBody>
+                  <a:tcPr>
+                    <a:lnL w="28575" cap="flat" cmpd="sng" algn="ctr">
+                      <a:solidFill>
+                        <a:schemeClr val="tx1"/>
+                      </a:solidFill>
+                      <a:prstDash val="solid"/>
+                      <a:round/>
+                      <a:headEnd type="none" w="med" len="med"/>
+                      <a:tailEnd type="none" w="med" len="med"/>
+                    </a:lnL>
+                    <a:lnR w="19050" cap="flat" cmpd="sng" algn="ctr">
+                      <a:solidFill>
+                        <a:schemeClr val="tx1"/>
+                      </a:solidFill>
+                      <a:prstDash val="solid"/>
+                      <a:round/>
+                      <a:headEnd type="none" w="med" len="med"/>
+                      <a:tailEnd type="none" w="med" len="med"/>
+                    </a:lnR>
+                    <a:lnT w="19050" cap="flat" cmpd="sng" algn="ctr">
+                      <a:solidFill>
+                        <a:schemeClr val="tx1"/>
+                      </a:solidFill>
+                      <a:prstDash val="solid"/>
+                      <a:round/>
+                      <a:headEnd type="none" w="med" len="med"/>
+                      <a:tailEnd type="none" w="med" len="med"/>
+                    </a:lnT>
+                    <a:lnB w="19050" cap="flat" cmpd="sng" algn="ctr">
+                      <a:solidFill>
+                        <a:schemeClr val="tx1"/>
+                      </a:solidFill>
+                      <a:prstDash val="solid"/>
+                      <a:round/>
+                      <a:headEnd type="none" w="med" len="med"/>
+                      <a:tailEnd type="none" w="med" len="med"/>
+                    </a:lnB>
+                    <a:lnTlToBr w="12700" cmpd="sng">
+                      <a:noFill/>
+                      <a:prstDash val="solid"/>
+                    </a:lnTlToBr>
+                    <a:lnBlToTr w="12700" cmpd="sng">
+                      <a:noFill/>
+                      <a:prstDash val="solid"/>
+                    </a:lnBlToTr>
+                    <a:solidFill>
+                      <a:schemeClr val="bg1"/>
+                    </a:solidFill>
+                  </a:tcPr>
+                </a:tc>
+                <a:tc>
+                  <a:txBody>
+                    <a:bodyPr/>
+                    <a:lstStyle/>
+                    <a:p>
+                      <a:pPr algn="ctr"/>
+                      <a:r>
+                        <a:rPr lang="zh-CN" altLang="en-US" sz="2400" dirty="0">
+                          <a:solidFill>
+                            <a:schemeClr val="tx1"/>
+                          </a:solidFill>
+                          <a:latin typeface="宋体" panose="02010600030101010101" pitchFamily="2" charset="-122"/>
+                          <a:ea typeface="宋体" panose="02010600030101010101" pitchFamily="2" charset="-122"/>
+                        </a:rPr>
+                        <a:t>春色未曾看</a:t>
+                      </a:r>
+                    </a:p>
+                  </a:txBody>
+                  <a:tcPr>
+                    <a:lnL w="19050" cap="flat" cmpd="sng" algn="ctr">
+                      <a:solidFill>
+                        <a:schemeClr val="tx1"/>
+                      </a:solidFill>
+                      <a:prstDash val="solid"/>
+                      <a:round/>
+                      <a:headEnd type="none" w="med" len="med"/>
+                      <a:tailEnd type="none" w="med" len="med"/>
+                    </a:lnL>
+                    <a:lnR w="28575" cap="flat" cmpd="sng" algn="ctr">
+                      <a:solidFill>
+                        <a:schemeClr val="tx1"/>
+                      </a:solidFill>
+                      <a:prstDash val="solid"/>
+                      <a:round/>
+                      <a:headEnd type="none" w="med" len="med"/>
+                      <a:tailEnd type="none" w="med" len="med"/>
+                    </a:lnR>
+                    <a:lnT w="19050" cap="flat" cmpd="sng" algn="ctr">
+                      <a:solidFill>
+                        <a:schemeClr val="tx1"/>
+                      </a:solidFill>
+                      <a:prstDash val="solid"/>
+                      <a:round/>
+                      <a:headEnd type="none" w="med" len="med"/>
+                      <a:tailEnd type="none" w="med" len="med"/>
+                    </a:lnT>
+                    <a:lnB w="19050" cap="flat" cmpd="sng" algn="ctr">
+                      <a:solidFill>
+                        <a:schemeClr val="tx1"/>
+                      </a:solidFill>
+                      <a:prstDash val="solid"/>
+                      <a:round/>
+                      <a:headEnd type="none" w="med" len="med"/>
+                      <a:tailEnd type="none" w="med" len="med"/>
+                    </a:lnB>
+                    <a:lnTlToBr w="12700" cmpd="sng">
+                      <a:noFill/>
+                      <a:prstDash val="solid"/>
+                    </a:lnTlToBr>
+                    <a:lnBlToTr w="12700" cmpd="sng">
+                      <a:noFill/>
+                      <a:prstDash val="solid"/>
+                    </a:lnBlToTr>
+                    <a:solidFill>
+                      <a:schemeClr val="bg1"/>
+                    </a:solidFill>
+                  </a:tcPr>
+                </a:tc>
+                <a:extLst>
+                  <a:ext uri="{0D108BD9-81ED-4DB2-BD59-A6C34878D82A}">
+                    <a16:rowId xmlns:a16="http://schemas.microsoft.com/office/drawing/2014/main" val="2294467293"/>
+                  </a:ext>
+                </a:extLst>
+              </a:tr>
+              <a:tr h="370840">
+                <a:tc>
+                  <a:txBody>
+                    <a:bodyPr/>
+                    <a:lstStyle/>
+                    <a:p>
+                      <a:pPr algn="ctr"/>
+                      <a:r>
+                        <a:rPr lang="zh-CN" altLang="en-US" sz="2400" dirty="0">
+                          <a:solidFill>
+                            <a:schemeClr val="tx1"/>
+                          </a:solidFill>
+                          <a:latin typeface="宋体" panose="02010600030101010101" pitchFamily="2" charset="-122"/>
+                          <a:ea typeface="宋体" panose="02010600030101010101" pitchFamily="2" charset="-122"/>
+                        </a:rPr>
+                        <a:t>晓战随金鼓</a:t>
+                      </a:r>
+                    </a:p>
+                  </a:txBody>
+                  <a:tcPr>
+                    <a:lnL w="28575" cap="flat" cmpd="sng" algn="ctr">
+                      <a:solidFill>
+                        <a:schemeClr val="tx1"/>
+                      </a:solidFill>
+                      <a:prstDash val="solid"/>
+                      <a:round/>
+                      <a:headEnd type="none" w="med" len="med"/>
+                      <a:tailEnd type="none" w="med" len="med"/>
+                    </a:lnL>
+                    <a:lnR w="19050" cap="flat" cmpd="sng" algn="ctr">
+                      <a:solidFill>
+                        <a:schemeClr val="tx1"/>
+                      </a:solidFill>
+                      <a:prstDash val="solid"/>
+                      <a:round/>
+                      <a:headEnd type="none" w="med" len="med"/>
+                      <a:tailEnd type="none" w="med" len="med"/>
+                    </a:lnR>
+                    <a:lnT w="19050" cap="flat" cmpd="sng" algn="ctr">
+                      <a:solidFill>
+                        <a:schemeClr val="tx1"/>
+                      </a:solidFill>
+                      <a:prstDash val="solid"/>
+                      <a:round/>
+                      <a:headEnd type="none" w="med" len="med"/>
+                      <a:tailEnd type="none" w="med" len="med"/>
+                    </a:lnT>
+                    <a:lnB w="19050" cap="flat" cmpd="sng" algn="ctr">
+                      <a:solidFill>
+                        <a:schemeClr val="tx1"/>
+                      </a:solidFill>
+                      <a:prstDash val="solid"/>
+                      <a:round/>
+                      <a:headEnd type="none" w="med" len="med"/>
+                      <a:tailEnd type="none" w="med" len="med"/>
+                    </a:lnB>
+                    <a:lnTlToBr w="12700" cmpd="sng">
+                      <a:noFill/>
+                      <a:prstDash val="solid"/>
+                    </a:lnTlToBr>
+                    <a:lnBlToTr w="12700" cmpd="sng">
+                      <a:noFill/>
+                      <a:prstDash val="solid"/>
+                    </a:lnBlToTr>
+                    <a:solidFill>
+                      <a:schemeClr val="bg1"/>
+                    </a:solidFill>
+                  </a:tcPr>
+                </a:tc>
+                <a:tc>
+                  <a:txBody>
+                    <a:bodyPr/>
+                    <a:lstStyle/>
+                    <a:p>
+                      <a:pPr algn="ctr"/>
+                      <a:r>
+                        <a:rPr lang="zh-CN" altLang="en-US" sz="2400" dirty="0">
+                          <a:solidFill>
+                            <a:schemeClr val="tx1"/>
+                          </a:solidFill>
+                          <a:latin typeface="宋体" panose="02010600030101010101" pitchFamily="2" charset="-122"/>
+                          <a:ea typeface="宋体" panose="02010600030101010101" pitchFamily="2" charset="-122"/>
+                        </a:rPr>
+                        <a:t>宵眠抱玉鞍</a:t>
+                      </a:r>
+                    </a:p>
+                  </a:txBody>
+                  <a:tcPr>
+                    <a:lnL w="19050" cap="flat" cmpd="sng" algn="ctr">
+                      <a:solidFill>
+                        <a:schemeClr val="tx1"/>
+                      </a:solidFill>
+                      <a:prstDash val="solid"/>
+                      <a:round/>
+                      <a:headEnd type="none" w="med" len="med"/>
+                      <a:tailEnd type="none" w="med" len="med"/>
+                    </a:lnL>
+                    <a:lnR w="28575" cap="flat" cmpd="sng" algn="ctr">
+                      <a:solidFill>
+                        <a:schemeClr val="tx1"/>
+                      </a:solidFill>
+                      <a:prstDash val="solid"/>
+                      <a:round/>
+                      <a:headEnd type="none" w="med" len="med"/>
+                      <a:tailEnd type="none" w="med" len="med"/>
+                    </a:lnR>
+                    <a:lnT w="19050" cap="flat" cmpd="sng" algn="ctr">
+                      <a:solidFill>
+                        <a:schemeClr val="tx1"/>
+                      </a:solidFill>
+                      <a:prstDash val="solid"/>
+                      <a:round/>
+                      <a:headEnd type="none" w="med" len="med"/>
+                      <a:tailEnd type="none" w="med" len="med"/>
+                    </a:lnT>
+                    <a:lnB w="19050" cap="flat" cmpd="sng" algn="ctr">
+                      <a:solidFill>
+                        <a:schemeClr val="tx1"/>
+                      </a:solidFill>
+                      <a:prstDash val="solid"/>
+                      <a:round/>
+                      <a:headEnd type="none" w="med" len="med"/>
+                      <a:tailEnd type="none" w="med" len="med"/>
+                    </a:lnB>
+                    <a:lnTlToBr w="12700" cmpd="sng">
+                      <a:noFill/>
+                      <a:prstDash val="solid"/>
+                    </a:lnTlToBr>
+                    <a:lnBlToTr w="12700" cmpd="sng">
+                      <a:noFill/>
+                      <a:prstDash val="solid"/>
+                    </a:lnBlToTr>
+                    <a:solidFill>
+                      <a:schemeClr val="bg1"/>
+                    </a:solidFill>
+                  </a:tcPr>
+                </a:tc>
+                <a:extLst>
+                  <a:ext uri="{0D108BD9-81ED-4DB2-BD59-A6C34878D82A}">
+                    <a16:rowId xmlns:a16="http://schemas.microsoft.com/office/drawing/2014/main" val="2978673237"/>
+                  </a:ext>
+                </a:extLst>
+              </a:tr>
+              <a:tr h="370840">
+                <a:tc>
+                  <a:txBody>
+                    <a:bodyPr/>
+                    <a:lstStyle/>
+                    <a:p>
+                      <a:pPr algn="ctr"/>
+                      <a:r>
+                        <a:rPr lang="zh-CN" altLang="en-US" sz="2400" dirty="0">
+                          <a:solidFill>
+                            <a:schemeClr val="tx1"/>
+                          </a:solidFill>
+                          <a:latin typeface="宋体" panose="02010600030101010101" pitchFamily="2" charset="-122"/>
+                          <a:ea typeface="宋体" panose="02010600030101010101" pitchFamily="2" charset="-122"/>
+                        </a:rPr>
+                        <a:t>愿将腰下剑</a:t>
+                      </a:r>
+                    </a:p>
+                  </a:txBody>
+                  <a:tcPr>
+                    <a:lnL w="28575" cap="flat" cmpd="sng" algn="ctr">
+                      <a:solidFill>
+                        <a:schemeClr val="tx1"/>
+                      </a:solidFill>
+                      <a:prstDash val="solid"/>
+                      <a:round/>
+                      <a:headEnd type="none" w="med" len="med"/>
+                      <a:tailEnd type="none" w="med" len="med"/>
+                    </a:lnL>
+                    <a:lnR w="19050" cap="flat" cmpd="sng" algn="ctr">
+                      <a:solidFill>
+                        <a:schemeClr val="tx1"/>
+                      </a:solidFill>
+                      <a:prstDash val="solid"/>
+                      <a:round/>
+                      <a:headEnd type="none" w="med" len="med"/>
+                      <a:tailEnd type="none" w="med" len="med"/>
+                    </a:lnR>
+                    <a:lnT w="19050" cap="flat" cmpd="sng" algn="ctr">
+                      <a:solidFill>
+                        <a:schemeClr val="tx1"/>
+                      </a:solidFill>
+                      <a:prstDash val="solid"/>
+                      <a:round/>
+                      <a:headEnd type="none" w="med" len="med"/>
+                      <a:tailEnd type="none" w="med" len="med"/>
+                    </a:lnT>
+                    <a:lnB w="28575" cap="flat" cmpd="sng" algn="ctr">
+                      <a:solidFill>
+                        <a:schemeClr val="tx1"/>
+                      </a:solidFill>
+                      <a:prstDash val="solid"/>
+                      <a:round/>
+                      <a:headEnd type="none" w="med" len="med"/>
+                      <a:tailEnd type="none" w="med" len="med"/>
+                    </a:lnB>
+                    <a:lnTlToBr w="12700" cmpd="sng">
+                      <a:noFill/>
+                      <a:prstDash val="solid"/>
+                    </a:lnTlToBr>
+                    <a:lnBlToTr w="12700" cmpd="sng">
+                      <a:noFill/>
+                      <a:prstDash val="solid"/>
+                    </a:lnBlToTr>
+                    <a:solidFill>
+                      <a:schemeClr val="bg1"/>
+                    </a:solidFill>
+                  </a:tcPr>
+                </a:tc>
+                <a:tc>
+                  <a:txBody>
+                    <a:bodyPr/>
+                    <a:lstStyle/>
+                    <a:p>
+                      <a:pPr algn="ctr"/>
+                      <a:r>
+                        <a:rPr lang="zh-CN" altLang="en-US" sz="2400" dirty="0">
+                          <a:solidFill>
+                            <a:schemeClr val="tx1"/>
+                          </a:solidFill>
+                          <a:latin typeface="宋体" panose="02010600030101010101" pitchFamily="2" charset="-122"/>
+                          <a:ea typeface="宋体" panose="02010600030101010101" pitchFamily="2" charset="-122"/>
+                        </a:rPr>
+                        <a:t>直为斩楼兰</a:t>
+                      </a:r>
+                    </a:p>
+                  </a:txBody>
+                  <a:tcPr>
+                    <a:lnL w="19050" cap="flat" cmpd="sng" algn="ctr">
+                      <a:solidFill>
+                        <a:schemeClr val="tx1"/>
+                      </a:solidFill>
+                      <a:prstDash val="solid"/>
+                      <a:round/>
+                      <a:headEnd type="none" w="med" len="med"/>
+                      <a:tailEnd type="none" w="med" len="med"/>
+                    </a:lnL>
+                    <a:lnR w="28575" cap="flat" cmpd="sng" algn="ctr">
+                      <a:solidFill>
+                        <a:schemeClr val="tx1"/>
+                      </a:solidFill>
+                      <a:prstDash val="solid"/>
+                      <a:round/>
+                      <a:headEnd type="none" w="med" len="med"/>
+                      <a:tailEnd type="none" w="med" len="med"/>
+                    </a:lnR>
+                    <a:lnT w="19050" cap="flat" cmpd="sng" algn="ctr">
+                      <a:solidFill>
+                        <a:schemeClr val="tx1"/>
+                      </a:solidFill>
+                      <a:prstDash val="solid"/>
+                      <a:round/>
+                      <a:headEnd type="none" w="med" len="med"/>
+                      <a:tailEnd type="none" w="med" len="med"/>
+                    </a:lnT>
+                    <a:lnB w="28575" cap="flat" cmpd="sng" algn="ctr">
+                      <a:solidFill>
+                        <a:schemeClr val="tx1"/>
+                      </a:solidFill>
+                      <a:prstDash val="solid"/>
+                      <a:round/>
+                      <a:headEnd type="none" w="med" len="med"/>
+                      <a:tailEnd type="none" w="med" len="med"/>
+                    </a:lnB>
+                    <a:lnTlToBr w="12700" cmpd="sng">
+                      <a:noFill/>
+                      <a:prstDash val="solid"/>
+                    </a:lnTlToBr>
+                    <a:lnBlToTr w="12700" cmpd="sng">
+                      <a:noFill/>
+                      <a:prstDash val="solid"/>
+                    </a:lnBlToTr>
+                    <a:solidFill>
+                      <a:schemeClr val="bg1"/>
+                    </a:solidFill>
+                  </a:tcPr>
+                </a:tc>
+                <a:extLst>
+                  <a:ext uri="{0D108BD9-81ED-4DB2-BD59-A6C34878D82A}">
+                    <a16:rowId xmlns:a16="http://schemas.microsoft.com/office/drawing/2014/main" val="1121073905"/>
+                  </a:ext>
+                </a:extLst>
+              </a:tr>
+            </a:tbl>
+          </a:graphicData>
+        </a:graphic>
+      </p:graphicFrame>
+      <p:sp>
+        <p:nvSpPr>
+          <p:cNvPr id="5" name="文本框 4">
+            <a:extLst>
+              <a:ext uri="{FF2B5EF4-FFF2-40B4-BE49-F238E27FC236}">
+                <a16:creationId xmlns:a16="http://schemas.microsoft.com/office/drawing/2014/main" id="{7336DD60-9977-433A-AC87-49A1E3AE159A}"/>
+              </a:ext>
+            </a:extLst>
+          </p:cNvPr>
+          <p:cNvSpPr txBox="1"/>
+          <p:nvPr/>
+        </p:nvSpPr>
+        <p:spPr>
+          <a:xfrm>
+            <a:off x="7315200" y="0"/>
+            <a:ext cx="4878793" cy="1200329"/>
+          </a:xfrm>
+          <a:prstGeom prst="rect">
+            <a:avLst/>
+          </a:prstGeom>
+          <a:solidFill>
+            <a:schemeClr val="accent1"/>
+          </a:solidFill>
+        </p:spPr>
+        <p:txBody>
+          <a:bodyPr wrap="square" rtlCol="0">
+            <a:spAutoFit/>
+          </a:bodyPr>
+          <a:lstStyle/>
+          <a:p>
+            <a:r>
+              <a:rPr lang="zh-CN" altLang="zh-CN" dirty="0">
+                <a:solidFill>
+                  <a:schemeClr val="bg1">
+                    <a:lumMod val="95000"/>
+                  </a:schemeClr>
+                </a:solidFill>
+              </a:rPr>
+              <a:t>李白，公元</a:t>
+            </a:r>
+            <a:r>
+              <a:rPr lang="en-US" altLang="zh-CN" dirty="0">
+                <a:solidFill>
+                  <a:schemeClr val="bg1">
+                    <a:lumMod val="95000"/>
+                  </a:schemeClr>
+                </a:solidFill>
+              </a:rPr>
+              <a:t>701</a:t>
+            </a:r>
+            <a:r>
+              <a:rPr lang="zh-CN" altLang="zh-CN" dirty="0">
+                <a:solidFill>
+                  <a:schemeClr val="bg1">
+                    <a:lumMod val="95000"/>
+                  </a:schemeClr>
+                </a:solidFill>
+              </a:rPr>
+              <a:t>—</a:t>
+            </a:r>
+            <a:r>
+              <a:rPr lang="en-US" altLang="zh-CN" dirty="0">
+                <a:solidFill>
+                  <a:schemeClr val="bg1">
+                    <a:lumMod val="95000"/>
+                  </a:schemeClr>
+                </a:solidFill>
+              </a:rPr>
+              <a:t>762</a:t>
+            </a:r>
+            <a:r>
+              <a:rPr lang="zh-CN" altLang="zh-CN" dirty="0">
+                <a:solidFill>
+                  <a:schemeClr val="bg1">
+                    <a:lumMod val="95000"/>
+                  </a:schemeClr>
+                </a:solidFill>
+              </a:rPr>
+              <a:t>年是我国历史上浪漫主义诗人的杰出代表，“塞下曲”是作者借汉咏唐、赞美李世民抗击突厥侵扰战争胜利、寄托报国愿望的代表性诗作。</a:t>
+            </a:r>
+            <a:endParaRPr lang="zh-CN" altLang="en-US" dirty="0">
+              <a:solidFill>
+                <a:schemeClr val="bg1">
+                  <a:lumMod val="95000"/>
+                </a:schemeClr>
+              </a:solidFill>
+            </a:endParaRPr>
           </a:p>
         </p:txBody>
       </p:sp>
@@ -3860,9 +4575,6 @@
           </a:bodyPr>
           <a:lstStyle/>
           <a:p>
-            <a:pPr marL="0" indent="0">
-              <a:buNone/>
-            </a:pPr>
             <a:r>
               <a:rPr lang="zh-CN" altLang="en-US" sz="3200" dirty="0">
                 <a:latin typeface="楷体" panose="02010609060101010101" pitchFamily="49" charset="-122"/>
@@ -3876,9 +4588,6 @@
             </a:endParaRPr>
           </a:p>
           <a:p>
-            <a:pPr marL="0" indent="0">
-              <a:buNone/>
-            </a:pPr>
             <a:r>
               <a:rPr lang="zh-CN" altLang="en-US" sz="3200" dirty="0">
                 <a:latin typeface="楷体" panose="02010609060101010101" pitchFamily="49" charset="-122"/>
@@ -3892,9 +4601,6 @@
             </a:endParaRPr>
           </a:p>
           <a:p>
-            <a:pPr marL="0" indent="0">
-              <a:buNone/>
-            </a:pPr>
             <a:r>
               <a:rPr lang="zh-CN" altLang="en-US" sz="3200" dirty="0">
                 <a:latin typeface="楷体" panose="02010609060101010101" pitchFamily="49" charset="-122"/>
@@ -3908,9 +4614,6 @@
             </a:endParaRPr>
           </a:p>
           <a:p>
-            <a:pPr marL="0" indent="0">
-              <a:buNone/>
-            </a:pPr>
             <a:r>
               <a:rPr lang="zh-CN" altLang="en-US" sz="3200" dirty="0">
                 <a:latin typeface="楷体" panose="02010609060101010101" pitchFamily="49" charset="-122"/>
@@ -3924,9 +4627,6 @@
             </a:endParaRPr>
           </a:p>
           <a:p>
-            <a:pPr marL="0" indent="0">
-              <a:buNone/>
-            </a:pPr>
             <a:r>
               <a:rPr lang="zh-CN" altLang="en-US" sz="3200" dirty="0">
                 <a:latin typeface="楷体" panose="02010609060101010101" pitchFamily="49" charset="-122"/>
@@ -3940,9 +4640,6 @@
             </a:endParaRPr>
           </a:p>
           <a:p>
-            <a:pPr marL="0" indent="0">
-              <a:buNone/>
-            </a:pPr>
             <a:r>
               <a:rPr lang="zh-CN" altLang="en-US" sz="3200" dirty="0">
                 <a:latin typeface="楷体" panose="02010609060101010101" pitchFamily="49" charset="-122"/>
@@ -3956,9 +4653,6 @@
             </a:endParaRPr>
           </a:p>
           <a:p>
-            <a:pPr marL="0" indent="0">
-              <a:buNone/>
-            </a:pPr>
             <a:r>
               <a:rPr lang="zh-CN" altLang="en-US" sz="3200" dirty="0">
                 <a:latin typeface="楷体" panose="02010609060101010101" pitchFamily="49" charset="-122"/>
@@ -3972,9 +4666,6 @@
             </a:endParaRPr>
           </a:p>
           <a:p>
-            <a:pPr marL="0" indent="0">
-              <a:buNone/>
-            </a:pPr>
             <a:r>
               <a:rPr lang="zh-CN" altLang="en-US" sz="3200" dirty="0">
                 <a:latin typeface="楷体" panose="02010609060101010101" pitchFamily="49" charset="-122"/>
@@ -4452,7 +5143,21 @@
       </a:bgFillStyleLst>
     </a:fmtScheme>
   </a:themeElements>
-  <a:objectDefaults/>
+  <a:objectDefaults>
+    <a:txDef>
+      <a:spPr>
+        <a:noFill/>
+      </a:spPr>
+      <a:bodyPr wrap="none" rtlCol="0">
+        <a:spAutoFit/>
+      </a:bodyPr>
+      <a:lstStyle>
+        <a:defPPr algn="l">
+          <a:defRPr dirty="0"/>
+        </a:defPPr>
+      </a:lstStyle>
+    </a:txDef>
+  </a:objectDefaults>
   <a:extraClrSchemeLst/>
   <a:extLst>
     <a:ext uri="{05A4C25C-085E-4340-85A3-A5531E510DB2}">

--- a/Exercise1.pptx
+++ b/Exercise1.pptx
@@ -10,6 +10,7 @@
     <p:sldId id="258" r:id="rId4"/>
     <p:sldId id="259" r:id="rId5"/>
     <p:sldId id="260" r:id="rId6"/>
+    <p:sldId id="261" r:id="rId7"/>
   </p:sldIdLst>
   <p:sldSz cx="12192000" cy="6858000"/>
   <p:notesSz cx="6858000" cy="9144000"/>
@@ -114,6 +115,1014 @@
     </p:ext>
   </p:extLst>
 </p:presentation>
+</file>
+
+<file path=ppt/charts/chart1.xml><?xml version="1.0" encoding="utf-8"?>
+<c:chartSpace xmlns:c="http://schemas.openxmlformats.org/drawingml/2006/chart" xmlns:a="http://schemas.openxmlformats.org/drawingml/2006/main" xmlns:r="http://schemas.openxmlformats.org/officeDocument/2006/relationships" xmlns:c16r2="http://schemas.microsoft.com/office/drawing/2015/06/chart">
+  <c:date1904 val="0"/>
+  <c:lang val="zh-CN"/>
+  <c:roundedCorners val="0"/>
+  <mc:AlternateContent xmlns:mc="http://schemas.openxmlformats.org/markup-compatibility/2006">
+    <mc:Choice xmlns:c14="http://schemas.microsoft.com/office/drawing/2007/8/2/chart" Requires="c14">
+      <c14:style val="102"/>
+    </mc:Choice>
+    <mc:Fallback>
+      <c:style val="2"/>
+    </mc:Fallback>
+  </mc:AlternateContent>
+  <c:chart>
+    <c:autoTitleDeleted val="1"/>
+    <c:plotArea>
+      <c:layout/>
+      <c:lineChart>
+        <c:grouping val="standard"/>
+        <c:varyColors val="0"/>
+        <c:ser>
+          <c:idx val="0"/>
+          <c:order val="0"/>
+          <c:tx>
+            <c:strRef>
+              <c:f>Sheet1!$A$2</c:f>
+              <c:strCache>
+                <c:ptCount val="1"/>
+                <c:pt idx="0">
+                  <c:v>唐诗</c:v>
+                </c:pt>
+              </c:strCache>
+            </c:strRef>
+          </c:tx>
+          <c:spPr>
+            <a:ln w="28575" cap="rnd">
+              <a:solidFill>
+                <a:schemeClr val="accent1"/>
+              </a:solidFill>
+              <a:round/>
+            </a:ln>
+            <a:effectLst/>
+          </c:spPr>
+          <c:marker>
+            <c:symbol val="none"/>
+          </c:marker>
+          <c:cat>
+            <c:strRef>
+              <c:f>Sheet1!$B$1:$F$1</c:f>
+              <c:strCache>
+                <c:ptCount val="5"/>
+                <c:pt idx="0">
+                  <c:v>50年代</c:v>
+                </c:pt>
+                <c:pt idx="1">
+                  <c:v>60年代</c:v>
+                </c:pt>
+                <c:pt idx="2">
+                  <c:v>70年代</c:v>
+                </c:pt>
+                <c:pt idx="3">
+                  <c:v>80年代</c:v>
+                </c:pt>
+                <c:pt idx="4">
+                  <c:v>90年代</c:v>
+                </c:pt>
+              </c:strCache>
+            </c:strRef>
+          </c:cat>
+          <c:val>
+            <c:numRef>
+              <c:f>Sheet1!$B$2:$F$2</c:f>
+              <c:numCache>
+                <c:formatCode>General</c:formatCode>
+                <c:ptCount val="5"/>
+                <c:pt idx="0">
+                  <c:v>5200</c:v>
+                </c:pt>
+                <c:pt idx="1">
+                  <c:v>2500</c:v>
+                </c:pt>
+                <c:pt idx="2">
+                  <c:v>500</c:v>
+                </c:pt>
+                <c:pt idx="3">
+                  <c:v>2700</c:v>
+                </c:pt>
+                <c:pt idx="4">
+                  <c:v>4700</c:v>
+                </c:pt>
+              </c:numCache>
+            </c:numRef>
+          </c:val>
+          <c:smooth val="0"/>
+          <c:extLst>
+            <c:ext xmlns:c16="http://schemas.microsoft.com/office/drawing/2014/chart" uri="{C3380CC4-5D6E-409C-BE32-E72D297353CC}">
+              <c16:uniqueId val="{00000000-132F-4E03-9330-9CBD6EE9D6EB}"/>
+            </c:ext>
+          </c:extLst>
+        </c:ser>
+        <c:ser>
+          <c:idx val="1"/>
+          <c:order val="1"/>
+          <c:tx>
+            <c:strRef>
+              <c:f>Sheet1!$A$3</c:f>
+              <c:strCache>
+                <c:ptCount val="1"/>
+                <c:pt idx="0">
+                  <c:v>宋词</c:v>
+                </c:pt>
+              </c:strCache>
+            </c:strRef>
+          </c:tx>
+          <c:spPr>
+            <a:ln w="28575" cap="rnd">
+              <a:solidFill>
+                <a:schemeClr val="accent2"/>
+              </a:solidFill>
+              <a:round/>
+            </a:ln>
+            <a:effectLst/>
+          </c:spPr>
+          <c:marker>
+            <c:symbol val="none"/>
+          </c:marker>
+          <c:cat>
+            <c:strRef>
+              <c:f>Sheet1!$B$1:$F$1</c:f>
+              <c:strCache>
+                <c:ptCount val="5"/>
+                <c:pt idx="0">
+                  <c:v>50年代</c:v>
+                </c:pt>
+                <c:pt idx="1">
+                  <c:v>60年代</c:v>
+                </c:pt>
+                <c:pt idx="2">
+                  <c:v>70年代</c:v>
+                </c:pt>
+                <c:pt idx="3">
+                  <c:v>80年代</c:v>
+                </c:pt>
+                <c:pt idx="4">
+                  <c:v>90年代</c:v>
+                </c:pt>
+              </c:strCache>
+            </c:strRef>
+          </c:cat>
+          <c:val>
+            <c:numRef>
+              <c:f>Sheet1!$B$3:$F$3</c:f>
+              <c:numCache>
+                <c:formatCode>General</c:formatCode>
+                <c:ptCount val="5"/>
+                <c:pt idx="0">
+                  <c:v>4200</c:v>
+                </c:pt>
+                <c:pt idx="1">
+                  <c:v>3200</c:v>
+                </c:pt>
+                <c:pt idx="2">
+                  <c:v>100</c:v>
+                </c:pt>
+                <c:pt idx="3">
+                  <c:v>1200</c:v>
+                </c:pt>
+                <c:pt idx="4">
+                  <c:v>5100</c:v>
+                </c:pt>
+              </c:numCache>
+            </c:numRef>
+          </c:val>
+          <c:smooth val="0"/>
+          <c:extLst>
+            <c:ext xmlns:c16="http://schemas.microsoft.com/office/drawing/2014/chart" uri="{C3380CC4-5D6E-409C-BE32-E72D297353CC}">
+              <c16:uniqueId val="{00000001-132F-4E03-9330-9CBD6EE9D6EB}"/>
+            </c:ext>
+          </c:extLst>
+        </c:ser>
+        <c:ser>
+          <c:idx val="2"/>
+          <c:order val="2"/>
+          <c:tx>
+            <c:strRef>
+              <c:f>Sheet1!$A$4</c:f>
+              <c:strCache>
+                <c:ptCount val="1"/>
+                <c:pt idx="0">
+                  <c:v>元曲</c:v>
+                </c:pt>
+              </c:strCache>
+            </c:strRef>
+          </c:tx>
+          <c:spPr>
+            <a:ln w="28575" cap="rnd">
+              <a:solidFill>
+                <a:schemeClr val="accent3"/>
+              </a:solidFill>
+              <a:round/>
+            </a:ln>
+            <a:effectLst/>
+          </c:spPr>
+          <c:marker>
+            <c:symbol val="none"/>
+          </c:marker>
+          <c:cat>
+            <c:strRef>
+              <c:f>Sheet1!$B$1:$F$1</c:f>
+              <c:strCache>
+                <c:ptCount val="5"/>
+                <c:pt idx="0">
+                  <c:v>50年代</c:v>
+                </c:pt>
+                <c:pt idx="1">
+                  <c:v>60年代</c:v>
+                </c:pt>
+                <c:pt idx="2">
+                  <c:v>70年代</c:v>
+                </c:pt>
+                <c:pt idx="3">
+                  <c:v>80年代</c:v>
+                </c:pt>
+                <c:pt idx="4">
+                  <c:v>90年代</c:v>
+                </c:pt>
+              </c:strCache>
+            </c:strRef>
+          </c:cat>
+          <c:val>
+            <c:numRef>
+              <c:f>Sheet1!$B$4:$F$4</c:f>
+              <c:numCache>
+                <c:formatCode>General</c:formatCode>
+                <c:ptCount val="5"/>
+                <c:pt idx="0">
+                  <c:v>2400</c:v>
+                </c:pt>
+                <c:pt idx="1">
+                  <c:v>1800</c:v>
+                </c:pt>
+                <c:pt idx="2">
+                  <c:v>300</c:v>
+                </c:pt>
+                <c:pt idx="3">
+                  <c:v>1800</c:v>
+                </c:pt>
+                <c:pt idx="4">
+                  <c:v>3200</c:v>
+                </c:pt>
+              </c:numCache>
+            </c:numRef>
+          </c:val>
+          <c:smooth val="0"/>
+          <c:extLst>
+            <c:ext xmlns:c16="http://schemas.microsoft.com/office/drawing/2014/chart" uri="{C3380CC4-5D6E-409C-BE32-E72D297353CC}">
+              <c16:uniqueId val="{00000002-132F-4E03-9330-9CBD6EE9D6EB}"/>
+            </c:ext>
+          </c:extLst>
+        </c:ser>
+        <c:dLbls>
+          <c:showLegendKey val="0"/>
+          <c:showVal val="0"/>
+          <c:showCatName val="0"/>
+          <c:showSerName val="0"/>
+          <c:showPercent val="0"/>
+          <c:showBubbleSize val="0"/>
+        </c:dLbls>
+        <c:smooth val="0"/>
+        <c:axId val="1915403344"/>
+        <c:axId val="1915404176"/>
+      </c:lineChart>
+      <c:catAx>
+        <c:axId val="1915403344"/>
+        <c:scaling>
+          <c:orientation val="minMax"/>
+        </c:scaling>
+        <c:delete val="0"/>
+        <c:axPos val="b"/>
+        <c:numFmt formatCode="General" sourceLinked="1"/>
+        <c:majorTickMark val="none"/>
+        <c:minorTickMark val="none"/>
+        <c:tickLblPos val="nextTo"/>
+        <c:spPr>
+          <a:noFill/>
+          <a:ln w="9525" cap="flat" cmpd="sng" algn="ctr">
+            <a:solidFill>
+              <a:schemeClr val="tx1">
+                <a:lumMod val="15000"/>
+                <a:lumOff val="85000"/>
+              </a:schemeClr>
+            </a:solidFill>
+            <a:round/>
+          </a:ln>
+          <a:effectLst/>
+        </c:spPr>
+        <c:txPr>
+          <a:bodyPr rot="-60000000" spcFirstLastPara="1" vertOverflow="ellipsis" vert="horz" wrap="square" anchor="ctr" anchorCtr="1"/>
+          <a:lstStyle/>
+          <a:p>
+            <a:pPr>
+              <a:defRPr sz="1197" b="0" i="0" u="none" strike="noStrike" kern="1200" baseline="0">
+                <a:solidFill>
+                  <a:schemeClr val="tx1">
+                    <a:lumMod val="65000"/>
+                    <a:lumOff val="35000"/>
+                  </a:schemeClr>
+                </a:solidFill>
+                <a:latin typeface="+mn-lt"/>
+                <a:ea typeface="+mn-ea"/>
+                <a:cs typeface="+mn-cs"/>
+              </a:defRPr>
+            </a:pPr>
+            <a:endParaRPr lang="zh-CN"/>
+          </a:p>
+        </c:txPr>
+        <c:crossAx val="1915404176"/>
+        <c:crosses val="autoZero"/>
+        <c:auto val="1"/>
+        <c:lblAlgn val="ctr"/>
+        <c:lblOffset val="100"/>
+        <c:noMultiLvlLbl val="0"/>
+      </c:catAx>
+      <c:valAx>
+        <c:axId val="1915404176"/>
+        <c:scaling>
+          <c:orientation val="minMax"/>
+        </c:scaling>
+        <c:delete val="0"/>
+        <c:axPos val="l"/>
+        <c:majorGridlines>
+          <c:spPr>
+            <a:ln w="9525" cap="flat" cmpd="sng" algn="ctr">
+              <a:solidFill>
+                <a:schemeClr val="tx1">
+                  <a:lumMod val="15000"/>
+                  <a:lumOff val="85000"/>
+                </a:schemeClr>
+              </a:solidFill>
+              <a:round/>
+            </a:ln>
+            <a:effectLst/>
+          </c:spPr>
+        </c:majorGridlines>
+        <c:numFmt formatCode="General" sourceLinked="1"/>
+        <c:majorTickMark val="none"/>
+        <c:minorTickMark val="none"/>
+        <c:tickLblPos val="nextTo"/>
+        <c:spPr>
+          <a:noFill/>
+          <a:ln>
+            <a:noFill/>
+          </a:ln>
+          <a:effectLst/>
+        </c:spPr>
+        <c:txPr>
+          <a:bodyPr rot="-60000000" spcFirstLastPara="1" vertOverflow="ellipsis" vert="horz" wrap="square" anchor="ctr" anchorCtr="1"/>
+          <a:lstStyle/>
+          <a:p>
+            <a:pPr>
+              <a:defRPr sz="1197" b="0" i="0" u="none" strike="noStrike" kern="1200" baseline="0">
+                <a:solidFill>
+                  <a:schemeClr val="tx1">
+                    <a:lumMod val="65000"/>
+                    <a:lumOff val="35000"/>
+                  </a:schemeClr>
+                </a:solidFill>
+                <a:latin typeface="+mn-lt"/>
+                <a:ea typeface="+mn-ea"/>
+                <a:cs typeface="+mn-cs"/>
+              </a:defRPr>
+            </a:pPr>
+            <a:endParaRPr lang="zh-CN"/>
+          </a:p>
+        </c:txPr>
+        <c:crossAx val="1915403344"/>
+        <c:crosses val="autoZero"/>
+        <c:crossBetween val="between"/>
+      </c:valAx>
+      <c:spPr>
+        <a:noFill/>
+        <a:ln>
+          <a:noFill/>
+        </a:ln>
+        <a:effectLst/>
+      </c:spPr>
+    </c:plotArea>
+    <c:legend>
+      <c:legendPos val="b"/>
+      <c:overlay val="0"/>
+      <c:spPr>
+        <a:noFill/>
+        <a:ln>
+          <a:noFill/>
+        </a:ln>
+        <a:effectLst/>
+      </c:spPr>
+      <c:txPr>
+        <a:bodyPr rot="0" spcFirstLastPara="1" vertOverflow="ellipsis" vert="horz" wrap="square" anchor="ctr" anchorCtr="1"/>
+        <a:lstStyle/>
+        <a:p>
+          <a:pPr>
+            <a:defRPr sz="1197" b="0" i="0" u="none" strike="noStrike" kern="1200" baseline="0">
+              <a:solidFill>
+                <a:schemeClr val="tx1">
+                  <a:lumMod val="65000"/>
+                  <a:lumOff val="35000"/>
+                </a:schemeClr>
+              </a:solidFill>
+              <a:latin typeface="+mn-lt"/>
+              <a:ea typeface="+mn-ea"/>
+              <a:cs typeface="+mn-cs"/>
+            </a:defRPr>
+          </a:pPr>
+          <a:endParaRPr lang="zh-CN"/>
+        </a:p>
+      </c:txPr>
+    </c:legend>
+    <c:plotVisOnly val="1"/>
+    <c:dispBlanksAs val="gap"/>
+    <c:extLst>
+      <c:ext xmlns:c16r3="http://schemas.microsoft.com/office/drawing/2017/03/chart" uri="{56B9EC1D-385E-4148-901F-78D8002777C0}">
+        <c16r3:dataDisplayOptions16>
+          <c16r3:dispNaAsBlank val="1"/>
+        </c16r3:dataDisplayOptions16>
+      </c:ext>
+    </c:extLst>
+    <c:showDLblsOverMax val="0"/>
+  </c:chart>
+  <c:spPr>
+    <a:noFill/>
+    <a:ln>
+      <a:noFill/>
+    </a:ln>
+    <a:effectLst/>
+  </c:spPr>
+  <c:txPr>
+    <a:bodyPr/>
+    <a:lstStyle/>
+    <a:p>
+      <a:pPr>
+        <a:defRPr/>
+      </a:pPr>
+      <a:endParaRPr lang="zh-CN"/>
+    </a:p>
+  </c:txPr>
+  <c:externalData r:id="rId3">
+    <c:autoUpdate val="0"/>
+  </c:externalData>
+</c:chartSpace>
+</file>
+
+<file path=ppt/charts/colors1.xml><?xml version="1.0" encoding="utf-8"?>
+<cs:colorStyle xmlns:cs="http://schemas.microsoft.com/office/drawing/2012/chartStyle" xmlns:a="http://schemas.openxmlformats.org/drawingml/2006/main" meth="cycle" id="10">
+  <a:schemeClr val="accent1"/>
+  <a:schemeClr val="accent2"/>
+  <a:schemeClr val="accent3"/>
+  <a:schemeClr val="accent4"/>
+  <a:schemeClr val="accent5"/>
+  <a:schemeClr val="accent6"/>
+  <cs:variation/>
+  <cs:variation>
+    <a:lumMod val="60000"/>
+  </cs:variation>
+  <cs:variation>
+    <a:lumMod val="80000"/>
+    <a:lumOff val="20000"/>
+  </cs:variation>
+  <cs:variation>
+    <a:lumMod val="80000"/>
+  </cs:variation>
+  <cs:variation>
+    <a:lumMod val="60000"/>
+    <a:lumOff val="40000"/>
+  </cs:variation>
+  <cs:variation>
+    <a:lumMod val="50000"/>
+  </cs:variation>
+  <cs:variation>
+    <a:lumMod val="70000"/>
+    <a:lumOff val="30000"/>
+  </cs:variation>
+  <cs:variation>
+    <a:lumMod val="70000"/>
+  </cs:variation>
+  <cs:variation>
+    <a:lumMod val="50000"/>
+    <a:lumOff val="50000"/>
+  </cs:variation>
+</cs:colorStyle>
+</file>
+
+<file path=ppt/charts/style1.xml><?xml version="1.0" encoding="utf-8"?>
+<cs:chartStyle xmlns:cs="http://schemas.microsoft.com/office/drawing/2012/chartStyle" xmlns:a="http://schemas.openxmlformats.org/drawingml/2006/main" id="227">
+  <cs:axisTitle>
+    <cs:lnRef idx="0"/>
+    <cs:fillRef idx="0"/>
+    <cs:effectRef idx="0"/>
+    <cs:fontRef idx="minor">
+      <a:schemeClr val="tx1">
+        <a:lumMod val="65000"/>
+        <a:lumOff val="35000"/>
+      </a:schemeClr>
+    </cs:fontRef>
+    <cs:defRPr sz="1330" kern="1200"/>
+  </cs:axisTitle>
+  <cs:categoryAxis>
+    <cs:lnRef idx="0"/>
+    <cs:fillRef idx="0"/>
+    <cs:effectRef idx="0"/>
+    <cs:fontRef idx="minor">
+      <a:schemeClr val="tx1">
+        <a:lumMod val="65000"/>
+        <a:lumOff val="35000"/>
+      </a:schemeClr>
+    </cs:fontRef>
+    <cs:spPr>
+      <a:ln w="9525" cap="flat" cmpd="sng" algn="ctr">
+        <a:solidFill>
+          <a:schemeClr val="tx1">
+            <a:lumMod val="15000"/>
+            <a:lumOff val="85000"/>
+          </a:schemeClr>
+        </a:solidFill>
+        <a:round/>
+      </a:ln>
+    </cs:spPr>
+    <cs:defRPr sz="1197" kern="1200"/>
+  </cs:categoryAxis>
+  <cs:chartArea mods="allowNoFillOverride allowNoLineOverride">
+    <cs:lnRef idx="0"/>
+    <cs:fillRef idx="0"/>
+    <cs:effectRef idx="0"/>
+    <cs:fontRef idx="minor">
+      <a:schemeClr val="tx1"/>
+    </cs:fontRef>
+    <cs:spPr>
+      <a:solidFill>
+        <a:schemeClr val="bg1"/>
+      </a:solidFill>
+      <a:ln w="9525" cap="flat" cmpd="sng" algn="ctr">
+        <a:solidFill>
+          <a:schemeClr val="tx1">
+            <a:lumMod val="15000"/>
+            <a:lumOff val="85000"/>
+          </a:schemeClr>
+        </a:solidFill>
+        <a:round/>
+      </a:ln>
+    </cs:spPr>
+    <cs:defRPr sz="1330" kern="1200"/>
+  </cs:chartArea>
+  <cs:dataLabel>
+    <cs:lnRef idx="0"/>
+    <cs:fillRef idx="0"/>
+    <cs:effectRef idx="0"/>
+    <cs:fontRef idx="minor">
+      <a:schemeClr val="tx1">
+        <a:lumMod val="75000"/>
+        <a:lumOff val="25000"/>
+      </a:schemeClr>
+    </cs:fontRef>
+    <cs:defRPr sz="1197" kern="1200"/>
+  </cs:dataLabel>
+  <cs:dataLabelCallout>
+    <cs:lnRef idx="0"/>
+    <cs:fillRef idx="0"/>
+    <cs:effectRef idx="0"/>
+    <cs:fontRef idx="minor">
+      <a:schemeClr val="dk1">
+        <a:lumMod val="65000"/>
+        <a:lumOff val="35000"/>
+      </a:schemeClr>
+    </cs:fontRef>
+    <cs:spPr>
+      <a:solidFill>
+        <a:schemeClr val="lt1"/>
+      </a:solidFill>
+      <a:ln>
+        <a:solidFill>
+          <a:schemeClr val="dk1">
+            <a:lumMod val="25000"/>
+            <a:lumOff val="75000"/>
+          </a:schemeClr>
+        </a:solidFill>
+      </a:ln>
+    </cs:spPr>
+    <cs:defRPr sz="1197" kern="1200"/>
+    <cs:bodyPr rot="0" spcFirstLastPara="1" vertOverflow="clip" horzOverflow="clip" vert="horz" wrap="square" lIns="36576" tIns="18288" rIns="36576" bIns="18288" anchor="ctr" anchorCtr="1">
+      <a:spAutoFit/>
+    </cs:bodyPr>
+  </cs:dataLabelCallout>
+  <cs:dataPoint>
+    <cs:lnRef idx="0"/>
+    <cs:fillRef idx="1">
+      <cs:styleClr val="auto"/>
+    </cs:fillRef>
+    <cs:effectRef idx="0"/>
+    <cs:fontRef idx="minor">
+      <a:schemeClr val="tx1"/>
+    </cs:fontRef>
+    <cs:spPr>
+      <a:solidFill>
+        <a:schemeClr val="phClr"/>
+      </a:solidFill>
+    </cs:spPr>
+  </cs:dataPoint>
+  <cs:dataPoint3D>
+    <cs:lnRef idx="0"/>
+    <cs:fillRef idx="1">
+      <cs:styleClr val="auto"/>
+    </cs:fillRef>
+    <cs:effectRef idx="0"/>
+    <cs:fontRef idx="minor">
+      <a:schemeClr val="tx1"/>
+    </cs:fontRef>
+    <cs:spPr>
+      <a:solidFill>
+        <a:schemeClr val="phClr"/>
+      </a:solidFill>
+    </cs:spPr>
+  </cs:dataPoint3D>
+  <cs:dataPointLine>
+    <cs:lnRef idx="0">
+      <cs:styleClr val="auto"/>
+    </cs:lnRef>
+    <cs:fillRef idx="1"/>
+    <cs:effectRef idx="0"/>
+    <cs:fontRef idx="minor">
+      <a:schemeClr val="tx1"/>
+    </cs:fontRef>
+    <cs:spPr>
+      <a:ln w="28575" cap="rnd">
+        <a:solidFill>
+          <a:schemeClr val="phClr"/>
+        </a:solidFill>
+        <a:round/>
+      </a:ln>
+    </cs:spPr>
+  </cs:dataPointLine>
+  <cs:dataPointMarker>
+    <cs:lnRef idx="0">
+      <cs:styleClr val="auto"/>
+    </cs:lnRef>
+    <cs:fillRef idx="1">
+      <cs:styleClr val="auto"/>
+    </cs:fillRef>
+    <cs:effectRef idx="0"/>
+    <cs:fontRef idx="minor">
+      <a:schemeClr val="tx1"/>
+    </cs:fontRef>
+    <cs:spPr>
+      <a:solidFill>
+        <a:schemeClr val="phClr"/>
+      </a:solidFill>
+      <a:ln w="9525">
+        <a:solidFill>
+          <a:schemeClr val="phClr"/>
+        </a:solidFill>
+      </a:ln>
+    </cs:spPr>
+  </cs:dataPointMarker>
+  <cs:dataPointMarkerLayout symbol="circle" size="5"/>
+  <cs:dataPointWireframe>
+    <cs:lnRef idx="0">
+      <cs:styleClr val="auto"/>
+    </cs:lnRef>
+    <cs:fillRef idx="1"/>
+    <cs:effectRef idx="0"/>
+    <cs:fontRef idx="minor">
+      <a:schemeClr val="tx1"/>
+    </cs:fontRef>
+    <cs:spPr>
+      <a:ln w="9525" cap="rnd">
+        <a:solidFill>
+          <a:schemeClr val="phClr"/>
+        </a:solidFill>
+        <a:round/>
+      </a:ln>
+    </cs:spPr>
+  </cs:dataPointWireframe>
+  <cs:dataTable>
+    <cs:lnRef idx="0"/>
+    <cs:fillRef idx="0"/>
+    <cs:effectRef idx="0"/>
+    <cs:fontRef idx="minor">
+      <a:schemeClr val="tx1">
+        <a:lumMod val="65000"/>
+        <a:lumOff val="35000"/>
+      </a:schemeClr>
+    </cs:fontRef>
+    <cs:spPr>
+      <a:noFill/>
+      <a:ln w="9525" cap="flat" cmpd="sng" algn="ctr">
+        <a:solidFill>
+          <a:schemeClr val="tx1">
+            <a:lumMod val="15000"/>
+            <a:lumOff val="85000"/>
+          </a:schemeClr>
+        </a:solidFill>
+        <a:round/>
+      </a:ln>
+    </cs:spPr>
+    <cs:defRPr sz="1197" kern="1200"/>
+  </cs:dataTable>
+  <cs:downBar>
+    <cs:lnRef idx="0"/>
+    <cs:fillRef idx="0"/>
+    <cs:effectRef idx="0"/>
+    <cs:fontRef idx="minor">
+      <a:schemeClr val="dk1"/>
+    </cs:fontRef>
+    <cs:spPr>
+      <a:solidFill>
+        <a:schemeClr val="dk1">
+          <a:lumMod val="65000"/>
+          <a:lumOff val="35000"/>
+        </a:schemeClr>
+      </a:solidFill>
+      <a:ln w="9525">
+        <a:solidFill>
+          <a:schemeClr val="tx1">
+            <a:lumMod val="65000"/>
+            <a:lumOff val="35000"/>
+          </a:schemeClr>
+        </a:solidFill>
+      </a:ln>
+    </cs:spPr>
+  </cs:downBar>
+  <cs:dropLine>
+    <cs:lnRef idx="0"/>
+    <cs:fillRef idx="0"/>
+    <cs:effectRef idx="0"/>
+    <cs:fontRef idx="minor">
+      <a:schemeClr val="tx1"/>
+    </cs:fontRef>
+    <cs:spPr>
+      <a:ln w="9525" cap="flat" cmpd="sng" algn="ctr">
+        <a:solidFill>
+          <a:schemeClr val="tx1">
+            <a:lumMod val="35000"/>
+            <a:lumOff val="65000"/>
+          </a:schemeClr>
+        </a:solidFill>
+        <a:round/>
+      </a:ln>
+    </cs:spPr>
+  </cs:dropLine>
+  <cs:errorBar>
+    <cs:lnRef idx="0"/>
+    <cs:fillRef idx="0"/>
+    <cs:effectRef idx="0"/>
+    <cs:fontRef idx="minor">
+      <a:schemeClr val="tx1"/>
+    </cs:fontRef>
+    <cs:spPr>
+      <a:ln w="9525" cap="flat" cmpd="sng" algn="ctr">
+        <a:solidFill>
+          <a:schemeClr val="tx1">
+            <a:lumMod val="65000"/>
+            <a:lumOff val="35000"/>
+          </a:schemeClr>
+        </a:solidFill>
+        <a:round/>
+      </a:ln>
+    </cs:spPr>
+  </cs:errorBar>
+  <cs:floor>
+    <cs:lnRef idx="0"/>
+    <cs:fillRef idx="0"/>
+    <cs:effectRef idx="0"/>
+    <cs:fontRef idx="minor">
+      <a:schemeClr val="tx1"/>
+    </cs:fontRef>
+    <cs:spPr>
+      <a:noFill/>
+      <a:ln>
+        <a:noFill/>
+      </a:ln>
+    </cs:spPr>
+  </cs:floor>
+  <cs:gridlineMajor>
+    <cs:lnRef idx="0"/>
+    <cs:fillRef idx="0"/>
+    <cs:effectRef idx="0"/>
+    <cs:fontRef idx="minor">
+      <a:schemeClr val="tx1"/>
+    </cs:fontRef>
+    <cs:spPr>
+      <a:ln w="9525" cap="flat" cmpd="sng" algn="ctr">
+        <a:solidFill>
+          <a:schemeClr val="tx1">
+            <a:lumMod val="15000"/>
+            <a:lumOff val="85000"/>
+          </a:schemeClr>
+        </a:solidFill>
+        <a:round/>
+      </a:ln>
+    </cs:spPr>
+  </cs:gridlineMajor>
+  <cs:gridlineMinor>
+    <cs:lnRef idx="0"/>
+    <cs:fillRef idx="0"/>
+    <cs:effectRef idx="0"/>
+    <cs:fontRef idx="minor">
+      <a:schemeClr val="tx1"/>
+    </cs:fontRef>
+    <cs:spPr>
+      <a:ln w="9525" cap="flat" cmpd="sng" algn="ctr">
+        <a:solidFill>
+          <a:schemeClr val="tx1">
+            <a:lumMod val="5000"/>
+            <a:lumOff val="95000"/>
+          </a:schemeClr>
+        </a:solidFill>
+        <a:round/>
+      </a:ln>
+    </cs:spPr>
+  </cs:gridlineMinor>
+  <cs:hiLoLine>
+    <cs:lnRef idx="0"/>
+    <cs:fillRef idx="0"/>
+    <cs:effectRef idx="0"/>
+    <cs:fontRef idx="minor">
+      <a:schemeClr val="tx1"/>
+    </cs:fontRef>
+    <cs:spPr>
+      <a:ln w="9525" cap="flat" cmpd="sng" algn="ctr">
+        <a:solidFill>
+          <a:schemeClr val="tx1">
+            <a:lumMod val="75000"/>
+            <a:lumOff val="25000"/>
+          </a:schemeClr>
+        </a:solidFill>
+        <a:round/>
+      </a:ln>
+    </cs:spPr>
+  </cs:hiLoLine>
+  <cs:leaderLine>
+    <cs:lnRef idx="0"/>
+    <cs:fillRef idx="0"/>
+    <cs:effectRef idx="0"/>
+    <cs:fontRef idx="minor">
+      <a:schemeClr val="tx1"/>
+    </cs:fontRef>
+    <cs:spPr>
+      <a:ln w="9525" cap="flat" cmpd="sng" algn="ctr">
+        <a:solidFill>
+          <a:schemeClr val="tx1">
+            <a:lumMod val="35000"/>
+            <a:lumOff val="65000"/>
+          </a:schemeClr>
+        </a:solidFill>
+        <a:round/>
+      </a:ln>
+    </cs:spPr>
+  </cs:leaderLine>
+  <cs:legend>
+    <cs:lnRef idx="0"/>
+    <cs:fillRef idx="0"/>
+    <cs:effectRef idx="0"/>
+    <cs:fontRef idx="minor">
+      <a:schemeClr val="tx1">
+        <a:lumMod val="65000"/>
+        <a:lumOff val="35000"/>
+      </a:schemeClr>
+    </cs:fontRef>
+    <cs:defRPr sz="1197" kern="1200"/>
+  </cs:legend>
+  <cs:plotArea mods="allowNoFillOverride allowNoLineOverride">
+    <cs:lnRef idx="0"/>
+    <cs:fillRef idx="0"/>
+    <cs:effectRef idx="0"/>
+    <cs:fontRef idx="minor">
+      <a:schemeClr val="tx1"/>
+    </cs:fontRef>
+  </cs:plotArea>
+  <cs:plotArea3D mods="allowNoFillOverride allowNoLineOverride">
+    <cs:lnRef idx="0"/>
+    <cs:fillRef idx="0"/>
+    <cs:effectRef idx="0"/>
+    <cs:fontRef idx="minor">
+      <a:schemeClr val="tx1"/>
+    </cs:fontRef>
+  </cs:plotArea3D>
+  <cs:seriesAxis>
+    <cs:lnRef idx="0"/>
+    <cs:fillRef idx="0"/>
+    <cs:effectRef idx="0"/>
+    <cs:fontRef idx="minor">
+      <a:schemeClr val="tx1">
+        <a:lumMod val="65000"/>
+        <a:lumOff val="35000"/>
+      </a:schemeClr>
+    </cs:fontRef>
+    <cs:defRPr sz="1197" kern="1200"/>
+  </cs:seriesAxis>
+  <cs:seriesLine>
+    <cs:lnRef idx="0"/>
+    <cs:fillRef idx="0"/>
+    <cs:effectRef idx="0"/>
+    <cs:fontRef idx="minor">
+      <a:schemeClr val="tx1"/>
+    </cs:fontRef>
+    <cs:spPr>
+      <a:ln w="9525" cap="flat" cmpd="sng" algn="ctr">
+        <a:solidFill>
+          <a:schemeClr val="tx1">
+            <a:lumMod val="35000"/>
+            <a:lumOff val="65000"/>
+          </a:schemeClr>
+        </a:solidFill>
+        <a:round/>
+      </a:ln>
+    </cs:spPr>
+  </cs:seriesLine>
+  <cs:title>
+    <cs:lnRef idx="0"/>
+    <cs:fillRef idx="0"/>
+    <cs:effectRef idx="0"/>
+    <cs:fontRef idx="minor">
+      <a:schemeClr val="tx1">
+        <a:lumMod val="65000"/>
+        <a:lumOff val="35000"/>
+      </a:schemeClr>
+    </cs:fontRef>
+    <cs:defRPr sz="1862" b="0" kern="1200" spc="0" baseline="0"/>
+  </cs:title>
+  <cs:trendline>
+    <cs:lnRef idx="0">
+      <cs:styleClr val="auto"/>
+    </cs:lnRef>
+    <cs:fillRef idx="0"/>
+    <cs:effectRef idx="0"/>
+    <cs:fontRef idx="minor">
+      <a:schemeClr val="tx1"/>
+    </cs:fontRef>
+    <cs:spPr>
+      <a:ln w="19050" cap="rnd">
+        <a:solidFill>
+          <a:schemeClr val="phClr"/>
+        </a:solidFill>
+        <a:prstDash val="sysDot"/>
+      </a:ln>
+    </cs:spPr>
+  </cs:trendline>
+  <cs:trendlineLabel>
+    <cs:lnRef idx="0"/>
+    <cs:fillRef idx="0"/>
+    <cs:effectRef idx="0"/>
+    <cs:fontRef idx="minor">
+      <a:schemeClr val="tx1">
+        <a:lumMod val="65000"/>
+        <a:lumOff val="35000"/>
+      </a:schemeClr>
+    </cs:fontRef>
+    <cs:defRPr sz="1197" kern="1200"/>
+  </cs:trendlineLabel>
+  <cs:upBar>
+    <cs:lnRef idx="0"/>
+    <cs:fillRef idx="0"/>
+    <cs:effectRef idx="0"/>
+    <cs:fontRef idx="minor">
+      <a:schemeClr val="dk1"/>
+    </cs:fontRef>
+    <cs:spPr>
+      <a:solidFill>
+        <a:schemeClr val="lt1"/>
+      </a:solidFill>
+      <a:ln w="9525">
+        <a:solidFill>
+          <a:schemeClr val="tx1">
+            <a:lumMod val="15000"/>
+            <a:lumOff val="85000"/>
+          </a:schemeClr>
+        </a:solidFill>
+      </a:ln>
+    </cs:spPr>
+  </cs:upBar>
+  <cs:valueAxis>
+    <cs:lnRef idx="0"/>
+    <cs:fillRef idx="0"/>
+    <cs:effectRef idx="0"/>
+    <cs:fontRef idx="minor">
+      <a:schemeClr val="tx1">
+        <a:lumMod val="65000"/>
+        <a:lumOff val="35000"/>
+      </a:schemeClr>
+    </cs:fontRef>
+    <cs:defRPr sz="1197" kern="1200"/>
+  </cs:valueAxis>
+  <cs:wall>
+    <cs:lnRef idx="0"/>
+    <cs:fillRef idx="0"/>
+    <cs:effectRef idx="0"/>
+    <cs:fontRef idx="minor">
+      <a:schemeClr val="tx1"/>
+    </cs:fontRef>
+    <cs:spPr>
+      <a:noFill/>
+      <a:ln>
+        <a:noFill/>
+      </a:ln>
+    </cs:spPr>
+  </cs:wall>
+</cs:chartStyle>
 </file>
 
 <file path=ppt/slideLayouts/slideLayout1.xml><?xml version="1.0" encoding="utf-8"?>
@@ -4858,6 +5867,124 @@
 </p:sld>
 </file>
 
+<file path=ppt/slides/slide6.xml><?xml version="1.0" encoding="utf-8"?>
+<p:sld xmlns:a="http://schemas.openxmlformats.org/drawingml/2006/main" xmlns:r="http://schemas.openxmlformats.org/officeDocument/2006/relationships" xmlns:p="http://schemas.openxmlformats.org/presentationml/2006/main">
+  <p:cSld>
+    <p:spTree>
+      <p:nvGrpSpPr>
+        <p:cNvPr id="1" name=""/>
+        <p:cNvGrpSpPr/>
+        <p:nvPr/>
+      </p:nvGrpSpPr>
+      <p:grpSpPr>
+        <a:xfrm>
+          <a:off x="0" y="0"/>
+          <a:ext cx="0" cy="0"/>
+          <a:chOff x="0" y="0"/>
+          <a:chExt cx="0" cy="0"/>
+        </a:xfrm>
+      </p:grpSpPr>
+      <p:sp>
+        <p:nvSpPr>
+          <p:cNvPr id="2" name="标题 1">
+            <a:extLst>
+              <a:ext uri="{FF2B5EF4-FFF2-40B4-BE49-F238E27FC236}">
+                <a16:creationId xmlns:a16="http://schemas.microsoft.com/office/drawing/2014/main" id="{81651B09-AF42-4A97-A5C2-FDFA0C6AC09B}"/>
+              </a:ext>
+            </a:extLst>
+          </p:cNvPr>
+          <p:cNvSpPr>
+            <a:spLocks noGrp="1"/>
+          </p:cNvSpPr>
+          <p:nvPr>
+            <p:ph type="title"/>
+          </p:nvPr>
+        </p:nvSpPr>
+        <p:spPr/>
+        <p:txBody>
+          <a:bodyPr>
+            <a:noAutofit/>
+          </a:bodyPr>
+          <a:lstStyle/>
+          <a:p>
+            <a:pPr algn="ctr"/>
+            <a:r>
+              <a:rPr lang="zh-CN" altLang="zh-CN" sz="5400" kern="100" dirty="0">
+                <a:effectLst/>
+                <a:latin typeface="华文新魏" panose="02010800040101010101" pitchFamily="2" charset="-122"/>
+                <a:ea typeface="华文新魏" panose="02010800040101010101" pitchFamily="2" charset="-122"/>
+                <a:cs typeface="Times New Roman" panose="02020603050405020304" pitchFamily="18" charset="0"/>
+              </a:rPr>
+              <a:t>中国古典诗词曲图书</a:t>
+            </a:r>
+            <a:br>
+              <a:rPr lang="en-US" altLang="zh-CN" sz="5400" kern="100" dirty="0">
+                <a:effectLst/>
+                <a:latin typeface="华文新魏" panose="02010800040101010101" pitchFamily="2" charset="-122"/>
+                <a:ea typeface="华文新魏" panose="02010800040101010101" pitchFamily="2" charset="-122"/>
+                <a:cs typeface="Times New Roman" panose="02020603050405020304" pitchFamily="18" charset="0"/>
+              </a:rPr>
+            </a:br>
+            <a:r>
+              <a:rPr lang="zh-CN" altLang="zh-CN" sz="5400" kern="100" dirty="0">
+                <a:effectLst/>
+                <a:latin typeface="华文新魏" panose="02010800040101010101" pitchFamily="2" charset="-122"/>
+                <a:ea typeface="华文新魏" panose="02010800040101010101" pitchFamily="2" charset="-122"/>
+                <a:cs typeface="Times New Roman" panose="02020603050405020304" pitchFamily="18" charset="0"/>
+              </a:rPr>
+              <a:t>五十年发行走势</a:t>
+            </a:r>
+            <a:endParaRPr lang="zh-CN" altLang="en-US" sz="5400" dirty="0">
+              <a:latin typeface="华文新魏" panose="02010800040101010101" pitchFamily="2" charset="-122"/>
+              <a:ea typeface="华文新魏" panose="02010800040101010101" pitchFamily="2" charset="-122"/>
+            </a:endParaRPr>
+          </a:p>
+        </p:txBody>
+      </p:sp>
+      <p:graphicFrame>
+        <p:nvGraphicFramePr>
+          <p:cNvPr id="11" name="内容占位符 10">
+            <a:extLst>
+              <a:ext uri="{FF2B5EF4-FFF2-40B4-BE49-F238E27FC236}">
+                <a16:creationId xmlns:a16="http://schemas.microsoft.com/office/drawing/2014/main" id="{F4F4C8FA-7C49-4DDF-BB5B-89E3ED530CD9}"/>
+              </a:ext>
+            </a:extLst>
+          </p:cNvPr>
+          <p:cNvGraphicFramePr>
+            <a:graphicFrameLocks noGrp="1"/>
+          </p:cNvGraphicFramePr>
+          <p:nvPr>
+            <p:ph idx="1"/>
+            <p:extLst>
+              <p:ext uri="{D42A27DB-BD31-4B8C-83A1-F6EECF244321}">
+                <p14:modId xmlns:p14="http://schemas.microsoft.com/office/powerpoint/2010/main" val="3926573121"/>
+              </p:ext>
+            </p:extLst>
+          </p:nvPr>
+        </p:nvGraphicFramePr>
+        <p:xfrm>
+          <a:off x="838200" y="1825625"/>
+          <a:ext cx="10515600" cy="4351338"/>
+        </p:xfrm>
+        <a:graphic>
+          <a:graphicData uri="http://schemas.openxmlformats.org/drawingml/2006/chart">
+            <c:chart xmlns:c="http://schemas.openxmlformats.org/drawingml/2006/chart" xmlns:r="http://schemas.openxmlformats.org/officeDocument/2006/relationships" r:id="rId2"/>
+          </a:graphicData>
+        </a:graphic>
+      </p:graphicFrame>
+    </p:spTree>
+    <p:extLst>
+      <p:ext uri="{BB962C8B-B14F-4D97-AF65-F5344CB8AC3E}">
+        <p14:creationId xmlns:p14="http://schemas.microsoft.com/office/powerpoint/2010/main" val="865923765"/>
+      </p:ext>
+    </p:extLst>
+  </p:cSld>
+  <p:clrMapOvr>
+    <a:masterClrMapping/>
+  </p:clrMapOvr>
+</p:sld>
+</file>
+
 <file path=ppt/theme/theme1.xml><?xml version="1.0" encoding="utf-8"?>
 <a:theme xmlns:a="http://schemas.openxmlformats.org/drawingml/2006/main" name="Office 主题​​">
   <a:themeElements>

--- a/Exercise1.pptx
+++ b/Exercise1.pptx
@@ -1272,7 +1272,7 @@
           <a:p>
             <a:fld id="{3ED103FD-9823-4368-A732-42423E8CFAAD}" type="datetimeFigureOut">
               <a:rPr lang="zh-CN" altLang="en-US" smtClean="0"/>
-              <a:t>2022/5/20</a:t>
+              <a:t>2022/5/21</a:t>
             </a:fld>
             <a:endParaRPr lang="zh-CN" altLang="en-US"/>
           </a:p>
@@ -1470,7 +1470,7 @@
           <a:p>
             <a:fld id="{3ED103FD-9823-4368-A732-42423E8CFAAD}" type="datetimeFigureOut">
               <a:rPr lang="zh-CN" altLang="en-US" smtClean="0"/>
-              <a:t>2022/5/20</a:t>
+              <a:t>2022/5/21</a:t>
             </a:fld>
             <a:endParaRPr lang="zh-CN" altLang="en-US"/>
           </a:p>
@@ -1678,7 +1678,7 @@
           <a:p>
             <a:fld id="{3ED103FD-9823-4368-A732-42423E8CFAAD}" type="datetimeFigureOut">
               <a:rPr lang="zh-CN" altLang="en-US" smtClean="0"/>
-              <a:t>2022/5/20</a:t>
+              <a:t>2022/5/21</a:t>
             </a:fld>
             <a:endParaRPr lang="zh-CN" altLang="en-US"/>
           </a:p>
@@ -1876,7 +1876,7 @@
           <a:p>
             <a:fld id="{3ED103FD-9823-4368-A732-42423E8CFAAD}" type="datetimeFigureOut">
               <a:rPr lang="zh-CN" altLang="en-US" smtClean="0"/>
-              <a:t>2022/5/20</a:t>
+              <a:t>2022/5/21</a:t>
             </a:fld>
             <a:endParaRPr lang="zh-CN" altLang="en-US"/>
           </a:p>
@@ -2151,7 +2151,7 @@
           <a:p>
             <a:fld id="{3ED103FD-9823-4368-A732-42423E8CFAAD}" type="datetimeFigureOut">
               <a:rPr lang="zh-CN" altLang="en-US" smtClean="0"/>
-              <a:t>2022/5/20</a:t>
+              <a:t>2022/5/21</a:t>
             </a:fld>
             <a:endParaRPr lang="zh-CN" altLang="en-US"/>
           </a:p>
@@ -2416,7 +2416,7 @@
           <a:p>
             <a:fld id="{3ED103FD-9823-4368-A732-42423E8CFAAD}" type="datetimeFigureOut">
               <a:rPr lang="zh-CN" altLang="en-US" smtClean="0"/>
-              <a:t>2022/5/20</a:t>
+              <a:t>2022/5/21</a:t>
             </a:fld>
             <a:endParaRPr lang="zh-CN" altLang="en-US"/>
           </a:p>
@@ -2828,7 +2828,7 @@
           <a:p>
             <a:fld id="{3ED103FD-9823-4368-A732-42423E8CFAAD}" type="datetimeFigureOut">
               <a:rPr lang="zh-CN" altLang="en-US" smtClean="0"/>
-              <a:t>2022/5/20</a:t>
+              <a:t>2022/5/21</a:t>
             </a:fld>
             <a:endParaRPr lang="zh-CN" altLang="en-US"/>
           </a:p>
@@ -2969,7 +2969,7 @@
           <a:p>
             <a:fld id="{3ED103FD-9823-4368-A732-42423E8CFAAD}" type="datetimeFigureOut">
               <a:rPr lang="zh-CN" altLang="en-US" smtClean="0"/>
-              <a:t>2022/5/20</a:t>
+              <a:t>2022/5/21</a:t>
             </a:fld>
             <a:endParaRPr lang="zh-CN" altLang="en-US"/>
           </a:p>
@@ -3082,7 +3082,7 @@
           <a:p>
             <a:fld id="{3ED103FD-9823-4368-A732-42423E8CFAAD}" type="datetimeFigureOut">
               <a:rPr lang="zh-CN" altLang="en-US" smtClean="0"/>
-              <a:t>2022/5/20</a:t>
+              <a:t>2022/5/21</a:t>
             </a:fld>
             <a:endParaRPr lang="zh-CN" altLang="en-US"/>
           </a:p>
@@ -3393,7 +3393,7 @@
           <a:p>
             <a:fld id="{3ED103FD-9823-4368-A732-42423E8CFAAD}" type="datetimeFigureOut">
               <a:rPr lang="zh-CN" altLang="en-US" smtClean="0"/>
-              <a:t>2022/5/20</a:t>
+              <a:t>2022/5/21</a:t>
             </a:fld>
             <a:endParaRPr lang="zh-CN" altLang="en-US"/>
           </a:p>
@@ -3681,7 +3681,7 @@
           <a:p>
             <a:fld id="{3ED103FD-9823-4368-A732-42423E8CFAAD}" type="datetimeFigureOut">
               <a:rPr lang="zh-CN" altLang="en-US" smtClean="0"/>
-              <a:t>2022/5/20</a:t>
+              <a:t>2022/5/21</a:t>
             </a:fld>
             <a:endParaRPr lang="zh-CN" altLang="en-US"/>
           </a:p>
@@ -3922,7 +3922,7 @@
           <a:p>
             <a:fld id="{3ED103FD-9823-4368-A732-42423E8CFAAD}" type="datetimeFigureOut">
               <a:rPr lang="zh-CN" altLang="en-US" smtClean="0"/>
-              <a:t>2022/5/20</a:t>
+              <a:t>2022/5/21</a:t>
             </a:fld>
             <a:endParaRPr lang="zh-CN" altLang="en-US"/>
           </a:p>
@@ -5417,77 +5417,153 @@
       </p:grpSpPr>
       <p:sp>
         <p:nvSpPr>
-          <p:cNvPr id="2" name="标题 1">
-            <a:extLst>
-              <a:ext uri="{FF2B5EF4-FFF2-40B4-BE49-F238E27FC236}">
-                <a16:creationId xmlns:a16="http://schemas.microsoft.com/office/drawing/2014/main" id="{DC757C32-0E36-4D50-8B89-345C9A05A240}"/>
-              </a:ext>
-            </a:extLst>
-          </p:cNvPr>
-          <p:cNvSpPr>
-            <a:spLocks noGrp="1"/>
-          </p:cNvSpPr>
-          <p:nvPr>
-            <p:ph type="title"/>
+          <p:cNvPr id="3" name="内容占位符 2">
+            <a:extLst>
+              <a:ext uri="{FF2B5EF4-FFF2-40B4-BE49-F238E27FC236}">
+                <a16:creationId xmlns:a16="http://schemas.microsoft.com/office/drawing/2014/main" id="{2FF681D8-B8F7-43E3-89EC-517CED64EDE1}"/>
+              </a:ext>
+            </a:extLst>
+          </p:cNvPr>
+          <p:cNvSpPr>
+            <a:spLocks noGrp="1"/>
+          </p:cNvSpPr>
+          <p:nvPr>
+            <p:ph idx="1"/>
           </p:nvPr>
         </p:nvSpPr>
         <p:spPr/>
         <p:txBody>
-          <a:bodyPr/>
+          <a:bodyPr>
+            <a:normAutofit/>
+          </a:bodyPr>
           <a:lstStyle/>
           <a:p>
-            <a:r>
-              <a:rPr lang="zh-CN" altLang="en-US" dirty="0"/>
+            <a:pPr marL="0" indent="0" algn="ctr">
+              <a:buNone/>
+            </a:pPr>
+            <a:r>
+              <a:rPr lang="zh-CN" altLang="en-US" b="1" dirty="0">
+                <a:latin typeface="楷体" panose="02010609060101010101" pitchFamily="49" charset="-122"/>
+                <a:ea typeface="楷体" panose="02010609060101010101" pitchFamily="49" charset="-122"/>
+              </a:rPr>
+              <a:t>李商隐</a:t>
+            </a:r>
+            <a:endParaRPr lang="en-US" altLang="zh-CN" b="1" dirty="0">
+              <a:latin typeface="楷体" panose="02010609060101010101" pitchFamily="49" charset="-122"/>
+              <a:ea typeface="楷体" panose="02010609060101010101" pitchFamily="49" charset="-122"/>
+            </a:endParaRPr>
+          </a:p>
+          <a:p>
+            <a:pPr marL="0" indent="0" algn="ctr">
+              <a:buNone/>
+            </a:pPr>
+            <a:r>
+              <a:rPr lang="zh-CN" altLang="en-US" sz="4000" b="1" dirty="0">
+                <a:latin typeface="楷体" panose="02010609060101010101" pitchFamily="49" charset="-122"/>
+                <a:ea typeface="楷体" panose="02010609060101010101" pitchFamily="49" charset="-122"/>
+              </a:rPr>
+              <a:t>君问归期未有期</a:t>
+            </a:r>
+            <a:endParaRPr lang="en-US" altLang="zh-CN" sz="4000" b="1" dirty="0">
+              <a:latin typeface="楷体" panose="02010609060101010101" pitchFamily="49" charset="-122"/>
+              <a:ea typeface="楷体" panose="02010609060101010101" pitchFamily="49" charset="-122"/>
+            </a:endParaRPr>
+          </a:p>
+          <a:p>
+            <a:pPr marL="0" indent="0" algn="ctr">
+              <a:buNone/>
+            </a:pPr>
+            <a:r>
+              <a:rPr lang="zh-CN" altLang="en-US" sz="4000" b="1" dirty="0">
+                <a:latin typeface="楷体" panose="02010609060101010101" pitchFamily="49" charset="-122"/>
+                <a:ea typeface="楷体" panose="02010609060101010101" pitchFamily="49" charset="-122"/>
+              </a:rPr>
+              <a:t>巴山夜雨涨秋池</a:t>
+            </a:r>
+            <a:endParaRPr lang="en-US" altLang="zh-CN" sz="4000" b="1" dirty="0">
+              <a:latin typeface="楷体" panose="02010609060101010101" pitchFamily="49" charset="-122"/>
+              <a:ea typeface="楷体" panose="02010609060101010101" pitchFamily="49" charset="-122"/>
+            </a:endParaRPr>
+          </a:p>
+          <a:p>
+            <a:pPr marL="0" indent="0" algn="ctr">
+              <a:buNone/>
+            </a:pPr>
+            <a:r>
+              <a:rPr lang="zh-CN" altLang="en-US" sz="4000" b="1" dirty="0">
+                <a:latin typeface="楷体" panose="02010609060101010101" pitchFamily="49" charset="-122"/>
+                <a:ea typeface="楷体" panose="02010609060101010101" pitchFamily="49" charset="-122"/>
+              </a:rPr>
+              <a:t>何当共剪西窗烛</a:t>
+            </a:r>
+            <a:endParaRPr lang="en-US" altLang="zh-CN" sz="4000" b="1" dirty="0">
+              <a:latin typeface="楷体" panose="02010609060101010101" pitchFamily="49" charset="-122"/>
+              <a:ea typeface="楷体" panose="02010609060101010101" pitchFamily="49" charset="-122"/>
+            </a:endParaRPr>
+          </a:p>
+          <a:p>
+            <a:pPr marL="0" indent="0" algn="ctr">
+              <a:buNone/>
+            </a:pPr>
+            <a:r>
+              <a:rPr lang="zh-CN" altLang="en-US" sz="4000" b="1" dirty="0">
+                <a:latin typeface="楷体" panose="02010609060101010101" pitchFamily="49" charset="-122"/>
+                <a:ea typeface="楷体" panose="02010609060101010101" pitchFamily="49" charset="-122"/>
+              </a:rPr>
+              <a:t>却话巴山夜雨时</a:t>
+            </a:r>
+          </a:p>
+        </p:txBody>
+      </p:sp>
+      <p:sp>
+        <p:nvSpPr>
+          <p:cNvPr id="5" name="矩形 4">
+            <a:extLst>
+              <a:ext uri="{FF2B5EF4-FFF2-40B4-BE49-F238E27FC236}">
+                <a16:creationId xmlns:a16="http://schemas.microsoft.com/office/drawing/2014/main" id="{60E34B97-E760-4C46-944F-D91479494A91}"/>
+              </a:ext>
+            </a:extLst>
+          </p:cNvPr>
+          <p:cNvSpPr/>
+          <p:nvPr/>
+        </p:nvSpPr>
+        <p:spPr>
+          <a:xfrm>
+            <a:off x="4187535" y="566241"/>
+            <a:ext cx="3834247" cy="923330"/>
+          </a:xfrm>
+          <a:prstGeom prst="rect">
+            <a:avLst/>
+          </a:prstGeom>
+          <a:noFill/>
+        </p:spPr>
+        <p:txBody>
+          <a:bodyPr wrap="square" lIns="91440" tIns="45720" rIns="91440" bIns="45720">
+            <a:prstTxWarp prst="textInflateBottom">
+              <a:avLst/>
+            </a:prstTxWarp>
+            <a:spAutoFit/>
+          </a:bodyPr>
+          <a:lstStyle/>
+          <a:p>
+            <a:pPr algn="ctr"/>
+            <a:r>
+              <a:rPr lang="zh-CN" altLang="en-US" sz="5400" b="0" cap="none" spc="0" dirty="0">
+                <a:ln w="0"/>
+                <a:solidFill>
+                  <a:schemeClr val="accent1"/>
+                </a:solidFill>
+                <a:effectLst>
+                  <a:outerShdw blurRad="38100" dist="25400" dir="5400000" algn="ctr" rotWithShape="0">
+                    <a:srgbClr val="6E747A">
+                      <a:alpha val="43000"/>
+                    </a:srgbClr>
+                  </a:outerShdw>
+                </a:effectLst>
+                <a:latin typeface="华文新魏" panose="02010800040101010101" pitchFamily="2" charset="-122"/>
+                <a:ea typeface="华文新魏" panose="02010800040101010101" pitchFamily="2" charset="-122"/>
+              </a:rPr>
               <a:t>夜雨寄北</a:t>
-            </a:r>
-          </a:p>
-        </p:txBody>
-      </p:sp>
-      <p:sp>
-        <p:nvSpPr>
-          <p:cNvPr id="3" name="内容占位符 2">
-            <a:extLst>
-              <a:ext uri="{FF2B5EF4-FFF2-40B4-BE49-F238E27FC236}">
-                <a16:creationId xmlns:a16="http://schemas.microsoft.com/office/drawing/2014/main" id="{2FF681D8-B8F7-43E3-89EC-517CED64EDE1}"/>
-              </a:ext>
-            </a:extLst>
-          </p:cNvPr>
-          <p:cNvSpPr>
-            <a:spLocks noGrp="1"/>
-          </p:cNvSpPr>
-          <p:nvPr>
-            <p:ph idx="1"/>
-          </p:nvPr>
-        </p:nvSpPr>
-        <p:spPr/>
-        <p:txBody>
-          <a:bodyPr/>
-          <a:lstStyle/>
-          <a:p>
-            <a:r>
-              <a:rPr lang="zh-CN" altLang="en-US" dirty="0"/>
-              <a:t>君问归期未有期</a:t>
-            </a:r>
-            <a:endParaRPr lang="en-US" altLang="zh-CN" dirty="0"/>
-          </a:p>
-          <a:p>
-            <a:r>
-              <a:rPr lang="zh-CN" altLang="en-US" dirty="0"/>
-              <a:t>巴山夜雨涨秋池</a:t>
-            </a:r>
-            <a:endParaRPr lang="en-US" altLang="zh-CN" dirty="0"/>
-          </a:p>
-          <a:p>
-            <a:r>
-              <a:rPr lang="zh-CN" altLang="en-US" dirty="0"/>
-              <a:t>何当共剪西窗烛</a:t>
-            </a:r>
-            <a:endParaRPr lang="en-US" altLang="zh-CN" dirty="0"/>
-          </a:p>
-          <a:p>
-            <a:r>
-              <a:rPr lang="zh-CN" altLang="en-US" dirty="0"/>
-              <a:t>却话巴山夜雨时</a:t>
             </a:r>
           </a:p>
         </p:txBody>

--- a/Exercise1.pptx
+++ b/Exercise1.pptx
@@ -5431,7 +5431,13 @@
             <p:ph idx="1"/>
           </p:nvPr>
         </p:nvSpPr>
-        <p:spPr/>
+        <p:spPr>
+          <a:effectLst>
+            <a:glow rad="127000">
+              <a:schemeClr val="bg1"/>
+            </a:glow>
+          </a:effectLst>
+        </p:spPr>
         <p:txBody>
           <a:bodyPr>
             <a:normAutofit/>
@@ -5564,6 +5570,97 @@
                 <a:ea typeface="华文新魏" panose="02010800040101010101" pitchFamily="2" charset="-122"/>
               </a:rPr>
               <a:t>夜雨寄北</a:t>
+            </a:r>
+          </a:p>
+        </p:txBody>
+      </p:sp>
+      <p:sp>
+        <p:nvSpPr>
+          <p:cNvPr id="2" name="矩形 1">
+            <a:extLst>
+              <a:ext uri="{FF2B5EF4-FFF2-40B4-BE49-F238E27FC236}">
+                <a16:creationId xmlns:a16="http://schemas.microsoft.com/office/drawing/2014/main" id="{88B13745-9F11-4028-A087-99DBAE12CFD4}"/>
+              </a:ext>
+            </a:extLst>
+          </p:cNvPr>
+          <p:cNvSpPr/>
+          <p:nvPr/>
+        </p:nvSpPr>
+        <p:spPr>
+          <a:xfrm rot="18063757">
+            <a:off x="8014982" y="4421835"/>
+            <a:ext cx="3647153" cy="923330"/>
+          </a:xfrm>
+          <a:prstGeom prst="rect">
+            <a:avLst/>
+          </a:prstGeom>
+          <a:noFill/>
+          <a:effectLst>
+            <a:glow rad="63500">
+              <a:schemeClr val="accent1">
+                <a:satMod val="175000"/>
+                <a:alpha val="40000"/>
+              </a:schemeClr>
+            </a:glow>
+          </a:effectLst>
+        </p:spPr>
+        <p:txBody>
+          <a:bodyPr wrap="none" lIns="91440" tIns="45720" rIns="91440" bIns="45720">
+            <a:prstTxWarp prst="textCascadeDown">
+              <a:avLst/>
+            </a:prstTxWarp>
+            <a:spAutoFit/>
+          </a:bodyPr>
+          <a:lstStyle/>
+          <a:p>
+            <a:pPr algn="ctr"/>
+            <a:r>
+              <a:rPr lang="zh-CN" altLang="en-US" sz="5400" dirty="0">
+                <a:ln w="0"/>
+                <a:gradFill>
+                  <a:gsLst>
+                    <a:gs pos="0">
+                      <a:schemeClr val="accent5">
+                        <a:lumMod val="50000"/>
+                      </a:schemeClr>
+                    </a:gs>
+                    <a:gs pos="50000">
+                      <a:schemeClr val="accent5"/>
+                    </a:gs>
+                    <a:gs pos="100000">
+                      <a:schemeClr val="accent5">
+                        <a:lumMod val="60000"/>
+                        <a:lumOff val="40000"/>
+                      </a:schemeClr>
+                    </a:gs>
+                  </a:gsLst>
+                  <a:lin ang="5400000"/>
+                </a:gradFill>
+                <a:effectLst>
+                  <a:reflection blurRad="6350" stA="53000" endA="300" endPos="35500" dir="5400000" sy="-90000" algn="bl" rotWithShape="0"/>
+                </a:effectLst>
+                <a:latin typeface="隶书" panose="02010509060101010101" pitchFamily="49" charset="-122"/>
+                <a:ea typeface="隶书" panose="02010509060101010101" pitchFamily="49" charset="-122"/>
+              </a:rPr>
+              <a:t>思念</a:t>
+            </a:r>
+            <a:r>
+              <a:rPr lang="zh-CN" altLang="en-US" sz="5400" dirty="0">
+                <a:ln w="0"/>
+                <a:solidFill>
+                  <a:schemeClr val="accent1"/>
+                </a:solidFill>
+                <a:effectLst>
+                  <a:outerShdw blurRad="38100" dist="25400" dir="5400000" algn="ctr" rotWithShape="0">
+                    <a:srgbClr val="6E747A">
+                      <a:alpha val="43000"/>
+                    </a:srgbClr>
+                  </a:outerShdw>
+                </a:effectLst>
+                <a:latin typeface="隶书" panose="02010509060101010101" pitchFamily="49" charset="-122"/>
+                <a:ea typeface="隶书" panose="02010509060101010101" pitchFamily="49" charset="-122"/>
+              </a:rPr>
+              <a:t>到永远</a:t>
             </a:r>
           </a:p>
         </p:txBody>

--- a/Exercise1.pptx
+++ b/Exercise1.pptx
@@ -5665,6 +5665,282 @@
           </a:p>
         </p:txBody>
       </p:sp>
+      <p:sp>
+        <p:nvSpPr>
+          <p:cNvPr id="4" name="新月形 3">
+            <a:extLst>
+              <a:ext uri="{FF2B5EF4-FFF2-40B4-BE49-F238E27FC236}">
+                <a16:creationId xmlns:a16="http://schemas.microsoft.com/office/drawing/2014/main" id="{6037E18B-A8A1-4ECF-AE88-35E1D9750344}"/>
+              </a:ext>
+            </a:extLst>
+          </p:cNvPr>
+          <p:cNvSpPr/>
+          <p:nvPr/>
+        </p:nvSpPr>
+        <p:spPr>
+          <a:xfrm rot="19757324" flipH="1">
+            <a:off x="11059660" y="86572"/>
+            <a:ext cx="795556" cy="2030525"/>
+          </a:xfrm>
+          <a:prstGeom prst="moon">
+            <a:avLst/>
+          </a:prstGeom>
+        </p:spPr>
+        <p:style>
+          <a:lnRef idx="2">
+            <a:schemeClr val="accent1">
+              <a:shade val="50000"/>
+            </a:schemeClr>
+          </a:lnRef>
+          <a:fillRef idx="1">
+            <a:schemeClr val="accent1"/>
+          </a:fillRef>
+          <a:effectRef idx="0">
+            <a:schemeClr val="accent1"/>
+          </a:effectRef>
+          <a:fontRef idx="minor">
+            <a:schemeClr val="lt1"/>
+          </a:fontRef>
+        </p:style>
+        <p:txBody>
+          <a:bodyPr rtlCol="0" anchor="ctr"/>
+          <a:lstStyle/>
+          <a:p>
+            <a:pPr algn="ctr"/>
+            <a:endParaRPr lang="zh-CN" altLang="en-US"/>
+          </a:p>
+        </p:txBody>
+      </p:sp>
+      <p:sp>
+        <p:nvSpPr>
+          <p:cNvPr id="6" name="星形: 四角 5">
+            <a:extLst>
+              <a:ext uri="{FF2B5EF4-FFF2-40B4-BE49-F238E27FC236}">
+                <a16:creationId xmlns:a16="http://schemas.microsoft.com/office/drawing/2014/main" id="{FBA79B1F-7673-4A8C-822F-ABE7D3A2BC33}"/>
+              </a:ext>
+            </a:extLst>
+          </p:cNvPr>
+          <p:cNvSpPr/>
+          <p:nvPr/>
+        </p:nvSpPr>
+        <p:spPr>
+          <a:xfrm>
+            <a:off x="9724315" y="310641"/>
+            <a:ext cx="593915" cy="1062309"/>
+          </a:xfrm>
+          <a:prstGeom prst="star4">
+            <a:avLst/>
+          </a:prstGeom>
+        </p:spPr>
+        <p:style>
+          <a:lnRef idx="2">
+            <a:schemeClr val="accent1">
+              <a:shade val="50000"/>
+            </a:schemeClr>
+          </a:lnRef>
+          <a:fillRef idx="1">
+            <a:schemeClr val="accent1"/>
+          </a:fillRef>
+          <a:effectRef idx="0">
+            <a:schemeClr val="accent1"/>
+          </a:effectRef>
+          <a:fontRef idx="minor">
+            <a:schemeClr val="lt1"/>
+          </a:fontRef>
+        </p:style>
+        <p:txBody>
+          <a:bodyPr rtlCol="0" anchor="ctr"/>
+          <a:lstStyle/>
+          <a:p>
+            <a:pPr algn="ctr"/>
+            <a:endParaRPr lang="zh-CN" altLang="en-US"/>
+          </a:p>
+        </p:txBody>
+      </p:sp>
+      <p:sp>
+        <p:nvSpPr>
+          <p:cNvPr id="7" name="星形: 四角 6">
+            <a:extLst>
+              <a:ext uri="{FF2B5EF4-FFF2-40B4-BE49-F238E27FC236}">
+                <a16:creationId xmlns:a16="http://schemas.microsoft.com/office/drawing/2014/main" id="{3DF923D1-5165-4CA3-A674-5157E5D8B65F}"/>
+              </a:ext>
+            </a:extLst>
+          </p:cNvPr>
+          <p:cNvSpPr/>
+          <p:nvPr/>
+        </p:nvSpPr>
+        <p:spPr>
+          <a:xfrm>
+            <a:off x="10596940" y="1027906"/>
+            <a:ext cx="414801" cy="545209"/>
+          </a:xfrm>
+          <a:prstGeom prst="star4">
+            <a:avLst/>
+          </a:prstGeom>
+        </p:spPr>
+        <p:style>
+          <a:lnRef idx="2">
+            <a:schemeClr val="accent1">
+              <a:shade val="50000"/>
+            </a:schemeClr>
+          </a:lnRef>
+          <a:fillRef idx="1">
+            <a:schemeClr val="accent1"/>
+          </a:fillRef>
+          <a:effectRef idx="0">
+            <a:schemeClr val="accent1"/>
+          </a:effectRef>
+          <a:fontRef idx="minor">
+            <a:schemeClr val="lt1"/>
+          </a:fontRef>
+        </p:style>
+        <p:txBody>
+          <a:bodyPr rtlCol="0" anchor="ctr"/>
+          <a:lstStyle/>
+          <a:p>
+            <a:pPr algn="ctr"/>
+            <a:endParaRPr lang="zh-CN" altLang="en-US"/>
+          </a:p>
+        </p:txBody>
+      </p:sp>
+      <p:sp>
+        <p:nvSpPr>
+          <p:cNvPr id="9" name="星形: 四角 8">
+            <a:extLst>
+              <a:ext uri="{FF2B5EF4-FFF2-40B4-BE49-F238E27FC236}">
+                <a16:creationId xmlns:a16="http://schemas.microsoft.com/office/drawing/2014/main" id="{80F9BDA1-B714-483A-B9D2-D88E0C6C0014}"/>
+              </a:ext>
+            </a:extLst>
+          </p:cNvPr>
+          <p:cNvSpPr/>
+          <p:nvPr/>
+        </p:nvSpPr>
+        <p:spPr>
+          <a:xfrm>
+            <a:off x="10153628" y="1474005"/>
+            <a:ext cx="286778" cy="948464"/>
+          </a:xfrm>
+          <a:prstGeom prst="star4">
+            <a:avLst/>
+          </a:prstGeom>
+        </p:spPr>
+        <p:style>
+          <a:lnRef idx="2">
+            <a:schemeClr val="accent1">
+              <a:shade val="50000"/>
+            </a:schemeClr>
+          </a:lnRef>
+          <a:fillRef idx="1">
+            <a:schemeClr val="accent1"/>
+          </a:fillRef>
+          <a:effectRef idx="0">
+            <a:schemeClr val="accent1"/>
+          </a:effectRef>
+          <a:fontRef idx="minor">
+            <a:schemeClr val="lt1"/>
+          </a:fontRef>
+        </p:style>
+        <p:txBody>
+          <a:bodyPr rtlCol="0" anchor="ctr"/>
+          <a:lstStyle/>
+          <a:p>
+            <a:pPr algn="ctr"/>
+            <a:endParaRPr lang="zh-CN" altLang="en-US"/>
+          </a:p>
+        </p:txBody>
+      </p:sp>
+      <p:sp>
+        <p:nvSpPr>
+          <p:cNvPr id="10" name="星形: 四角 9">
+            <a:extLst>
+              <a:ext uri="{FF2B5EF4-FFF2-40B4-BE49-F238E27FC236}">
+                <a16:creationId xmlns:a16="http://schemas.microsoft.com/office/drawing/2014/main" id="{BB40F858-45A2-4B81-8836-735DFEF2B372}"/>
+              </a:ext>
+            </a:extLst>
+          </p:cNvPr>
+          <p:cNvSpPr/>
+          <p:nvPr/>
+        </p:nvSpPr>
+        <p:spPr>
+          <a:xfrm>
+            <a:off x="11261719" y="2208652"/>
+            <a:ext cx="460664" cy="974578"/>
+          </a:xfrm>
+          <a:prstGeom prst="star4">
+            <a:avLst/>
+          </a:prstGeom>
+        </p:spPr>
+        <p:style>
+          <a:lnRef idx="2">
+            <a:schemeClr val="accent1">
+              <a:shade val="50000"/>
+            </a:schemeClr>
+          </a:lnRef>
+          <a:fillRef idx="1">
+            <a:schemeClr val="accent1"/>
+          </a:fillRef>
+          <a:effectRef idx="0">
+            <a:schemeClr val="accent1"/>
+          </a:effectRef>
+          <a:fontRef idx="minor">
+            <a:schemeClr val="lt1"/>
+          </a:fontRef>
+        </p:style>
+        <p:txBody>
+          <a:bodyPr rtlCol="0" anchor="ctr"/>
+          <a:lstStyle/>
+          <a:p>
+            <a:pPr algn="ctr"/>
+            <a:endParaRPr lang="zh-CN" altLang="en-US"/>
+          </a:p>
+        </p:txBody>
+      </p:sp>
+      <p:sp>
+        <p:nvSpPr>
+          <p:cNvPr id="11" name="星形: 四角 10">
+            <a:extLst>
+              <a:ext uri="{FF2B5EF4-FFF2-40B4-BE49-F238E27FC236}">
+                <a16:creationId xmlns:a16="http://schemas.microsoft.com/office/drawing/2014/main" id="{BF7BF3DF-1BF7-4A89-8776-6DD7169EDD72}"/>
+              </a:ext>
+            </a:extLst>
+          </p:cNvPr>
+          <p:cNvSpPr/>
+          <p:nvPr/>
+        </p:nvSpPr>
+        <p:spPr>
+          <a:xfrm>
+            <a:off x="10714177" y="2189684"/>
+            <a:ext cx="286778" cy="529466"/>
+          </a:xfrm>
+          <a:prstGeom prst="star4">
+            <a:avLst/>
+          </a:prstGeom>
+        </p:spPr>
+        <p:style>
+          <a:lnRef idx="2">
+            <a:schemeClr val="accent1">
+              <a:shade val="50000"/>
+            </a:schemeClr>
+          </a:lnRef>
+          <a:fillRef idx="1">
+            <a:schemeClr val="accent1"/>
+          </a:fillRef>
+          <a:effectRef idx="0">
+            <a:schemeClr val="accent1"/>
+          </a:effectRef>
+          <a:fontRef idx="minor">
+            <a:schemeClr val="lt1"/>
+          </a:fontRef>
+        </p:style>
+        <p:txBody>
+          <a:bodyPr rtlCol="0" anchor="ctr"/>
+          <a:lstStyle/>
+          <a:p>
+            <a:pPr algn="ctr"/>
+            <a:endParaRPr lang="zh-CN" altLang="en-US"/>
+          </a:p>
+        </p:txBody>
+      </p:sp>
     </p:spTree>
     <p:extLst>
       <p:ext uri="{BB962C8B-B14F-4D97-AF65-F5344CB8AC3E}">

--- a/Exercise1.pptx
+++ b/Exercise1.pptx
@@ -5401,6 +5401,35 @@
 <file path=ppt/slides/slide4.xml><?xml version="1.0" encoding="utf-8"?>
 <p:sld xmlns:a="http://schemas.openxmlformats.org/drawingml/2006/main" xmlns:r="http://schemas.openxmlformats.org/officeDocument/2006/relationships" xmlns:p="http://schemas.openxmlformats.org/presentationml/2006/main">
   <p:cSld>
+    <p:bg>
+      <p:bgPr>
+        <a:gradFill flip="none" rotWithShape="1">
+          <a:gsLst>
+            <a:gs pos="0">
+              <a:schemeClr val="tx1"/>
+            </a:gs>
+            <a:gs pos="47000">
+              <a:srgbClr val="7030A0"/>
+            </a:gs>
+            <a:gs pos="17000">
+              <a:schemeClr val="tx1">
+                <a:lumMod val="85000"/>
+                <a:lumOff val="15000"/>
+              </a:schemeClr>
+            </a:gs>
+            <a:gs pos="76000">
+              <a:srgbClr val="B1300D"/>
+            </a:gs>
+            <a:gs pos="98000">
+              <a:srgbClr val="D3784B"/>
+            </a:gs>
+          </a:gsLst>
+          <a:lin ang="8100000" scaled="1"/>
+          <a:tileRect/>
+        </a:gradFill>
+        <a:effectLst/>
+      </p:bgPr>
+    </p:bg>
     <p:spTree>
       <p:nvGrpSpPr>
         <p:cNvPr id="1" name=""/>
@@ -5449,12 +5478,24 @@
             </a:pPr>
             <a:r>
               <a:rPr lang="zh-CN" altLang="en-US" b="1" dirty="0">
+                <a:solidFill>
+                  <a:schemeClr val="tx2">
+                    <a:lumMod val="20000"/>
+                    <a:lumOff val="80000"/>
+                  </a:schemeClr>
+                </a:solidFill>
                 <a:latin typeface="楷体" panose="02010609060101010101" pitchFamily="49" charset="-122"/>
                 <a:ea typeface="楷体" panose="02010609060101010101" pitchFamily="49" charset="-122"/>
               </a:rPr>
               <a:t>李商隐</a:t>
             </a:r>
             <a:endParaRPr lang="en-US" altLang="zh-CN" b="1" dirty="0">
+              <a:solidFill>
+                <a:schemeClr val="tx2">
+                  <a:lumMod val="20000"/>
+                  <a:lumOff val="80000"/>
+                </a:schemeClr>
+              </a:solidFill>
               <a:latin typeface="楷体" panose="02010609060101010101" pitchFamily="49" charset="-122"/>
               <a:ea typeface="楷体" panose="02010609060101010101" pitchFamily="49" charset="-122"/>
             </a:endParaRPr>
@@ -5465,12 +5506,24 @@
             </a:pPr>
             <a:r>
               <a:rPr lang="zh-CN" altLang="en-US" sz="4000" b="1" dirty="0">
+                <a:solidFill>
+                  <a:schemeClr val="tx2">
+                    <a:lumMod val="20000"/>
+                    <a:lumOff val="80000"/>
+                  </a:schemeClr>
+                </a:solidFill>
                 <a:latin typeface="楷体" panose="02010609060101010101" pitchFamily="49" charset="-122"/>
                 <a:ea typeface="楷体" panose="02010609060101010101" pitchFamily="49" charset="-122"/>
               </a:rPr>
               <a:t>君问归期未有期</a:t>
             </a:r>
             <a:endParaRPr lang="en-US" altLang="zh-CN" sz="4000" b="1" dirty="0">
+              <a:solidFill>
+                <a:schemeClr val="tx2">
+                  <a:lumMod val="20000"/>
+                  <a:lumOff val="80000"/>
+                </a:schemeClr>
+              </a:solidFill>
               <a:latin typeface="楷体" panose="02010609060101010101" pitchFamily="49" charset="-122"/>
               <a:ea typeface="楷体" panose="02010609060101010101" pitchFamily="49" charset="-122"/>
             </a:endParaRPr>
@@ -5481,12 +5534,24 @@
             </a:pPr>
             <a:r>
               <a:rPr lang="zh-CN" altLang="en-US" sz="4000" b="1" dirty="0">
+                <a:solidFill>
+                  <a:schemeClr val="tx2">
+                    <a:lumMod val="20000"/>
+                    <a:lumOff val="80000"/>
+                  </a:schemeClr>
+                </a:solidFill>
                 <a:latin typeface="楷体" panose="02010609060101010101" pitchFamily="49" charset="-122"/>
                 <a:ea typeface="楷体" panose="02010609060101010101" pitchFamily="49" charset="-122"/>
               </a:rPr>
               <a:t>巴山夜雨涨秋池</a:t>
             </a:r>
             <a:endParaRPr lang="en-US" altLang="zh-CN" sz="4000" b="1" dirty="0">
+              <a:solidFill>
+                <a:schemeClr val="tx2">
+                  <a:lumMod val="20000"/>
+                  <a:lumOff val="80000"/>
+                </a:schemeClr>
+              </a:solidFill>
               <a:latin typeface="楷体" panose="02010609060101010101" pitchFamily="49" charset="-122"/>
               <a:ea typeface="楷体" panose="02010609060101010101" pitchFamily="49" charset="-122"/>
             </a:endParaRPr>
@@ -5497,12 +5562,24 @@
             </a:pPr>
             <a:r>
               <a:rPr lang="zh-CN" altLang="en-US" sz="4000" b="1" dirty="0">
+                <a:solidFill>
+                  <a:schemeClr val="tx2">
+                    <a:lumMod val="20000"/>
+                    <a:lumOff val="80000"/>
+                  </a:schemeClr>
+                </a:solidFill>
                 <a:latin typeface="楷体" panose="02010609060101010101" pitchFamily="49" charset="-122"/>
                 <a:ea typeface="楷体" panose="02010609060101010101" pitchFamily="49" charset="-122"/>
               </a:rPr>
               <a:t>何当共剪西窗烛</a:t>
             </a:r>
             <a:endParaRPr lang="en-US" altLang="zh-CN" sz="4000" b="1" dirty="0">
+              <a:solidFill>
+                <a:schemeClr val="tx2">
+                  <a:lumMod val="20000"/>
+                  <a:lumOff val="80000"/>
+                </a:schemeClr>
+              </a:solidFill>
               <a:latin typeface="楷体" panose="02010609060101010101" pitchFamily="49" charset="-122"/>
               <a:ea typeface="楷体" panose="02010609060101010101" pitchFamily="49" charset="-122"/>
             </a:endParaRPr>
@@ -5513,6 +5590,12 @@
             </a:pPr>
             <a:r>
               <a:rPr lang="zh-CN" altLang="en-US" sz="4000" b="1" dirty="0">
+                <a:solidFill>
+                  <a:schemeClr val="tx2">
+                    <a:lumMod val="20000"/>
+                    <a:lumOff val="80000"/>
+                  </a:schemeClr>
+                </a:solidFill>
                 <a:latin typeface="楷体" panose="02010609060101010101" pitchFamily="49" charset="-122"/>
                 <a:ea typeface="楷体" panose="02010609060101010101" pitchFamily="49" charset="-122"/>
               </a:rPr>
@@ -5616,27 +5699,41 @@
             <a:pPr algn="ctr"/>
             <a:r>
               <a:rPr lang="zh-CN" altLang="en-US" sz="5400" dirty="0">
-                <a:ln w="0"/>
-                <a:gradFill>
+                <a:ln w="0">
+                  <a:solidFill>
+                    <a:schemeClr val="bg1"/>
+                  </a:solidFill>
+                </a:ln>
+                <a:gradFill flip="none" rotWithShape="1">
                   <a:gsLst>
-                    <a:gs pos="0">
-                      <a:schemeClr val="accent5">
-                        <a:lumMod val="50000"/>
-                      </a:schemeClr>
-                    </a:gs>
-                    <a:gs pos="50000">
-                      <a:schemeClr val="accent5"/>
-                    </a:gs>
-                    <a:gs pos="100000">
-                      <a:schemeClr val="accent5">
+                    <a:gs pos="64600">
+                      <a:schemeClr val="accent1">
                         <a:lumMod val="60000"/>
                         <a:lumOff val="40000"/>
                       </a:schemeClr>
                     </a:gs>
+                    <a:gs pos="14000">
+                      <a:schemeClr val="accent1">
+                        <a:lumMod val="75000"/>
+                      </a:schemeClr>
+                    </a:gs>
+                    <a:gs pos="100000">
+                      <a:schemeClr val="accent1">
+                        <a:lumMod val="40000"/>
+                        <a:lumOff val="60000"/>
+                      </a:schemeClr>
+                    </a:gs>
                   </a:gsLst>
-                  <a:lin ang="5400000"/>
+                  <a:lin ang="16200000" scaled="1"/>
+                  <a:tileRect/>
                 </a:gradFill>
                 <a:effectLst>
+                  <a:glow rad="63500">
+                    <a:schemeClr val="accent1">
+                      <a:satMod val="175000"/>
+                      <a:alpha val="40000"/>
+                    </a:schemeClr>
+                  </a:glow>
                   <a:reflection blurRad="6350" stA="53000" endA="300" endPos="35500" dir="5400000" sy="-90000" algn="bl" rotWithShape="0"/>
                 </a:effectLst>
                 <a:latin typeface="隶书" panose="02010509060101010101" pitchFamily="49" charset="-122"/>
@@ -5646,11 +5743,41 @@
             </a:r>
             <a:r>
               <a:rPr lang="zh-CN" altLang="en-US" sz="5400" dirty="0">
-                <a:ln w="0"/>
-                <a:solidFill>
-                  <a:schemeClr val="accent1"/>
-                </a:solidFill>
+                <a:ln w="0">
+                  <a:solidFill>
+                    <a:schemeClr val="bg1"/>
+                  </a:solidFill>
+                </a:ln>
+                <a:gradFill flip="none" rotWithShape="1">
+                  <a:gsLst>
+                    <a:gs pos="64600">
+                      <a:schemeClr val="accent1">
+                        <a:lumMod val="60000"/>
+                        <a:lumOff val="40000"/>
+                      </a:schemeClr>
+                    </a:gs>
+                    <a:gs pos="14000">
+                      <a:schemeClr val="accent1">
+                        <a:lumMod val="75000"/>
+                      </a:schemeClr>
+                    </a:gs>
+                    <a:gs pos="100000">
+                      <a:schemeClr val="accent1">
+                        <a:lumMod val="40000"/>
+                        <a:lumOff val="60000"/>
+                      </a:schemeClr>
+                    </a:gs>
+                  </a:gsLst>
+                  <a:lin ang="16200000" scaled="1"/>
+                  <a:tileRect/>
+                </a:gradFill>
                 <a:effectLst>
+                  <a:glow rad="63500">
+                    <a:schemeClr val="accent1">
+                      <a:satMod val="175000"/>
+                      <a:alpha val="40000"/>
+                    </a:schemeClr>
+                  </a:glow>
                   <a:outerShdw blurRad="38100" dist="25400" dir="5400000" algn="ctr" rotWithShape="0">
                     <a:srgbClr val="6E747A">
                       <a:alpha val="43000"/>

--- a/Exercise1.pptx
+++ b/Exercise1.pptx
@@ -497,7 +497,9 @@
         <c:crossBetween val="between"/>
       </c:valAx>
       <c:spPr>
-        <a:noFill/>
+        <a:solidFill>
+          <a:schemeClr val="bg1"/>
+        </a:solidFill>
         <a:ln>
           <a:noFill/>
         </a:ln>
@@ -6446,6 +6448,15 @@
 <file path=ppt/slides/slide6.xml><?xml version="1.0" encoding="utf-8"?>
 <p:sld xmlns:a="http://schemas.openxmlformats.org/drawingml/2006/main" xmlns:r="http://schemas.openxmlformats.org/officeDocument/2006/relationships" xmlns:p="http://schemas.openxmlformats.org/presentationml/2006/main">
   <p:cSld>
+    <p:bg>
+      <p:bgPr>
+        <a:blipFill>
+          <a:blip r:embed="rId2"/>
+          <a:tile tx="0" ty="0" sx="100000" sy="100000" flip="none" algn="tl"/>
+        </a:blipFill>
+        <a:effectLst/>
+      </p:bgPr>
+    </p:bg>
     <p:spTree>
       <p:nvGrpSpPr>
         <p:cNvPr id="1" name=""/>
@@ -6486,6 +6497,9 @@
             <a:pPr algn="ctr"/>
             <a:r>
               <a:rPr lang="zh-CN" altLang="zh-CN" sz="5400" kern="100" dirty="0">
+                <a:solidFill>
+                  <a:schemeClr val="bg1"/>
+                </a:solidFill>
                 <a:effectLst/>
                 <a:latin typeface="华文新魏" panose="02010800040101010101" pitchFamily="2" charset="-122"/>
                 <a:ea typeface="华文新魏" panose="02010800040101010101" pitchFamily="2" charset="-122"/>
@@ -6495,6 +6509,9 @@
             </a:r>
             <a:br>
               <a:rPr lang="en-US" altLang="zh-CN" sz="5400" kern="100" dirty="0">
+                <a:solidFill>
+                  <a:schemeClr val="bg1"/>
+                </a:solidFill>
                 <a:effectLst/>
                 <a:latin typeface="华文新魏" panose="02010800040101010101" pitchFamily="2" charset="-122"/>
                 <a:ea typeface="华文新魏" panose="02010800040101010101" pitchFamily="2" charset="-122"/>
@@ -6503,6 +6520,9 @@
             </a:br>
             <a:r>
               <a:rPr lang="zh-CN" altLang="zh-CN" sz="5400" kern="100" dirty="0">
+                <a:solidFill>
+                  <a:schemeClr val="bg1"/>
+                </a:solidFill>
                 <a:effectLst/>
                 <a:latin typeface="华文新魏" panose="02010800040101010101" pitchFamily="2" charset="-122"/>
                 <a:ea typeface="华文新魏" panose="02010800040101010101" pitchFamily="2" charset="-122"/>
@@ -6511,6 +6531,9 @@
               <a:t>五十年发行走势</a:t>
             </a:r>
             <a:endParaRPr lang="zh-CN" altLang="en-US" sz="5400" dirty="0">
+              <a:solidFill>
+                <a:schemeClr val="bg1"/>
+              </a:solidFill>
               <a:latin typeface="华文新魏" panose="02010800040101010101" pitchFamily="2" charset="-122"/>
               <a:ea typeface="华文新魏" panose="02010800040101010101" pitchFamily="2" charset="-122"/>
             </a:endParaRPr>
@@ -6533,7 +6556,7 @@
             <p:ph idx="1"/>
             <p:extLst>
               <p:ext uri="{D42A27DB-BD31-4B8C-83A1-F6EECF244321}">
-                <p14:modId xmlns:p14="http://schemas.microsoft.com/office/powerpoint/2010/main" val="3926573121"/>
+                <p14:modId xmlns:p14="http://schemas.microsoft.com/office/powerpoint/2010/main" val="810668156"/>
               </p:ext>
             </p:extLst>
           </p:nvPr>
@@ -6544,7 +6567,7 @@
         </p:xfrm>
         <a:graphic>
           <a:graphicData uri="http://schemas.openxmlformats.org/drawingml/2006/chart">
-            <c:chart xmlns:c="http://schemas.openxmlformats.org/drawingml/2006/chart" xmlns:r="http://schemas.openxmlformats.org/officeDocument/2006/relationships" r:id="rId2"/>
+            <c:chart xmlns:c="http://schemas.openxmlformats.org/drawingml/2006/chart" xmlns:r="http://schemas.openxmlformats.org/officeDocument/2006/relationships" r:id="rId3"/>
           </a:graphicData>
         </a:graphic>
       </p:graphicFrame>

--- a/Exercise1.pptx
+++ b/Exercise1.pptx
@@ -4,6 +4,9 @@
   <p:sldMasterIdLst>
     <p:sldMasterId id="2147483648" r:id="rId1"/>
   </p:sldMasterIdLst>
+  <p:notesMasterIdLst>
+    <p:notesMasterId r:id="rId8"/>
+  </p:notesMasterIdLst>
   <p:sldIdLst>
     <p:sldId id="256" r:id="rId2"/>
     <p:sldId id="257" r:id="rId3"/>
@@ -1127,6 +1130,439 @@
 </cs:chartStyle>
 </file>
 
+<file path=ppt/notesMasters/notesMaster1.xml><?xml version="1.0" encoding="utf-8"?>
+<p:notesMaster xmlns:a="http://schemas.openxmlformats.org/drawingml/2006/main" xmlns:r="http://schemas.openxmlformats.org/officeDocument/2006/relationships" xmlns:p="http://schemas.openxmlformats.org/presentationml/2006/main">
+  <p:cSld>
+    <p:bg>
+      <p:bgRef idx="1001">
+        <a:schemeClr val="bg1"/>
+      </p:bgRef>
+    </p:bg>
+    <p:spTree>
+      <p:nvGrpSpPr>
+        <p:cNvPr id="1" name=""/>
+        <p:cNvGrpSpPr/>
+        <p:nvPr/>
+      </p:nvGrpSpPr>
+      <p:grpSpPr>
+        <a:xfrm>
+          <a:off x="0" y="0"/>
+          <a:ext cx="0" cy="0"/>
+          <a:chOff x="0" y="0"/>
+          <a:chExt cx="0" cy="0"/>
+        </a:xfrm>
+      </p:grpSpPr>
+      <p:sp>
+        <p:nvSpPr>
+          <p:cNvPr id="2" name="页眉占位符 1"/>
+          <p:cNvSpPr>
+            <a:spLocks noGrp="1"/>
+          </p:cNvSpPr>
+          <p:nvPr>
+            <p:ph type="hdr" sz="quarter"/>
+          </p:nvPr>
+        </p:nvSpPr>
+        <p:spPr>
+          <a:xfrm>
+            <a:off x="0" y="0"/>
+            <a:ext cx="2971800" cy="458788"/>
+          </a:xfrm>
+          <a:prstGeom prst="rect">
+            <a:avLst/>
+          </a:prstGeom>
+        </p:spPr>
+        <p:txBody>
+          <a:bodyPr vert="horz" lIns="91440" tIns="45720" rIns="91440" bIns="45720" rtlCol="0"/>
+          <a:lstStyle>
+            <a:lvl1pPr algn="l">
+              <a:defRPr sz="1200"/>
+            </a:lvl1pPr>
+          </a:lstStyle>
+          <a:p>
+            <a:endParaRPr lang="zh-CN" altLang="en-US"/>
+          </a:p>
+        </p:txBody>
+      </p:sp>
+      <p:sp>
+        <p:nvSpPr>
+          <p:cNvPr id="3" name="日期占位符 2"/>
+          <p:cNvSpPr>
+            <a:spLocks noGrp="1"/>
+          </p:cNvSpPr>
+          <p:nvPr>
+            <p:ph type="dt" idx="1"/>
+          </p:nvPr>
+        </p:nvSpPr>
+        <p:spPr>
+          <a:xfrm>
+            <a:off x="3884613" y="0"/>
+            <a:ext cx="2971800" cy="458788"/>
+          </a:xfrm>
+          <a:prstGeom prst="rect">
+            <a:avLst/>
+          </a:prstGeom>
+        </p:spPr>
+        <p:txBody>
+          <a:bodyPr vert="horz" lIns="91440" tIns="45720" rIns="91440" bIns="45720" rtlCol="0"/>
+          <a:lstStyle>
+            <a:lvl1pPr algn="r">
+              <a:defRPr sz="1200"/>
+            </a:lvl1pPr>
+          </a:lstStyle>
+          <a:p>
+            <a:fld id="{3C351363-6A80-4F5D-B842-7A03C52A6618}" type="datetimeFigureOut">
+              <a:rPr lang="zh-CN" altLang="en-US" smtClean="0"/>
+              <a:t>2022/5/21</a:t>
+            </a:fld>
+            <a:endParaRPr lang="zh-CN" altLang="en-US"/>
+          </a:p>
+        </p:txBody>
+      </p:sp>
+      <p:sp>
+        <p:nvSpPr>
+          <p:cNvPr id="4" name="幻灯片图像占位符 3"/>
+          <p:cNvSpPr>
+            <a:spLocks noGrp="1" noRot="1" noChangeAspect="1"/>
+          </p:cNvSpPr>
+          <p:nvPr>
+            <p:ph type="sldImg" idx="2"/>
+          </p:nvPr>
+        </p:nvSpPr>
+        <p:spPr>
+          <a:xfrm>
+            <a:off x="685800" y="1143000"/>
+            <a:ext cx="5486400" cy="3086100"/>
+          </a:xfrm>
+          <a:prstGeom prst="rect">
+            <a:avLst/>
+          </a:prstGeom>
+          <a:noFill/>
+          <a:ln w="12700">
+            <a:solidFill>
+              <a:prstClr val="black"/>
+            </a:solidFill>
+          </a:ln>
+        </p:spPr>
+        <p:txBody>
+          <a:bodyPr vert="horz" lIns="91440" tIns="45720" rIns="91440" bIns="45720" rtlCol="0" anchor="ctr"/>
+          <a:lstStyle/>
+          <a:p>
+            <a:endParaRPr lang="zh-CN" altLang="en-US"/>
+          </a:p>
+        </p:txBody>
+      </p:sp>
+      <p:sp>
+        <p:nvSpPr>
+          <p:cNvPr id="5" name="备注占位符 4"/>
+          <p:cNvSpPr>
+            <a:spLocks noGrp="1"/>
+          </p:cNvSpPr>
+          <p:nvPr>
+            <p:ph type="body" sz="quarter" idx="3"/>
+          </p:nvPr>
+        </p:nvSpPr>
+        <p:spPr>
+          <a:xfrm>
+            <a:off x="685800" y="4400550"/>
+            <a:ext cx="5486400" cy="3600450"/>
+          </a:xfrm>
+          <a:prstGeom prst="rect">
+            <a:avLst/>
+          </a:prstGeom>
+        </p:spPr>
+        <p:txBody>
+          <a:bodyPr vert="horz" lIns="91440" tIns="45720" rIns="91440" bIns="45720" rtlCol="0"/>
+          <a:lstStyle/>
+          <a:p>
+            <a:pPr lvl="0"/>
+            <a:r>
+              <a:rPr lang="zh-CN" altLang="en-US"/>
+              <a:t>单击此处编辑母版文本样式</a:t>
+            </a:r>
+          </a:p>
+          <a:p>
+            <a:pPr lvl="1"/>
+            <a:r>
+              <a:rPr lang="zh-CN" altLang="en-US"/>
+              <a:t>二级</a:t>
+            </a:r>
+          </a:p>
+          <a:p>
+            <a:pPr lvl="2"/>
+            <a:r>
+              <a:rPr lang="zh-CN" altLang="en-US"/>
+              <a:t>三级</a:t>
+            </a:r>
+          </a:p>
+          <a:p>
+            <a:pPr lvl="3"/>
+            <a:r>
+              <a:rPr lang="zh-CN" altLang="en-US"/>
+              <a:t>四级</a:t>
+            </a:r>
+          </a:p>
+          <a:p>
+            <a:pPr lvl="4"/>
+            <a:r>
+              <a:rPr lang="zh-CN" altLang="en-US"/>
+              <a:t>五级</a:t>
+            </a:r>
+          </a:p>
+        </p:txBody>
+      </p:sp>
+      <p:sp>
+        <p:nvSpPr>
+          <p:cNvPr id="6" name="页脚占位符 5"/>
+          <p:cNvSpPr>
+            <a:spLocks noGrp="1"/>
+          </p:cNvSpPr>
+          <p:nvPr>
+            <p:ph type="ftr" sz="quarter" idx="4"/>
+          </p:nvPr>
+        </p:nvSpPr>
+        <p:spPr>
+          <a:xfrm>
+            <a:off x="0" y="8685213"/>
+            <a:ext cx="2971800" cy="458787"/>
+          </a:xfrm>
+          <a:prstGeom prst="rect">
+            <a:avLst/>
+          </a:prstGeom>
+        </p:spPr>
+        <p:txBody>
+          <a:bodyPr vert="horz" lIns="91440" tIns="45720" rIns="91440" bIns="45720" rtlCol="0" anchor="b"/>
+          <a:lstStyle>
+            <a:lvl1pPr algn="l">
+              <a:defRPr sz="1200"/>
+            </a:lvl1pPr>
+          </a:lstStyle>
+          <a:p>
+            <a:endParaRPr lang="zh-CN" altLang="en-US"/>
+          </a:p>
+        </p:txBody>
+      </p:sp>
+      <p:sp>
+        <p:nvSpPr>
+          <p:cNvPr id="7" name="灯片编号占位符 6"/>
+          <p:cNvSpPr>
+            <a:spLocks noGrp="1"/>
+          </p:cNvSpPr>
+          <p:nvPr>
+            <p:ph type="sldNum" sz="quarter" idx="5"/>
+          </p:nvPr>
+        </p:nvSpPr>
+        <p:spPr>
+          <a:xfrm>
+            <a:off x="3884613" y="8685213"/>
+            <a:ext cx="2971800" cy="458787"/>
+          </a:xfrm>
+          <a:prstGeom prst="rect">
+            <a:avLst/>
+          </a:prstGeom>
+        </p:spPr>
+        <p:txBody>
+          <a:bodyPr vert="horz" lIns="91440" tIns="45720" rIns="91440" bIns="45720" rtlCol="0" anchor="b"/>
+          <a:lstStyle>
+            <a:lvl1pPr algn="r">
+              <a:defRPr sz="1200"/>
+            </a:lvl1pPr>
+          </a:lstStyle>
+          <a:p>
+            <a:fld id="{7A510F13-CE2D-46E7-A46F-E47684399FCA}" type="slidenum">
+              <a:rPr lang="zh-CN" altLang="en-US" smtClean="0"/>
+              <a:t>‹#›</a:t>
+            </a:fld>
+            <a:endParaRPr lang="zh-CN" altLang="en-US"/>
+          </a:p>
+        </p:txBody>
+      </p:sp>
+    </p:spTree>
+    <p:extLst>
+      <p:ext uri="{BB962C8B-B14F-4D97-AF65-F5344CB8AC3E}">
+        <p14:creationId xmlns:p14="http://schemas.microsoft.com/office/powerpoint/2010/main" val="1996465534"/>
+      </p:ext>
+    </p:extLst>
+  </p:cSld>
+  <p:clrMap bg1="lt1" tx1="dk1" bg2="lt2" tx2="dk2" accent1="accent1" accent2="accent2" accent3="accent3" accent4="accent4" accent5="accent5" accent6="accent6" hlink="hlink" folHlink="folHlink"/>
+  <p:notesStyle>
+    <a:lvl1pPr marL="0" algn="l" defTabSz="914400" rtl="0" eaLnBrk="1" latinLnBrk="0" hangingPunct="1">
+      <a:defRPr sz="1200" kern="1200">
+        <a:solidFill>
+          <a:schemeClr val="tx1"/>
+        </a:solidFill>
+        <a:latin typeface="+mn-lt"/>
+        <a:ea typeface="+mn-ea"/>
+        <a:cs typeface="+mn-cs"/>
+      </a:defRPr>
+    </a:lvl1pPr>
+    <a:lvl2pPr marL="457200" algn="l" defTabSz="914400" rtl="0" eaLnBrk="1" latinLnBrk="0" hangingPunct="1">
+      <a:defRPr sz="1200" kern="1200">
+        <a:solidFill>
+          <a:schemeClr val="tx1"/>
+        </a:solidFill>
+        <a:latin typeface="+mn-lt"/>
+        <a:ea typeface="+mn-ea"/>
+        <a:cs typeface="+mn-cs"/>
+      </a:defRPr>
+    </a:lvl2pPr>
+    <a:lvl3pPr marL="914400" algn="l" defTabSz="914400" rtl="0" eaLnBrk="1" latinLnBrk="0" hangingPunct="1">
+      <a:defRPr sz="1200" kern="1200">
+        <a:solidFill>
+          <a:schemeClr val="tx1"/>
+        </a:solidFill>
+        <a:latin typeface="+mn-lt"/>
+        <a:ea typeface="+mn-ea"/>
+        <a:cs typeface="+mn-cs"/>
+      </a:defRPr>
+    </a:lvl3pPr>
+    <a:lvl4pPr marL="1371600" algn="l" defTabSz="914400" rtl="0" eaLnBrk="1" latinLnBrk="0" hangingPunct="1">
+      <a:defRPr sz="1200" kern="1200">
+        <a:solidFill>
+          <a:schemeClr val="tx1"/>
+        </a:solidFill>
+        <a:latin typeface="+mn-lt"/>
+        <a:ea typeface="+mn-ea"/>
+        <a:cs typeface="+mn-cs"/>
+      </a:defRPr>
+    </a:lvl4pPr>
+    <a:lvl5pPr marL="1828800" algn="l" defTabSz="914400" rtl="0" eaLnBrk="1" latinLnBrk="0" hangingPunct="1">
+      <a:defRPr sz="1200" kern="1200">
+        <a:solidFill>
+          <a:schemeClr val="tx1"/>
+        </a:solidFill>
+        <a:latin typeface="+mn-lt"/>
+        <a:ea typeface="+mn-ea"/>
+        <a:cs typeface="+mn-cs"/>
+      </a:defRPr>
+    </a:lvl5pPr>
+    <a:lvl6pPr marL="2286000" algn="l" defTabSz="914400" rtl="0" eaLnBrk="1" latinLnBrk="0" hangingPunct="1">
+      <a:defRPr sz="1200" kern="1200">
+        <a:solidFill>
+          <a:schemeClr val="tx1"/>
+        </a:solidFill>
+        <a:latin typeface="+mn-lt"/>
+        <a:ea typeface="+mn-ea"/>
+        <a:cs typeface="+mn-cs"/>
+      </a:defRPr>
+    </a:lvl6pPr>
+    <a:lvl7pPr marL="2743200" algn="l" defTabSz="914400" rtl="0" eaLnBrk="1" latinLnBrk="0" hangingPunct="1">
+      <a:defRPr sz="1200" kern="1200">
+        <a:solidFill>
+          <a:schemeClr val="tx1"/>
+        </a:solidFill>
+        <a:latin typeface="+mn-lt"/>
+        <a:ea typeface="+mn-ea"/>
+        <a:cs typeface="+mn-cs"/>
+      </a:defRPr>
+    </a:lvl7pPr>
+    <a:lvl8pPr marL="3200400" algn="l" defTabSz="914400" rtl="0" eaLnBrk="1" latinLnBrk="0" hangingPunct="1">
+      <a:defRPr sz="1200" kern="1200">
+        <a:solidFill>
+          <a:schemeClr val="tx1"/>
+        </a:solidFill>
+        <a:latin typeface="+mn-lt"/>
+        <a:ea typeface="+mn-ea"/>
+        <a:cs typeface="+mn-cs"/>
+      </a:defRPr>
+    </a:lvl8pPr>
+    <a:lvl9pPr marL="3657600" algn="l" defTabSz="914400" rtl="0" eaLnBrk="1" latinLnBrk="0" hangingPunct="1">
+      <a:defRPr sz="1200" kern="1200">
+        <a:solidFill>
+          <a:schemeClr val="tx1"/>
+        </a:solidFill>
+        <a:latin typeface="+mn-lt"/>
+        <a:ea typeface="+mn-ea"/>
+        <a:cs typeface="+mn-cs"/>
+      </a:defRPr>
+    </a:lvl9pPr>
+  </p:notesStyle>
+</p:notesMaster>
+</file>
+
+<file path=ppt/notesSlides/notesSlide1.xml><?xml version="1.0" encoding="utf-8"?>
+<p:notes xmlns:a="http://schemas.openxmlformats.org/drawingml/2006/main" xmlns:r="http://schemas.openxmlformats.org/officeDocument/2006/relationships" xmlns:p="http://schemas.openxmlformats.org/presentationml/2006/main">
+  <p:cSld>
+    <p:spTree>
+      <p:nvGrpSpPr>
+        <p:cNvPr id="1" name=""/>
+        <p:cNvGrpSpPr/>
+        <p:nvPr/>
+      </p:nvGrpSpPr>
+      <p:grpSpPr>
+        <a:xfrm>
+          <a:off x="0" y="0"/>
+          <a:ext cx="0" cy="0"/>
+          <a:chOff x="0" y="0"/>
+          <a:chExt cx="0" cy="0"/>
+        </a:xfrm>
+      </p:grpSpPr>
+      <p:sp>
+        <p:nvSpPr>
+          <p:cNvPr id="2" name="幻灯片图像占位符 1"/>
+          <p:cNvSpPr>
+            <a:spLocks noGrp="1" noRot="1" noChangeAspect="1"/>
+          </p:cNvSpPr>
+          <p:nvPr>
+            <p:ph type="sldImg"/>
+          </p:nvPr>
+        </p:nvSpPr>
+        <p:spPr/>
+      </p:sp>
+      <p:sp>
+        <p:nvSpPr>
+          <p:cNvPr id="3" name="备注占位符 2"/>
+          <p:cNvSpPr>
+            <a:spLocks noGrp="1"/>
+          </p:cNvSpPr>
+          <p:nvPr>
+            <p:ph type="body" idx="1"/>
+          </p:nvPr>
+        </p:nvSpPr>
+        <p:spPr/>
+        <p:txBody>
+          <a:bodyPr/>
+          <a:lstStyle/>
+          <a:p>
+            <a:endParaRPr lang="zh-CN" altLang="en-US" dirty="0"/>
+          </a:p>
+        </p:txBody>
+      </p:sp>
+      <p:sp>
+        <p:nvSpPr>
+          <p:cNvPr id="4" name="灯片编号占位符 3"/>
+          <p:cNvSpPr>
+            <a:spLocks noGrp="1"/>
+          </p:cNvSpPr>
+          <p:nvPr>
+            <p:ph type="sldNum" sz="quarter" idx="5"/>
+          </p:nvPr>
+        </p:nvSpPr>
+        <p:spPr/>
+        <p:txBody>
+          <a:bodyPr/>
+          <a:lstStyle/>
+          <a:p>
+            <a:fld id="{7A510F13-CE2D-46E7-A46F-E47684399FCA}" type="slidenum">
+              <a:rPr lang="zh-CN" altLang="en-US" smtClean="0"/>
+              <a:t>5</a:t>
+            </a:fld>
+            <a:endParaRPr lang="zh-CN" altLang="en-US"/>
+          </a:p>
+        </p:txBody>
+      </p:sp>
+    </p:spTree>
+    <p:extLst>
+      <p:ext uri="{BB962C8B-B14F-4D97-AF65-F5344CB8AC3E}">
+        <p14:creationId xmlns:p14="http://schemas.microsoft.com/office/powerpoint/2010/main" val="2705693956"/>
+      </p:ext>
+    </p:extLst>
+  </p:cSld>
+  <p:clrMapOvr>
+    <a:masterClrMapping/>
+  </p:clrMapOvr>
+</p:notes>
+</file>
+
 <file path=ppt/slideLayouts/slideLayout1.xml><?xml version="1.0" encoding="utf-8"?>
 <p:sldLayout xmlns:a="http://schemas.openxmlformats.org/drawingml/2006/main" xmlns:r="http://schemas.openxmlformats.org/officeDocument/2006/relationships" xmlns:p="http://schemas.openxmlformats.org/presentationml/2006/main" type="title" preserve="1">
   <p:cSld name="标题幻灯片">
@@ -1792,7 +2228,7 @@
           <a:lstStyle/>
           <a:p>
             <a:r>
-              <a:rPr lang="zh-CN" altLang="en-US"/>
+              <a:rPr lang="zh-CN" altLang="en-US" dirty="0"/>
               <a:t>单击此处编辑母版标题样式</a:t>
             </a:r>
           </a:p>
@@ -1821,35 +2257,35 @@
           <a:p>
             <a:pPr lvl="0"/>
             <a:r>
-              <a:rPr lang="zh-CN" altLang="en-US"/>
+              <a:rPr lang="zh-CN" altLang="en-US" dirty="0"/>
               <a:t>单击此处编辑母版文本样式</a:t>
             </a:r>
           </a:p>
           <a:p>
             <a:pPr lvl="1"/>
             <a:r>
-              <a:rPr lang="zh-CN" altLang="en-US"/>
+              <a:rPr lang="zh-CN" altLang="en-US" dirty="0"/>
               <a:t>二级</a:t>
             </a:r>
           </a:p>
           <a:p>
             <a:pPr lvl="2"/>
             <a:r>
-              <a:rPr lang="zh-CN" altLang="en-US"/>
+              <a:rPr lang="zh-CN" altLang="en-US" dirty="0"/>
               <a:t>三级</a:t>
             </a:r>
           </a:p>
           <a:p>
             <a:pPr lvl="3"/>
             <a:r>
-              <a:rPr lang="zh-CN" altLang="en-US"/>
+              <a:rPr lang="zh-CN" altLang="en-US" dirty="0"/>
               <a:t>四级</a:t>
             </a:r>
           </a:p>
           <a:p>
             <a:pPr lvl="4"/>
             <a:r>
-              <a:rPr lang="zh-CN" altLang="en-US"/>
+              <a:rPr lang="zh-CN" altLang="en-US" dirty="0"/>
               <a:t>五级</a:t>
             </a:r>
           </a:p>
@@ -1938,6 +2374,42 @@
           </a:p>
         </p:txBody>
       </p:sp>
+      <p:pic>
+        <p:nvPicPr>
+          <p:cNvPr id="10" name="图片 9" descr="卡通人物&#10;&#10;中度可信度描述已自动生成">
+            <a:extLst>
+              <a:ext uri="{FF2B5EF4-FFF2-40B4-BE49-F238E27FC236}">
+                <a16:creationId xmlns:a16="http://schemas.microsoft.com/office/drawing/2014/main" id="{1AD1B4E7-D0EC-4F8C-8B31-52CEA5C39A22}"/>
+              </a:ext>
+            </a:extLst>
+          </p:cNvPr>
+          <p:cNvPicPr>
+            <a:picLocks noChangeAspect="1"/>
+          </p:cNvPicPr>
+          <p:nvPr userDrawn="1"/>
+        </p:nvPicPr>
+        <p:blipFill>
+          <a:blip r:embed="rId2">
+            <a:extLst>
+              <a:ext uri="{28A0092B-C50C-407E-A947-70E740481C1C}">
+                <a14:useLocalDpi xmlns:a14="http://schemas.microsoft.com/office/drawing/2010/main" val="0"/>
+              </a:ext>
+            </a:extLst>
+          </a:blip>
+          <a:stretch>
+            <a:fillRect/>
+          </a:stretch>
+        </p:blipFill>
+        <p:spPr>
+          <a:xfrm>
+            <a:off x="0" y="5419524"/>
+            <a:ext cx="1486107" cy="1438476"/>
+          </a:xfrm>
+          <a:prstGeom prst="rect">
+            <a:avLst/>
+          </a:prstGeom>
+        </p:spPr>
+      </p:pic>
     </p:spTree>
     <p:extLst>
       <p:ext uri="{BB962C8B-B14F-4D97-AF65-F5344CB8AC3E}">
@@ -6891,4 +7363,299 @@
     </a:ext>
   </a:extLst>
 </a:theme>
+</file>
+
+<file path=ppt/theme/theme2.xml><?xml version="1.0" encoding="utf-8"?>
+<a:theme xmlns:a="http://schemas.openxmlformats.org/drawingml/2006/main" name="Office 主题​​">
+  <a:themeElements>
+    <a:clrScheme name="Office">
+      <a:dk1>
+        <a:sysClr val="windowText" lastClr="000000"/>
+      </a:dk1>
+      <a:lt1>
+        <a:sysClr val="window" lastClr="FFFFFF"/>
+      </a:lt1>
+      <a:dk2>
+        <a:srgbClr val="44546A"/>
+      </a:dk2>
+      <a:lt2>
+        <a:srgbClr val="E7E6E6"/>
+      </a:lt2>
+      <a:accent1>
+        <a:srgbClr val="4472C4"/>
+      </a:accent1>
+      <a:accent2>
+        <a:srgbClr val="ED7D31"/>
+      </a:accent2>
+      <a:accent3>
+        <a:srgbClr val="A5A5A5"/>
+      </a:accent3>
+      <a:accent4>
+        <a:srgbClr val="FFC000"/>
+      </a:accent4>
+      <a:accent5>
+        <a:srgbClr val="5B9BD5"/>
+      </a:accent5>
+      <a:accent6>
+        <a:srgbClr val="70AD47"/>
+      </a:accent6>
+      <a:hlink>
+        <a:srgbClr val="0563C1"/>
+      </a:hlink>
+      <a:folHlink>
+        <a:srgbClr val="954F72"/>
+      </a:folHlink>
+    </a:clrScheme>
+    <a:fontScheme name="Office">
+      <a:majorFont>
+        <a:latin typeface="等线 Light" panose="020F0302020204030204"/>
+        <a:ea typeface=""/>
+        <a:cs typeface=""/>
+        <a:font script="Jpan" typeface="游ゴシック Light"/>
+        <a:font script="Hang" typeface="맑은 고딕"/>
+        <a:font script="Hans" typeface="等线 Light"/>
+        <a:font script="Hant" typeface="新細明體"/>
+        <a:font script="Arab" typeface="Times New Roman"/>
+        <a:font script="Hebr" typeface="Times New Roman"/>
+        <a:font script="Thai" typeface="Angsana New"/>
+        <a:font script="Ethi" typeface="Nyala"/>
+        <a:font script="Beng" typeface="Vrinda"/>
+        <a:font script="Gujr" typeface="Shruti"/>
+        <a:font script="Khmr" typeface="MoolBoran"/>
+        <a:font script="Knda" typeface="Tunga"/>
+        <a:font script="Guru" typeface="Raavi"/>
+        <a:font script="Cans" typeface="Euphemia"/>
+        <a:font script="Cher" typeface="Plantagenet Cherokee"/>
+        <a:font script="Yiii" typeface="Microsoft Yi Baiti"/>
+        <a:font script="Tibt" typeface="Microsoft Himalaya"/>
+        <a:font script="Thaa" typeface="MV Boli"/>
+        <a:font script="Deva" typeface="Mangal"/>
+        <a:font script="Telu" typeface="Gautami"/>
+        <a:font script="Taml" typeface="Latha"/>
+        <a:font script="Syrc" typeface="Estrangelo Edessa"/>
+        <a:font script="Orya" typeface="Kalinga"/>
+        <a:font script="Mlym" typeface="Kartika"/>
+        <a:font script="Laoo" typeface="DokChampa"/>
+        <a:font script="Sinh" typeface="Iskoola Pota"/>
+        <a:font script="Mong" typeface="Mongolian Baiti"/>
+        <a:font script="Viet" typeface="Times New Roman"/>
+        <a:font script="Uigh" typeface="Microsoft Uighur"/>
+        <a:font script="Geor" typeface="Sylfaen"/>
+        <a:font script="Armn" typeface="Arial"/>
+        <a:font script="Bugi" typeface="Leelawadee UI"/>
+        <a:font script="Bopo" typeface="Microsoft JhengHei"/>
+        <a:font script="Java" typeface="Javanese Text"/>
+        <a:font script="Lisu" typeface="Segoe UI"/>
+        <a:font script="Mymr" typeface="Myanmar Text"/>
+        <a:font script="Nkoo" typeface="Ebrima"/>
+        <a:font script="Olck" typeface="Nirmala UI"/>
+        <a:font script="Osma" typeface="Ebrima"/>
+        <a:font script="Phag" typeface="Phagspa"/>
+        <a:font script="Syrn" typeface="Estrangelo Edessa"/>
+        <a:font script="Syrj" typeface="Estrangelo Edessa"/>
+        <a:font script="Syre" typeface="Estrangelo Edessa"/>
+        <a:font script="Sora" typeface="Nirmala UI"/>
+        <a:font script="Tale" typeface="Microsoft Tai Le"/>
+        <a:font script="Talu" typeface="Microsoft New Tai Lue"/>
+        <a:font script="Tfng" typeface="Ebrima"/>
+      </a:majorFont>
+      <a:minorFont>
+        <a:latin typeface="等线" panose="020F0502020204030204"/>
+        <a:ea typeface=""/>
+        <a:cs typeface=""/>
+        <a:font script="Jpan" typeface="游ゴシック"/>
+        <a:font script="Hang" typeface="맑은 고딕"/>
+        <a:font script="Hans" typeface="等线"/>
+        <a:font script="Hant" typeface="新細明體"/>
+        <a:font script="Arab" typeface="Arial"/>
+        <a:font script="Hebr" typeface="Arial"/>
+        <a:font script="Thai" typeface="Cordia New"/>
+        <a:font script="Ethi" typeface="Nyala"/>
+        <a:font script="Beng" typeface="Vrinda"/>
+        <a:font script="Gujr" typeface="Shruti"/>
+        <a:font script="Khmr" typeface="DaunPenh"/>
+        <a:font script="Knda" typeface="Tunga"/>
+        <a:font script="Guru" typeface="Raavi"/>
+        <a:font script="Cans" typeface="Euphemia"/>
+        <a:font script="Cher" typeface="Plantagenet Cherokee"/>
+        <a:font script="Yiii" typeface="Microsoft Yi Baiti"/>
+        <a:font script="Tibt" typeface="Microsoft Himalaya"/>
+        <a:font script="Thaa" typeface="MV Boli"/>
+        <a:font script="Deva" typeface="Mangal"/>
+        <a:font script="Telu" typeface="Gautami"/>
+        <a:font script="Taml" typeface="Latha"/>
+        <a:font script="Syrc" typeface="Estrangelo Edessa"/>
+        <a:font script="Orya" typeface="Kalinga"/>
+        <a:font script="Mlym" typeface="Kartika"/>
+        <a:font script="Laoo" typeface="DokChampa"/>
+        <a:font script="Sinh" typeface="Iskoola Pota"/>
+        <a:font script="Mong" typeface="Mongolian Baiti"/>
+        <a:font script="Viet" typeface="Arial"/>
+        <a:font script="Uigh" typeface="Microsoft Uighur"/>
+        <a:font script="Geor" typeface="Sylfaen"/>
+        <a:font script="Armn" typeface="Arial"/>
+        <a:font script="Bugi" typeface="Leelawadee UI"/>
+        <a:font script="Bopo" typeface="Microsoft JhengHei"/>
+        <a:font script="Java" typeface="Javanese Text"/>
+        <a:font script="Lisu" typeface="Segoe UI"/>
+        <a:font script="Mymr" typeface="Myanmar Text"/>
+        <a:font script="Nkoo" typeface="Ebrima"/>
+        <a:font script="Olck" typeface="Nirmala UI"/>
+        <a:font script="Osma" typeface="Ebrima"/>
+        <a:font script="Phag" typeface="Phagspa"/>
+        <a:font script="Syrn" typeface="Estrangelo Edessa"/>
+        <a:font script="Syrj" typeface="Estrangelo Edessa"/>
+        <a:font script="Syre" typeface="Estrangelo Edessa"/>
+        <a:font script="Sora" typeface="Nirmala UI"/>
+        <a:font script="Tale" typeface="Microsoft Tai Le"/>
+        <a:font script="Talu" typeface="Microsoft New Tai Lue"/>
+        <a:font script="Tfng" typeface="Ebrima"/>
+      </a:minorFont>
+    </a:fontScheme>
+    <a:fmtScheme name="Office">
+      <a:fillStyleLst>
+        <a:solidFill>
+          <a:schemeClr val="phClr"/>
+        </a:solidFill>
+        <a:gradFill rotWithShape="1">
+          <a:gsLst>
+            <a:gs pos="0">
+              <a:schemeClr val="phClr">
+                <a:lumMod val="110000"/>
+                <a:satMod val="105000"/>
+                <a:tint val="67000"/>
+              </a:schemeClr>
+            </a:gs>
+            <a:gs pos="50000">
+              <a:schemeClr val="phClr">
+                <a:lumMod val="105000"/>
+                <a:satMod val="103000"/>
+                <a:tint val="73000"/>
+              </a:schemeClr>
+            </a:gs>
+            <a:gs pos="100000">
+              <a:schemeClr val="phClr">
+                <a:lumMod val="105000"/>
+                <a:satMod val="109000"/>
+                <a:tint val="81000"/>
+              </a:schemeClr>
+            </a:gs>
+          </a:gsLst>
+          <a:lin ang="5400000" scaled="0"/>
+        </a:gradFill>
+        <a:gradFill rotWithShape="1">
+          <a:gsLst>
+            <a:gs pos="0">
+              <a:schemeClr val="phClr">
+                <a:satMod val="103000"/>
+                <a:lumMod val="102000"/>
+                <a:tint val="94000"/>
+              </a:schemeClr>
+            </a:gs>
+            <a:gs pos="50000">
+              <a:schemeClr val="phClr">
+                <a:satMod val="110000"/>
+                <a:lumMod val="100000"/>
+                <a:shade val="100000"/>
+              </a:schemeClr>
+            </a:gs>
+            <a:gs pos="100000">
+              <a:schemeClr val="phClr">
+                <a:lumMod val="99000"/>
+                <a:satMod val="120000"/>
+                <a:shade val="78000"/>
+              </a:schemeClr>
+            </a:gs>
+          </a:gsLst>
+          <a:lin ang="5400000" scaled="0"/>
+        </a:gradFill>
+      </a:fillStyleLst>
+      <a:lnStyleLst>
+        <a:ln w="6350" cap="flat" cmpd="sng" algn="ctr">
+          <a:solidFill>
+            <a:schemeClr val="phClr"/>
+          </a:solidFill>
+          <a:prstDash val="solid"/>
+          <a:miter lim="800000"/>
+        </a:ln>
+        <a:ln w="12700" cap="flat" cmpd="sng" algn="ctr">
+          <a:solidFill>
+            <a:schemeClr val="phClr"/>
+          </a:solidFill>
+          <a:prstDash val="solid"/>
+          <a:miter lim="800000"/>
+        </a:ln>
+        <a:ln w="19050" cap="flat" cmpd="sng" algn="ctr">
+          <a:solidFill>
+            <a:schemeClr val="phClr"/>
+          </a:solidFill>
+          <a:prstDash val="solid"/>
+          <a:miter lim="800000"/>
+        </a:ln>
+      </a:lnStyleLst>
+      <a:effectStyleLst>
+        <a:effectStyle>
+          <a:effectLst/>
+        </a:effectStyle>
+        <a:effectStyle>
+          <a:effectLst/>
+        </a:effectStyle>
+        <a:effectStyle>
+          <a:effectLst>
+            <a:outerShdw blurRad="57150" dist="19050" dir="5400000" algn="ctr" rotWithShape="0">
+              <a:srgbClr val="000000">
+                <a:alpha val="63000"/>
+              </a:srgbClr>
+            </a:outerShdw>
+          </a:effectLst>
+        </a:effectStyle>
+      </a:effectStyleLst>
+      <a:bgFillStyleLst>
+        <a:solidFill>
+          <a:schemeClr val="phClr"/>
+        </a:solidFill>
+        <a:solidFill>
+          <a:schemeClr val="phClr">
+            <a:tint val="95000"/>
+            <a:satMod val="170000"/>
+          </a:schemeClr>
+        </a:solidFill>
+        <a:gradFill rotWithShape="1">
+          <a:gsLst>
+            <a:gs pos="0">
+              <a:schemeClr val="phClr">
+                <a:tint val="93000"/>
+                <a:satMod val="150000"/>
+                <a:shade val="98000"/>
+                <a:lumMod val="102000"/>
+              </a:schemeClr>
+            </a:gs>
+            <a:gs pos="50000">
+              <a:schemeClr val="phClr">
+                <a:tint val="98000"/>
+                <a:satMod val="130000"/>
+                <a:shade val="90000"/>
+                <a:lumMod val="103000"/>
+              </a:schemeClr>
+            </a:gs>
+            <a:gs pos="100000">
+              <a:schemeClr val="phClr">
+                <a:shade val="63000"/>
+                <a:satMod val="120000"/>
+              </a:schemeClr>
+            </a:gs>
+          </a:gsLst>
+          <a:lin ang="5400000" scaled="0"/>
+        </a:gradFill>
+      </a:bgFillStyleLst>
+    </a:fmtScheme>
+  </a:themeElements>
+  <a:objectDefaults/>
+  <a:extraClrSchemeLst/>
+  <a:extLst>
+    <a:ext uri="{05A4C25C-085E-4340-85A3-A5531E510DB2}">
+      <thm15:themeFamily xmlns:thm15="http://schemas.microsoft.com/office/thememl/2012/main" name="Office Theme" id="{62F939B6-93AF-4DB8-9C6B-D6C7DFDC589F}" vid="{4A3C46E8-61CC-4603-A589-7422A47A8E4A}"/>
+    </a:ext>
+  </a:extLst>
+</a:theme>
 </file>
--- a/Exercise1.pptx
+++ b/Exercise1.pptx
@@ -2,7 +2,7 @@
 <file path=ppt/presentation.xml><?xml version="1.0" encoding="utf-8"?>
 <p:presentation xmlns:a="http://schemas.openxmlformats.org/drawingml/2006/main" xmlns:r="http://schemas.openxmlformats.org/officeDocument/2006/relationships" xmlns:p="http://schemas.openxmlformats.org/presentationml/2006/main" saveSubsetFonts="1">
   <p:sldMasterIdLst>
-    <p:sldMasterId id="2147483648" r:id="rId1"/>
+    <p:sldMasterId id="2147483690" r:id="rId1"/>
   </p:sldMasterIdLst>
   <p:notesMasterIdLst>
     <p:notesMasterId r:id="rId8"/>
@@ -19,9 +19,9 @@
   <p:notesSz cx="6858000" cy="9144000"/>
   <p:defaultTextStyle>
     <a:defPPr>
-      <a:defRPr lang="zh-CN"/>
+      <a:defRPr lang="en-US"/>
     </a:defPPr>
-    <a:lvl1pPr marL="0" algn="l" defTabSz="914400" rtl="0" eaLnBrk="1" latinLnBrk="0" hangingPunct="1">
+    <a:lvl1pPr marL="0" algn="l" defTabSz="457200" rtl="0" eaLnBrk="1" latinLnBrk="0" hangingPunct="1">
       <a:defRPr sz="1800" kern="1200">
         <a:solidFill>
           <a:schemeClr val="tx1"/>
@@ -31,7 +31,7 @@
         <a:cs typeface="+mn-cs"/>
       </a:defRPr>
     </a:lvl1pPr>
-    <a:lvl2pPr marL="457200" algn="l" defTabSz="914400" rtl="0" eaLnBrk="1" latinLnBrk="0" hangingPunct="1">
+    <a:lvl2pPr marL="457200" algn="l" defTabSz="457200" rtl="0" eaLnBrk="1" latinLnBrk="0" hangingPunct="1">
       <a:defRPr sz="1800" kern="1200">
         <a:solidFill>
           <a:schemeClr val="tx1"/>
@@ -41,7 +41,7 @@
         <a:cs typeface="+mn-cs"/>
       </a:defRPr>
     </a:lvl2pPr>
-    <a:lvl3pPr marL="914400" algn="l" defTabSz="914400" rtl="0" eaLnBrk="1" latinLnBrk="0" hangingPunct="1">
+    <a:lvl3pPr marL="914400" algn="l" defTabSz="457200" rtl="0" eaLnBrk="1" latinLnBrk="0" hangingPunct="1">
       <a:defRPr sz="1800" kern="1200">
         <a:solidFill>
           <a:schemeClr val="tx1"/>
@@ -51,7 +51,7 @@
         <a:cs typeface="+mn-cs"/>
       </a:defRPr>
     </a:lvl3pPr>
-    <a:lvl4pPr marL="1371600" algn="l" defTabSz="914400" rtl="0" eaLnBrk="1" latinLnBrk="0" hangingPunct="1">
+    <a:lvl4pPr marL="1371600" algn="l" defTabSz="457200" rtl="0" eaLnBrk="1" latinLnBrk="0" hangingPunct="1">
       <a:defRPr sz="1800" kern="1200">
         <a:solidFill>
           <a:schemeClr val="tx1"/>
@@ -61,7 +61,7 @@
         <a:cs typeface="+mn-cs"/>
       </a:defRPr>
     </a:lvl4pPr>
-    <a:lvl5pPr marL="1828800" algn="l" defTabSz="914400" rtl="0" eaLnBrk="1" latinLnBrk="0" hangingPunct="1">
+    <a:lvl5pPr marL="1828800" algn="l" defTabSz="457200" rtl="0" eaLnBrk="1" latinLnBrk="0" hangingPunct="1">
       <a:defRPr sz="1800" kern="1200">
         <a:solidFill>
           <a:schemeClr val="tx1"/>
@@ -71,7 +71,7 @@
         <a:cs typeface="+mn-cs"/>
       </a:defRPr>
     </a:lvl5pPr>
-    <a:lvl6pPr marL="2286000" algn="l" defTabSz="914400" rtl="0" eaLnBrk="1" latinLnBrk="0" hangingPunct="1">
+    <a:lvl6pPr marL="2286000" algn="l" defTabSz="457200" rtl="0" eaLnBrk="1" latinLnBrk="0" hangingPunct="1">
       <a:defRPr sz="1800" kern="1200">
         <a:solidFill>
           <a:schemeClr val="tx1"/>
@@ -81,7 +81,7 @@
         <a:cs typeface="+mn-cs"/>
       </a:defRPr>
     </a:lvl6pPr>
-    <a:lvl7pPr marL="2743200" algn="l" defTabSz="914400" rtl="0" eaLnBrk="1" latinLnBrk="0" hangingPunct="1">
+    <a:lvl7pPr marL="2743200" algn="l" defTabSz="457200" rtl="0" eaLnBrk="1" latinLnBrk="0" hangingPunct="1">
       <a:defRPr sz="1800" kern="1200">
         <a:solidFill>
           <a:schemeClr val="tx1"/>
@@ -91,7 +91,7 @@
         <a:cs typeface="+mn-cs"/>
       </a:defRPr>
     </a:lvl7pPr>
-    <a:lvl8pPr marL="3200400" algn="l" defTabSz="914400" rtl="0" eaLnBrk="1" latinLnBrk="0" hangingPunct="1">
+    <a:lvl8pPr marL="3200400" algn="l" defTabSz="457200" rtl="0" eaLnBrk="1" latinLnBrk="0" hangingPunct="1">
       <a:defRPr sz="1800" kern="1200">
         <a:solidFill>
           <a:schemeClr val="tx1"/>
@@ -101,7 +101,7 @@
         <a:cs typeface="+mn-cs"/>
       </a:defRPr>
     </a:lvl8pPr>
-    <a:lvl9pPr marL="3657600" algn="l" defTabSz="914400" rtl="0" eaLnBrk="1" latinLnBrk="0" hangingPunct="1">
+    <a:lvl9pPr marL="3657600" algn="l" defTabSz="457200" rtl="0" eaLnBrk="1" latinLnBrk="0" hangingPunct="1">
       <a:defRPr sz="1800" kern="1200">
         <a:solidFill>
           <a:schemeClr val="tx1"/>
@@ -1564,8 +1564,16 @@
 </file>
 
 <file path=ppt/slideLayouts/slideLayout1.xml><?xml version="1.0" encoding="utf-8"?>
-<p:sldLayout xmlns:a="http://schemas.openxmlformats.org/drawingml/2006/main" xmlns:r="http://schemas.openxmlformats.org/officeDocument/2006/relationships" xmlns:p="http://schemas.openxmlformats.org/presentationml/2006/main" type="title" preserve="1">
+<p:sldLayout xmlns:a="http://schemas.openxmlformats.org/drawingml/2006/main" xmlns:r="http://schemas.openxmlformats.org/officeDocument/2006/relationships" xmlns:p="http://schemas.openxmlformats.org/presentationml/2006/main" showMasterSp="0" type="title" preserve="1">
   <p:cSld name="标题幻灯片">
+    <p:bg>
+      <p:bgPr>
+        <a:solidFill>
+          <a:schemeClr val="bg2"/>
+        </a:solidFill>
+        <a:effectLst/>
+      </p:bgPr>
+    </p:bg>
     <p:spTree>
       <p:nvGrpSpPr>
         <p:cNvPr id="1" name=""/>
@@ -1582,13 +1590,7 @@
       </p:grpSpPr>
       <p:sp>
         <p:nvSpPr>
-          <p:cNvPr id="2" name="标题 1">
-            <a:extLst>
-              <a:ext uri="{FF2B5EF4-FFF2-40B4-BE49-F238E27FC236}">
-                <a16:creationId xmlns:a16="http://schemas.microsoft.com/office/drawing/2014/main" id="{79695547-62EB-48BA-8BCA-4405D1D239C1}"/>
-              </a:ext>
-            </a:extLst>
-          </p:cNvPr>
+          <p:cNvPr id="2" name="Title 1"/>
           <p:cNvSpPr>
             <a:spLocks noGrp="1"/>
           </p:cNvSpPr>
@@ -1598,15 +1600,21 @@
         </p:nvSpPr>
         <p:spPr>
           <a:xfrm>
-            <a:off x="1524000" y="1122363"/>
-            <a:ext cx="9144000" cy="2387600"/>
+            <a:off x="1915128" y="1788454"/>
+            <a:ext cx="8361229" cy="2098226"/>
           </a:xfrm>
         </p:spPr>
         <p:txBody>
-          <a:bodyPr anchor="b"/>
+          <a:bodyPr anchor="b">
+            <a:noAutofit/>
+          </a:bodyPr>
           <a:lstStyle>
             <a:lvl1pPr algn="ctr">
-              <a:defRPr sz="6000"/>
+              <a:defRPr sz="7200" cap="all" baseline="0">
+                <a:solidFill>
+                  <a:schemeClr val="tx2"/>
+                </a:solidFill>
+              </a:defRPr>
             </a:lvl1pPr>
           </a:lstStyle>
           <a:p>
@@ -1614,18 +1622,13 @@
               <a:rPr lang="zh-CN" altLang="en-US"/>
               <a:t>单击此处编辑母版标题样式</a:t>
             </a:r>
-          </a:p>
-        </p:txBody>
-      </p:sp>
-      <p:sp>
-        <p:nvSpPr>
-          <p:cNvPr id="3" name="副标题 2">
-            <a:extLst>
-              <a:ext uri="{FF2B5EF4-FFF2-40B4-BE49-F238E27FC236}">
-                <a16:creationId xmlns:a16="http://schemas.microsoft.com/office/drawing/2014/main" id="{00CA98D3-26DD-41E9-80FA-B005246D6F0E}"/>
-              </a:ext>
-            </a:extLst>
-          </p:cNvPr>
+            <a:endParaRPr lang="en-US" dirty="0"/>
+          </a:p>
+        </p:txBody>
+      </p:sp>
+      <p:sp>
+        <p:nvSpPr>
+          <p:cNvPr id="3" name="Subtitle 2"/>
           <p:cNvSpPr>
             <a:spLocks noGrp="1"/>
           </p:cNvSpPr>
@@ -1635,16 +1638,27 @@
         </p:nvSpPr>
         <p:spPr>
           <a:xfrm>
-            <a:off x="1524000" y="3602038"/>
-            <a:ext cx="9144000" cy="1655762"/>
+            <a:off x="2679906" y="3956279"/>
+            <a:ext cx="6831673" cy="1086237"/>
           </a:xfrm>
         </p:spPr>
         <p:txBody>
-          <a:bodyPr/>
+          <a:bodyPr>
+            <a:normAutofit/>
+          </a:bodyPr>
           <a:lstStyle>
             <a:lvl1pPr marL="0" indent="0" algn="ctr">
+              <a:lnSpc>
+                <a:spcPct val="112000"/>
+              </a:lnSpc>
+              <a:spcBef>
+                <a:spcPts val="0"/>
+              </a:spcBef>
+              <a:spcAft>
+                <a:spcPts val="0"/>
+              </a:spcAft>
               <a:buNone/>
-              <a:defRPr sz="2400"/>
+              <a:defRPr sz="2300"/>
             </a:lvl1pPr>
             <a:lvl2pPr marL="457200" indent="0" algn="ctr">
               <a:buNone/>
@@ -1684,18 +1698,13 @@
               <a:rPr lang="zh-CN" altLang="en-US"/>
               <a:t>单击此处编辑母版副标题样式</a:t>
             </a:r>
-          </a:p>
-        </p:txBody>
-      </p:sp>
-      <p:sp>
-        <p:nvSpPr>
-          <p:cNvPr id="4" name="日期占位符 3">
-            <a:extLst>
-              <a:ext uri="{FF2B5EF4-FFF2-40B4-BE49-F238E27FC236}">
-                <a16:creationId xmlns:a16="http://schemas.microsoft.com/office/drawing/2014/main" id="{92DF8E80-D3DF-4F5A-8890-120A0DDF335C}"/>
-              </a:ext>
-            </a:extLst>
-          </p:cNvPr>
+            <a:endParaRPr lang="en-US" dirty="0"/>
+          </a:p>
+        </p:txBody>
+      </p:sp>
+      <p:sp>
+        <p:nvSpPr>
+          <p:cNvPr id="4" name="Date Placeholder 3"/>
           <p:cNvSpPr>
             <a:spLocks noGrp="1"/>
           </p:cNvSpPr>
@@ -1703,10 +1712,23 @@
             <p:ph type="dt" sz="half" idx="10"/>
           </p:nvPr>
         </p:nvSpPr>
-        <p:spPr/>
+        <p:spPr>
+          <a:xfrm>
+            <a:off x="752858" y="6453386"/>
+            <a:ext cx="1607944" cy="404614"/>
+          </a:xfrm>
+        </p:spPr>
         <p:txBody>
           <a:bodyPr/>
-          <a:lstStyle/>
+          <a:lstStyle>
+            <a:lvl1pPr>
+              <a:defRPr baseline="0">
+                <a:solidFill>
+                  <a:schemeClr val="tx2"/>
+                </a:solidFill>
+              </a:defRPr>
+            </a:lvl1pPr>
+          </a:lstStyle>
           <a:p>
             <a:fld id="{3ED103FD-9823-4368-A732-42423E8CFAAD}" type="datetimeFigureOut">
               <a:rPr lang="zh-CN" altLang="en-US" smtClean="0"/>
@@ -1718,13 +1740,7 @@
       </p:sp>
       <p:sp>
         <p:nvSpPr>
-          <p:cNvPr id="5" name="页脚占位符 4">
-            <a:extLst>
-              <a:ext uri="{FF2B5EF4-FFF2-40B4-BE49-F238E27FC236}">
-                <a16:creationId xmlns:a16="http://schemas.microsoft.com/office/drawing/2014/main" id="{3E5263FF-89E3-4D96-98B9-B40134596B0E}"/>
-              </a:ext>
-            </a:extLst>
-          </p:cNvPr>
+          <p:cNvPr id="5" name="Footer Placeholder 4"/>
           <p:cNvSpPr>
             <a:spLocks noGrp="1"/>
           </p:cNvSpPr>
@@ -1732,10 +1748,23 @@
             <p:ph type="ftr" sz="quarter" idx="11"/>
           </p:nvPr>
         </p:nvSpPr>
-        <p:spPr/>
+        <p:spPr>
+          <a:xfrm>
+            <a:off x="2584054" y="6453386"/>
+            <a:ext cx="7023377" cy="404614"/>
+          </a:xfrm>
+        </p:spPr>
         <p:txBody>
           <a:bodyPr/>
-          <a:lstStyle/>
+          <a:lstStyle>
+            <a:lvl1pPr algn="ctr">
+              <a:defRPr baseline="0">
+                <a:solidFill>
+                  <a:schemeClr val="tx2"/>
+                </a:solidFill>
+              </a:defRPr>
+            </a:lvl1pPr>
+          </a:lstStyle>
           <a:p>
             <a:endParaRPr lang="zh-CN" altLang="en-US"/>
           </a:p>
@@ -1743,13 +1772,7 @@
       </p:sp>
       <p:sp>
         <p:nvSpPr>
-          <p:cNvPr id="6" name="灯片编号占位符 5">
-            <a:extLst>
-              <a:ext uri="{FF2B5EF4-FFF2-40B4-BE49-F238E27FC236}">
-                <a16:creationId xmlns:a16="http://schemas.microsoft.com/office/drawing/2014/main" id="{FF9F8964-50EB-46E9-A4CF-6491EE5B7BA8}"/>
-              </a:ext>
-            </a:extLst>
-          </p:cNvPr>
+          <p:cNvPr id="6" name="Slide Number Placeholder 5"/>
           <p:cNvSpPr>
             <a:spLocks noGrp="1"/>
           </p:cNvSpPr>
@@ -1757,10 +1780,23 @@
             <p:ph type="sldNum" sz="quarter" idx="12"/>
           </p:nvPr>
         </p:nvSpPr>
-        <p:spPr/>
+        <p:spPr>
+          <a:xfrm>
+            <a:off x="9830683" y="6453386"/>
+            <a:ext cx="1596292" cy="404614"/>
+          </a:xfrm>
+        </p:spPr>
         <p:txBody>
           <a:bodyPr/>
-          <a:lstStyle/>
+          <a:lstStyle>
+            <a:lvl1pPr>
+              <a:defRPr baseline="0">
+                <a:solidFill>
+                  <a:schemeClr val="tx2"/>
+                </a:solidFill>
+              </a:defRPr>
+            </a:lvl1pPr>
+          </a:lstStyle>
           <a:p>
             <a:fld id="{5317748B-7ED8-4088-935C-8676F9B87422}" type="slidenum">
               <a:rPr lang="zh-CN" altLang="en-US" smtClean="0"/>
@@ -1770,15 +1806,144 @@
           </a:p>
         </p:txBody>
       </p:sp>
+      <p:grpSp>
+        <p:nvGrpSpPr>
+          <p:cNvPr id="7" name="Group 6"/>
+          <p:cNvGrpSpPr/>
+          <p:nvPr/>
+        </p:nvGrpSpPr>
+        <p:grpSpPr>
+          <a:xfrm>
+            <a:off x="752858" y="744469"/>
+            <a:ext cx="10674117" cy="5349671"/>
+            <a:chOff x="752858" y="744469"/>
+            <a:chExt cx="10674117" cy="5349671"/>
+          </a:xfrm>
+        </p:grpSpPr>
+        <p:sp>
+          <p:nvSpPr>
+            <p:cNvPr id="11" name="Freeform 6"/>
+            <p:cNvSpPr/>
+            <p:nvPr/>
+          </p:nvSpPr>
+          <p:spPr bwMode="auto">
+            <a:xfrm>
+              <a:off x="8151962" y="1685652"/>
+              <a:ext cx="3275013" cy="4408488"/>
+            </a:xfrm>
+            <a:custGeom>
+              <a:avLst/>
+              <a:gdLst/>
+              <a:ahLst/>
+              <a:cxnLst/>
+              <a:rect l="l" t="t" r="r" b="b"/>
+              <a:pathLst>
+                <a:path w="10000" h="10000">
+                  <a:moveTo>
+                    <a:pt x="8761" y="0"/>
+                  </a:moveTo>
+                  <a:lnTo>
+                    <a:pt x="10000" y="0"/>
+                  </a:lnTo>
+                  <a:lnTo>
+                    <a:pt x="10000" y="10000"/>
+                  </a:lnTo>
+                  <a:lnTo>
+                    <a:pt x="0" y="10000"/>
+                  </a:lnTo>
+                  <a:lnTo>
+                    <a:pt x="0" y="9126"/>
+                  </a:lnTo>
+                  <a:lnTo>
+                    <a:pt x="8761" y="9127"/>
+                  </a:lnTo>
+                  <a:lnTo>
+                    <a:pt x="8761" y="0"/>
+                  </a:lnTo>
+                  <a:close/>
+                </a:path>
+              </a:pathLst>
+            </a:custGeom>
+            <a:solidFill>
+              <a:schemeClr val="tx2"/>
+            </a:solidFill>
+            <a:ln w="0">
+              <a:noFill/>
+              <a:prstDash val="solid"/>
+              <a:round/>
+              <a:headEnd/>
+              <a:tailEnd/>
+            </a:ln>
+          </p:spPr>
+        </p:sp>
+        <p:sp>
+          <p:nvSpPr>
+            <p:cNvPr id="14" name="Freeform 6"/>
+            <p:cNvSpPr/>
+            <p:nvPr/>
+          </p:nvSpPr>
+          <p:spPr bwMode="auto">
+            <a:xfrm flipH="1" flipV="1">
+              <a:off x="752858" y="744469"/>
+              <a:ext cx="3275668" cy="4408488"/>
+            </a:xfrm>
+            <a:custGeom>
+              <a:avLst/>
+              <a:gdLst/>
+              <a:ahLst/>
+              <a:cxnLst/>
+              <a:rect l="l" t="t" r="r" b="b"/>
+              <a:pathLst>
+                <a:path w="10002" h="10000">
+                  <a:moveTo>
+                    <a:pt x="8763" y="0"/>
+                  </a:moveTo>
+                  <a:lnTo>
+                    <a:pt x="10002" y="0"/>
+                  </a:lnTo>
+                  <a:lnTo>
+                    <a:pt x="10002" y="10000"/>
+                  </a:lnTo>
+                  <a:lnTo>
+                    <a:pt x="2" y="10000"/>
+                  </a:lnTo>
+                  <a:cubicBezTo>
+                    <a:pt x="-2" y="9698"/>
+                    <a:pt x="4" y="9427"/>
+                    <a:pt x="0" y="9125"/>
+                  </a:cubicBezTo>
+                  <a:lnTo>
+                    <a:pt x="8763" y="9128"/>
+                  </a:lnTo>
+                  <a:lnTo>
+                    <a:pt x="8763" y="0"/>
+                  </a:lnTo>
+                  <a:close/>
+                </a:path>
+              </a:pathLst>
+            </a:custGeom>
+            <a:solidFill>
+              <a:schemeClr val="tx2"/>
+            </a:solidFill>
+            <a:ln w="0">
+              <a:noFill/>
+              <a:prstDash val="solid"/>
+              <a:round/>
+              <a:headEnd/>
+              <a:tailEnd/>
+            </a:ln>
+          </p:spPr>
+        </p:sp>
+      </p:grpSp>
     </p:spTree>
     <p:extLst>
       <p:ext uri="{BB962C8B-B14F-4D97-AF65-F5344CB8AC3E}">
-        <p14:creationId xmlns:p14="http://schemas.microsoft.com/office/powerpoint/2010/main" val="1917309269"/>
+        <p14:creationId xmlns:p14="http://schemas.microsoft.com/office/powerpoint/2010/main" val="3353622929"/>
       </p:ext>
     </p:extLst>
   </p:cSld>
   <p:clrMapOvr>
-    <a:masterClrMapping/>
+    <a:overrideClrMapping bg1="lt1" tx1="dk1" bg2="lt2" tx2="dk2" accent1="accent1" accent2="accent2" accent3="accent3" accent4="accent4" accent5="accent5" accent6="accent6" hlink="hlink" folHlink="folHlink"/>
   </p:clrMapOvr>
 </p:sldLayout>
 </file>
@@ -1802,13 +1967,7 @@
       </p:grpSpPr>
       <p:sp>
         <p:nvSpPr>
-          <p:cNvPr id="2" name="标题 1">
-            <a:extLst>
-              <a:ext uri="{FF2B5EF4-FFF2-40B4-BE49-F238E27FC236}">
-                <a16:creationId xmlns:a16="http://schemas.microsoft.com/office/drawing/2014/main" id="{AFA41C34-B11A-4951-8977-71186737F547}"/>
-              </a:ext>
-            </a:extLst>
-          </p:cNvPr>
+          <p:cNvPr id="2" name="Title 1"/>
           <p:cNvSpPr>
             <a:spLocks noGrp="1"/>
           </p:cNvSpPr>
@@ -1825,18 +1984,13 @@
               <a:rPr lang="zh-CN" altLang="en-US"/>
               <a:t>单击此处编辑母版标题样式</a:t>
             </a:r>
-          </a:p>
-        </p:txBody>
-      </p:sp>
-      <p:sp>
-        <p:nvSpPr>
-          <p:cNvPr id="3" name="竖排文字占位符 2">
-            <a:extLst>
-              <a:ext uri="{FF2B5EF4-FFF2-40B4-BE49-F238E27FC236}">
-                <a16:creationId xmlns:a16="http://schemas.microsoft.com/office/drawing/2014/main" id="{2422DBF1-E03F-4CA6-A8A1-56CE1DAB0666}"/>
-              </a:ext>
-            </a:extLst>
-          </p:cNvPr>
+            <a:endParaRPr lang="en-US" dirty="0"/>
+          </a:p>
+        </p:txBody>
+      </p:sp>
+      <p:sp>
+        <p:nvSpPr>
+          <p:cNvPr id="3" name="Vertical Text Placeholder 2"/>
           <p:cNvSpPr>
             <a:spLocks noGrp="1"/>
           </p:cNvSpPr>
@@ -1844,7 +1998,12 @@
             <p:ph type="body" orient="vert" idx="1"/>
           </p:nvPr>
         </p:nvSpPr>
-        <p:spPr/>
+        <p:spPr>
+          <a:xfrm>
+            <a:off x="1371600" y="2295525"/>
+            <a:ext cx="9601200" cy="3571875"/>
+          </a:xfrm>
+        </p:spPr>
         <p:txBody>
           <a:bodyPr vert="eaVert"/>
           <a:lstStyle/>
@@ -1882,18 +2041,13 @@
               <a:rPr lang="zh-CN" altLang="en-US"/>
               <a:t>五级</a:t>
             </a:r>
-          </a:p>
-        </p:txBody>
-      </p:sp>
-      <p:sp>
-        <p:nvSpPr>
-          <p:cNvPr id="4" name="日期占位符 3">
-            <a:extLst>
-              <a:ext uri="{FF2B5EF4-FFF2-40B4-BE49-F238E27FC236}">
-                <a16:creationId xmlns:a16="http://schemas.microsoft.com/office/drawing/2014/main" id="{CBCF893B-D20F-40E5-880F-DCACA2917D97}"/>
-              </a:ext>
-            </a:extLst>
-          </p:cNvPr>
+            <a:endParaRPr lang="en-US" dirty="0"/>
+          </a:p>
+        </p:txBody>
+      </p:sp>
+      <p:sp>
+        <p:nvSpPr>
+          <p:cNvPr id="4" name="Date Placeholder 3"/>
           <p:cNvSpPr>
             <a:spLocks noGrp="1"/>
           </p:cNvSpPr>
@@ -1916,13 +2070,7 @@
       </p:sp>
       <p:sp>
         <p:nvSpPr>
-          <p:cNvPr id="5" name="页脚占位符 4">
-            <a:extLst>
-              <a:ext uri="{FF2B5EF4-FFF2-40B4-BE49-F238E27FC236}">
-                <a16:creationId xmlns:a16="http://schemas.microsoft.com/office/drawing/2014/main" id="{17C35DE6-CAD1-47A6-897F-78F091A9B1EF}"/>
-              </a:ext>
-            </a:extLst>
-          </p:cNvPr>
+          <p:cNvPr id="5" name="Footer Placeholder 4"/>
           <p:cNvSpPr>
             <a:spLocks noGrp="1"/>
           </p:cNvSpPr>
@@ -1941,13 +2089,7 @@
       </p:sp>
       <p:sp>
         <p:nvSpPr>
-          <p:cNvPr id="6" name="灯片编号占位符 5">
-            <a:extLst>
-              <a:ext uri="{FF2B5EF4-FFF2-40B4-BE49-F238E27FC236}">
-                <a16:creationId xmlns:a16="http://schemas.microsoft.com/office/drawing/2014/main" id="{28EA7CBA-D127-4734-BB53-81E45E455FE2}"/>
-              </a:ext>
-            </a:extLst>
-          </p:cNvPr>
+          <p:cNvPr id="6" name="Slide Number Placeholder 5"/>
           <p:cNvSpPr>
             <a:spLocks noGrp="1"/>
           </p:cNvSpPr>
@@ -1971,7 +2113,7 @@
     </p:spTree>
     <p:extLst>
       <p:ext uri="{BB962C8B-B14F-4D97-AF65-F5344CB8AC3E}">
-        <p14:creationId xmlns:p14="http://schemas.microsoft.com/office/powerpoint/2010/main" val="3618346735"/>
+        <p14:creationId xmlns:p14="http://schemas.microsoft.com/office/powerpoint/2010/main" val="17369669"/>
       </p:ext>
     </p:extLst>
   </p:cSld>
@@ -2000,13 +2142,7 @@
       </p:grpSpPr>
       <p:sp>
         <p:nvSpPr>
-          <p:cNvPr id="2" name="竖排标题 1">
-            <a:extLst>
-              <a:ext uri="{FF2B5EF4-FFF2-40B4-BE49-F238E27FC236}">
-                <a16:creationId xmlns:a16="http://schemas.microsoft.com/office/drawing/2014/main" id="{911E10EC-87FE-4FC4-BFEF-67518ED2EAC5}"/>
-              </a:ext>
-            </a:extLst>
-          </p:cNvPr>
+          <p:cNvPr id="2" name="Vertical Title 1"/>
           <p:cNvSpPr>
             <a:spLocks noGrp="1"/>
           </p:cNvSpPr>
@@ -2016,8 +2152,8 @@
         </p:nvSpPr>
         <p:spPr>
           <a:xfrm>
-            <a:off x="8724900" y="365125"/>
-            <a:ext cx="2628900" cy="5811838"/>
+            <a:off x="9596561" y="624156"/>
+            <a:ext cx="1565766" cy="5243244"/>
           </a:xfrm>
         </p:spPr>
         <p:txBody>
@@ -2028,18 +2164,13 @@
               <a:rPr lang="zh-CN" altLang="en-US"/>
               <a:t>单击此处编辑母版标题样式</a:t>
             </a:r>
-          </a:p>
-        </p:txBody>
-      </p:sp>
-      <p:sp>
-        <p:nvSpPr>
-          <p:cNvPr id="3" name="竖排文字占位符 2">
-            <a:extLst>
-              <a:ext uri="{FF2B5EF4-FFF2-40B4-BE49-F238E27FC236}">
-                <a16:creationId xmlns:a16="http://schemas.microsoft.com/office/drawing/2014/main" id="{17EE6B84-42C2-4BC7-9427-7D644AAA4664}"/>
-              </a:ext>
-            </a:extLst>
-          </p:cNvPr>
+            <a:endParaRPr lang="en-US" dirty="0"/>
+          </a:p>
+        </p:txBody>
+      </p:sp>
+      <p:sp>
+        <p:nvSpPr>
+          <p:cNvPr id="3" name="Vertical Text Placeholder 2"/>
           <p:cNvSpPr>
             <a:spLocks noGrp="1"/>
           </p:cNvSpPr>
@@ -2049,8 +2180,8 @@
         </p:nvSpPr>
         <p:spPr>
           <a:xfrm>
-            <a:off x="838200" y="365125"/>
-            <a:ext cx="7734300" cy="5811838"/>
+            <a:off x="1371600" y="624156"/>
+            <a:ext cx="8179641" cy="5243244"/>
           </a:xfrm>
         </p:spPr>
         <p:txBody>
@@ -2090,18 +2221,13 @@
               <a:rPr lang="zh-CN" altLang="en-US"/>
               <a:t>五级</a:t>
             </a:r>
-          </a:p>
-        </p:txBody>
-      </p:sp>
-      <p:sp>
-        <p:nvSpPr>
-          <p:cNvPr id="4" name="日期占位符 3">
-            <a:extLst>
-              <a:ext uri="{FF2B5EF4-FFF2-40B4-BE49-F238E27FC236}">
-                <a16:creationId xmlns:a16="http://schemas.microsoft.com/office/drawing/2014/main" id="{B0B821C4-2014-4905-994E-83FC473E97AB}"/>
-              </a:ext>
-            </a:extLst>
-          </p:cNvPr>
+            <a:endParaRPr lang="en-US" dirty="0"/>
+          </a:p>
+        </p:txBody>
+      </p:sp>
+      <p:sp>
+        <p:nvSpPr>
+          <p:cNvPr id="4" name="Date Placeholder 3"/>
           <p:cNvSpPr>
             <a:spLocks noGrp="1"/>
           </p:cNvSpPr>
@@ -2124,13 +2250,7 @@
       </p:sp>
       <p:sp>
         <p:nvSpPr>
-          <p:cNvPr id="5" name="页脚占位符 4">
-            <a:extLst>
-              <a:ext uri="{FF2B5EF4-FFF2-40B4-BE49-F238E27FC236}">
-                <a16:creationId xmlns:a16="http://schemas.microsoft.com/office/drawing/2014/main" id="{9177577B-BD11-45B4-8167-B3F88CCF9C95}"/>
-              </a:ext>
-            </a:extLst>
-          </p:cNvPr>
+          <p:cNvPr id="5" name="Footer Placeholder 4"/>
           <p:cNvSpPr>
             <a:spLocks noGrp="1"/>
           </p:cNvSpPr>
@@ -2149,13 +2269,7 @@
       </p:sp>
       <p:sp>
         <p:nvSpPr>
-          <p:cNvPr id="6" name="灯片编号占位符 5">
-            <a:extLst>
-              <a:ext uri="{FF2B5EF4-FFF2-40B4-BE49-F238E27FC236}">
-                <a16:creationId xmlns:a16="http://schemas.microsoft.com/office/drawing/2014/main" id="{B9B5B52C-2AF9-45F3-BB55-5EC18B2887FE}"/>
-              </a:ext>
-            </a:extLst>
-          </p:cNvPr>
+          <p:cNvPr id="6" name="Slide Number Placeholder 5"/>
           <p:cNvSpPr>
             <a:spLocks noGrp="1"/>
           </p:cNvSpPr>
@@ -2179,7 +2293,7 @@
     </p:spTree>
     <p:extLst>
       <p:ext uri="{BB962C8B-B14F-4D97-AF65-F5344CB8AC3E}">
-        <p14:creationId xmlns:p14="http://schemas.microsoft.com/office/powerpoint/2010/main" val="2661119658"/>
+        <p14:creationId xmlns:p14="http://schemas.microsoft.com/office/powerpoint/2010/main" val="2071236451"/>
       </p:ext>
     </p:extLst>
   </p:cSld>
@@ -2208,13 +2322,7 @@
       </p:grpSpPr>
       <p:sp>
         <p:nvSpPr>
-          <p:cNvPr id="2" name="标题 1">
-            <a:extLst>
-              <a:ext uri="{FF2B5EF4-FFF2-40B4-BE49-F238E27FC236}">
-                <a16:creationId xmlns:a16="http://schemas.microsoft.com/office/drawing/2014/main" id="{66EA913E-D6D0-472B-9E78-51312E7E5809}"/>
-              </a:ext>
-            </a:extLst>
-          </p:cNvPr>
+          <p:cNvPr id="2" name="Title 1"/>
           <p:cNvSpPr>
             <a:spLocks noGrp="1"/>
           </p:cNvSpPr>
@@ -2228,21 +2336,16 @@
           <a:lstStyle/>
           <a:p>
             <a:r>
-              <a:rPr lang="zh-CN" altLang="en-US" dirty="0"/>
+              <a:rPr lang="zh-CN" altLang="en-US"/>
               <a:t>单击此处编辑母版标题样式</a:t>
             </a:r>
-          </a:p>
-        </p:txBody>
-      </p:sp>
-      <p:sp>
-        <p:nvSpPr>
-          <p:cNvPr id="3" name="内容占位符 2">
-            <a:extLst>
-              <a:ext uri="{FF2B5EF4-FFF2-40B4-BE49-F238E27FC236}">
-                <a16:creationId xmlns:a16="http://schemas.microsoft.com/office/drawing/2014/main" id="{E5C17B77-6379-4F4C-8E33-5F6192BA060D}"/>
-              </a:ext>
-            </a:extLst>
-          </p:cNvPr>
+            <a:endParaRPr lang="en-US" dirty="0"/>
+          </a:p>
+        </p:txBody>
+      </p:sp>
+      <p:sp>
+        <p:nvSpPr>
+          <p:cNvPr id="3" name="Content Placeholder 2"/>
           <p:cNvSpPr>
             <a:spLocks noGrp="1"/>
           </p:cNvSpPr>
@@ -2257,49 +2360,44 @@
           <a:p>
             <a:pPr lvl="0"/>
             <a:r>
-              <a:rPr lang="zh-CN" altLang="en-US" dirty="0"/>
+              <a:rPr lang="zh-CN" altLang="en-US"/>
               <a:t>单击此处编辑母版文本样式</a:t>
             </a:r>
           </a:p>
           <a:p>
             <a:pPr lvl="1"/>
             <a:r>
-              <a:rPr lang="zh-CN" altLang="en-US" dirty="0"/>
+              <a:rPr lang="zh-CN" altLang="en-US"/>
               <a:t>二级</a:t>
             </a:r>
           </a:p>
           <a:p>
             <a:pPr lvl="2"/>
             <a:r>
-              <a:rPr lang="zh-CN" altLang="en-US" dirty="0"/>
+              <a:rPr lang="zh-CN" altLang="en-US"/>
               <a:t>三级</a:t>
             </a:r>
           </a:p>
           <a:p>
             <a:pPr lvl="3"/>
             <a:r>
-              <a:rPr lang="zh-CN" altLang="en-US" dirty="0"/>
+              <a:rPr lang="zh-CN" altLang="en-US"/>
               <a:t>四级</a:t>
             </a:r>
           </a:p>
           <a:p>
             <a:pPr lvl="4"/>
             <a:r>
-              <a:rPr lang="zh-CN" altLang="en-US" dirty="0"/>
+              <a:rPr lang="zh-CN" altLang="en-US"/>
               <a:t>五级</a:t>
             </a:r>
-          </a:p>
-        </p:txBody>
-      </p:sp>
-      <p:sp>
-        <p:nvSpPr>
-          <p:cNvPr id="4" name="日期占位符 3">
-            <a:extLst>
-              <a:ext uri="{FF2B5EF4-FFF2-40B4-BE49-F238E27FC236}">
-                <a16:creationId xmlns:a16="http://schemas.microsoft.com/office/drawing/2014/main" id="{0258A06C-D9D0-40E3-9AFC-59D5835F17BC}"/>
-              </a:ext>
-            </a:extLst>
-          </p:cNvPr>
+            <a:endParaRPr lang="en-US" dirty="0"/>
+          </a:p>
+        </p:txBody>
+      </p:sp>
+      <p:sp>
+        <p:nvSpPr>
+          <p:cNvPr id="4" name="Date Placeholder 3"/>
           <p:cNvSpPr>
             <a:spLocks noGrp="1"/>
           </p:cNvSpPr>
@@ -2322,13 +2420,7 @@
       </p:sp>
       <p:sp>
         <p:nvSpPr>
-          <p:cNvPr id="5" name="页脚占位符 4">
-            <a:extLst>
-              <a:ext uri="{FF2B5EF4-FFF2-40B4-BE49-F238E27FC236}">
-                <a16:creationId xmlns:a16="http://schemas.microsoft.com/office/drawing/2014/main" id="{4DD69C4E-80E5-444B-8D76-4CB402CAF279}"/>
-              </a:ext>
-            </a:extLst>
-          </p:cNvPr>
+          <p:cNvPr id="5" name="Footer Placeholder 4"/>
           <p:cNvSpPr>
             <a:spLocks noGrp="1"/>
           </p:cNvSpPr>
@@ -2347,13 +2439,7 @@
       </p:sp>
       <p:sp>
         <p:nvSpPr>
-          <p:cNvPr id="6" name="灯片编号占位符 5">
-            <a:extLst>
-              <a:ext uri="{FF2B5EF4-FFF2-40B4-BE49-F238E27FC236}">
-                <a16:creationId xmlns:a16="http://schemas.microsoft.com/office/drawing/2014/main" id="{14376EE2-BED5-4F28-B670-F1B43B645C45}"/>
-              </a:ext>
-            </a:extLst>
-          </p:cNvPr>
+          <p:cNvPr id="6" name="Slide Number Placeholder 5"/>
           <p:cNvSpPr>
             <a:spLocks noGrp="1"/>
           </p:cNvSpPr>
@@ -2376,10 +2462,10 @@
       </p:sp>
       <p:pic>
         <p:nvPicPr>
-          <p:cNvPr id="10" name="图片 9" descr="卡通人物&#10;&#10;中度可信度描述已自动生成">
+          <p:cNvPr id="7" name="图片 6" descr="卡通人物&#10;&#10;中度可信度描述已自动生成">
             <a:extLst>
               <a:ext uri="{FF2B5EF4-FFF2-40B4-BE49-F238E27FC236}">
-                <a16:creationId xmlns:a16="http://schemas.microsoft.com/office/drawing/2014/main" id="{1AD1B4E7-D0EC-4F8C-8B31-52CEA5C39A22}"/>
+                <a16:creationId xmlns:a16="http://schemas.microsoft.com/office/drawing/2014/main" id="{28790C42-6873-403A-9DA1-E0939980318D}"/>
               </a:ext>
             </a:extLst>
           </p:cNvPr>
@@ -2413,7 +2499,7 @@
     </p:spTree>
     <p:extLst>
       <p:ext uri="{BB962C8B-B14F-4D97-AF65-F5344CB8AC3E}">
-        <p14:creationId xmlns:p14="http://schemas.microsoft.com/office/powerpoint/2010/main" val="1895980361"/>
+        <p14:creationId xmlns:p14="http://schemas.microsoft.com/office/powerpoint/2010/main" val="4119601932"/>
       </p:ext>
     </p:extLst>
   </p:cSld>
@@ -2424,8 +2510,13 @@
 </file>
 
 <file path=ppt/slideLayouts/slideLayout3.xml><?xml version="1.0" encoding="utf-8"?>
-<p:sldLayout xmlns:a="http://schemas.openxmlformats.org/drawingml/2006/main" xmlns:r="http://schemas.openxmlformats.org/officeDocument/2006/relationships" xmlns:p="http://schemas.openxmlformats.org/presentationml/2006/main" type="secHead" preserve="1">
+<p:sldLayout xmlns:a="http://schemas.openxmlformats.org/drawingml/2006/main" xmlns:r="http://schemas.openxmlformats.org/officeDocument/2006/relationships" xmlns:p="http://schemas.openxmlformats.org/presentationml/2006/main" showMasterSp="0" type="secHead" preserve="1">
   <p:cSld name="节标题">
+    <p:bg>
+      <p:bgRef idx="1001">
+        <a:schemeClr val="bg2"/>
+      </p:bgRef>
+    </p:bg>
     <p:spTree>
       <p:nvGrpSpPr>
         <p:cNvPr id="1" name=""/>
@@ -2442,13 +2533,7 @@
       </p:grpSpPr>
       <p:sp>
         <p:nvSpPr>
-          <p:cNvPr id="2" name="标题 1">
-            <a:extLst>
-              <a:ext uri="{FF2B5EF4-FFF2-40B4-BE49-F238E27FC236}">
-                <a16:creationId xmlns:a16="http://schemas.microsoft.com/office/drawing/2014/main" id="{FBA266DC-37A0-445F-ABC0-CD16774B87EF}"/>
-              </a:ext>
-            </a:extLst>
-          </p:cNvPr>
+          <p:cNvPr id="2" name="Title 1"/>
           <p:cNvSpPr>
             <a:spLocks noGrp="1"/>
           </p:cNvSpPr>
@@ -2458,15 +2543,21 @@
         </p:nvSpPr>
         <p:spPr>
           <a:xfrm>
-            <a:off x="831850" y="1709738"/>
-            <a:ext cx="10515600" cy="2852737"/>
+            <a:off x="765025" y="1301360"/>
+            <a:ext cx="9612971" cy="2852737"/>
           </a:xfrm>
         </p:spPr>
         <p:txBody>
-          <a:bodyPr anchor="b"/>
+          <a:bodyPr anchor="b">
+            <a:normAutofit/>
+          </a:bodyPr>
           <a:lstStyle>
-            <a:lvl1pPr>
-              <a:defRPr sz="6000"/>
+            <a:lvl1pPr algn="r">
+              <a:defRPr sz="7200" cap="all" baseline="0">
+                <a:solidFill>
+                  <a:schemeClr val="tx2"/>
+                </a:solidFill>
+              </a:defRPr>
             </a:lvl1pPr>
           </a:lstStyle>
           <a:p>
@@ -2474,18 +2565,13 @@
               <a:rPr lang="zh-CN" altLang="en-US"/>
               <a:t>单击此处编辑母版标题样式</a:t>
             </a:r>
-          </a:p>
-        </p:txBody>
-      </p:sp>
-      <p:sp>
-        <p:nvSpPr>
-          <p:cNvPr id="3" name="文本占位符 2">
-            <a:extLst>
-              <a:ext uri="{FF2B5EF4-FFF2-40B4-BE49-F238E27FC236}">
-                <a16:creationId xmlns:a16="http://schemas.microsoft.com/office/drawing/2014/main" id="{885BBE6E-BE3A-4639-B45D-8600F5A4C4D2}"/>
-              </a:ext>
-            </a:extLst>
-          </p:cNvPr>
+            <a:endParaRPr lang="en-US" dirty="0"/>
+          </a:p>
+        </p:txBody>
+      </p:sp>
+      <p:sp>
+        <p:nvSpPr>
+          <p:cNvPr id="3" name="Text Placeholder 2"/>
           <p:cNvSpPr>
             <a:spLocks noGrp="1"/>
           </p:cNvSpPr>
@@ -2495,20 +2581,27 @@
         </p:nvSpPr>
         <p:spPr>
           <a:xfrm>
-            <a:off x="831850" y="4589463"/>
-            <a:ext cx="10515600" cy="1500187"/>
+            <a:off x="765025" y="4216328"/>
+            <a:ext cx="9612971" cy="1143324"/>
           </a:xfrm>
         </p:spPr>
         <p:txBody>
           <a:bodyPr/>
           <a:lstStyle>
-            <a:lvl1pPr marL="0" indent="0">
+            <a:lvl1pPr marL="0" indent="0" algn="r">
+              <a:lnSpc>
+                <a:spcPct val="112000"/>
+              </a:lnSpc>
+              <a:spcBef>
+                <a:spcPts val="0"/>
+              </a:spcBef>
+              <a:spcAft>
+                <a:spcPts val="0"/>
+              </a:spcAft>
               <a:buNone/>
               <a:defRPr sz="2400">
                 <a:solidFill>
-                  <a:schemeClr val="tx1">
-                    <a:tint val="75000"/>
-                  </a:schemeClr>
+                  <a:schemeClr val="tx2"/>
                 </a:solidFill>
               </a:defRPr>
             </a:lvl1pPr>
@@ -2604,13 +2697,7 @@
       </p:sp>
       <p:sp>
         <p:nvSpPr>
-          <p:cNvPr id="4" name="日期占位符 3">
-            <a:extLst>
-              <a:ext uri="{FF2B5EF4-FFF2-40B4-BE49-F238E27FC236}">
-                <a16:creationId xmlns:a16="http://schemas.microsoft.com/office/drawing/2014/main" id="{339D0D63-8EEB-4242-86ED-15132B45B366}"/>
-              </a:ext>
-            </a:extLst>
-          </p:cNvPr>
+          <p:cNvPr id="4" name="Date Placeholder 3"/>
           <p:cNvSpPr>
             <a:spLocks noGrp="1"/>
           </p:cNvSpPr>
@@ -2618,10 +2705,23 @@
             <p:ph type="dt" sz="half" idx="10"/>
           </p:nvPr>
         </p:nvSpPr>
-        <p:spPr/>
+        <p:spPr>
+          <a:xfrm>
+            <a:off x="738908" y="6453386"/>
+            <a:ext cx="1622409" cy="404614"/>
+          </a:xfrm>
+        </p:spPr>
         <p:txBody>
           <a:bodyPr/>
-          <a:lstStyle/>
+          <a:lstStyle>
+            <a:lvl1pPr>
+              <a:defRPr>
+                <a:solidFill>
+                  <a:schemeClr val="tx2"/>
+                </a:solidFill>
+              </a:defRPr>
+            </a:lvl1pPr>
+          </a:lstStyle>
           <a:p>
             <a:fld id="{3ED103FD-9823-4368-A732-42423E8CFAAD}" type="datetimeFigureOut">
               <a:rPr lang="zh-CN" altLang="en-US" smtClean="0"/>
@@ -2633,13 +2733,7 @@
       </p:sp>
       <p:sp>
         <p:nvSpPr>
-          <p:cNvPr id="5" name="页脚占位符 4">
-            <a:extLst>
-              <a:ext uri="{FF2B5EF4-FFF2-40B4-BE49-F238E27FC236}">
-                <a16:creationId xmlns:a16="http://schemas.microsoft.com/office/drawing/2014/main" id="{FA50D0BA-0F85-42D5-B46F-B61C304CB895}"/>
-              </a:ext>
-            </a:extLst>
-          </p:cNvPr>
+          <p:cNvPr id="5" name="Footer Placeholder 4"/>
           <p:cNvSpPr>
             <a:spLocks noGrp="1"/>
           </p:cNvSpPr>
@@ -2647,10 +2741,23 @@
             <p:ph type="ftr" sz="quarter" idx="11"/>
           </p:nvPr>
         </p:nvSpPr>
-        <p:spPr/>
+        <p:spPr>
+          <a:xfrm>
+            <a:off x="2584312" y="6453386"/>
+            <a:ext cx="7023377" cy="404614"/>
+          </a:xfrm>
+        </p:spPr>
         <p:txBody>
           <a:bodyPr/>
-          <a:lstStyle/>
+          <a:lstStyle>
+            <a:lvl1pPr algn="ctr">
+              <a:defRPr>
+                <a:solidFill>
+                  <a:schemeClr val="tx2"/>
+                </a:solidFill>
+              </a:defRPr>
+            </a:lvl1pPr>
+          </a:lstStyle>
           <a:p>
             <a:endParaRPr lang="zh-CN" altLang="en-US"/>
           </a:p>
@@ -2658,13 +2765,7 @@
       </p:sp>
       <p:sp>
         <p:nvSpPr>
-          <p:cNvPr id="6" name="灯片编号占位符 5">
-            <a:extLst>
-              <a:ext uri="{FF2B5EF4-FFF2-40B4-BE49-F238E27FC236}">
-                <a16:creationId xmlns:a16="http://schemas.microsoft.com/office/drawing/2014/main" id="{F4387E61-47EA-4D0C-95C4-5317AB404871}"/>
-              </a:ext>
-            </a:extLst>
-          </p:cNvPr>
+          <p:cNvPr id="6" name="Slide Number Placeholder 5"/>
           <p:cNvSpPr>
             <a:spLocks noGrp="1"/>
           </p:cNvSpPr>
@@ -2672,10 +2773,23 @@
             <p:ph type="sldNum" sz="quarter" idx="12"/>
           </p:nvPr>
         </p:nvSpPr>
-        <p:spPr/>
+        <p:spPr>
+          <a:xfrm>
+            <a:off x="9830683" y="6453386"/>
+            <a:ext cx="1596292" cy="404614"/>
+          </a:xfrm>
+        </p:spPr>
         <p:txBody>
           <a:bodyPr/>
-          <a:lstStyle/>
+          <a:lstStyle>
+            <a:lvl1pPr>
+              <a:defRPr>
+                <a:solidFill>
+                  <a:schemeClr val="tx2"/>
+                </a:solidFill>
+              </a:defRPr>
+            </a:lvl1pPr>
+          </a:lstStyle>
           <a:p>
             <a:fld id="{5317748B-7ED8-4088-935C-8676F9B87422}" type="slidenum">
               <a:rPr lang="zh-CN" altLang="en-US" smtClean="0"/>
@@ -2685,15 +2799,71 @@
           </a:p>
         </p:txBody>
       </p:sp>
+      <p:sp>
+        <p:nvSpPr>
+          <p:cNvPr id="7" name="Freeform 6" title="Crop Mark"/>
+          <p:cNvSpPr/>
+          <p:nvPr/>
+        </p:nvSpPr>
+        <p:spPr bwMode="auto">
+          <a:xfrm>
+            <a:off x="8151962" y="1685652"/>
+            <a:ext cx="3275013" cy="4408488"/>
+          </a:xfrm>
+          <a:custGeom>
+            <a:avLst/>
+            <a:gdLst/>
+            <a:ahLst/>
+            <a:cxnLst/>
+            <a:rect l="0" t="0" r="r" b="b"/>
+            <a:pathLst>
+              <a:path w="4125" h="5554">
+                <a:moveTo>
+                  <a:pt x="3614" y="0"/>
+                </a:moveTo>
+                <a:lnTo>
+                  <a:pt x="4125" y="0"/>
+                </a:lnTo>
+                <a:lnTo>
+                  <a:pt x="4125" y="5554"/>
+                </a:lnTo>
+                <a:lnTo>
+                  <a:pt x="0" y="5554"/>
+                </a:lnTo>
+                <a:lnTo>
+                  <a:pt x="0" y="5074"/>
+                </a:lnTo>
+                <a:lnTo>
+                  <a:pt x="3614" y="5074"/>
+                </a:lnTo>
+                <a:lnTo>
+                  <a:pt x="3614" y="0"/>
+                </a:lnTo>
+                <a:close/>
+              </a:path>
+            </a:pathLst>
+          </a:custGeom>
+          <a:solidFill>
+            <a:schemeClr val="tx2"/>
+          </a:solidFill>
+          <a:ln w="0">
+            <a:noFill/>
+            <a:prstDash val="solid"/>
+            <a:round/>
+            <a:headEnd/>
+            <a:tailEnd/>
+          </a:ln>
+        </p:spPr>
+      </p:sp>
     </p:spTree>
     <p:extLst>
       <p:ext uri="{BB962C8B-B14F-4D97-AF65-F5344CB8AC3E}">
-        <p14:creationId xmlns:p14="http://schemas.microsoft.com/office/powerpoint/2010/main" val="4201603440"/>
+        <p14:creationId xmlns:p14="http://schemas.microsoft.com/office/powerpoint/2010/main" val="4031475196"/>
       </p:ext>
     </p:extLst>
   </p:cSld>
   <p:clrMapOvr>
-    <a:masterClrMapping/>
+    <a:overrideClrMapping bg1="dk1" tx1="lt1" bg2="dk2" tx2="lt2" accent1="accent1" accent2="accent2" accent3="accent3" accent4="accent4" accent5="accent5" accent6="accent6" hlink="hlink" folHlink="folHlink"/>
   </p:clrMapOvr>
 </p:sldLayout>
 </file>
@@ -2717,13 +2887,7 @@
       </p:grpSpPr>
       <p:sp>
         <p:nvSpPr>
-          <p:cNvPr id="2" name="标题 1">
-            <a:extLst>
-              <a:ext uri="{FF2B5EF4-FFF2-40B4-BE49-F238E27FC236}">
-                <a16:creationId xmlns:a16="http://schemas.microsoft.com/office/drawing/2014/main" id="{C772FE30-66E8-4A64-9C63-7329545EF63A}"/>
-              </a:ext>
-            </a:extLst>
-          </p:cNvPr>
+          <p:cNvPr id="2" name="Title 1"/>
           <p:cNvSpPr>
             <a:spLocks noGrp="1"/>
           </p:cNvSpPr>
@@ -2734,24 +2898,27 @@
         <p:spPr/>
         <p:txBody>
           <a:bodyPr/>
-          <a:lstStyle/>
+          <a:lstStyle>
+            <a:lvl1pPr>
+              <a:defRPr>
+                <a:solidFill>
+                  <a:schemeClr val="tx2"/>
+                </a:solidFill>
+              </a:defRPr>
+            </a:lvl1pPr>
+          </a:lstStyle>
           <a:p>
             <a:r>
               <a:rPr lang="zh-CN" altLang="en-US"/>
               <a:t>单击此处编辑母版标题样式</a:t>
             </a:r>
-          </a:p>
-        </p:txBody>
-      </p:sp>
-      <p:sp>
-        <p:nvSpPr>
-          <p:cNvPr id="3" name="内容占位符 2">
-            <a:extLst>
-              <a:ext uri="{FF2B5EF4-FFF2-40B4-BE49-F238E27FC236}">
-                <a16:creationId xmlns:a16="http://schemas.microsoft.com/office/drawing/2014/main" id="{F4D6A39D-D6AA-4AD0-8CF3-A0A6161290D7}"/>
-              </a:ext>
-            </a:extLst>
-          </p:cNvPr>
+            <a:endParaRPr lang="en-US" dirty="0"/>
+          </a:p>
+        </p:txBody>
+      </p:sp>
+      <p:sp>
+        <p:nvSpPr>
+          <p:cNvPr id="3" name="Content Placeholder 2"/>
           <p:cNvSpPr>
             <a:spLocks noGrp="1"/>
           </p:cNvSpPr>
@@ -2761,13 +2928,49 @@
         </p:nvSpPr>
         <p:spPr>
           <a:xfrm>
-            <a:off x="838200" y="1825625"/>
-            <a:ext cx="5181600" cy="4351338"/>
+            <a:off x="1371600" y="2285999"/>
+            <a:ext cx="4447786" cy="3581401"/>
           </a:xfrm>
         </p:spPr>
         <p:txBody>
           <a:bodyPr/>
-          <a:lstStyle/>
+          <a:lstStyle>
+            <a:lvl1pPr>
+              <a:defRPr baseline="0">
+                <a:solidFill>
+                  <a:schemeClr val="tx2"/>
+                </a:solidFill>
+              </a:defRPr>
+            </a:lvl1pPr>
+            <a:lvl2pPr>
+              <a:defRPr baseline="0">
+                <a:solidFill>
+                  <a:schemeClr val="tx2"/>
+                </a:solidFill>
+              </a:defRPr>
+            </a:lvl2pPr>
+            <a:lvl3pPr>
+              <a:defRPr baseline="0">
+                <a:solidFill>
+                  <a:schemeClr val="tx2"/>
+                </a:solidFill>
+              </a:defRPr>
+            </a:lvl3pPr>
+            <a:lvl4pPr>
+              <a:defRPr baseline="0">
+                <a:solidFill>
+                  <a:schemeClr val="tx2"/>
+                </a:solidFill>
+              </a:defRPr>
+            </a:lvl4pPr>
+            <a:lvl5pPr>
+              <a:defRPr baseline="0">
+                <a:solidFill>
+                  <a:schemeClr val="tx2"/>
+                </a:solidFill>
+              </a:defRPr>
+            </a:lvl5pPr>
+          </a:lstStyle>
           <a:p>
             <a:pPr lvl="0"/>
             <a:r>
@@ -2802,18 +3005,13 @@
               <a:rPr lang="zh-CN" altLang="en-US"/>
               <a:t>五级</a:t>
             </a:r>
-          </a:p>
-        </p:txBody>
-      </p:sp>
-      <p:sp>
-        <p:nvSpPr>
-          <p:cNvPr id="4" name="内容占位符 3">
-            <a:extLst>
-              <a:ext uri="{FF2B5EF4-FFF2-40B4-BE49-F238E27FC236}">
-                <a16:creationId xmlns:a16="http://schemas.microsoft.com/office/drawing/2014/main" id="{86C1FD0B-B773-4C73-917C-060A3E0E4DC6}"/>
-              </a:ext>
-            </a:extLst>
-          </p:cNvPr>
+            <a:endParaRPr lang="en-US" dirty="0"/>
+          </a:p>
+        </p:txBody>
+      </p:sp>
+      <p:sp>
+        <p:nvSpPr>
+          <p:cNvPr id="4" name="Content Placeholder 3"/>
           <p:cNvSpPr>
             <a:spLocks noGrp="1"/>
           </p:cNvSpPr>
@@ -2823,13 +3021,49 @@
         </p:nvSpPr>
         <p:spPr>
           <a:xfrm>
-            <a:off x="6172200" y="1825625"/>
-            <a:ext cx="5181600" cy="4351338"/>
+            <a:off x="6525403" y="2285999"/>
+            <a:ext cx="4447786" cy="3581401"/>
           </a:xfrm>
         </p:spPr>
         <p:txBody>
           <a:bodyPr/>
-          <a:lstStyle/>
+          <a:lstStyle>
+            <a:lvl1pPr>
+              <a:defRPr>
+                <a:solidFill>
+                  <a:schemeClr val="tx2"/>
+                </a:solidFill>
+              </a:defRPr>
+            </a:lvl1pPr>
+            <a:lvl2pPr>
+              <a:defRPr>
+                <a:solidFill>
+                  <a:schemeClr val="tx2"/>
+                </a:solidFill>
+              </a:defRPr>
+            </a:lvl2pPr>
+            <a:lvl3pPr>
+              <a:defRPr>
+                <a:solidFill>
+                  <a:schemeClr val="tx2"/>
+                </a:solidFill>
+              </a:defRPr>
+            </a:lvl3pPr>
+            <a:lvl4pPr>
+              <a:defRPr>
+                <a:solidFill>
+                  <a:schemeClr val="tx2"/>
+                </a:solidFill>
+              </a:defRPr>
+            </a:lvl4pPr>
+            <a:lvl5pPr>
+              <a:defRPr>
+                <a:solidFill>
+                  <a:schemeClr val="tx2"/>
+                </a:solidFill>
+              </a:defRPr>
+            </a:lvl5pPr>
+          </a:lstStyle>
           <a:p>
             <a:pPr lvl="0"/>
             <a:r>
@@ -2864,18 +3098,13 @@
               <a:rPr lang="zh-CN" altLang="en-US"/>
               <a:t>五级</a:t>
             </a:r>
-          </a:p>
-        </p:txBody>
-      </p:sp>
-      <p:sp>
-        <p:nvSpPr>
-          <p:cNvPr id="5" name="日期占位符 4">
-            <a:extLst>
-              <a:ext uri="{FF2B5EF4-FFF2-40B4-BE49-F238E27FC236}">
-                <a16:creationId xmlns:a16="http://schemas.microsoft.com/office/drawing/2014/main" id="{FF4FA3C0-4F75-42FD-B82A-123DE3934892}"/>
-              </a:ext>
-            </a:extLst>
-          </p:cNvPr>
+            <a:endParaRPr lang="en-US" dirty="0"/>
+          </a:p>
+        </p:txBody>
+      </p:sp>
+      <p:sp>
+        <p:nvSpPr>
+          <p:cNvPr id="5" name="Date Placeholder 4"/>
           <p:cNvSpPr>
             <a:spLocks noGrp="1"/>
           </p:cNvSpPr>
@@ -2898,13 +3127,7 @@
       </p:sp>
       <p:sp>
         <p:nvSpPr>
-          <p:cNvPr id="6" name="页脚占位符 5">
-            <a:extLst>
-              <a:ext uri="{FF2B5EF4-FFF2-40B4-BE49-F238E27FC236}">
-                <a16:creationId xmlns:a16="http://schemas.microsoft.com/office/drawing/2014/main" id="{813678F4-B5F8-4F9F-BE31-4F1F313DF705}"/>
-              </a:ext>
-            </a:extLst>
-          </p:cNvPr>
+          <p:cNvPr id="6" name="Footer Placeholder 5"/>
           <p:cNvSpPr>
             <a:spLocks noGrp="1"/>
           </p:cNvSpPr>
@@ -2923,13 +3146,7 @@
       </p:sp>
       <p:sp>
         <p:nvSpPr>
-          <p:cNvPr id="7" name="灯片编号占位符 6">
-            <a:extLst>
-              <a:ext uri="{FF2B5EF4-FFF2-40B4-BE49-F238E27FC236}">
-                <a16:creationId xmlns:a16="http://schemas.microsoft.com/office/drawing/2014/main" id="{D0C790E8-6CE9-4C3A-BD6C-F7B86BD501A7}"/>
-              </a:ext>
-            </a:extLst>
-          </p:cNvPr>
+          <p:cNvPr id="7" name="Slide Number Placeholder 6"/>
           <p:cNvSpPr>
             <a:spLocks noGrp="1"/>
           </p:cNvSpPr>
@@ -2953,7 +3170,7 @@
     </p:spTree>
     <p:extLst>
       <p:ext uri="{BB962C8B-B14F-4D97-AF65-F5344CB8AC3E}">
-        <p14:creationId xmlns:p14="http://schemas.microsoft.com/office/powerpoint/2010/main" val="2868285808"/>
+        <p14:creationId xmlns:p14="http://schemas.microsoft.com/office/powerpoint/2010/main" val="166638148"/>
       </p:ext>
     </p:extLst>
   </p:cSld>
@@ -2982,13 +3199,7 @@
       </p:grpSpPr>
       <p:sp>
         <p:nvSpPr>
-          <p:cNvPr id="2" name="标题 1">
-            <a:extLst>
-              <a:ext uri="{FF2B5EF4-FFF2-40B4-BE49-F238E27FC236}">
-                <a16:creationId xmlns:a16="http://schemas.microsoft.com/office/drawing/2014/main" id="{7DD93253-A360-4300-8884-2B4B0D52924E}"/>
-              </a:ext>
-            </a:extLst>
-          </p:cNvPr>
+          <p:cNvPr id="2" name="Title 1"/>
           <p:cNvSpPr>
             <a:spLocks noGrp="1"/>
           </p:cNvSpPr>
@@ -2998,30 +3209,33 @@
         </p:nvSpPr>
         <p:spPr>
           <a:xfrm>
-            <a:off x="839788" y="365125"/>
-            <a:ext cx="10515600" cy="1325563"/>
+            <a:off x="1371600" y="685800"/>
+            <a:ext cx="9601200" cy="1485900"/>
           </a:xfrm>
         </p:spPr>
         <p:txBody>
           <a:bodyPr/>
-          <a:lstStyle/>
+          <a:lstStyle>
+            <a:lvl1pPr>
+              <a:defRPr>
+                <a:solidFill>
+                  <a:schemeClr val="tx2"/>
+                </a:solidFill>
+              </a:defRPr>
+            </a:lvl1pPr>
+          </a:lstStyle>
           <a:p>
             <a:r>
               <a:rPr lang="zh-CN" altLang="en-US"/>
               <a:t>单击此处编辑母版标题样式</a:t>
             </a:r>
-          </a:p>
-        </p:txBody>
-      </p:sp>
-      <p:sp>
-        <p:nvSpPr>
-          <p:cNvPr id="3" name="文本占位符 2">
-            <a:extLst>
-              <a:ext uri="{FF2B5EF4-FFF2-40B4-BE49-F238E27FC236}">
-                <a16:creationId xmlns:a16="http://schemas.microsoft.com/office/drawing/2014/main" id="{D317B134-F8E2-408E-9CDD-C84BBE066859}"/>
-              </a:ext>
-            </a:extLst>
-          </p:cNvPr>
+            <a:endParaRPr lang="en-US" dirty="0"/>
+          </a:p>
+        </p:txBody>
+      </p:sp>
+      <p:sp>
+        <p:nvSpPr>
+          <p:cNvPr id="3" name="Text Placeholder 2"/>
           <p:cNvSpPr>
             <a:spLocks noGrp="1"/>
           </p:cNvSpPr>
@@ -3031,16 +3245,31 @@
         </p:nvSpPr>
         <p:spPr>
           <a:xfrm>
-            <a:off x="839788" y="1681163"/>
-            <a:ext cx="5157787" cy="823912"/>
+            <a:off x="1371600" y="2340864"/>
+            <a:ext cx="4443984" cy="823912"/>
           </a:xfrm>
         </p:spPr>
         <p:txBody>
-          <a:bodyPr anchor="b"/>
+          <a:bodyPr anchor="b">
+            <a:noAutofit/>
+          </a:bodyPr>
           <a:lstStyle>
             <a:lvl1pPr marL="0" indent="0">
+              <a:lnSpc>
+                <a:spcPct val="84000"/>
+              </a:lnSpc>
+              <a:spcBef>
+                <a:spcPts val="0"/>
+              </a:spcBef>
+              <a:spcAft>
+                <a:spcPts val="0"/>
+              </a:spcAft>
               <a:buNone/>
-              <a:defRPr sz="2400" b="1"/>
+              <a:defRPr sz="3000" b="0" baseline="0">
+                <a:solidFill>
+                  <a:schemeClr val="tx2"/>
+                </a:solidFill>
+              </a:defRPr>
             </a:lvl1pPr>
             <a:lvl2pPr marL="457200" indent="0">
               <a:buNone/>
@@ -3086,13 +3315,7 @@
       </p:sp>
       <p:sp>
         <p:nvSpPr>
-          <p:cNvPr id="4" name="内容占位符 3">
-            <a:extLst>
-              <a:ext uri="{FF2B5EF4-FFF2-40B4-BE49-F238E27FC236}">
-                <a16:creationId xmlns:a16="http://schemas.microsoft.com/office/drawing/2014/main" id="{B848C6D6-01C2-4E90-8ACC-047F13CE0AD9}"/>
-              </a:ext>
-            </a:extLst>
-          </p:cNvPr>
+          <p:cNvPr id="4" name="Content Placeholder 3"/>
           <p:cNvSpPr>
             <a:spLocks noGrp="1"/>
           </p:cNvSpPr>
@@ -3102,13 +3325,49 @@
         </p:nvSpPr>
         <p:spPr>
           <a:xfrm>
-            <a:off x="839788" y="2505075"/>
-            <a:ext cx="5157787" cy="3684588"/>
+            <a:off x="1371600" y="3305207"/>
+            <a:ext cx="4443984" cy="2562193"/>
           </a:xfrm>
         </p:spPr>
         <p:txBody>
           <a:bodyPr/>
-          <a:lstStyle/>
+          <a:lstStyle>
+            <a:lvl1pPr>
+              <a:defRPr baseline="0">
+                <a:solidFill>
+                  <a:schemeClr val="tx2"/>
+                </a:solidFill>
+              </a:defRPr>
+            </a:lvl1pPr>
+            <a:lvl2pPr>
+              <a:defRPr baseline="0">
+                <a:solidFill>
+                  <a:schemeClr val="tx2"/>
+                </a:solidFill>
+              </a:defRPr>
+            </a:lvl2pPr>
+            <a:lvl3pPr>
+              <a:defRPr baseline="0">
+                <a:solidFill>
+                  <a:schemeClr val="tx2"/>
+                </a:solidFill>
+              </a:defRPr>
+            </a:lvl3pPr>
+            <a:lvl4pPr>
+              <a:defRPr baseline="0">
+                <a:solidFill>
+                  <a:schemeClr val="tx2"/>
+                </a:solidFill>
+              </a:defRPr>
+            </a:lvl4pPr>
+            <a:lvl5pPr>
+              <a:defRPr baseline="0">
+                <a:solidFill>
+                  <a:schemeClr val="tx2"/>
+                </a:solidFill>
+              </a:defRPr>
+            </a:lvl5pPr>
+          </a:lstStyle>
           <a:p>
             <a:pPr lvl="0"/>
             <a:r>
@@ -3143,18 +3402,13 @@
               <a:rPr lang="zh-CN" altLang="en-US"/>
               <a:t>五级</a:t>
             </a:r>
-          </a:p>
-        </p:txBody>
-      </p:sp>
-      <p:sp>
-        <p:nvSpPr>
-          <p:cNvPr id="5" name="文本占位符 4">
-            <a:extLst>
-              <a:ext uri="{FF2B5EF4-FFF2-40B4-BE49-F238E27FC236}">
-                <a16:creationId xmlns:a16="http://schemas.microsoft.com/office/drawing/2014/main" id="{E2F25328-2B68-418B-95C9-78A78233C431}"/>
-              </a:ext>
-            </a:extLst>
-          </p:cNvPr>
+            <a:endParaRPr lang="en-US" dirty="0"/>
+          </a:p>
+        </p:txBody>
+      </p:sp>
+      <p:sp>
+        <p:nvSpPr>
+          <p:cNvPr id="5" name="Text Placeholder 4"/>
           <p:cNvSpPr>
             <a:spLocks noGrp="1"/>
           </p:cNvSpPr>
@@ -3164,16 +3418,31 @@
         </p:nvSpPr>
         <p:spPr>
           <a:xfrm>
-            <a:off x="6172200" y="1681163"/>
-            <a:ext cx="5183188" cy="823912"/>
+            <a:off x="6525014" y="2340864"/>
+            <a:ext cx="4443984" cy="823912"/>
           </a:xfrm>
         </p:spPr>
         <p:txBody>
-          <a:bodyPr anchor="b"/>
+          <a:bodyPr anchor="b">
+            <a:noAutofit/>
+          </a:bodyPr>
           <a:lstStyle>
             <a:lvl1pPr marL="0" indent="0">
+              <a:lnSpc>
+                <a:spcPct val="84000"/>
+              </a:lnSpc>
+              <a:spcBef>
+                <a:spcPts val="0"/>
+              </a:spcBef>
+              <a:spcAft>
+                <a:spcPts val="0"/>
+              </a:spcAft>
               <a:buNone/>
-              <a:defRPr sz="2400" b="1"/>
+              <a:defRPr sz="3000" b="0" baseline="0">
+                <a:solidFill>
+                  <a:schemeClr val="tx2"/>
+                </a:solidFill>
+              </a:defRPr>
             </a:lvl1pPr>
             <a:lvl2pPr marL="457200" indent="0">
               <a:buNone/>
@@ -3219,13 +3488,7 @@
       </p:sp>
       <p:sp>
         <p:nvSpPr>
-          <p:cNvPr id="6" name="内容占位符 5">
-            <a:extLst>
-              <a:ext uri="{FF2B5EF4-FFF2-40B4-BE49-F238E27FC236}">
-                <a16:creationId xmlns:a16="http://schemas.microsoft.com/office/drawing/2014/main" id="{7C71FA66-9C51-41F2-906A-21F0490233AE}"/>
-              </a:ext>
-            </a:extLst>
-          </p:cNvPr>
+          <p:cNvPr id="6" name="Content Placeholder 5"/>
           <p:cNvSpPr>
             <a:spLocks noGrp="1"/>
           </p:cNvSpPr>
@@ -3235,13 +3498,49 @@
         </p:nvSpPr>
         <p:spPr>
           <a:xfrm>
-            <a:off x="6172200" y="2505075"/>
-            <a:ext cx="5183188" cy="3684588"/>
+            <a:off x="6525014" y="3305207"/>
+            <a:ext cx="4443984" cy="2562193"/>
           </a:xfrm>
         </p:spPr>
         <p:txBody>
           <a:bodyPr/>
-          <a:lstStyle/>
+          <a:lstStyle>
+            <a:lvl1pPr>
+              <a:defRPr baseline="0">
+                <a:solidFill>
+                  <a:schemeClr val="tx2"/>
+                </a:solidFill>
+              </a:defRPr>
+            </a:lvl1pPr>
+            <a:lvl2pPr>
+              <a:defRPr baseline="0">
+                <a:solidFill>
+                  <a:schemeClr val="tx2"/>
+                </a:solidFill>
+              </a:defRPr>
+            </a:lvl2pPr>
+            <a:lvl3pPr>
+              <a:defRPr baseline="0">
+                <a:solidFill>
+                  <a:schemeClr val="tx2"/>
+                </a:solidFill>
+              </a:defRPr>
+            </a:lvl3pPr>
+            <a:lvl4pPr>
+              <a:defRPr baseline="0">
+                <a:solidFill>
+                  <a:schemeClr val="tx2"/>
+                </a:solidFill>
+              </a:defRPr>
+            </a:lvl4pPr>
+            <a:lvl5pPr>
+              <a:defRPr baseline="0">
+                <a:solidFill>
+                  <a:schemeClr val="tx2"/>
+                </a:solidFill>
+              </a:defRPr>
+            </a:lvl5pPr>
+          </a:lstStyle>
           <a:p>
             <a:pPr lvl="0"/>
             <a:r>
@@ -3276,18 +3575,13 @@
               <a:rPr lang="zh-CN" altLang="en-US"/>
               <a:t>五级</a:t>
             </a:r>
-          </a:p>
-        </p:txBody>
-      </p:sp>
-      <p:sp>
-        <p:nvSpPr>
-          <p:cNvPr id="7" name="日期占位符 6">
-            <a:extLst>
-              <a:ext uri="{FF2B5EF4-FFF2-40B4-BE49-F238E27FC236}">
-                <a16:creationId xmlns:a16="http://schemas.microsoft.com/office/drawing/2014/main" id="{CCE08FCE-09F5-4FE6-BF62-172F8935063A}"/>
-              </a:ext>
-            </a:extLst>
-          </p:cNvPr>
+            <a:endParaRPr lang="en-US" dirty="0"/>
+          </a:p>
+        </p:txBody>
+      </p:sp>
+      <p:sp>
+        <p:nvSpPr>
+          <p:cNvPr id="7" name="Date Placeholder 6"/>
           <p:cNvSpPr>
             <a:spLocks noGrp="1"/>
           </p:cNvSpPr>
@@ -3310,13 +3604,7 @@
       </p:sp>
       <p:sp>
         <p:nvSpPr>
-          <p:cNvPr id="8" name="页脚占位符 7">
-            <a:extLst>
-              <a:ext uri="{FF2B5EF4-FFF2-40B4-BE49-F238E27FC236}">
-                <a16:creationId xmlns:a16="http://schemas.microsoft.com/office/drawing/2014/main" id="{5694156E-2922-40AE-93D4-559722F07467}"/>
-              </a:ext>
-            </a:extLst>
-          </p:cNvPr>
+          <p:cNvPr id="8" name="Footer Placeholder 7"/>
           <p:cNvSpPr>
             <a:spLocks noGrp="1"/>
           </p:cNvSpPr>
@@ -3335,13 +3623,7 @@
       </p:sp>
       <p:sp>
         <p:nvSpPr>
-          <p:cNvPr id="9" name="灯片编号占位符 8">
-            <a:extLst>
-              <a:ext uri="{FF2B5EF4-FFF2-40B4-BE49-F238E27FC236}">
-                <a16:creationId xmlns:a16="http://schemas.microsoft.com/office/drawing/2014/main" id="{A9745C58-F5FA-45FE-9E02-D4F28485387E}"/>
-              </a:ext>
-            </a:extLst>
-          </p:cNvPr>
+          <p:cNvPr id="9" name="Slide Number Placeholder 8"/>
           <p:cNvSpPr>
             <a:spLocks noGrp="1"/>
           </p:cNvSpPr>
@@ -3365,7 +3647,7 @@
     </p:spTree>
     <p:extLst>
       <p:ext uri="{BB962C8B-B14F-4D97-AF65-F5344CB8AC3E}">
-        <p14:creationId xmlns:p14="http://schemas.microsoft.com/office/powerpoint/2010/main" val="1175633744"/>
+        <p14:creationId xmlns:p14="http://schemas.microsoft.com/office/powerpoint/2010/main" val="1612214754"/>
       </p:ext>
     </p:extLst>
   </p:cSld>
@@ -3394,13 +3676,7 @@
       </p:grpSpPr>
       <p:sp>
         <p:nvSpPr>
-          <p:cNvPr id="2" name="标题 1">
-            <a:extLst>
-              <a:ext uri="{FF2B5EF4-FFF2-40B4-BE49-F238E27FC236}">
-                <a16:creationId xmlns:a16="http://schemas.microsoft.com/office/drawing/2014/main" id="{1A2DD5E3-A1F7-4665-8B4B-7C5E9F2CF98C}"/>
-              </a:ext>
-            </a:extLst>
-          </p:cNvPr>
+          <p:cNvPr id="2" name="Title 1"/>
           <p:cNvSpPr>
             <a:spLocks noGrp="1"/>
           </p:cNvSpPr>
@@ -3417,18 +3693,13 @@
               <a:rPr lang="zh-CN" altLang="en-US"/>
               <a:t>单击此处编辑母版标题样式</a:t>
             </a:r>
-          </a:p>
-        </p:txBody>
-      </p:sp>
-      <p:sp>
-        <p:nvSpPr>
-          <p:cNvPr id="3" name="日期占位符 2">
-            <a:extLst>
-              <a:ext uri="{FF2B5EF4-FFF2-40B4-BE49-F238E27FC236}">
-                <a16:creationId xmlns:a16="http://schemas.microsoft.com/office/drawing/2014/main" id="{A4768189-9BEE-491F-9869-7118B61766DE}"/>
-              </a:ext>
-            </a:extLst>
-          </p:cNvPr>
+            <a:endParaRPr lang="en-US" dirty="0"/>
+          </a:p>
+        </p:txBody>
+      </p:sp>
+      <p:sp>
+        <p:nvSpPr>
+          <p:cNvPr id="3" name="Date Placeholder 2"/>
           <p:cNvSpPr>
             <a:spLocks noGrp="1"/>
           </p:cNvSpPr>
@@ -3451,13 +3722,7 @@
       </p:sp>
       <p:sp>
         <p:nvSpPr>
-          <p:cNvPr id="4" name="页脚占位符 3">
-            <a:extLst>
-              <a:ext uri="{FF2B5EF4-FFF2-40B4-BE49-F238E27FC236}">
-                <a16:creationId xmlns:a16="http://schemas.microsoft.com/office/drawing/2014/main" id="{D1C4EF95-F2D8-4EBB-B10C-65190420E06E}"/>
-              </a:ext>
-            </a:extLst>
-          </p:cNvPr>
+          <p:cNvPr id="4" name="Footer Placeholder 3"/>
           <p:cNvSpPr>
             <a:spLocks noGrp="1"/>
           </p:cNvSpPr>
@@ -3476,13 +3741,7 @@
       </p:sp>
       <p:sp>
         <p:nvSpPr>
-          <p:cNvPr id="5" name="灯片编号占位符 4">
-            <a:extLst>
-              <a:ext uri="{FF2B5EF4-FFF2-40B4-BE49-F238E27FC236}">
-                <a16:creationId xmlns:a16="http://schemas.microsoft.com/office/drawing/2014/main" id="{7781F96E-36BA-4AA2-AFE8-D8F63697AB77}"/>
-              </a:ext>
-            </a:extLst>
-          </p:cNvPr>
+          <p:cNvPr id="5" name="Slide Number Placeholder 4"/>
           <p:cNvSpPr>
             <a:spLocks noGrp="1"/>
           </p:cNvSpPr>
@@ -3506,7 +3765,7 @@
     </p:spTree>
     <p:extLst>
       <p:ext uri="{BB962C8B-B14F-4D97-AF65-F5344CB8AC3E}">
-        <p14:creationId xmlns:p14="http://schemas.microsoft.com/office/powerpoint/2010/main" val="1863935660"/>
+        <p14:creationId xmlns:p14="http://schemas.microsoft.com/office/powerpoint/2010/main" val="1022728211"/>
       </p:ext>
     </p:extLst>
   </p:cSld>
@@ -3535,13 +3794,7 @@
       </p:grpSpPr>
       <p:sp>
         <p:nvSpPr>
-          <p:cNvPr id="2" name="日期占位符 1">
-            <a:extLst>
-              <a:ext uri="{FF2B5EF4-FFF2-40B4-BE49-F238E27FC236}">
-                <a16:creationId xmlns:a16="http://schemas.microsoft.com/office/drawing/2014/main" id="{9C35E3FB-576C-4952-804B-F2BF39932326}"/>
-              </a:ext>
-            </a:extLst>
-          </p:cNvPr>
+          <p:cNvPr id="2" name="Date Placeholder 1"/>
           <p:cNvSpPr>
             <a:spLocks noGrp="1"/>
           </p:cNvSpPr>
@@ -3564,13 +3817,7 @@
       </p:sp>
       <p:sp>
         <p:nvSpPr>
-          <p:cNvPr id="3" name="页脚占位符 2">
-            <a:extLst>
-              <a:ext uri="{FF2B5EF4-FFF2-40B4-BE49-F238E27FC236}">
-                <a16:creationId xmlns:a16="http://schemas.microsoft.com/office/drawing/2014/main" id="{B40ED80A-E35C-484E-84B4-B3BAD5B548F3}"/>
-              </a:ext>
-            </a:extLst>
-          </p:cNvPr>
+          <p:cNvPr id="3" name="Footer Placeholder 2"/>
           <p:cNvSpPr>
             <a:spLocks noGrp="1"/>
           </p:cNvSpPr>
@@ -3589,13 +3836,7 @@
       </p:sp>
       <p:sp>
         <p:nvSpPr>
-          <p:cNvPr id="4" name="灯片编号占位符 3">
-            <a:extLst>
-              <a:ext uri="{FF2B5EF4-FFF2-40B4-BE49-F238E27FC236}">
-                <a16:creationId xmlns:a16="http://schemas.microsoft.com/office/drawing/2014/main" id="{09E20B32-179A-45B7-B969-8DBE4B7F9815}"/>
-              </a:ext>
-            </a:extLst>
-          </p:cNvPr>
+          <p:cNvPr id="4" name="Slide Number Placeholder 3"/>
           <p:cNvSpPr>
             <a:spLocks noGrp="1"/>
           </p:cNvSpPr>
@@ -3619,7 +3860,7 @@
     </p:spTree>
     <p:extLst>
       <p:ext uri="{BB962C8B-B14F-4D97-AF65-F5344CB8AC3E}">
-        <p14:creationId xmlns:p14="http://schemas.microsoft.com/office/powerpoint/2010/main" val="3035476934"/>
+        <p14:creationId xmlns:p14="http://schemas.microsoft.com/office/powerpoint/2010/main" val="370417668"/>
       </p:ext>
     </p:extLst>
   </p:cSld>
@@ -3630,7 +3871,7 @@
 </file>
 
 <file path=ppt/slideLayouts/slideLayout8.xml><?xml version="1.0" encoding="utf-8"?>
-<p:sldLayout xmlns:a="http://schemas.openxmlformats.org/drawingml/2006/main" xmlns:r="http://schemas.openxmlformats.org/officeDocument/2006/relationships" xmlns:p="http://schemas.openxmlformats.org/presentationml/2006/main" type="objTx" preserve="1">
+<p:sldLayout xmlns:a="http://schemas.openxmlformats.org/drawingml/2006/main" xmlns:r="http://schemas.openxmlformats.org/officeDocument/2006/relationships" xmlns:p="http://schemas.openxmlformats.org/presentationml/2006/main" showMasterSp="0" type="objTx" preserve="1">
   <p:cSld name="内容与标题">
     <p:spTree>
       <p:nvGrpSpPr>
@@ -3648,13 +3889,45 @@
       </p:grpSpPr>
       <p:sp>
         <p:nvSpPr>
-          <p:cNvPr id="2" name="标题 1">
-            <a:extLst>
-              <a:ext uri="{FF2B5EF4-FFF2-40B4-BE49-F238E27FC236}">
-                <a16:creationId xmlns:a16="http://schemas.microsoft.com/office/drawing/2014/main" id="{17CEE18D-5175-418D-B042-2ED0487A99FA}"/>
-              </a:ext>
-            </a:extLst>
-          </p:cNvPr>
+          <p:cNvPr id="8" name="Rectangle 7" title="Background Shape"/>
+          <p:cNvSpPr/>
+          <p:nvPr/>
+        </p:nvSpPr>
+        <p:spPr>
+          <a:xfrm>
+            <a:off x="0" y="376"/>
+            <a:ext cx="5303520" cy="6857624"/>
+          </a:xfrm>
+          <a:prstGeom prst="rect">
+            <a:avLst/>
+          </a:prstGeom>
+          <a:solidFill>
+            <a:schemeClr val="accent1"/>
+          </a:solidFill>
+          <a:ln>
+            <a:noFill/>
+          </a:ln>
+        </p:spPr>
+        <p:style>
+          <a:lnRef idx="2">
+            <a:schemeClr val="accent1">
+              <a:shade val="50000"/>
+            </a:schemeClr>
+          </a:lnRef>
+          <a:fillRef idx="1">
+            <a:schemeClr val="accent1"/>
+          </a:fillRef>
+          <a:effectRef idx="0">
+            <a:schemeClr val="accent1"/>
+          </a:effectRef>
+          <a:fontRef idx="minor">
+            <a:schemeClr val="lt1"/>
+          </a:fontRef>
+        </p:style>
+      </p:sp>
+      <p:sp>
+        <p:nvSpPr>
+          <p:cNvPr id="2" name="Title 1"/>
           <p:cNvSpPr>
             <a:spLocks noGrp="1"/>
           </p:cNvSpPr>
@@ -3664,15 +3937,24 @@
         </p:nvSpPr>
         <p:spPr>
           <a:xfrm>
-            <a:off x="839788" y="457200"/>
-            <a:ext cx="3932237" cy="1600200"/>
+            <a:off x="723900" y="685800"/>
+            <a:ext cx="3855720" cy="2157884"/>
           </a:xfrm>
         </p:spPr>
         <p:txBody>
-          <a:bodyPr anchor="b"/>
+          <a:bodyPr anchor="t">
+            <a:noAutofit/>
+          </a:bodyPr>
           <a:lstStyle>
             <a:lvl1pPr>
-              <a:defRPr sz="3200"/>
+              <a:lnSpc>
+                <a:spcPct val="84000"/>
+              </a:lnSpc>
+              <a:defRPr sz="4800" baseline="0">
+                <a:solidFill>
+                  <a:schemeClr val="tx2"/>
+                </a:solidFill>
+              </a:defRPr>
             </a:lvl1pPr>
           </a:lstStyle>
           <a:p>
@@ -3680,18 +3962,13 @@
               <a:rPr lang="zh-CN" altLang="en-US"/>
               <a:t>单击此处编辑母版标题样式</a:t>
             </a:r>
-          </a:p>
-        </p:txBody>
-      </p:sp>
-      <p:sp>
-        <p:nvSpPr>
-          <p:cNvPr id="3" name="内容占位符 2">
-            <a:extLst>
-              <a:ext uri="{FF2B5EF4-FFF2-40B4-BE49-F238E27FC236}">
-                <a16:creationId xmlns:a16="http://schemas.microsoft.com/office/drawing/2014/main" id="{229A1AB5-0F15-40B9-95CE-D04B4A7B118E}"/>
-              </a:ext>
-            </a:extLst>
-          </p:cNvPr>
+            <a:endParaRPr lang="en-US" dirty="0"/>
+          </a:p>
+        </p:txBody>
+      </p:sp>
+      <p:sp>
+        <p:nvSpPr>
+          <p:cNvPr id="3" name="Content Placeholder 2"/>
           <p:cNvSpPr>
             <a:spLocks noGrp="1"/>
           </p:cNvSpPr>
@@ -3701,39 +3978,39 @@
         </p:nvSpPr>
         <p:spPr>
           <a:xfrm>
-            <a:off x="5183188" y="987425"/>
-            <a:ext cx="6172200" cy="4873625"/>
+            <a:off x="6256020" y="685801"/>
+            <a:ext cx="5212080" cy="5175250"/>
           </a:xfrm>
         </p:spPr>
         <p:txBody>
           <a:bodyPr/>
           <a:lstStyle>
             <a:lvl1pPr>
-              <a:defRPr sz="3200"/>
+              <a:defRPr sz="2000"/>
             </a:lvl1pPr>
             <a:lvl2pPr>
-              <a:defRPr sz="2800"/>
+              <a:defRPr sz="2000"/>
             </a:lvl2pPr>
             <a:lvl3pPr>
-              <a:defRPr sz="2400"/>
+              <a:defRPr sz="1800"/>
             </a:lvl3pPr>
             <a:lvl4pPr>
-              <a:defRPr sz="2000"/>
+              <a:defRPr sz="1800"/>
             </a:lvl4pPr>
             <a:lvl5pPr>
-              <a:defRPr sz="2000"/>
+              <a:defRPr sz="1600"/>
             </a:lvl5pPr>
             <a:lvl6pPr>
-              <a:defRPr sz="2000"/>
+              <a:defRPr sz="1600"/>
             </a:lvl6pPr>
             <a:lvl7pPr>
-              <a:defRPr sz="2000"/>
+              <a:defRPr sz="1600"/>
             </a:lvl7pPr>
             <a:lvl8pPr>
-              <a:defRPr sz="2000"/>
+              <a:defRPr sz="1600"/>
             </a:lvl8pPr>
             <a:lvl9pPr>
-              <a:defRPr sz="2000"/>
+              <a:defRPr sz="1600"/>
             </a:lvl9pPr>
           </a:lstStyle>
           <a:p>
@@ -3770,18 +4047,13 @@
               <a:rPr lang="zh-CN" altLang="en-US"/>
               <a:t>五级</a:t>
             </a:r>
-          </a:p>
-        </p:txBody>
-      </p:sp>
-      <p:sp>
-        <p:nvSpPr>
-          <p:cNvPr id="4" name="文本占位符 3">
-            <a:extLst>
-              <a:ext uri="{FF2B5EF4-FFF2-40B4-BE49-F238E27FC236}">
-                <a16:creationId xmlns:a16="http://schemas.microsoft.com/office/drawing/2014/main" id="{A64647FF-DC5E-462E-94B8-DC98508727FE}"/>
-              </a:ext>
-            </a:extLst>
-          </p:cNvPr>
+            <a:endParaRPr lang="en-US" dirty="0"/>
+          </a:p>
+        </p:txBody>
+      </p:sp>
+      <p:sp>
+        <p:nvSpPr>
+          <p:cNvPr id="4" name="Text Placeholder 3"/>
           <p:cNvSpPr>
             <a:spLocks noGrp="1"/>
           </p:cNvSpPr>
@@ -3791,14 +4063,23 @@
         </p:nvSpPr>
         <p:spPr>
           <a:xfrm>
-            <a:off x="839788" y="2057400"/>
-            <a:ext cx="3932237" cy="3811588"/>
+            <a:off x="723900" y="2856344"/>
+            <a:ext cx="3855720" cy="3011056"/>
           </a:xfrm>
         </p:spPr>
         <p:txBody>
           <a:bodyPr/>
           <a:lstStyle>
             <a:lvl1pPr marL="0" indent="0">
+              <a:lnSpc>
+                <a:spcPct val="113000"/>
+              </a:lnSpc>
+              <a:spcBef>
+                <a:spcPts val="0"/>
+              </a:spcBef>
+              <a:spcAft>
+                <a:spcPts val="1500"/>
+              </a:spcAft>
               <a:buNone/>
               <a:defRPr sz="1600"/>
             </a:lvl1pPr>
@@ -3846,13 +4127,7 @@
       </p:sp>
       <p:sp>
         <p:nvSpPr>
-          <p:cNvPr id="5" name="日期占位符 4">
-            <a:extLst>
-              <a:ext uri="{FF2B5EF4-FFF2-40B4-BE49-F238E27FC236}">
-                <a16:creationId xmlns:a16="http://schemas.microsoft.com/office/drawing/2014/main" id="{9631EB76-56C4-426E-A5EB-740B80C36AF6}"/>
-              </a:ext>
-            </a:extLst>
-          </p:cNvPr>
+          <p:cNvPr id="5" name="Date Placeholder 4"/>
           <p:cNvSpPr>
             <a:spLocks noGrp="1"/>
           </p:cNvSpPr>
@@ -3860,10 +4135,23 @@
             <p:ph type="dt" sz="half" idx="10"/>
           </p:nvPr>
         </p:nvSpPr>
-        <p:spPr/>
+        <p:spPr>
+          <a:xfrm>
+            <a:off x="723900" y="6453386"/>
+            <a:ext cx="1204572" cy="404614"/>
+          </a:xfrm>
+        </p:spPr>
         <p:txBody>
           <a:bodyPr/>
-          <a:lstStyle/>
+          <a:lstStyle>
+            <a:lvl1pPr>
+              <a:defRPr>
+                <a:solidFill>
+                  <a:schemeClr val="tx2"/>
+                </a:solidFill>
+              </a:defRPr>
+            </a:lvl1pPr>
+          </a:lstStyle>
           <a:p>
             <a:fld id="{3ED103FD-9823-4368-A732-42423E8CFAAD}" type="datetimeFigureOut">
               <a:rPr lang="zh-CN" altLang="en-US" smtClean="0"/>
@@ -3875,13 +4163,7 @@
       </p:sp>
       <p:sp>
         <p:nvSpPr>
-          <p:cNvPr id="6" name="页脚占位符 5">
-            <a:extLst>
-              <a:ext uri="{FF2B5EF4-FFF2-40B4-BE49-F238E27FC236}">
-                <a16:creationId xmlns:a16="http://schemas.microsoft.com/office/drawing/2014/main" id="{5223F3E2-589A-4833-93E0-7EC0FD42A307}"/>
-              </a:ext>
-            </a:extLst>
-          </p:cNvPr>
+          <p:cNvPr id="6" name="Footer Placeholder 5"/>
           <p:cNvSpPr>
             <a:spLocks noGrp="1"/>
           </p:cNvSpPr>
@@ -3889,10 +4171,23 @@
             <p:ph type="ftr" sz="quarter" idx="11"/>
           </p:nvPr>
         </p:nvSpPr>
-        <p:spPr/>
+        <p:spPr>
+          <a:xfrm>
+            <a:off x="2205945" y="6453386"/>
+            <a:ext cx="2373675" cy="404614"/>
+          </a:xfrm>
+        </p:spPr>
         <p:txBody>
           <a:bodyPr/>
-          <a:lstStyle/>
+          <a:lstStyle>
+            <a:lvl1pPr>
+              <a:defRPr>
+                <a:solidFill>
+                  <a:schemeClr val="tx2"/>
+                </a:solidFill>
+              </a:defRPr>
+            </a:lvl1pPr>
+          </a:lstStyle>
           <a:p>
             <a:endParaRPr lang="zh-CN" altLang="en-US"/>
           </a:p>
@@ -3900,13 +4195,7 @@
       </p:sp>
       <p:sp>
         <p:nvSpPr>
-          <p:cNvPr id="7" name="灯片编号占位符 6">
-            <a:extLst>
-              <a:ext uri="{FF2B5EF4-FFF2-40B4-BE49-F238E27FC236}">
-                <a16:creationId xmlns:a16="http://schemas.microsoft.com/office/drawing/2014/main" id="{F855D71A-BD5E-48FF-8291-603B6855A2CD}"/>
-              </a:ext>
-            </a:extLst>
-          </p:cNvPr>
+          <p:cNvPr id="7" name="Slide Number Placeholder 6"/>
           <p:cNvSpPr>
             <a:spLocks noGrp="1"/>
           </p:cNvSpPr>
@@ -3914,10 +4203,23 @@
             <p:ph type="sldNum" sz="quarter" idx="12"/>
           </p:nvPr>
         </p:nvSpPr>
-        <p:spPr/>
+        <p:spPr>
+          <a:xfrm>
+            <a:off x="9883140" y="6453386"/>
+            <a:ext cx="1596292" cy="404614"/>
+          </a:xfrm>
+        </p:spPr>
         <p:txBody>
           <a:bodyPr/>
-          <a:lstStyle/>
+          <a:lstStyle>
+            <a:lvl1pPr>
+              <a:defRPr>
+                <a:solidFill>
+                  <a:schemeClr val="tx2"/>
+                </a:solidFill>
+              </a:defRPr>
+            </a:lvl1pPr>
+          </a:lstStyle>
           <a:p>
             <a:fld id="{5317748B-7ED8-4088-935C-8676F9B87422}" type="slidenum">
               <a:rPr lang="zh-CN" altLang="en-US" smtClean="0"/>
@@ -3927,10 +4229,48 @@
           </a:p>
         </p:txBody>
       </p:sp>
+      <p:sp>
+        <p:nvSpPr>
+          <p:cNvPr id="9" name="Rectangle 8" title="Divider Bar"/>
+          <p:cNvSpPr/>
+          <p:nvPr/>
+        </p:nvSpPr>
+        <p:spPr>
+          <a:xfrm>
+            <a:off x="5303520" y="376"/>
+            <a:ext cx="228600" cy="6858000"/>
+          </a:xfrm>
+          <a:prstGeom prst="rect">
+            <a:avLst/>
+          </a:prstGeom>
+          <a:solidFill>
+            <a:schemeClr val="tx2"/>
+          </a:solidFill>
+          <a:ln>
+            <a:noFill/>
+          </a:ln>
+        </p:spPr>
+        <p:style>
+          <a:lnRef idx="2">
+            <a:schemeClr val="accent1">
+              <a:shade val="50000"/>
+            </a:schemeClr>
+          </a:lnRef>
+          <a:fillRef idx="1">
+            <a:schemeClr val="accent1"/>
+          </a:fillRef>
+          <a:effectRef idx="0">
+            <a:schemeClr val="accent1"/>
+          </a:effectRef>
+          <a:fontRef idx="minor">
+            <a:schemeClr val="lt1"/>
+          </a:fontRef>
+        </p:style>
+      </p:sp>
     </p:spTree>
     <p:extLst>
       <p:ext uri="{BB962C8B-B14F-4D97-AF65-F5344CB8AC3E}">
-        <p14:creationId xmlns:p14="http://schemas.microsoft.com/office/powerpoint/2010/main" val="705640146"/>
+        <p14:creationId xmlns:p14="http://schemas.microsoft.com/office/powerpoint/2010/main" val="3680244329"/>
       </p:ext>
     </p:extLst>
   </p:cSld>
@@ -3941,7 +4281,7 @@
 </file>
 
 <file path=ppt/slideLayouts/slideLayout9.xml><?xml version="1.0" encoding="utf-8"?>
-<p:sldLayout xmlns:a="http://schemas.openxmlformats.org/drawingml/2006/main" xmlns:r="http://schemas.openxmlformats.org/officeDocument/2006/relationships" xmlns:p="http://schemas.openxmlformats.org/presentationml/2006/main" type="picTx" preserve="1">
+<p:sldLayout xmlns:a="http://schemas.openxmlformats.org/drawingml/2006/main" xmlns:r="http://schemas.openxmlformats.org/officeDocument/2006/relationships" xmlns:p="http://schemas.openxmlformats.org/presentationml/2006/main" showMasterSp="0" type="picTx" preserve="1">
   <p:cSld name="图片与标题">
     <p:spTree>
       <p:nvGrpSpPr>
@@ -3959,13 +4299,45 @@
       </p:grpSpPr>
       <p:sp>
         <p:nvSpPr>
-          <p:cNvPr id="2" name="标题 1">
-            <a:extLst>
-              <a:ext uri="{FF2B5EF4-FFF2-40B4-BE49-F238E27FC236}">
-                <a16:creationId xmlns:a16="http://schemas.microsoft.com/office/drawing/2014/main" id="{1DE3AF1B-1817-43EE-997E-47055B2E7166}"/>
-              </a:ext>
-            </a:extLst>
-          </p:cNvPr>
+          <p:cNvPr id="8" name="Rectangle 7" title="Background Shape"/>
+          <p:cNvSpPr/>
+          <p:nvPr/>
+        </p:nvSpPr>
+        <p:spPr>
+          <a:xfrm>
+            <a:off x="0" y="376"/>
+            <a:ext cx="5303520" cy="6857624"/>
+          </a:xfrm>
+          <a:prstGeom prst="rect">
+            <a:avLst/>
+          </a:prstGeom>
+          <a:solidFill>
+            <a:schemeClr val="accent1"/>
+          </a:solidFill>
+          <a:ln>
+            <a:noFill/>
+          </a:ln>
+        </p:spPr>
+        <p:style>
+          <a:lnRef idx="2">
+            <a:schemeClr val="accent1">
+              <a:shade val="50000"/>
+            </a:schemeClr>
+          </a:lnRef>
+          <a:fillRef idx="1">
+            <a:schemeClr val="accent1"/>
+          </a:fillRef>
+          <a:effectRef idx="0">
+            <a:schemeClr val="accent1"/>
+          </a:effectRef>
+          <a:fontRef idx="minor">
+            <a:schemeClr val="lt1"/>
+          </a:fontRef>
+        </p:style>
+      </p:sp>
+      <p:sp>
+        <p:nvSpPr>
+          <p:cNvPr id="2" name="Title 1"/>
           <p:cNvSpPr>
             <a:spLocks noGrp="1"/>
           </p:cNvSpPr>
@@ -3975,15 +4347,20 @@
         </p:nvSpPr>
         <p:spPr>
           <a:xfrm>
-            <a:off x="839788" y="457200"/>
-            <a:ext cx="3932237" cy="1600200"/>
+            <a:off x="723900" y="685800"/>
+            <a:ext cx="3855720" cy="2157884"/>
           </a:xfrm>
         </p:spPr>
         <p:txBody>
-          <a:bodyPr anchor="b"/>
+          <a:bodyPr anchor="t">
+            <a:normAutofit/>
+          </a:bodyPr>
           <a:lstStyle>
             <a:lvl1pPr>
-              <a:defRPr sz="3200"/>
+              <a:lnSpc>
+                <a:spcPct val="84000"/>
+              </a:lnSpc>
+              <a:defRPr sz="4800" baseline="0"/>
             </a:lvl1pPr>
           </a:lstStyle>
           <a:p>
@@ -3991,20 +4368,15 @@
               <a:rPr lang="zh-CN" altLang="en-US"/>
               <a:t>单击此处编辑母版标题样式</a:t>
             </a:r>
-          </a:p>
-        </p:txBody>
-      </p:sp>
-      <p:sp>
-        <p:nvSpPr>
-          <p:cNvPr id="3" name="图片占位符 2">
-            <a:extLst>
-              <a:ext uri="{FF2B5EF4-FFF2-40B4-BE49-F238E27FC236}">
-                <a16:creationId xmlns:a16="http://schemas.microsoft.com/office/drawing/2014/main" id="{ECFD4B4F-C8B2-4A6C-8381-6D38A7E5F6D0}"/>
-              </a:ext>
-            </a:extLst>
-          </p:cNvPr>
+            <a:endParaRPr lang="en-US" dirty="0"/>
+          </a:p>
+        </p:txBody>
+      </p:sp>
+      <p:sp>
+        <p:nvSpPr>
+          <p:cNvPr id="3" name="Picture Placeholder 2"/>
           <p:cNvSpPr>
-            <a:spLocks noGrp="1"/>
+            <a:spLocks noGrp="1" noChangeAspect="1"/>
           </p:cNvSpPr>
           <p:nvPr>
             <p:ph type="pic" idx="1"/>
@@ -4012,24 +4384,26 @@
         </p:nvSpPr>
         <p:spPr>
           <a:xfrm>
-            <a:off x="5183188" y="987425"/>
-            <a:ext cx="6172200" cy="4873625"/>
+            <a:off x="5532120" y="0"/>
+            <a:ext cx="6659880" cy="6857999"/>
           </a:xfrm>
         </p:spPr>
         <p:txBody>
-          <a:bodyPr/>
+          <a:bodyPr anchor="t">
+            <a:normAutofit/>
+          </a:bodyPr>
           <a:lstStyle>
             <a:lvl1pPr marL="0" indent="0">
               <a:buNone/>
-              <a:defRPr sz="3200"/>
+              <a:defRPr sz="2000"/>
             </a:lvl1pPr>
             <a:lvl2pPr marL="457200" indent="0">
               <a:buNone/>
-              <a:defRPr sz="2800"/>
+              <a:defRPr sz="2000"/>
             </a:lvl2pPr>
             <a:lvl3pPr marL="914400" indent="0">
               <a:buNone/>
-              <a:defRPr sz="2400"/>
+              <a:defRPr sz="2000"/>
             </a:lvl3pPr>
             <a:lvl4pPr marL="1371600" indent="0">
               <a:buNone/>
@@ -4057,19 +4431,17 @@
             </a:lvl9pPr>
           </a:lstStyle>
           <a:p>
-            <a:endParaRPr lang="zh-CN" altLang="en-US"/>
-          </a:p>
-        </p:txBody>
-      </p:sp>
-      <p:sp>
-        <p:nvSpPr>
-          <p:cNvPr id="4" name="文本占位符 3">
-            <a:extLst>
-              <a:ext uri="{FF2B5EF4-FFF2-40B4-BE49-F238E27FC236}">
-                <a16:creationId xmlns:a16="http://schemas.microsoft.com/office/drawing/2014/main" id="{CE5FAA3F-A168-4042-AE3A-C909A83D9C76}"/>
-              </a:ext>
-            </a:extLst>
-          </p:cNvPr>
+            <a:r>
+              <a:rPr lang="zh-CN" altLang="en-US"/>
+              <a:t>单击图标添加图片</a:t>
+            </a:r>
+            <a:endParaRPr lang="en-US" dirty="0"/>
+          </a:p>
+        </p:txBody>
+      </p:sp>
+      <p:sp>
+        <p:nvSpPr>
+          <p:cNvPr id="4" name="Text Placeholder 3"/>
           <p:cNvSpPr>
             <a:spLocks noGrp="1"/>
           </p:cNvSpPr>
@@ -4079,14 +4451,23 @@
         </p:nvSpPr>
         <p:spPr>
           <a:xfrm>
-            <a:off x="839788" y="2057400"/>
-            <a:ext cx="3932237" cy="3811588"/>
+            <a:off x="723900" y="2855968"/>
+            <a:ext cx="3855720" cy="3011432"/>
           </a:xfrm>
         </p:spPr>
         <p:txBody>
           <a:bodyPr/>
           <a:lstStyle>
             <a:lvl1pPr marL="0" indent="0">
+              <a:lnSpc>
+                <a:spcPct val="113000"/>
+              </a:lnSpc>
+              <a:spcBef>
+                <a:spcPts val="0"/>
+              </a:spcBef>
+              <a:spcAft>
+                <a:spcPts val="1500"/>
+              </a:spcAft>
               <a:buNone/>
               <a:defRPr sz="1600"/>
             </a:lvl1pPr>
@@ -4134,13 +4515,7 @@
       </p:sp>
       <p:sp>
         <p:nvSpPr>
-          <p:cNvPr id="5" name="日期占位符 4">
-            <a:extLst>
-              <a:ext uri="{FF2B5EF4-FFF2-40B4-BE49-F238E27FC236}">
-                <a16:creationId xmlns:a16="http://schemas.microsoft.com/office/drawing/2014/main" id="{59898EA5-5A73-4B94-BC6A-47CFA3113C98}"/>
-              </a:ext>
-            </a:extLst>
-          </p:cNvPr>
+          <p:cNvPr id="5" name="Date Placeholder 4"/>
           <p:cNvSpPr>
             <a:spLocks noGrp="1"/>
           </p:cNvSpPr>
@@ -4148,10 +4523,23 @@
             <p:ph type="dt" sz="half" idx="10"/>
           </p:nvPr>
         </p:nvSpPr>
-        <p:spPr/>
+        <p:spPr>
+          <a:xfrm>
+            <a:off x="723900" y="6453386"/>
+            <a:ext cx="1204572" cy="404614"/>
+          </a:xfrm>
+        </p:spPr>
         <p:txBody>
           <a:bodyPr/>
-          <a:lstStyle/>
+          <a:lstStyle>
+            <a:lvl1pPr>
+              <a:defRPr>
+                <a:solidFill>
+                  <a:schemeClr val="tx2"/>
+                </a:solidFill>
+              </a:defRPr>
+            </a:lvl1pPr>
+          </a:lstStyle>
           <a:p>
             <a:fld id="{3ED103FD-9823-4368-A732-42423E8CFAAD}" type="datetimeFigureOut">
               <a:rPr lang="zh-CN" altLang="en-US" smtClean="0"/>
@@ -4163,13 +4551,7 @@
       </p:sp>
       <p:sp>
         <p:nvSpPr>
-          <p:cNvPr id="6" name="页脚占位符 5">
-            <a:extLst>
-              <a:ext uri="{FF2B5EF4-FFF2-40B4-BE49-F238E27FC236}">
-                <a16:creationId xmlns:a16="http://schemas.microsoft.com/office/drawing/2014/main" id="{1C7FE3DF-026D-4339-93D9-7EB2BB223DEC}"/>
-              </a:ext>
-            </a:extLst>
-          </p:cNvPr>
+          <p:cNvPr id="6" name="Footer Placeholder 5"/>
           <p:cNvSpPr>
             <a:spLocks noGrp="1"/>
           </p:cNvSpPr>
@@ -4177,10 +4559,23 @@
             <p:ph type="ftr" sz="quarter" idx="11"/>
           </p:nvPr>
         </p:nvSpPr>
-        <p:spPr/>
+        <p:spPr>
+          <a:xfrm>
+            <a:off x="2205945" y="6453386"/>
+            <a:ext cx="2373675" cy="404614"/>
+          </a:xfrm>
+        </p:spPr>
         <p:txBody>
           <a:bodyPr/>
-          <a:lstStyle/>
+          <a:lstStyle>
+            <a:lvl1pPr>
+              <a:defRPr>
+                <a:solidFill>
+                  <a:schemeClr val="tx2"/>
+                </a:solidFill>
+              </a:defRPr>
+            </a:lvl1pPr>
+          </a:lstStyle>
           <a:p>
             <a:endParaRPr lang="zh-CN" altLang="en-US"/>
           </a:p>
@@ -4188,13 +4583,7 @@
       </p:sp>
       <p:sp>
         <p:nvSpPr>
-          <p:cNvPr id="7" name="灯片编号占位符 6">
-            <a:extLst>
-              <a:ext uri="{FF2B5EF4-FFF2-40B4-BE49-F238E27FC236}">
-                <a16:creationId xmlns:a16="http://schemas.microsoft.com/office/drawing/2014/main" id="{9BD1F82D-5B56-41C5-8C6F-CF13EB67CF85}"/>
-              </a:ext>
-            </a:extLst>
-          </p:cNvPr>
+          <p:cNvPr id="7" name="Slide Number Placeholder 6"/>
           <p:cNvSpPr>
             <a:spLocks noGrp="1"/>
           </p:cNvSpPr>
@@ -4202,10 +4591,23 @@
             <p:ph type="sldNum" sz="quarter" idx="12"/>
           </p:nvPr>
         </p:nvSpPr>
-        <p:spPr/>
+        <p:spPr>
+          <a:xfrm>
+            <a:off x="9883140" y="6453386"/>
+            <a:ext cx="1596292" cy="404614"/>
+          </a:xfrm>
+        </p:spPr>
         <p:txBody>
           <a:bodyPr/>
-          <a:lstStyle/>
+          <a:lstStyle>
+            <a:lvl1pPr>
+              <a:defRPr>
+                <a:solidFill>
+                  <a:schemeClr val="tx2"/>
+                </a:solidFill>
+              </a:defRPr>
+            </a:lvl1pPr>
+          </a:lstStyle>
           <a:p>
             <a:fld id="{5317748B-7ED8-4088-935C-8676F9B87422}" type="slidenum">
               <a:rPr lang="zh-CN" altLang="en-US" smtClean="0"/>
@@ -4215,10 +4617,48 @@
           </a:p>
         </p:txBody>
       </p:sp>
+      <p:sp>
+        <p:nvSpPr>
+          <p:cNvPr id="9" name="Rectangle 8" title="Divider Bar"/>
+          <p:cNvSpPr/>
+          <p:nvPr/>
+        </p:nvSpPr>
+        <p:spPr>
+          <a:xfrm>
+            <a:off x="5303520" y="376"/>
+            <a:ext cx="228600" cy="6858000"/>
+          </a:xfrm>
+          <a:prstGeom prst="rect">
+            <a:avLst/>
+          </a:prstGeom>
+          <a:solidFill>
+            <a:schemeClr val="tx2"/>
+          </a:solidFill>
+          <a:ln>
+            <a:noFill/>
+          </a:ln>
+        </p:spPr>
+        <p:style>
+          <a:lnRef idx="2">
+            <a:schemeClr val="accent1">
+              <a:shade val="50000"/>
+            </a:schemeClr>
+          </a:lnRef>
+          <a:fillRef idx="1">
+            <a:schemeClr val="accent1"/>
+          </a:fillRef>
+          <a:effectRef idx="0">
+            <a:schemeClr val="accent1"/>
+          </a:effectRef>
+          <a:fontRef idx="minor">
+            <a:schemeClr val="lt1"/>
+          </a:fontRef>
+        </p:style>
+      </p:sp>
     </p:spTree>
     <p:extLst>
       <p:ext uri="{BB962C8B-B14F-4D97-AF65-F5344CB8AC3E}">
-        <p14:creationId xmlns:p14="http://schemas.microsoft.com/office/powerpoint/2010/main" val="4224336169"/>
+        <p14:creationId xmlns:p14="http://schemas.microsoft.com/office/powerpoint/2010/main" val="247919076"/>
       </p:ext>
     </p:extLst>
   </p:cSld>
@@ -4232,9 +4672,12 @@
 <p:sldMaster xmlns:a="http://schemas.openxmlformats.org/drawingml/2006/main" xmlns:r="http://schemas.openxmlformats.org/officeDocument/2006/relationships" xmlns:p="http://schemas.openxmlformats.org/presentationml/2006/main">
   <p:cSld>
     <p:bg>
-      <p:bgRef idx="1001">
-        <a:schemeClr val="bg1"/>
-      </p:bgRef>
+      <p:bgPr>
+        <a:solidFill>
+          <a:schemeClr val="bg2"/>
+        </a:solidFill>
+        <a:effectLst/>
+      </p:bgPr>
     </p:bg>
     <p:spTree>
       <p:nvGrpSpPr>
@@ -4252,13 +4695,7 @@
       </p:grpSpPr>
       <p:sp>
         <p:nvSpPr>
-          <p:cNvPr id="2" name="标题占位符 1">
-            <a:extLst>
-              <a:ext uri="{FF2B5EF4-FFF2-40B4-BE49-F238E27FC236}">
-                <a16:creationId xmlns:a16="http://schemas.microsoft.com/office/drawing/2014/main" id="{C181E940-1C3F-4B17-97BF-2963BA918BDE}"/>
-              </a:ext>
-            </a:extLst>
-          </p:cNvPr>
+          <p:cNvPr id="2" name="Title Placeholder 1"/>
           <p:cNvSpPr>
             <a:spLocks noGrp="1"/>
           </p:cNvSpPr>
@@ -4268,15 +4705,15 @@
         </p:nvSpPr>
         <p:spPr>
           <a:xfrm>
-            <a:off x="838200" y="365125"/>
-            <a:ext cx="10515600" cy="1325563"/>
+            <a:off x="1371600" y="685800"/>
+            <a:ext cx="9601200" cy="1485900"/>
           </a:xfrm>
           <a:prstGeom prst="rect">
             <a:avLst/>
           </a:prstGeom>
         </p:spPr>
         <p:txBody>
-          <a:bodyPr vert="horz" lIns="91440" tIns="45720" rIns="91440" bIns="45720" rtlCol="0" anchor="ctr">
+          <a:bodyPr vert="horz" lIns="91440" tIns="45720" rIns="91440" bIns="45720" rtlCol="0" anchor="t">
             <a:normAutofit/>
           </a:bodyPr>
           <a:lstStyle/>
@@ -4285,18 +4722,13 @@
               <a:rPr lang="zh-CN" altLang="en-US"/>
               <a:t>单击此处编辑母版标题样式</a:t>
             </a:r>
-          </a:p>
-        </p:txBody>
-      </p:sp>
-      <p:sp>
-        <p:nvSpPr>
-          <p:cNvPr id="3" name="文本占位符 2">
-            <a:extLst>
-              <a:ext uri="{FF2B5EF4-FFF2-40B4-BE49-F238E27FC236}">
-                <a16:creationId xmlns:a16="http://schemas.microsoft.com/office/drawing/2014/main" id="{03687972-99A4-4E19-B981-4D2041899CE1}"/>
-              </a:ext>
-            </a:extLst>
-          </p:cNvPr>
+            <a:endParaRPr lang="en-US" dirty="0"/>
+          </a:p>
+        </p:txBody>
+      </p:sp>
+      <p:sp>
+        <p:nvSpPr>
+          <p:cNvPr id="3" name="Text Placeholder 2"/>
           <p:cNvSpPr>
             <a:spLocks noGrp="1"/>
           </p:cNvSpPr>
@@ -4306,8 +4738,8 @@
         </p:nvSpPr>
         <p:spPr>
           <a:xfrm>
-            <a:off x="838200" y="1825625"/>
-            <a:ext cx="10515600" cy="4351338"/>
+            <a:off x="1371600" y="2286000"/>
+            <a:ext cx="9601200" cy="3581400"/>
           </a:xfrm>
           <a:prstGeom prst="rect">
             <a:avLst/>
@@ -4352,18 +4784,13 @@
               <a:rPr lang="zh-CN" altLang="en-US"/>
               <a:t>五级</a:t>
             </a:r>
-          </a:p>
-        </p:txBody>
-      </p:sp>
-      <p:sp>
-        <p:nvSpPr>
-          <p:cNvPr id="4" name="日期占位符 3">
-            <a:extLst>
-              <a:ext uri="{FF2B5EF4-FFF2-40B4-BE49-F238E27FC236}">
-                <a16:creationId xmlns:a16="http://schemas.microsoft.com/office/drawing/2014/main" id="{23F49142-3983-48DA-BC55-E6F5F5F93E9D}"/>
-              </a:ext>
-            </a:extLst>
-          </p:cNvPr>
+            <a:endParaRPr lang="en-US" dirty="0"/>
+          </a:p>
+        </p:txBody>
+      </p:sp>
+      <p:sp>
+        <p:nvSpPr>
+          <p:cNvPr id="4" name="Date Placeholder 3"/>
           <p:cNvSpPr>
             <a:spLocks noGrp="1"/>
           </p:cNvSpPr>
@@ -4373,8 +4800,8 @@
         </p:nvSpPr>
         <p:spPr>
           <a:xfrm>
-            <a:off x="838200" y="6356350"/>
-            <a:ext cx="2743200" cy="365125"/>
+            <a:off x="1390650" y="6453386"/>
+            <a:ext cx="1204572" cy="404614"/>
           </a:xfrm>
           <a:prstGeom prst="rect">
             <a:avLst/>
@@ -4384,11 +4811,9 @@
           <a:bodyPr vert="horz" lIns="91440" tIns="45720" rIns="91440" bIns="45720" rtlCol="0" anchor="ctr"/>
           <a:lstStyle>
             <a:lvl1pPr algn="l">
-              <a:defRPr sz="1200">
+              <a:defRPr sz="1200" baseline="0">
                 <a:solidFill>
-                  <a:schemeClr val="tx1">
-                    <a:tint val="75000"/>
-                  </a:schemeClr>
+                  <a:schemeClr val="tx2"/>
                 </a:solidFill>
               </a:defRPr>
             </a:lvl1pPr>
@@ -4404,13 +4829,7 @@
       </p:sp>
       <p:sp>
         <p:nvSpPr>
-          <p:cNvPr id="5" name="页脚占位符 4">
-            <a:extLst>
-              <a:ext uri="{FF2B5EF4-FFF2-40B4-BE49-F238E27FC236}">
-                <a16:creationId xmlns:a16="http://schemas.microsoft.com/office/drawing/2014/main" id="{22124A75-24DD-4264-B590-500F57A123D3}"/>
-              </a:ext>
-            </a:extLst>
-          </p:cNvPr>
+          <p:cNvPr id="5" name="Footer Placeholder 4"/>
           <p:cNvSpPr>
             <a:spLocks noGrp="1"/>
           </p:cNvSpPr>
@@ -4420,8 +4839,8 @@
         </p:nvSpPr>
         <p:spPr>
           <a:xfrm>
-            <a:off x="4038600" y="6356350"/>
-            <a:ext cx="4114800" cy="365125"/>
+            <a:off x="2893564" y="6453386"/>
+            <a:ext cx="6280830" cy="404614"/>
           </a:xfrm>
           <a:prstGeom prst="rect">
             <a:avLst/>
@@ -4430,12 +4849,10 @@
         <p:txBody>
           <a:bodyPr vert="horz" lIns="91440" tIns="45720" rIns="91440" bIns="45720" rtlCol="0" anchor="ctr"/>
           <a:lstStyle>
-            <a:lvl1pPr algn="ctr">
-              <a:defRPr sz="1200">
+            <a:lvl1pPr algn="l">
+              <a:defRPr sz="1200" baseline="0">
                 <a:solidFill>
-                  <a:schemeClr val="tx1">
-                    <a:tint val="75000"/>
-                  </a:schemeClr>
+                  <a:schemeClr val="tx2"/>
                 </a:solidFill>
               </a:defRPr>
             </a:lvl1pPr>
@@ -4447,13 +4864,7 @@
       </p:sp>
       <p:sp>
         <p:nvSpPr>
-          <p:cNvPr id="6" name="灯片编号占位符 5">
-            <a:extLst>
-              <a:ext uri="{FF2B5EF4-FFF2-40B4-BE49-F238E27FC236}">
-                <a16:creationId xmlns:a16="http://schemas.microsoft.com/office/drawing/2014/main" id="{1512E074-50F4-4183-9828-92C600DFE0CA}"/>
-              </a:ext>
-            </a:extLst>
-          </p:cNvPr>
+          <p:cNvPr id="6" name="Slide Number Placeholder 5"/>
           <p:cNvSpPr>
             <a:spLocks noGrp="1"/>
           </p:cNvSpPr>
@@ -4463,8 +4874,8 @@
         </p:nvSpPr>
         <p:spPr>
           <a:xfrm>
-            <a:off x="8610600" y="6356350"/>
-            <a:ext cx="2743200" cy="365125"/>
+            <a:off x="9472736" y="6453386"/>
+            <a:ext cx="1596292" cy="404614"/>
           </a:xfrm>
           <a:prstGeom prst="rect">
             <a:avLst/>
@@ -4474,11 +4885,9 @@
           <a:bodyPr vert="horz" lIns="91440" tIns="45720" rIns="91440" bIns="45720" rtlCol="0" anchor="ctr"/>
           <a:lstStyle>
             <a:lvl1pPr algn="r">
-              <a:defRPr sz="1200">
+              <a:defRPr sz="1200" baseline="0">
                 <a:solidFill>
-                  <a:schemeClr val="tx1">
-                    <a:tint val="75000"/>
-                  </a:schemeClr>
+                  <a:schemeClr val="tx2"/>
                 </a:solidFill>
               </a:defRPr>
             </a:lvl1pPr>
@@ -4492,40 +4901,78 @@
           </a:p>
         </p:txBody>
       </p:sp>
+      <p:sp>
+        <p:nvSpPr>
+          <p:cNvPr id="9" name="Rectangle 8" title="Side bar"/>
+          <p:cNvSpPr/>
+          <p:nvPr/>
+        </p:nvSpPr>
+        <p:spPr>
+          <a:xfrm>
+            <a:off x="478095" y="376"/>
+            <a:ext cx="228600" cy="6858000"/>
+          </a:xfrm>
+          <a:prstGeom prst="rect">
+            <a:avLst/>
+          </a:prstGeom>
+          <a:solidFill>
+            <a:schemeClr val="tx2"/>
+          </a:solidFill>
+          <a:ln>
+            <a:noFill/>
+          </a:ln>
+        </p:spPr>
+        <p:style>
+          <a:lnRef idx="2">
+            <a:schemeClr val="accent1">
+              <a:shade val="50000"/>
+            </a:schemeClr>
+          </a:lnRef>
+          <a:fillRef idx="1">
+            <a:schemeClr val="accent1"/>
+          </a:fillRef>
+          <a:effectRef idx="0">
+            <a:schemeClr val="accent1"/>
+          </a:effectRef>
+          <a:fontRef idx="minor">
+            <a:schemeClr val="lt1"/>
+          </a:fontRef>
+        </p:style>
+      </p:sp>
     </p:spTree>
     <p:extLst>
       <p:ext uri="{BB962C8B-B14F-4D97-AF65-F5344CB8AC3E}">
-        <p14:creationId xmlns:p14="http://schemas.microsoft.com/office/powerpoint/2010/main" val="431727190"/>
+        <p14:creationId xmlns:p14="http://schemas.microsoft.com/office/powerpoint/2010/main" val="2753631537"/>
       </p:ext>
     </p:extLst>
   </p:cSld>
   <p:clrMap bg1="lt1" tx1="dk1" bg2="lt2" tx2="dk2" accent1="accent1" accent2="accent2" accent3="accent3" accent4="accent4" accent5="accent5" accent6="accent6" hlink="hlink" folHlink="folHlink"/>
   <p:sldLayoutIdLst>
-    <p:sldLayoutId id="2147483649" r:id="rId1"/>
-    <p:sldLayoutId id="2147483650" r:id="rId2"/>
-    <p:sldLayoutId id="2147483651" r:id="rId3"/>
-    <p:sldLayoutId id="2147483652" r:id="rId4"/>
-    <p:sldLayoutId id="2147483653" r:id="rId5"/>
-    <p:sldLayoutId id="2147483654" r:id="rId6"/>
-    <p:sldLayoutId id="2147483655" r:id="rId7"/>
-    <p:sldLayoutId id="2147483656" r:id="rId8"/>
-    <p:sldLayoutId id="2147483657" r:id="rId9"/>
-    <p:sldLayoutId id="2147483658" r:id="rId10"/>
-    <p:sldLayoutId id="2147483659" r:id="rId11"/>
+    <p:sldLayoutId id="2147483691" r:id="rId1"/>
+    <p:sldLayoutId id="2147483692" r:id="rId2"/>
+    <p:sldLayoutId id="2147483693" r:id="rId3"/>
+    <p:sldLayoutId id="2147483694" r:id="rId4"/>
+    <p:sldLayoutId id="2147483695" r:id="rId5"/>
+    <p:sldLayoutId id="2147483696" r:id="rId6"/>
+    <p:sldLayoutId id="2147483697" r:id="rId7"/>
+    <p:sldLayoutId id="2147483698" r:id="rId8"/>
+    <p:sldLayoutId id="2147483699" r:id="rId9"/>
+    <p:sldLayoutId id="2147483700" r:id="rId10"/>
+    <p:sldLayoutId id="2147483701" r:id="rId11"/>
   </p:sldLayoutIdLst>
   <p:txStyles>
     <p:titleStyle>
       <a:lvl1pPr algn="l" defTabSz="914400" rtl="0" eaLnBrk="1" latinLnBrk="0" hangingPunct="1">
         <a:lnSpc>
-          <a:spcPct val="90000"/>
+          <a:spcPct val="89000"/>
         </a:lnSpc>
         <a:spcBef>
           <a:spcPct val="0"/>
         </a:spcBef>
         <a:buNone/>
-        <a:defRPr sz="4400" kern="1200">
+        <a:defRPr sz="4400" kern="1200" baseline="0">
           <a:solidFill>
-            <a:schemeClr val="tx1"/>
+            <a:schemeClr val="tx2"/>
           </a:solidFill>
           <a:latin typeface="+mj-lt"/>
           <a:ea typeface="+mj-ea"/>
@@ -4534,162 +4981,189 @@
       </a:lvl1pPr>
     </p:titleStyle>
     <p:bodyStyle>
-      <a:lvl1pPr marL="228600" indent="-228600" algn="l" defTabSz="914400" rtl="0" eaLnBrk="1" latinLnBrk="0" hangingPunct="1">
+      <a:lvl1pPr marL="384048" indent="-384048" algn="l" defTabSz="914400" rtl="0" eaLnBrk="1" latinLnBrk="0" hangingPunct="1">
         <a:lnSpc>
-          <a:spcPct val="90000"/>
+          <a:spcPct val="94000"/>
         </a:lnSpc>
         <a:spcBef>
           <a:spcPts val="1000"/>
         </a:spcBef>
-        <a:buFont typeface="Arial" panose="020B0604020202020204" pitchFamily="34" charset="0"/>
-        <a:buChar char="•"/>
-        <a:defRPr sz="2800" kern="1200">
+        <a:spcAft>
+          <a:spcPts val="200"/>
+        </a:spcAft>
+        <a:buFont typeface="Franklin Gothic Book" panose="020B0503020102020204" pitchFamily="34" charset="0"/>
+        <a:buChar char="■"/>
+        <a:defRPr sz="2000" kern="1200" baseline="0">
           <a:solidFill>
-            <a:schemeClr val="tx1"/>
+            <a:schemeClr val="tx2"/>
           </a:solidFill>
           <a:latin typeface="+mn-lt"/>
           <a:ea typeface="+mn-ea"/>
           <a:cs typeface="+mn-cs"/>
         </a:defRPr>
       </a:lvl1pPr>
-      <a:lvl2pPr marL="685800" indent="-228600" algn="l" defTabSz="914400" rtl="0" eaLnBrk="1" latinLnBrk="0" hangingPunct="1">
+      <a:lvl2pPr marL="914400" indent="-384048" algn="l" defTabSz="914400" rtl="0" eaLnBrk="1" latinLnBrk="0" hangingPunct="1">
         <a:lnSpc>
-          <a:spcPct val="90000"/>
+          <a:spcPct val="94000"/>
         </a:lnSpc>
         <a:spcBef>
           <a:spcPts val="500"/>
         </a:spcBef>
-        <a:buFont typeface="Arial" panose="020B0604020202020204" pitchFamily="34" charset="0"/>
-        <a:buChar char="•"/>
-        <a:defRPr sz="2400" kern="1200">
+        <a:spcAft>
+          <a:spcPts val="200"/>
+        </a:spcAft>
+        <a:buFont typeface="Franklin Gothic Book" panose="020B0503020102020204" pitchFamily="34" charset="0"/>
+        <a:buChar char="–"/>
+        <a:defRPr sz="2000" i="1" kern="1200" baseline="0">
           <a:solidFill>
-            <a:schemeClr val="tx1"/>
+            <a:schemeClr val="tx2"/>
           </a:solidFill>
           <a:latin typeface="+mn-lt"/>
           <a:ea typeface="+mn-ea"/>
           <a:cs typeface="+mn-cs"/>
         </a:defRPr>
       </a:lvl2pPr>
-      <a:lvl3pPr marL="1143000" indent="-228600" algn="l" defTabSz="914400" rtl="0" eaLnBrk="1" latinLnBrk="0" hangingPunct="1">
+      <a:lvl3pPr marL="1371600" indent="-384048" algn="l" defTabSz="914400" rtl="0" eaLnBrk="1" latinLnBrk="0" hangingPunct="1">
         <a:lnSpc>
-          <a:spcPct val="90000"/>
+          <a:spcPct val="94000"/>
         </a:lnSpc>
         <a:spcBef>
           <a:spcPts val="500"/>
         </a:spcBef>
-        <a:buFont typeface="Arial" panose="020B0604020202020204" pitchFamily="34" charset="0"/>
-        <a:buChar char="•"/>
-        <a:defRPr sz="2000" kern="1200">
+        <a:spcAft>
+          <a:spcPts val="200"/>
+        </a:spcAft>
+        <a:buFont typeface="Franklin Gothic Book" panose="020B0503020102020204" pitchFamily="34" charset="0"/>
+        <a:buChar char="■"/>
+        <a:defRPr sz="1800" kern="1200" baseline="0">
           <a:solidFill>
-            <a:schemeClr val="tx1"/>
+            <a:schemeClr val="tx2"/>
           </a:solidFill>
           <a:latin typeface="+mn-lt"/>
           <a:ea typeface="+mn-ea"/>
           <a:cs typeface="+mn-cs"/>
         </a:defRPr>
       </a:lvl3pPr>
-      <a:lvl4pPr marL="1600200" indent="-228600" algn="l" defTabSz="914400" rtl="0" eaLnBrk="1" latinLnBrk="0" hangingPunct="1">
+      <a:lvl4pPr marL="1828800" indent="-384048" algn="l" defTabSz="914400" rtl="0" eaLnBrk="1" latinLnBrk="0" hangingPunct="1">
         <a:lnSpc>
-          <a:spcPct val="90000"/>
+          <a:spcPct val="94000"/>
         </a:lnSpc>
         <a:spcBef>
           <a:spcPts val="500"/>
         </a:spcBef>
-        <a:buFont typeface="Arial" panose="020B0604020202020204" pitchFamily="34" charset="0"/>
-        <a:buChar char="•"/>
-        <a:defRPr sz="1800" kern="1200">
+        <a:spcAft>
+          <a:spcPts val="200"/>
+        </a:spcAft>
+        <a:buFont typeface="Franklin Gothic Book" panose="020B0503020102020204" pitchFamily="34" charset="0"/>
+        <a:buChar char="–"/>
+        <a:defRPr sz="1800" i="1" kern="1200" baseline="0">
           <a:solidFill>
-            <a:schemeClr val="tx1"/>
+            <a:schemeClr val="tx2"/>
           </a:solidFill>
           <a:latin typeface="+mn-lt"/>
           <a:ea typeface="+mn-ea"/>
           <a:cs typeface="+mn-cs"/>
         </a:defRPr>
       </a:lvl4pPr>
-      <a:lvl5pPr marL="2057400" indent="-228600" algn="l" defTabSz="914400" rtl="0" eaLnBrk="1" latinLnBrk="0" hangingPunct="1">
+      <a:lvl5pPr marL="2286000" indent="-384048" algn="l" defTabSz="914400" rtl="0" eaLnBrk="1" latinLnBrk="0" hangingPunct="1">
         <a:lnSpc>
-          <a:spcPct val="90000"/>
+          <a:spcPct val="94000"/>
         </a:lnSpc>
         <a:spcBef>
           <a:spcPts val="500"/>
         </a:spcBef>
-        <a:buFont typeface="Arial" panose="020B0604020202020204" pitchFamily="34" charset="0"/>
-        <a:buChar char="•"/>
-        <a:defRPr sz="1800" kern="1200">
+        <a:spcAft>
+          <a:spcPts val="200"/>
+        </a:spcAft>
+        <a:buFont typeface="Franklin Gothic Book" panose="020B0503020102020204" pitchFamily="34" charset="0"/>
+        <a:buChar char="■"/>
+        <a:defRPr sz="1600" kern="1200" baseline="0">
           <a:solidFill>
-            <a:schemeClr val="tx1"/>
+            <a:schemeClr val="tx2"/>
           </a:solidFill>
           <a:latin typeface="+mn-lt"/>
           <a:ea typeface="+mn-ea"/>
           <a:cs typeface="+mn-cs"/>
         </a:defRPr>
       </a:lvl5pPr>
-      <a:lvl6pPr marL="2514600" indent="-228600" algn="l" defTabSz="914400" rtl="0" eaLnBrk="1" latinLnBrk="0" hangingPunct="1">
+      <a:lvl6pPr marL="2743200" indent="-384048" algn="l" defTabSz="914400" rtl="0" eaLnBrk="1" latinLnBrk="0" hangingPunct="1">
         <a:lnSpc>
-          <a:spcPct val="90000"/>
+          <a:spcPct val="94000"/>
         </a:lnSpc>
         <a:spcBef>
           <a:spcPts val="500"/>
         </a:spcBef>
-        <a:buFont typeface="Arial" panose="020B0604020202020204" pitchFamily="34" charset="0"/>
-        <a:buChar char="•"/>
-        <a:defRPr sz="1800" kern="1200">
+        <a:spcAft>
+          <a:spcPts val="200"/>
+        </a:spcAft>
+        <a:buFont typeface="Franklin Gothic Book" panose="020B0503020102020204" pitchFamily="34" charset="0"/>
+        <a:buChar char="–"/>
+        <a:defRPr sz="1600" i="1" kern="1200" baseline="0">
           <a:solidFill>
-            <a:schemeClr val="tx1"/>
+            <a:schemeClr val="tx2"/>
           </a:solidFill>
           <a:latin typeface="+mn-lt"/>
           <a:ea typeface="+mn-ea"/>
           <a:cs typeface="+mn-cs"/>
         </a:defRPr>
       </a:lvl6pPr>
-      <a:lvl7pPr marL="2971800" indent="-228600" algn="l" defTabSz="914400" rtl="0" eaLnBrk="1" latinLnBrk="0" hangingPunct="1">
+      <a:lvl7pPr marL="3200400" indent="-384048" algn="l" defTabSz="914400" rtl="0" eaLnBrk="1" latinLnBrk="0" hangingPunct="1">
         <a:lnSpc>
-          <a:spcPct val="90000"/>
+          <a:spcPct val="94000"/>
         </a:lnSpc>
         <a:spcBef>
           <a:spcPts val="500"/>
         </a:spcBef>
-        <a:buFont typeface="Arial" panose="020B0604020202020204" pitchFamily="34" charset="0"/>
-        <a:buChar char="•"/>
-        <a:defRPr sz="1800" kern="1200">
+        <a:spcAft>
+          <a:spcPts val="200"/>
+        </a:spcAft>
+        <a:buFont typeface="Franklin Gothic Book" panose="020B0503020102020204" pitchFamily="34" charset="0"/>
+        <a:buChar char="■"/>
+        <a:defRPr sz="1400" kern="1200" baseline="0">
           <a:solidFill>
-            <a:schemeClr val="tx1"/>
+            <a:schemeClr val="tx2"/>
           </a:solidFill>
           <a:latin typeface="+mn-lt"/>
           <a:ea typeface="+mn-ea"/>
           <a:cs typeface="+mn-cs"/>
         </a:defRPr>
       </a:lvl7pPr>
-      <a:lvl8pPr marL="3429000" indent="-228600" algn="l" defTabSz="914400" rtl="0" eaLnBrk="1" latinLnBrk="0" hangingPunct="1">
+      <a:lvl8pPr marL="3657600" indent="-384048" algn="l" defTabSz="914400" rtl="0" eaLnBrk="1" latinLnBrk="0" hangingPunct="1">
         <a:lnSpc>
-          <a:spcPct val="90000"/>
+          <a:spcPct val="94000"/>
         </a:lnSpc>
         <a:spcBef>
           <a:spcPts val="500"/>
         </a:spcBef>
-        <a:buFont typeface="Arial" panose="020B0604020202020204" pitchFamily="34" charset="0"/>
-        <a:buChar char="•"/>
-        <a:defRPr sz="1800" kern="1200">
+        <a:spcAft>
+          <a:spcPts val="200"/>
+        </a:spcAft>
+        <a:buFont typeface="Franklin Gothic Book" panose="020B0503020102020204" pitchFamily="34" charset="0"/>
+        <a:buChar char="–"/>
+        <a:defRPr sz="1400" i="1" kern="1200" baseline="0">
           <a:solidFill>
-            <a:schemeClr val="tx1"/>
+            <a:schemeClr val="tx2"/>
           </a:solidFill>
           <a:latin typeface="+mn-lt"/>
           <a:ea typeface="+mn-ea"/>
           <a:cs typeface="+mn-cs"/>
         </a:defRPr>
       </a:lvl8pPr>
-      <a:lvl9pPr marL="3886200" indent="-228600" algn="l" defTabSz="914400" rtl="0" eaLnBrk="1" latinLnBrk="0" hangingPunct="1">
+      <a:lvl9pPr marL="4114800" indent="-384048" algn="l" defTabSz="914400" rtl="0" eaLnBrk="1" latinLnBrk="0" hangingPunct="1">
         <a:lnSpc>
-          <a:spcPct val="90000"/>
+          <a:spcPct val="94000"/>
         </a:lnSpc>
         <a:spcBef>
           <a:spcPts val="500"/>
         </a:spcBef>
-        <a:buFont typeface="Arial" panose="020B0604020202020204" pitchFamily="34" charset="0"/>
-        <a:buChar char="•"/>
-        <a:defRPr sz="1800" kern="1200">
+        <a:spcAft>
+          <a:spcPts val="200"/>
+        </a:spcAft>
+        <a:buFont typeface="Franklin Gothic Book" panose="020B0503020102020204" pitchFamily="34" charset="0"/>
+        <a:buChar char="■"/>
+        <a:defRPr sz="1400" kern="1200" baseline="0">
           <a:solidFill>
-            <a:schemeClr val="tx1"/>
+            <a:schemeClr val="tx2"/>
           </a:solidFill>
           <a:latin typeface="+mn-lt"/>
           <a:ea typeface="+mn-ea"/>
@@ -4699,7 +5173,7 @@
     </p:bodyStyle>
     <p:otherStyle>
       <a:defPPr>
-        <a:defRPr lang="zh-CN"/>
+        <a:defRPr lang="en-US"/>
       </a:defPPr>
       <a:lvl1pPr marL="0" algn="l" defTabSz="914400" rtl="0" eaLnBrk="1" latinLnBrk="0" hangingPunct="1">
         <a:defRPr sz="1800" kern="1200">
@@ -4793,6 +5267,52 @@
       </a:lvl9pPr>
     </p:otherStyle>
   </p:txStyles>
+  <p:extLst>
+    <p:ext uri="{27BBF7A9-308A-43DC-89C8-2F10F3537804}">
+      <p15:sldGuideLst xmlns:p15="http://schemas.microsoft.com/office/powerpoint/2012/main">
+        <p15:guide id="3" orient="horz" pos="1368">
+          <p15:clr>
+            <a:srgbClr val="F26B43"/>
+          </p15:clr>
+        </p15:guide>
+        <p15:guide id="4" orient="horz" pos="1440">
+          <p15:clr>
+            <a:srgbClr val="F26B43"/>
+          </p15:clr>
+        </p15:guide>
+        <p15:guide id="6" orient="horz" pos="3696">
+          <p15:clr>
+            <a:srgbClr val="F26B43"/>
+          </p15:clr>
+        </p15:guide>
+        <p15:guide id="7" orient="horz" pos="432">
+          <p15:clr>
+            <a:srgbClr val="F26B43"/>
+          </p15:clr>
+        </p15:guide>
+        <p15:guide id="8" orient="horz" pos="1512">
+          <p15:clr>
+            <a:srgbClr val="F26B43"/>
+          </p15:clr>
+        </p15:guide>
+        <p15:guide id="9" pos="6912">
+          <p15:clr>
+            <a:srgbClr val="F26B43"/>
+          </p15:clr>
+        </p15:guide>
+        <p15:guide id="10" pos="936">
+          <p15:clr>
+            <a:srgbClr val="F26B43"/>
+          </p15:clr>
+        </p15:guide>
+        <p15:guide id="11" pos="864">
+          <p15:clr>
+            <a:srgbClr val="F26B43"/>
+          </p15:clr>
+        </p15:guide>
+      </p15:sldGuideLst>
+    </p:ext>
+  </p:extLst>
 </p:sldMaster>
 </file>
 
@@ -4869,7 +5389,7 @@
         </p:spPr>
         <p:txBody>
           <a:bodyPr>
-            <a:normAutofit/>
+            <a:normAutofit fontScale="92500" lnSpcReduction="10000"/>
           </a:bodyPr>
           <a:lstStyle/>
           <a:p>
@@ -7034,8 +7554,8 @@
           </p:nvPr>
         </p:nvGraphicFramePr>
         <p:xfrm>
-          <a:off x="838200" y="1825625"/>
-          <a:ext cx="10515600" cy="4351338"/>
+          <a:off x="1371600" y="2286000"/>
+          <a:ext cx="9601200" cy="3581400"/>
         </p:xfrm>
         <a:graphic>
           <a:graphicData uri="http://schemas.openxmlformats.org/drawingml/2006/chart">
@@ -7057,9 +7577,9 @@
 </file>
 
 <file path=ppt/theme/theme1.xml><?xml version="1.0" encoding="utf-8"?>
-<a:theme xmlns:a="http://schemas.openxmlformats.org/drawingml/2006/main" name="Office 主题​​">
+<a:theme xmlns:a="http://schemas.openxmlformats.org/drawingml/2006/main" name="剪切">
   <a:themeElements>
-    <a:clrScheme name="Office">
+    <a:clrScheme name="剪切">
       <a:dk1>
         <a:sysClr val="windowText" lastClr="000000"/>
       </a:dk1>
@@ -7067,100 +7587,48 @@
         <a:sysClr val="window" lastClr="FFFFFF"/>
       </a:lt1>
       <a:dk2>
-        <a:srgbClr val="44546A"/>
+        <a:srgbClr val="191B0E"/>
       </a:dk2>
       <a:lt2>
-        <a:srgbClr val="E7E6E6"/>
+        <a:srgbClr val="EFEDE3"/>
       </a:lt2>
       <a:accent1>
-        <a:srgbClr val="4472C4"/>
+        <a:srgbClr val="8C8D86"/>
       </a:accent1>
       <a:accent2>
-        <a:srgbClr val="ED7D31"/>
+        <a:srgbClr val="E6C069"/>
       </a:accent2>
       <a:accent3>
-        <a:srgbClr val="A5A5A5"/>
+        <a:srgbClr val="897B61"/>
       </a:accent3>
       <a:accent4>
-        <a:srgbClr val="FFC000"/>
+        <a:srgbClr val="8DAB8E"/>
       </a:accent4>
       <a:accent5>
-        <a:srgbClr val="5B9BD5"/>
+        <a:srgbClr val="77A2BB"/>
       </a:accent5>
       <a:accent6>
-        <a:srgbClr val="70AD47"/>
+        <a:srgbClr val="E28394"/>
       </a:accent6>
       <a:hlink>
-        <a:srgbClr val="0563C1"/>
+        <a:srgbClr val="77A2BB"/>
       </a:hlink>
       <a:folHlink>
-        <a:srgbClr val="954F72"/>
+        <a:srgbClr val="957A99"/>
       </a:folHlink>
     </a:clrScheme>
-    <a:fontScheme name="Office">
+    <a:fontScheme name="剪切">
       <a:majorFont>
-        <a:latin typeface="等线 Light" panose="020F0302020204030204"/>
+        <a:latin typeface="Franklin Gothic Book" panose="020B0503020102020204"/>
         <a:ea typeface=""/>
         <a:cs typeface=""/>
-        <a:font script="Jpan" typeface="游ゴシック Light"/>
-        <a:font script="Hang" typeface="맑은 고딕"/>
-        <a:font script="Hans" typeface="等线 Light"/>
-        <a:font script="Hant" typeface="新細明體"/>
-        <a:font script="Arab" typeface="Times New Roman"/>
-        <a:font script="Hebr" typeface="Times New Roman"/>
-        <a:font script="Thai" typeface="Angsana New"/>
-        <a:font script="Ethi" typeface="Nyala"/>
-        <a:font script="Beng" typeface="Vrinda"/>
-        <a:font script="Gujr" typeface="Shruti"/>
-        <a:font script="Khmr" typeface="MoolBoran"/>
-        <a:font script="Knda" typeface="Tunga"/>
-        <a:font script="Guru" typeface="Raavi"/>
-        <a:font script="Cans" typeface="Euphemia"/>
-        <a:font script="Cher" typeface="Plantagenet Cherokee"/>
-        <a:font script="Yiii" typeface="Microsoft Yi Baiti"/>
-        <a:font script="Tibt" typeface="Microsoft Himalaya"/>
-        <a:font script="Thaa" typeface="MV Boli"/>
-        <a:font script="Deva" typeface="Mangal"/>
-        <a:font script="Telu" typeface="Gautami"/>
-        <a:font script="Taml" typeface="Latha"/>
-        <a:font script="Syrc" typeface="Estrangelo Edessa"/>
-        <a:font script="Orya" typeface="Kalinga"/>
-        <a:font script="Mlym" typeface="Kartika"/>
-        <a:font script="Laoo" typeface="DokChampa"/>
-        <a:font script="Sinh" typeface="Iskoola Pota"/>
-        <a:font script="Mong" typeface="Mongolian Baiti"/>
-        <a:font script="Viet" typeface="Times New Roman"/>
-        <a:font script="Uigh" typeface="Microsoft Uighur"/>
-        <a:font script="Geor" typeface="Sylfaen"/>
-        <a:font script="Armn" typeface="Arial"/>
-        <a:font script="Bugi" typeface="Leelawadee UI"/>
-        <a:font script="Bopo" typeface="Microsoft JhengHei"/>
-        <a:font script="Java" typeface="Javanese Text"/>
-        <a:font script="Lisu" typeface="Segoe UI"/>
-        <a:font script="Mymr" typeface="Myanmar Text"/>
-        <a:font script="Nkoo" typeface="Ebrima"/>
-        <a:font script="Olck" typeface="Nirmala UI"/>
-        <a:font script="Osma" typeface="Ebrima"/>
-        <a:font script="Phag" typeface="Phagspa"/>
-        <a:font script="Syrn" typeface="Estrangelo Edessa"/>
-        <a:font script="Syrj" typeface="Estrangelo Edessa"/>
-        <a:font script="Syre" typeface="Estrangelo Edessa"/>
-        <a:font script="Sora" typeface="Nirmala UI"/>
-        <a:font script="Tale" typeface="Microsoft Tai Le"/>
-        <a:font script="Talu" typeface="Microsoft New Tai Lue"/>
-        <a:font script="Tfng" typeface="Ebrima"/>
-      </a:majorFont>
-      <a:minorFont>
-        <a:latin typeface="等线" panose="020F0502020204030204"/>
-        <a:ea typeface=""/>
-        <a:cs typeface=""/>
-        <a:font script="Jpan" typeface="游ゴシック"/>
-        <a:font script="Hang" typeface="맑은 고딕"/>
-        <a:font script="Hans" typeface="等线"/>
-        <a:font script="Hant" typeface="新細明體"/>
-        <a:font script="Arab" typeface="Arial"/>
-        <a:font script="Hebr" typeface="Arial"/>
-        <a:font script="Thai" typeface="Cordia New"/>
+        <a:font script="Jpan" typeface="メイリオ"/>
+        <a:font script="Hang" typeface="돋움"/>
+        <a:font script="Hans" typeface="华文楷体"/>
+        <a:font script="Hant" typeface="微軟正黑體"/>
+        <a:font script="Arab" typeface="Tahoma"/>
+        <a:font script="Hebr" typeface="Aharoni"/>
+        <a:font script="Thai" typeface="LilyUPC"/>
         <a:font script="Ethi" typeface="Nyala"/>
         <a:font script="Beng" typeface="Vrinda"/>
         <a:font script="Gujr" typeface="Shruti"/>
@@ -7181,29 +7649,47 @@
         <a:font script="Laoo" typeface="DokChampa"/>
         <a:font script="Sinh" typeface="Iskoola Pota"/>
         <a:font script="Mong" typeface="Mongolian Baiti"/>
-        <a:font script="Viet" typeface="Arial"/>
+        <a:font script="Viet" typeface="Tahoma"/>
         <a:font script="Uigh" typeface="Microsoft Uighur"/>
         <a:font script="Geor" typeface="Sylfaen"/>
-        <a:font script="Armn" typeface="Arial"/>
-        <a:font script="Bugi" typeface="Leelawadee UI"/>
-        <a:font script="Bopo" typeface="Microsoft JhengHei"/>
-        <a:font script="Java" typeface="Javanese Text"/>
-        <a:font script="Lisu" typeface="Segoe UI"/>
-        <a:font script="Mymr" typeface="Myanmar Text"/>
-        <a:font script="Nkoo" typeface="Ebrima"/>
-        <a:font script="Olck" typeface="Nirmala UI"/>
-        <a:font script="Osma" typeface="Ebrima"/>
-        <a:font script="Phag" typeface="Phagspa"/>
-        <a:font script="Syrn" typeface="Estrangelo Edessa"/>
-        <a:font script="Syrj" typeface="Estrangelo Edessa"/>
-        <a:font script="Syre" typeface="Estrangelo Edessa"/>
-        <a:font script="Sora" typeface="Nirmala UI"/>
-        <a:font script="Tale" typeface="Microsoft Tai Le"/>
-        <a:font script="Talu" typeface="Microsoft New Tai Lue"/>
-        <a:font script="Tfng" typeface="Ebrima"/>
+      </a:majorFont>
+      <a:minorFont>
+        <a:latin typeface="Franklin Gothic Book" panose="020B0503020102020204"/>
+        <a:ea typeface=""/>
+        <a:cs typeface=""/>
+        <a:font script="Jpan" typeface="メイリオ"/>
+        <a:font script="Hang" typeface="돋움"/>
+        <a:font script="Hans" typeface="华文楷体"/>
+        <a:font script="Hant" typeface="微軟正黑體"/>
+        <a:font script="Arab" typeface="Tahoma"/>
+        <a:font script="Hebr" typeface="Aharoni"/>
+        <a:font script="Thai" typeface="LilyUPC"/>
+        <a:font script="Ethi" typeface="Nyala"/>
+        <a:font script="Beng" typeface="Vrinda"/>
+        <a:font script="Gujr" typeface="Shruti"/>
+        <a:font script="Khmr" typeface="DaunPenh"/>
+        <a:font script="Knda" typeface="Tunga"/>
+        <a:font script="Guru" typeface="Raavi"/>
+        <a:font script="Cans" typeface="Euphemia"/>
+        <a:font script="Cher" typeface="Plantagenet Cherokee"/>
+        <a:font script="Yiii" typeface="Microsoft Yi Baiti"/>
+        <a:font script="Tibt" typeface="Microsoft Himalaya"/>
+        <a:font script="Thaa" typeface="MV Boli"/>
+        <a:font script="Deva" typeface="Mangal"/>
+        <a:font script="Telu" typeface="Gautami"/>
+        <a:font script="Taml" typeface="Latha"/>
+        <a:font script="Syrc" typeface="Estrangelo Edessa"/>
+        <a:font script="Orya" typeface="Kalinga"/>
+        <a:font script="Mlym" typeface="Kartika"/>
+        <a:font script="Laoo" typeface="DokChampa"/>
+        <a:font script="Sinh" typeface="Iskoola Pota"/>
+        <a:font script="Mong" typeface="Mongolian Baiti"/>
+        <a:font script="Viet" typeface="Tahoma"/>
+        <a:font script="Uigh" typeface="Microsoft Uighur"/>
+        <a:font script="Geor" typeface="Sylfaen"/>
       </a:minorFont>
     </a:fontScheme>
-    <a:fmtScheme name="Office">
+    <a:fmtScheme name="剪切">
       <a:fillStyleLst>
         <a:solidFill>
           <a:schemeClr val="phClr"/>
@@ -7212,23 +7698,23 @@
           <a:gsLst>
             <a:gs pos="0">
               <a:schemeClr val="phClr">
+                <a:tint val="67000"/>
+                <a:satMod val="105000"/>
                 <a:lumMod val="110000"/>
-                <a:satMod val="105000"/>
-                <a:tint val="67000"/>
               </a:schemeClr>
             </a:gs>
             <a:gs pos="50000">
               <a:schemeClr val="phClr">
+                <a:tint val="73000"/>
+                <a:satMod val="103000"/>
                 <a:lumMod val="105000"/>
-                <a:satMod val="103000"/>
-                <a:tint val="73000"/>
               </a:schemeClr>
             </a:gs>
             <a:gs pos="100000">
               <a:schemeClr val="phClr">
+                <a:tint val="81000"/>
+                <a:satMod val="109000"/>
                 <a:lumMod val="105000"/>
-                <a:satMod val="109000"/>
-                <a:tint val="81000"/>
               </a:schemeClr>
             </a:gs>
           </a:gsLst>
@@ -7238,23 +7724,23 @@
           <a:gsLst>
             <a:gs pos="0">
               <a:schemeClr val="phClr">
+                <a:tint val="94000"/>
                 <a:satMod val="103000"/>
                 <a:lumMod val="102000"/>
-                <a:tint val="94000"/>
               </a:schemeClr>
             </a:gs>
             <a:gs pos="50000">
               <a:schemeClr val="phClr">
+                <a:shade val="100000"/>
                 <a:satMod val="110000"/>
                 <a:lumMod val="100000"/>
-                <a:shade val="100000"/>
               </a:schemeClr>
             </a:gs>
             <a:gs pos="100000">
               <a:schemeClr val="phClr">
+                <a:shade val="78000"/>
+                <a:satMod val="120000"/>
                 <a:lumMod val="99000"/>
-                <a:satMod val="120000"/>
-                <a:shade val="78000"/>
               </a:schemeClr>
             </a:gs>
           </a:gsLst>
@@ -7262,26 +7748,23 @@
         </a:gradFill>
       </a:fillStyleLst>
       <a:lnStyleLst>
-        <a:ln w="6350" cap="flat" cmpd="sng" algn="ctr">
+        <a:ln w="6350" cap="flat" cmpd="sng" algn="in">
           <a:solidFill>
             <a:schemeClr val="phClr"/>
           </a:solidFill>
           <a:prstDash val="solid"/>
-          <a:miter lim="800000"/>
         </a:ln>
-        <a:ln w="12700" cap="flat" cmpd="sng" algn="ctr">
+        <a:ln w="34925" cap="flat" cmpd="sng" algn="in">
           <a:solidFill>
             <a:schemeClr val="phClr"/>
           </a:solidFill>
           <a:prstDash val="solid"/>
-          <a:miter lim="800000"/>
         </a:ln>
-        <a:ln w="19050" cap="flat" cmpd="sng" algn="ctr">
+        <a:ln w="19050" cap="flat" cmpd="sng" algn="in">
           <a:solidFill>
             <a:schemeClr val="phClr"/>
           </a:solidFill>
           <a:prstDash val="solid"/>
-          <a:miter lim="800000"/>
         </a:ln>
       </a:lnStyleLst>
       <a:effectStyleLst>
@@ -7295,7 +7778,7 @@
           <a:effectLst>
             <a:outerShdw blurRad="57150" dist="19050" dir="5400000" algn="ctr" rotWithShape="0">
               <a:srgbClr val="000000">
-                <a:alpha val="63000"/>
+                <a:alpha val="35000"/>
               </a:srgbClr>
             </a:outerShdw>
           </a:effectLst>
@@ -7316,16 +7799,16 @@
             <a:gs pos="0">
               <a:schemeClr val="phClr">
                 <a:tint val="93000"/>
+                <a:shade val="98000"/>
                 <a:satMod val="150000"/>
-                <a:shade val="98000"/>
                 <a:lumMod val="102000"/>
               </a:schemeClr>
             </a:gs>
             <a:gs pos="50000">
               <a:schemeClr val="phClr">
                 <a:tint val="98000"/>
+                <a:shade val="90000"/>
                 <a:satMod val="130000"/>
-                <a:shade val="90000"/>
                 <a:lumMod val="103000"/>
               </a:schemeClr>
             </a:gs>
@@ -7341,25 +7824,11 @@
       </a:bgFillStyleLst>
     </a:fmtScheme>
   </a:themeElements>
-  <a:objectDefaults>
-    <a:txDef>
-      <a:spPr>
-        <a:noFill/>
-      </a:spPr>
-      <a:bodyPr wrap="none" rtlCol="0">
-        <a:spAutoFit/>
-      </a:bodyPr>
-      <a:lstStyle>
-        <a:defPPr algn="l">
-          <a:defRPr dirty="0"/>
-        </a:defPPr>
-      </a:lstStyle>
-    </a:txDef>
-  </a:objectDefaults>
+  <a:objectDefaults/>
   <a:extraClrSchemeLst/>
   <a:extLst>
     <a:ext uri="{05A4C25C-085E-4340-85A3-A5531E510DB2}">
-      <thm15:themeFamily xmlns:thm15="http://schemas.microsoft.com/office/thememl/2012/main" name="Office Theme" id="{62F939B6-93AF-4DB8-9C6B-D6C7DFDC589F}" vid="{4A3C46E8-61CC-4603-A589-7422A47A8E4A}"/>
+      <thm15:themeFamily xmlns:thm15="http://schemas.microsoft.com/office/thememl/2012/main" name="Crop" id="{EC9488ED-E761-4D60-9AC4-764D1FE2C171}" vid="{CE19780C-D67D-4C13-9DE9-A52BC3BA51B4}"/>
     </a:ext>
   </a:extLst>
 </a:theme>

--- a/Exercise1.pptx
+++ b/Exercise1.pptx
@@ -5422,6 +5422,335 @@
   <p:clrMapOvr>
     <a:masterClrMapping/>
   </p:clrMapOvr>
+  <p:timing>
+    <p:tnLst>
+      <p:par>
+        <p:cTn id="1" dur="indefinite" restart="never" nodeType="tmRoot">
+          <p:childTnLst>
+            <p:seq concurrent="1" nextAc="seek">
+              <p:cTn id="2" dur="indefinite" nodeType="mainSeq">
+                <p:childTnLst>
+                  <p:par>
+                    <p:cTn id="3" fill="hold">
+                      <p:stCondLst>
+                        <p:cond delay="indefinite"/>
+                      </p:stCondLst>
+                      <p:childTnLst>
+                        <p:par>
+                          <p:cTn id="4" fill="hold">
+                            <p:stCondLst>
+                              <p:cond delay="0"/>
+                            </p:stCondLst>
+                            <p:childTnLst>
+                              <p:par>
+                                <p:cTn id="5" presetID="26" presetClass="entr" presetSubtype="0" fill="hold" grpId="0" nodeType="clickEffect">
+                                  <p:stCondLst>
+                                    <p:cond delay="0"/>
+                                  </p:stCondLst>
+                                  <p:childTnLst>
+                                    <p:set>
+                                      <p:cBhvr>
+                                        <p:cTn id="6" dur="1" fill="hold">
+                                          <p:stCondLst>
+                                            <p:cond delay="0"/>
+                                          </p:stCondLst>
+                                        </p:cTn>
+                                        <p:tgtEl>
+                                          <p:spTgt spid="2"/>
+                                        </p:tgtEl>
+                                        <p:attrNameLst>
+                                          <p:attrName>style.visibility</p:attrName>
+                                        </p:attrNameLst>
+                                      </p:cBhvr>
+                                      <p:to>
+                                        <p:strVal val="visible"/>
+                                      </p:to>
+                                    </p:set>
+                                    <p:animEffect transition="in" filter="wipe(down)">
+                                      <p:cBhvr>
+                                        <p:cTn id="7" dur="580">
+                                          <p:stCondLst>
+                                            <p:cond delay="0"/>
+                                          </p:stCondLst>
+                                        </p:cTn>
+                                        <p:tgtEl>
+                                          <p:spTgt spid="2"/>
+                                        </p:tgtEl>
+                                      </p:cBhvr>
+                                    </p:animEffect>
+                                    <p:anim calcmode="lin" valueType="num">
+                                      <p:cBhvr>
+                                        <p:cTn id="8" dur="1822" tmFilter="0,0; 0.14,0.36; 0.43,0.73; 0.71,0.91; 1.0,1.0">
+                                          <p:stCondLst>
+                                            <p:cond delay="0"/>
+                                          </p:stCondLst>
+                                        </p:cTn>
+                                        <p:tgtEl>
+                                          <p:spTgt spid="2"/>
+                                        </p:tgtEl>
+                                        <p:attrNameLst>
+                                          <p:attrName>ppt_x</p:attrName>
+                                        </p:attrNameLst>
+                                      </p:cBhvr>
+                                      <p:tavLst>
+                                        <p:tav tm="0">
+                                          <p:val>
+                                            <p:strVal val="#ppt_x-0.25"/>
+                                          </p:val>
+                                        </p:tav>
+                                        <p:tav tm="100000">
+                                          <p:val>
+                                            <p:strVal val="#ppt_x"/>
+                                          </p:val>
+                                        </p:tav>
+                                      </p:tavLst>
+                                    </p:anim>
+                                    <p:anim calcmode="lin" valueType="num">
+                                      <p:cBhvr>
+                                        <p:cTn id="9" dur="664" tmFilter="0.0,0.0; 0.25,0.07; 0.50,0.2; 0.75,0.467; 1.0,1.0">
+                                          <p:stCondLst>
+                                            <p:cond delay="0"/>
+                                          </p:stCondLst>
+                                        </p:cTn>
+                                        <p:tgtEl>
+                                          <p:spTgt spid="2"/>
+                                        </p:tgtEl>
+                                        <p:attrNameLst>
+                                          <p:attrName>ppt_y</p:attrName>
+                                        </p:attrNameLst>
+                                      </p:cBhvr>
+                                      <p:tavLst>
+                                        <p:tav tm="0" fmla="#ppt_y-sin(pi*$)/3">
+                                          <p:val>
+                                            <p:fltVal val="0.5"/>
+                                          </p:val>
+                                        </p:tav>
+                                        <p:tav tm="100000">
+                                          <p:val>
+                                            <p:fltVal val="1"/>
+                                          </p:val>
+                                        </p:tav>
+                                      </p:tavLst>
+                                    </p:anim>
+                                    <p:anim calcmode="lin" valueType="num">
+                                      <p:cBhvr>
+                                        <p:cTn id="10" dur="664" tmFilter="0, 0; 0.125,0.2665; 0.25,0.4; 0.375,0.465; 0.5,0.5;  0.625,0.535; 0.75,0.6; 0.875,0.7335; 1,1">
+                                          <p:stCondLst>
+                                            <p:cond delay="664"/>
+                                          </p:stCondLst>
+                                        </p:cTn>
+                                        <p:tgtEl>
+                                          <p:spTgt spid="2"/>
+                                        </p:tgtEl>
+                                        <p:attrNameLst>
+                                          <p:attrName>ppt_y</p:attrName>
+                                        </p:attrNameLst>
+                                      </p:cBhvr>
+                                      <p:tavLst>
+                                        <p:tav tm="0" fmla="#ppt_y-sin(pi*$)/9">
+                                          <p:val>
+                                            <p:fltVal val="0"/>
+                                          </p:val>
+                                        </p:tav>
+                                        <p:tav tm="100000">
+                                          <p:val>
+                                            <p:fltVal val="1"/>
+                                          </p:val>
+                                        </p:tav>
+                                      </p:tavLst>
+                                    </p:anim>
+                                    <p:anim calcmode="lin" valueType="num">
+                                      <p:cBhvr>
+                                        <p:cTn id="11" dur="332" tmFilter="0, 0; 0.125,0.2665; 0.25,0.4; 0.375,0.465; 0.5,0.5;  0.625,0.535; 0.75,0.6; 0.875,0.7335; 1,1">
+                                          <p:stCondLst>
+                                            <p:cond delay="1324"/>
+                                          </p:stCondLst>
+                                        </p:cTn>
+                                        <p:tgtEl>
+                                          <p:spTgt spid="2"/>
+                                        </p:tgtEl>
+                                        <p:attrNameLst>
+                                          <p:attrName>ppt_y</p:attrName>
+                                        </p:attrNameLst>
+                                      </p:cBhvr>
+                                      <p:tavLst>
+                                        <p:tav tm="0" fmla="#ppt_y-sin(pi*$)/27">
+                                          <p:val>
+                                            <p:fltVal val="0"/>
+                                          </p:val>
+                                        </p:tav>
+                                        <p:tav tm="100000">
+                                          <p:val>
+                                            <p:fltVal val="1"/>
+                                          </p:val>
+                                        </p:tav>
+                                      </p:tavLst>
+                                    </p:anim>
+                                    <p:anim calcmode="lin" valueType="num">
+                                      <p:cBhvr>
+                                        <p:cTn id="12" dur="164" tmFilter="0, 0; 0.125,0.2665; 0.25,0.4; 0.375,0.465; 0.5,0.5;  0.625,0.535; 0.75,0.6; 0.875,0.7335; 1,1">
+                                          <p:stCondLst>
+                                            <p:cond delay="1656"/>
+                                          </p:stCondLst>
+                                        </p:cTn>
+                                        <p:tgtEl>
+                                          <p:spTgt spid="2"/>
+                                        </p:tgtEl>
+                                        <p:attrNameLst>
+                                          <p:attrName>ppt_y</p:attrName>
+                                        </p:attrNameLst>
+                                      </p:cBhvr>
+                                      <p:tavLst>
+                                        <p:tav tm="0" fmla="#ppt_y-sin(pi*$)/81">
+                                          <p:val>
+                                            <p:fltVal val="0"/>
+                                          </p:val>
+                                        </p:tav>
+                                        <p:tav tm="100000">
+                                          <p:val>
+                                            <p:fltVal val="1"/>
+                                          </p:val>
+                                        </p:tav>
+                                      </p:tavLst>
+                                    </p:anim>
+                                    <p:animScale>
+                                      <p:cBhvr>
+                                        <p:cTn id="13" dur="26">
+                                          <p:stCondLst>
+                                            <p:cond delay="650"/>
+                                          </p:stCondLst>
+                                        </p:cTn>
+                                        <p:tgtEl>
+                                          <p:spTgt spid="2"/>
+                                        </p:tgtEl>
+                                      </p:cBhvr>
+                                      <p:to x="100000" y="60000"/>
+                                    </p:animScale>
+                                    <p:animScale>
+                                      <p:cBhvr>
+                                        <p:cTn id="14" dur="166" decel="50000">
+                                          <p:stCondLst>
+                                            <p:cond delay="676"/>
+                                          </p:stCondLst>
+                                        </p:cTn>
+                                        <p:tgtEl>
+                                          <p:spTgt spid="2"/>
+                                        </p:tgtEl>
+                                      </p:cBhvr>
+                                      <p:to x="100000" y="100000"/>
+                                    </p:animScale>
+                                    <p:animScale>
+                                      <p:cBhvr>
+                                        <p:cTn id="15" dur="26">
+                                          <p:stCondLst>
+                                            <p:cond delay="1312"/>
+                                          </p:stCondLst>
+                                        </p:cTn>
+                                        <p:tgtEl>
+                                          <p:spTgt spid="2"/>
+                                        </p:tgtEl>
+                                      </p:cBhvr>
+                                      <p:to x="100000" y="80000"/>
+                                    </p:animScale>
+                                    <p:animScale>
+                                      <p:cBhvr>
+                                        <p:cTn id="16" dur="166" decel="50000">
+                                          <p:stCondLst>
+                                            <p:cond delay="1338"/>
+                                          </p:stCondLst>
+                                        </p:cTn>
+                                        <p:tgtEl>
+                                          <p:spTgt spid="2"/>
+                                        </p:tgtEl>
+                                      </p:cBhvr>
+                                      <p:to x="100000" y="100000"/>
+                                    </p:animScale>
+                                    <p:animScale>
+                                      <p:cBhvr>
+                                        <p:cTn id="17" dur="26">
+                                          <p:stCondLst>
+                                            <p:cond delay="1642"/>
+                                          </p:stCondLst>
+                                        </p:cTn>
+                                        <p:tgtEl>
+                                          <p:spTgt spid="2"/>
+                                        </p:tgtEl>
+                                      </p:cBhvr>
+                                      <p:to x="100000" y="90000"/>
+                                    </p:animScale>
+                                    <p:animScale>
+                                      <p:cBhvr>
+                                        <p:cTn id="18" dur="166" decel="50000">
+                                          <p:stCondLst>
+                                            <p:cond delay="1668"/>
+                                          </p:stCondLst>
+                                        </p:cTn>
+                                        <p:tgtEl>
+                                          <p:spTgt spid="2"/>
+                                        </p:tgtEl>
+                                      </p:cBhvr>
+                                      <p:to x="100000" y="100000"/>
+                                    </p:animScale>
+                                    <p:animScale>
+                                      <p:cBhvr>
+                                        <p:cTn id="19" dur="26">
+                                          <p:stCondLst>
+                                            <p:cond delay="1808"/>
+                                          </p:stCondLst>
+                                        </p:cTn>
+                                        <p:tgtEl>
+                                          <p:spTgt spid="2"/>
+                                        </p:tgtEl>
+                                      </p:cBhvr>
+                                      <p:to x="100000" y="95000"/>
+                                    </p:animScale>
+                                    <p:animScale>
+                                      <p:cBhvr>
+                                        <p:cTn id="20" dur="166" decel="50000">
+                                          <p:stCondLst>
+                                            <p:cond delay="1834"/>
+                                          </p:stCondLst>
+                                        </p:cTn>
+                                        <p:tgtEl>
+                                          <p:spTgt spid="2"/>
+                                        </p:tgtEl>
+                                      </p:cBhvr>
+                                      <p:to x="100000" y="100000"/>
+                                    </p:animScale>
+                                  </p:childTnLst>
+                                </p:cTn>
+                              </p:par>
+                            </p:childTnLst>
+                          </p:cTn>
+                        </p:par>
+                      </p:childTnLst>
+                    </p:cTn>
+                  </p:par>
+                </p:childTnLst>
+              </p:cTn>
+              <p:prevCondLst>
+                <p:cond evt="onPrev" delay="0">
+                  <p:tgtEl>
+                    <p:sldTgt/>
+                  </p:tgtEl>
+                </p:cond>
+              </p:prevCondLst>
+              <p:nextCondLst>
+                <p:cond evt="onNext" delay="0">
+                  <p:tgtEl>
+                    <p:sldTgt/>
+                  </p:tgtEl>
+                </p:cond>
+              </p:nextCondLst>
+            </p:seq>
+          </p:childTnLst>
+        </p:cTn>
+      </p:par>
+    </p:tnLst>
+    <p:bldLst>
+      <p:bldP spid="2" grpId="0"/>
+    </p:bldLst>
+  </p:timing>
 </p:sld>
 </file>
 
@@ -5591,6 +5920,249 @@
   <p:clrMapOvr>
     <a:masterClrMapping/>
   </p:clrMapOvr>
+  <p:timing>
+    <p:tnLst>
+      <p:par>
+        <p:cTn id="1" dur="indefinite" restart="never" nodeType="tmRoot">
+          <p:childTnLst>
+            <p:seq concurrent="1" nextAc="seek">
+              <p:cTn id="2" dur="indefinite" nodeType="mainSeq">
+                <p:childTnLst>
+                  <p:par>
+                    <p:cTn id="3" fill="hold">
+                      <p:stCondLst>
+                        <p:cond delay="indefinite"/>
+                      </p:stCondLst>
+                      <p:childTnLst>
+                        <p:par>
+                          <p:cTn id="4" fill="hold">
+                            <p:stCondLst>
+                              <p:cond delay="0"/>
+                            </p:stCondLst>
+                            <p:childTnLst>
+                              <p:par>
+                                <p:cTn id="5" presetID="4" presetClass="entr" presetSubtype="16" fill="hold" grpId="0" nodeType="clickEffect">
+                                  <p:stCondLst>
+                                    <p:cond delay="0"/>
+                                  </p:stCondLst>
+                                  <p:childTnLst>
+                                    <p:set>
+                                      <p:cBhvr>
+                                        <p:cTn id="6" dur="1" fill="hold">
+                                          <p:stCondLst>
+                                            <p:cond delay="0"/>
+                                          </p:stCondLst>
+                                        </p:cTn>
+                                        <p:tgtEl>
+                                          <p:spTgt spid="2"/>
+                                        </p:tgtEl>
+                                        <p:attrNameLst>
+                                          <p:attrName>style.visibility</p:attrName>
+                                        </p:attrNameLst>
+                                      </p:cBhvr>
+                                      <p:to>
+                                        <p:strVal val="visible"/>
+                                      </p:to>
+                                    </p:set>
+                                    <p:animEffect transition="in" filter="box(in)">
+                                      <p:cBhvr>
+                                        <p:cTn id="7" dur="2000"/>
+                                        <p:tgtEl>
+                                          <p:spTgt spid="2"/>
+                                        </p:tgtEl>
+                                      </p:cBhvr>
+                                    </p:animEffect>
+                                  </p:childTnLst>
+                                </p:cTn>
+                              </p:par>
+                            </p:childTnLst>
+                          </p:cTn>
+                        </p:par>
+                      </p:childTnLst>
+                    </p:cTn>
+                  </p:par>
+                  <p:par>
+                    <p:cTn id="8" fill="hold">
+                      <p:stCondLst>
+                        <p:cond delay="indefinite"/>
+                      </p:stCondLst>
+                      <p:childTnLst>
+                        <p:par>
+                          <p:cTn id="9" fill="hold">
+                            <p:stCondLst>
+                              <p:cond delay="0"/>
+                            </p:stCondLst>
+                            <p:childTnLst>
+                              <p:par>
+                                <p:cTn id="10" presetID="5" presetClass="entr" presetSubtype="5" fill="hold" nodeType="clickEffect">
+                                  <p:stCondLst>
+                                    <p:cond delay="0"/>
+                                  </p:stCondLst>
+                                  <p:childTnLst>
+                                    <p:set>
+                                      <p:cBhvr>
+                                        <p:cTn id="11" dur="1" fill="hold">
+                                          <p:stCondLst>
+                                            <p:cond delay="0"/>
+                                          </p:stCondLst>
+                                        </p:cTn>
+                                        <p:tgtEl>
+                                          <p:spTgt spid="3">
+                                            <p:txEl>
+                                              <p:pRg st="0" end="0"/>
+                                            </p:txEl>
+                                          </p:spTgt>
+                                        </p:tgtEl>
+                                        <p:attrNameLst>
+                                          <p:attrName>style.visibility</p:attrName>
+                                        </p:attrNameLst>
+                                      </p:cBhvr>
+                                      <p:to>
+                                        <p:strVal val="visible"/>
+                                      </p:to>
+                                    </p:set>
+                                    <p:animEffect transition="in" filter="checkerboard(down)">
+                                      <p:cBhvr>
+                                        <p:cTn id="12" dur="500"/>
+                                        <p:tgtEl>
+                                          <p:spTgt spid="3">
+                                            <p:txEl>
+                                              <p:pRg st="0" end="0"/>
+                                            </p:txEl>
+                                          </p:spTgt>
+                                        </p:tgtEl>
+                                      </p:cBhvr>
+                                    </p:animEffect>
+                                  </p:childTnLst>
+                                </p:cTn>
+                              </p:par>
+                              <p:par>
+                                <p:cTn id="13" presetID="5" presetClass="entr" presetSubtype="5" fill="hold" nodeType="withEffect">
+                                  <p:stCondLst>
+                                    <p:cond delay="0"/>
+                                  </p:stCondLst>
+                                  <p:childTnLst>
+                                    <p:set>
+                                      <p:cBhvr>
+                                        <p:cTn id="14" dur="1" fill="hold">
+                                          <p:stCondLst>
+                                            <p:cond delay="0"/>
+                                          </p:stCondLst>
+                                        </p:cTn>
+                                        <p:tgtEl>
+                                          <p:spTgt spid="3">
+                                            <p:txEl>
+                                              <p:pRg st="1" end="1"/>
+                                            </p:txEl>
+                                          </p:spTgt>
+                                        </p:tgtEl>
+                                        <p:attrNameLst>
+                                          <p:attrName>style.visibility</p:attrName>
+                                        </p:attrNameLst>
+                                      </p:cBhvr>
+                                      <p:to>
+                                        <p:strVal val="visible"/>
+                                      </p:to>
+                                    </p:set>
+                                    <p:animEffect transition="in" filter="checkerboard(down)">
+                                      <p:cBhvr>
+                                        <p:cTn id="15" dur="500"/>
+                                        <p:tgtEl>
+                                          <p:spTgt spid="3">
+                                            <p:txEl>
+                                              <p:pRg st="1" end="1"/>
+                                            </p:txEl>
+                                          </p:spTgt>
+                                        </p:tgtEl>
+                                      </p:cBhvr>
+                                    </p:animEffect>
+                                  </p:childTnLst>
+                                </p:cTn>
+                              </p:par>
+                            </p:childTnLst>
+                          </p:cTn>
+                        </p:par>
+                      </p:childTnLst>
+                    </p:cTn>
+                  </p:par>
+                  <p:par>
+                    <p:cTn id="16" fill="hold">
+                      <p:stCondLst>
+                        <p:cond delay="indefinite"/>
+                      </p:stCondLst>
+                      <p:childTnLst>
+                        <p:par>
+                          <p:cTn id="17" fill="hold">
+                            <p:stCondLst>
+                              <p:cond delay="0"/>
+                            </p:stCondLst>
+                            <p:childTnLst>
+                              <p:par>
+                                <p:cTn id="18" presetID="3" presetClass="entr" presetSubtype="5" fill="hold" nodeType="clickEffect">
+                                  <p:stCondLst>
+                                    <p:cond delay="0"/>
+                                  </p:stCondLst>
+                                  <p:childTnLst>
+                                    <p:set>
+                                      <p:cBhvr>
+                                        <p:cTn id="19" dur="1" fill="hold">
+                                          <p:stCondLst>
+                                            <p:cond delay="0"/>
+                                          </p:stCondLst>
+                                        </p:cTn>
+                                        <p:tgtEl>
+                                          <p:spTgt spid="5"/>
+                                        </p:tgtEl>
+                                        <p:attrNameLst>
+                                          <p:attrName>style.visibility</p:attrName>
+                                        </p:attrNameLst>
+                                      </p:cBhvr>
+                                      <p:to>
+                                        <p:strVal val="visible"/>
+                                      </p:to>
+                                    </p:set>
+                                    <p:animEffect transition="in" filter="blinds(vertical)">
+                                      <p:cBhvr>
+                                        <p:cTn id="20" dur="2000"/>
+                                        <p:tgtEl>
+                                          <p:spTgt spid="5"/>
+                                        </p:tgtEl>
+                                      </p:cBhvr>
+                                    </p:animEffect>
+                                  </p:childTnLst>
+                                </p:cTn>
+                              </p:par>
+                            </p:childTnLst>
+                          </p:cTn>
+                        </p:par>
+                      </p:childTnLst>
+                    </p:cTn>
+                  </p:par>
+                </p:childTnLst>
+              </p:cTn>
+              <p:prevCondLst>
+                <p:cond evt="onPrev" delay="0">
+                  <p:tgtEl>
+                    <p:sldTgt/>
+                  </p:tgtEl>
+                </p:cond>
+              </p:prevCondLst>
+              <p:nextCondLst>
+                <p:cond evt="onNext" delay="0">
+                  <p:tgtEl>
+                    <p:sldTgt/>
+                  </p:tgtEl>
+                </p:cond>
+              </p:nextCondLst>
+            </p:seq>
+          </p:childTnLst>
+        </p:cTn>
+      </p:par>
+    </p:tnLst>
+    <p:bldLst>
+      <p:bldP spid="2" grpId="0"/>
+    </p:bldLst>
+  </p:timing>
 </p:sld>
 </file>
 

--- a/Exercise1.pptx
+++ b/Exercise1.pptx
@@ -6961,6 +6961,127 @@
   <p:clrMapOvr>
     <a:masterClrMapping/>
   </p:clrMapOvr>
+  <p:timing>
+    <p:tnLst>
+      <p:par>
+        <p:cTn id="1" dur="indefinite" restart="never" nodeType="tmRoot">
+          <p:childTnLst>
+            <p:seq concurrent="1" nextAc="seek">
+              <p:cTn id="2" dur="indefinite" nodeType="mainSeq">
+                <p:childTnLst>
+                  <p:par>
+                    <p:cTn id="3" fill="hold">
+                      <p:stCondLst>
+                        <p:cond delay="indefinite"/>
+                      </p:stCondLst>
+                      <p:childTnLst>
+                        <p:par>
+                          <p:cTn id="4" fill="hold">
+                            <p:stCondLst>
+                              <p:cond delay="0"/>
+                            </p:stCondLst>
+                            <p:childTnLst>
+                              <p:par>
+                                <p:cTn id="5" presetID="2" presetClass="entr" presetSubtype="4" fill="hold" nodeType="clickEffect">
+                                  <p:stCondLst>
+                                    <p:cond delay="0"/>
+                                  </p:stCondLst>
+                                  <p:childTnLst>
+                                    <p:set>
+                                      <p:cBhvr>
+                                        <p:cTn id="6" dur="1" fill="hold">
+                                          <p:stCondLst>
+                                            <p:cond delay="0"/>
+                                          </p:stCondLst>
+                                        </p:cTn>
+                                        <p:tgtEl>
+                                          <p:spTgt spid="4"/>
+                                        </p:tgtEl>
+                                        <p:attrNameLst>
+                                          <p:attrName>style.visibility</p:attrName>
+                                        </p:attrNameLst>
+                                      </p:cBhvr>
+                                      <p:to>
+                                        <p:strVal val="visible"/>
+                                      </p:to>
+                                    </p:set>
+                                    <p:anim calcmode="lin" valueType="num">
+                                      <p:cBhvr additive="base">
+                                        <p:cTn id="7" dur="500" fill="hold"/>
+                                        <p:tgtEl>
+                                          <p:spTgt spid="4"/>
+                                        </p:tgtEl>
+                                        <p:attrNameLst>
+                                          <p:attrName>ppt_x</p:attrName>
+                                        </p:attrNameLst>
+                                      </p:cBhvr>
+                                      <p:tavLst>
+                                        <p:tav tm="0">
+                                          <p:val>
+                                            <p:strVal val="#ppt_x"/>
+                                          </p:val>
+                                        </p:tav>
+                                        <p:tav tm="100000">
+                                          <p:val>
+                                            <p:strVal val="#ppt_x"/>
+                                          </p:val>
+                                        </p:tav>
+                                      </p:tavLst>
+                                    </p:anim>
+                                    <p:anim calcmode="lin" valueType="num">
+                                      <p:cBhvr additive="base">
+                                        <p:cTn id="8" dur="500" fill="hold"/>
+                                        <p:tgtEl>
+                                          <p:spTgt spid="4"/>
+                                        </p:tgtEl>
+                                        <p:attrNameLst>
+                                          <p:attrName>ppt_y</p:attrName>
+                                        </p:attrNameLst>
+                                      </p:cBhvr>
+                                      <p:tavLst>
+                                        <p:tav tm="0">
+                                          <p:val>
+                                            <p:strVal val="1+#ppt_h/2"/>
+                                          </p:val>
+                                        </p:tav>
+                                        <p:tav tm="100000">
+                                          <p:val>
+                                            <p:strVal val="#ppt_y"/>
+                                          </p:val>
+                                        </p:tav>
+                                      </p:tavLst>
+                                    </p:anim>
+                                  </p:childTnLst>
+                                </p:cTn>
+                              </p:par>
+                            </p:childTnLst>
+                          </p:cTn>
+                        </p:par>
+                      </p:childTnLst>
+                    </p:cTn>
+                  </p:par>
+                </p:childTnLst>
+              </p:cTn>
+              <p:prevCondLst>
+                <p:cond evt="onPrev" delay="0">
+                  <p:tgtEl>
+                    <p:sldTgt/>
+                  </p:tgtEl>
+                </p:cond>
+              </p:prevCondLst>
+              <p:nextCondLst>
+                <p:cond evt="onNext" delay="0">
+                  <p:tgtEl>
+                    <p:sldTgt/>
+                  </p:tgtEl>
+                </p:cond>
+              </p:nextCondLst>
+            </p:seq>
+          </p:childTnLst>
+        </p:cTn>
+      </p:par>
+    </p:tnLst>
+  </p:timing>
 </p:sld>
 </file>
 
@@ -7644,6 +7765,226 @@
   <p:clrMapOvr>
     <a:masterClrMapping/>
   </p:clrMapOvr>
+  <p:timing>
+    <p:tnLst>
+      <p:par>
+        <p:cTn id="1" dur="indefinite" restart="never" nodeType="tmRoot">
+          <p:childTnLst>
+            <p:seq concurrent="1" nextAc="seek">
+              <p:cTn id="2" dur="indefinite" nodeType="mainSeq">
+                <p:childTnLst>
+                  <p:par>
+                    <p:cTn id="3" fill="hold">
+                      <p:stCondLst>
+                        <p:cond delay="indefinite"/>
+                      </p:stCondLst>
+                      <p:childTnLst>
+                        <p:par>
+                          <p:cTn id="4" fill="hold">
+                            <p:stCondLst>
+                              <p:cond delay="0"/>
+                            </p:stCondLst>
+                            <p:childTnLst>
+                              <p:par>
+                                <p:cTn id="5" presetID="10" presetClass="entr" presetSubtype="0" fill="hold" nodeType="clickEffect">
+                                  <p:stCondLst>
+                                    <p:cond delay="0"/>
+                                  </p:stCondLst>
+                                  <p:childTnLst>
+                                    <p:set>
+                                      <p:cBhvr>
+                                        <p:cTn id="6" dur="1" fill="hold">
+                                          <p:stCondLst>
+                                            <p:cond delay="0"/>
+                                          </p:stCondLst>
+                                        </p:cTn>
+                                        <p:tgtEl>
+                                          <p:spTgt spid="3">
+                                            <p:txEl>
+                                              <p:pRg st="1" end="1"/>
+                                            </p:txEl>
+                                          </p:spTgt>
+                                        </p:tgtEl>
+                                        <p:attrNameLst>
+                                          <p:attrName>style.visibility</p:attrName>
+                                        </p:attrNameLst>
+                                      </p:cBhvr>
+                                      <p:to>
+                                        <p:strVal val="visible"/>
+                                      </p:to>
+                                    </p:set>
+                                    <p:animEffect transition="in" filter="fade">
+                                      <p:cBhvr>
+                                        <p:cTn id="7" dur="500"/>
+                                        <p:tgtEl>
+                                          <p:spTgt spid="3">
+                                            <p:txEl>
+                                              <p:pRg st="1" end="1"/>
+                                            </p:txEl>
+                                          </p:spTgt>
+                                        </p:tgtEl>
+                                      </p:cBhvr>
+                                    </p:animEffect>
+                                  </p:childTnLst>
+                                </p:cTn>
+                              </p:par>
+                              <p:par>
+                                <p:cTn id="8" presetID="10" presetClass="entr" presetSubtype="0" fill="hold" nodeType="withEffect">
+                                  <p:stCondLst>
+                                    <p:cond delay="0"/>
+                                  </p:stCondLst>
+                                  <p:childTnLst>
+                                    <p:set>
+                                      <p:cBhvr>
+                                        <p:cTn id="9" dur="1" fill="hold">
+                                          <p:stCondLst>
+                                            <p:cond delay="0"/>
+                                          </p:stCondLst>
+                                        </p:cTn>
+                                        <p:tgtEl>
+                                          <p:spTgt spid="3">
+                                            <p:txEl>
+                                              <p:pRg st="2" end="2"/>
+                                            </p:txEl>
+                                          </p:spTgt>
+                                        </p:tgtEl>
+                                        <p:attrNameLst>
+                                          <p:attrName>style.visibility</p:attrName>
+                                        </p:attrNameLst>
+                                      </p:cBhvr>
+                                      <p:to>
+                                        <p:strVal val="visible"/>
+                                      </p:to>
+                                    </p:set>
+                                    <p:animEffect transition="in" filter="fade">
+                                      <p:cBhvr>
+                                        <p:cTn id="10" dur="500"/>
+                                        <p:tgtEl>
+                                          <p:spTgt spid="3">
+                                            <p:txEl>
+                                              <p:pRg st="2" end="2"/>
+                                            </p:txEl>
+                                          </p:spTgt>
+                                        </p:tgtEl>
+                                      </p:cBhvr>
+                                    </p:animEffect>
+                                  </p:childTnLst>
+                                </p:cTn>
+                              </p:par>
+                              <p:par>
+                                <p:cTn id="11" presetID="10" presetClass="entr" presetSubtype="0" fill="hold" nodeType="withEffect">
+                                  <p:stCondLst>
+                                    <p:cond delay="0"/>
+                                  </p:stCondLst>
+                                  <p:childTnLst>
+                                    <p:set>
+                                      <p:cBhvr>
+                                        <p:cTn id="12" dur="1" fill="hold">
+                                          <p:stCondLst>
+                                            <p:cond delay="0"/>
+                                          </p:stCondLst>
+                                        </p:cTn>
+                                        <p:tgtEl>
+                                          <p:spTgt spid="3">
+                                            <p:txEl>
+                                              <p:pRg st="3" end="3"/>
+                                            </p:txEl>
+                                          </p:spTgt>
+                                        </p:tgtEl>
+                                        <p:attrNameLst>
+                                          <p:attrName>style.visibility</p:attrName>
+                                        </p:attrNameLst>
+                                      </p:cBhvr>
+                                      <p:to>
+                                        <p:strVal val="visible"/>
+                                      </p:to>
+                                    </p:set>
+                                    <p:animEffect transition="in" filter="fade">
+                                      <p:cBhvr>
+                                        <p:cTn id="13" dur="500"/>
+                                        <p:tgtEl>
+                                          <p:spTgt spid="3">
+                                            <p:txEl>
+                                              <p:pRg st="3" end="3"/>
+                                            </p:txEl>
+                                          </p:spTgt>
+                                        </p:tgtEl>
+                                      </p:cBhvr>
+                                    </p:animEffect>
+                                  </p:childTnLst>
+                                </p:cTn>
+                              </p:par>
+                              <p:par>
+                                <p:cTn id="14" presetID="10" presetClass="entr" presetSubtype="0" fill="hold" nodeType="withEffect">
+                                  <p:stCondLst>
+                                    <p:cond delay="0"/>
+                                  </p:stCondLst>
+                                  <p:childTnLst>
+                                    <p:set>
+                                      <p:cBhvr>
+                                        <p:cTn id="15" dur="1" fill="hold">
+                                          <p:stCondLst>
+                                            <p:cond delay="0"/>
+                                          </p:stCondLst>
+                                        </p:cTn>
+                                        <p:tgtEl>
+                                          <p:spTgt spid="3">
+                                            <p:txEl>
+                                              <p:pRg st="4" end="4"/>
+                                            </p:txEl>
+                                          </p:spTgt>
+                                        </p:tgtEl>
+                                        <p:attrNameLst>
+                                          <p:attrName>style.visibility</p:attrName>
+                                        </p:attrNameLst>
+                                      </p:cBhvr>
+                                      <p:to>
+                                        <p:strVal val="visible"/>
+                                      </p:to>
+                                    </p:set>
+                                    <p:animEffect transition="in" filter="fade">
+                                      <p:cBhvr>
+                                        <p:cTn id="16" dur="500"/>
+                                        <p:tgtEl>
+                                          <p:spTgt spid="3">
+                                            <p:txEl>
+                                              <p:pRg st="4" end="4"/>
+                                            </p:txEl>
+                                          </p:spTgt>
+                                        </p:tgtEl>
+                                      </p:cBhvr>
+                                    </p:animEffect>
+                                  </p:childTnLst>
+                                </p:cTn>
+                              </p:par>
+                            </p:childTnLst>
+                          </p:cTn>
+                        </p:par>
+                      </p:childTnLst>
+                    </p:cTn>
+                  </p:par>
+                </p:childTnLst>
+              </p:cTn>
+              <p:prevCondLst>
+                <p:cond evt="onPrev" delay="0">
+                  <p:tgtEl>
+                    <p:sldTgt/>
+                  </p:tgtEl>
+                </p:cond>
+              </p:prevCondLst>
+              <p:nextCondLst>
+                <p:cond evt="onNext" delay="0">
+                  <p:tgtEl>
+                    <p:sldTgt/>
+                  </p:tgtEl>
+                </p:cond>
+              </p:nextCondLst>
+            </p:seq>
+          </p:childTnLst>
+        </p:cTn>
+      </p:par>
+    </p:tnLst>
+  </p:timing>
 </p:sld>
 </file>
 
@@ -8145,6 +8486,138 @@
   <p:clrMapOvr>
     <a:masterClrMapping/>
   </p:clrMapOvr>
+  <p:timing>
+    <p:tnLst>
+      <p:par>
+        <p:cTn id="1" dur="indefinite" restart="never" nodeType="tmRoot">
+          <p:childTnLst>
+            <p:seq concurrent="1" nextAc="seek">
+              <p:cTn id="2" dur="indefinite" nodeType="mainSeq">
+                <p:childTnLst>
+                  <p:par>
+                    <p:cTn id="3" fill="hold">
+                      <p:stCondLst>
+                        <p:cond delay="indefinite"/>
+                      </p:stCondLst>
+                      <p:childTnLst>
+                        <p:par>
+                          <p:cTn id="4" fill="hold">
+                            <p:stCondLst>
+                              <p:cond delay="0"/>
+                            </p:stCondLst>
+                            <p:childTnLst>
+                              <p:par>
+                                <p:cTn id="5" presetID="45" presetClass="entr" presetSubtype="0" fill="hold" grpId="0" nodeType="clickEffect">
+                                  <p:stCondLst>
+                                    <p:cond delay="0"/>
+                                  </p:stCondLst>
+                                  <p:childTnLst>
+                                    <p:set>
+                                      <p:cBhvr>
+                                        <p:cTn id="6" dur="1" fill="hold">
+                                          <p:stCondLst>
+                                            <p:cond delay="0"/>
+                                          </p:stCondLst>
+                                        </p:cTn>
+                                        <p:tgtEl>
+                                          <p:spTgt spid="2"/>
+                                        </p:tgtEl>
+                                        <p:attrNameLst>
+                                          <p:attrName>style.visibility</p:attrName>
+                                        </p:attrNameLst>
+                                      </p:cBhvr>
+                                      <p:to>
+                                        <p:strVal val="visible"/>
+                                      </p:to>
+                                    </p:set>
+                                    <p:animEffect transition="in" filter="fade">
+                                      <p:cBhvr>
+                                        <p:cTn id="7" dur="2000"/>
+                                        <p:tgtEl>
+                                          <p:spTgt spid="2"/>
+                                        </p:tgtEl>
+                                      </p:cBhvr>
+                                    </p:animEffect>
+                                    <p:anim calcmode="lin" valueType="num">
+                                      <p:cBhvr>
+                                        <p:cTn id="8" dur="2000" fill="hold"/>
+                                        <p:tgtEl>
+                                          <p:spTgt spid="2"/>
+                                        </p:tgtEl>
+                                        <p:attrNameLst>
+                                          <p:attrName>ppt_w</p:attrName>
+                                        </p:attrNameLst>
+                                      </p:cBhvr>
+                                      <p:tavLst>
+                                        <p:tav tm="0" fmla="#ppt_w*sin(2.5*pi*$)">
+                                          <p:val>
+                                            <p:fltVal val="0"/>
+                                          </p:val>
+                                        </p:tav>
+                                        <p:tav tm="100000">
+                                          <p:val>
+                                            <p:fltVal val="1"/>
+                                          </p:val>
+                                        </p:tav>
+                                      </p:tavLst>
+                                    </p:anim>
+                                    <p:anim calcmode="lin" valueType="num">
+                                      <p:cBhvr>
+                                        <p:cTn id="9" dur="2000" fill="hold"/>
+                                        <p:tgtEl>
+                                          <p:spTgt spid="2"/>
+                                        </p:tgtEl>
+                                        <p:attrNameLst>
+                                          <p:attrName>ppt_h</p:attrName>
+                                        </p:attrNameLst>
+                                      </p:cBhvr>
+                                      <p:tavLst>
+                                        <p:tav tm="0">
+                                          <p:val>
+                                            <p:strVal val="#ppt_h"/>
+                                          </p:val>
+                                        </p:tav>
+                                        <p:tav tm="100000">
+                                          <p:val>
+                                            <p:strVal val="#ppt_h"/>
+                                          </p:val>
+                                        </p:tav>
+                                      </p:tavLst>
+                                    </p:anim>
+                                  </p:childTnLst>
+                                </p:cTn>
+                              </p:par>
+                            </p:childTnLst>
+                          </p:cTn>
+                        </p:par>
+                      </p:childTnLst>
+                    </p:cTn>
+                  </p:par>
+                </p:childTnLst>
+              </p:cTn>
+              <p:prevCondLst>
+                <p:cond evt="onPrev" delay="0">
+                  <p:tgtEl>
+                    <p:sldTgt/>
+                  </p:tgtEl>
+                </p:cond>
+              </p:prevCondLst>
+              <p:nextCondLst>
+                <p:cond evt="onNext" delay="0">
+                  <p:tgtEl>
+                    <p:sldTgt/>
+                  </p:tgtEl>
+                </p:cond>
+              </p:nextCondLst>
+            </p:seq>
+          </p:childTnLst>
+        </p:cTn>
+      </p:par>
+    </p:tnLst>
+    <p:bldLst>
+      <p:bldP spid="2" grpId="0"/>
+    </p:bldLst>
+  </p:timing>
 </p:sld>
 </file>
 

--- a/Exercise1.pptx
+++ b/Exercise1.pptx
@@ -5422,6 +5422,18 @@
   <p:clrMapOvr>
     <a:masterClrMapping/>
   </p:clrMapOvr>
+  <mc:AlternateContent xmlns:mc="http://schemas.openxmlformats.org/markup-compatibility/2006">
+    <mc:Choice xmlns:p14="http://schemas.microsoft.com/office/powerpoint/2010/main" Requires="p14">
+      <p:transition spd="slow" p14:dur="1400">
+        <p:blinds/>
+      </p:transition>
+    </mc:Choice>
+    <mc:Fallback>
+      <p:transition spd="slow">
+        <p:blinds/>
+      </p:transition>
+    </mc:Fallback>
+  </mc:AlternateContent>
   <p:timing>
     <p:tnLst>
       <p:par>
@@ -5920,6 +5932,18 @@
   <p:clrMapOvr>
     <a:masterClrMapping/>
   </p:clrMapOvr>
+  <mc:AlternateContent xmlns:mc="http://schemas.openxmlformats.org/markup-compatibility/2006">
+    <mc:Choice xmlns:p14="http://schemas.microsoft.com/office/powerpoint/2010/main" Requires="p14">
+      <p:transition spd="slow" p14:dur="2000">
+        <p:blinds dir="vert"/>
+      </p:transition>
+    </mc:Choice>
+    <mc:Fallback>
+      <p:transition spd="slow">
+        <p:blinds dir="vert"/>
+      </p:transition>
+    </mc:Fallback>
+  </mc:AlternateContent>
   <p:timing>
     <p:tnLst>
       <p:par>
@@ -6961,6 +6985,18 @@
   <p:clrMapOvr>
     <a:masterClrMapping/>
   </p:clrMapOvr>
+  <mc:AlternateContent xmlns:mc="http://schemas.openxmlformats.org/markup-compatibility/2006">
+    <mc:Choice xmlns:p14="http://schemas.microsoft.com/office/powerpoint/2010/main" Requires="p14">
+      <p:transition spd="slow" p14:dur="2000">
+        <p14:prism isContent="1" isInverted="1"/>
+      </p:transition>
+    </mc:Choice>
+    <mc:Fallback>
+      <p:transition spd="slow">
+        <p:fade/>
+      </p:transition>
+    </mc:Fallback>
+  </mc:AlternateContent>
   <p:timing>
     <p:tnLst>
       <p:par>
@@ -7765,6 +7801,18 @@
   <p:clrMapOvr>
     <a:masterClrMapping/>
   </p:clrMapOvr>
+  <mc:AlternateContent xmlns:mc="http://schemas.openxmlformats.org/markup-compatibility/2006">
+    <mc:Choice xmlns:p14="http://schemas.microsoft.com/office/powerpoint/2010/main" Requires="p14">
+      <p:transition spd="slow" p14:dur="2000">
+        <p:randomBar/>
+      </p:transition>
+    </mc:Choice>
+    <mc:Fallback>
+      <p:transition spd="slow">
+        <p:randomBar/>
+      </p:transition>
+    </mc:Fallback>
+  </mc:AlternateContent>
   <p:timing>
     <p:tnLst>
       <p:par>
@@ -8347,6 +8395,18 @@
   <p:clrMapOvr>
     <a:masterClrMapping/>
   </p:clrMapOvr>
+  <mc:AlternateContent xmlns:mc="http://schemas.openxmlformats.org/markup-compatibility/2006">
+    <mc:Choice xmlns:p14="http://schemas.microsoft.com/office/powerpoint/2010/main" Requires="p14">
+      <p:transition spd="slow" p14:dur="2000">
+        <p14:warp dir="in"/>
+      </p:transition>
+    </mc:Choice>
+    <mc:Fallback>
+      <p:transition spd="slow">
+        <p:fade/>
+      </p:transition>
+    </mc:Fallback>
+  </mc:AlternateContent>
 </p:sld>
 </file>
 
@@ -8486,6 +8546,18 @@
   <p:clrMapOvr>
     <a:masterClrMapping/>
   </p:clrMapOvr>
+  <mc:AlternateContent xmlns:mc="http://schemas.openxmlformats.org/markup-compatibility/2006">
+    <mc:Choice xmlns:p14="http://schemas.microsoft.com/office/powerpoint/2010/main" Requires="p14">
+      <p:transition spd="slow" p14:dur="2000">
+        <p14:prism dir="r" isContent="1"/>
+      </p:transition>
+    </mc:Choice>
+    <mc:Fallback>
+      <p:transition spd="slow">
+        <p:fade/>
+      </p:transition>
+    </mc:Fallback>
+  </mc:AlternateContent>
   <p:timing>
     <p:tnLst>
       <p:par>

--- a/Exercise1.pptx
+++ b/Exercise1.pptx
@@ -5424,12 +5424,12 @@
   </p:clrMapOvr>
   <mc:AlternateContent xmlns:mc="http://schemas.openxmlformats.org/markup-compatibility/2006">
     <mc:Choice xmlns:p14="http://schemas.microsoft.com/office/powerpoint/2010/main" Requires="p14">
-      <p:transition spd="slow" p14:dur="1400">
+      <p:transition spd="slow" p14:dur="2000" advTm="10000">
         <p:blinds/>
       </p:transition>
     </mc:Choice>
     <mc:Fallback>
-      <p:transition spd="slow">
+      <p:transition spd="slow" advTm="10000">
         <p:blinds/>
       </p:transition>
     </mc:Fallback>
@@ -5934,12 +5934,12 @@
   </p:clrMapOvr>
   <mc:AlternateContent xmlns:mc="http://schemas.openxmlformats.org/markup-compatibility/2006">
     <mc:Choice xmlns:p14="http://schemas.microsoft.com/office/powerpoint/2010/main" Requires="p14">
-      <p:transition spd="slow" p14:dur="2000">
+      <p:transition spd="slow" p14:dur="2000" advTm="20000">
         <p:blinds dir="vert"/>
       </p:transition>
     </mc:Choice>
     <mc:Fallback>
-      <p:transition spd="slow">
+      <p:transition spd="slow" advTm="20000">
         <p:blinds dir="vert"/>
       </p:transition>
     </mc:Fallback>
@@ -6987,12 +6987,12 @@
   </p:clrMapOvr>
   <mc:AlternateContent xmlns:mc="http://schemas.openxmlformats.org/markup-compatibility/2006">
     <mc:Choice xmlns:p14="http://schemas.microsoft.com/office/powerpoint/2010/main" Requires="p14">
-      <p:transition spd="slow" p14:dur="2000">
+      <p:transition spd="slow" p14:dur="2000" advTm="20000">
         <p14:prism isContent="1" isInverted="1"/>
       </p:transition>
     </mc:Choice>
     <mc:Fallback>
-      <p:transition spd="slow">
+      <p:transition spd="slow" advTm="20000">
         <p:fade/>
       </p:transition>
     </mc:Fallback>
@@ -7803,12 +7803,12 @@
   </p:clrMapOvr>
   <mc:AlternateContent xmlns:mc="http://schemas.openxmlformats.org/markup-compatibility/2006">
     <mc:Choice xmlns:p14="http://schemas.microsoft.com/office/powerpoint/2010/main" Requires="p14">
-      <p:transition spd="slow" p14:dur="2000">
+      <p:transition spd="slow" p14:dur="2000" advTm="20000">
         <p:randomBar/>
       </p:transition>
     </mc:Choice>
     <mc:Fallback>
-      <p:transition spd="slow">
+      <p:transition spd="slow" advTm="20000">
         <p:randomBar/>
       </p:transition>
     </mc:Fallback>
@@ -8397,12 +8397,12 @@
   </p:clrMapOvr>
   <mc:AlternateContent xmlns:mc="http://schemas.openxmlformats.org/markup-compatibility/2006">
     <mc:Choice xmlns:p14="http://schemas.microsoft.com/office/powerpoint/2010/main" Requires="p14">
-      <p:transition spd="slow" p14:dur="2000">
+      <p:transition spd="slow" p14:dur="2000" advTm="40000">
         <p14:warp dir="in"/>
       </p:transition>
     </mc:Choice>
     <mc:Fallback>
-      <p:transition spd="slow">
+      <p:transition spd="slow" advTm="40000">
         <p:fade/>
       </p:transition>
     </mc:Fallback>
@@ -8548,12 +8548,12 @@
   </p:clrMapOvr>
   <mc:AlternateContent xmlns:mc="http://schemas.openxmlformats.org/markup-compatibility/2006">
     <mc:Choice xmlns:p14="http://schemas.microsoft.com/office/powerpoint/2010/main" Requires="p14">
-      <p:transition spd="slow" p14:dur="2000">
+      <p:transition spd="slow" p14:dur="2000" advTm="10000">
         <p14:prism dir="r" isContent="1"/>
       </p:transition>
     </mc:Choice>
     <mc:Fallback>
-      <p:transition spd="slow">
+      <p:transition spd="slow" advTm="10000">
         <p:fade/>
       </p:transition>
     </mc:Fallback>

--- a/Exercise1.pptx
+++ b/Exercise1.pptx
@@ -5422,13 +5422,13 @@
   <p:clrMapOvr>
     <a:masterClrMapping/>
   </p:clrMapOvr>
-  <mc:AlternateContent xmlns:mc="http://schemas.openxmlformats.org/markup-compatibility/2006">
-    <mc:Choice xmlns:p14="http://schemas.microsoft.com/office/powerpoint/2010/main" Requires="p14">
+  <mc:AlternateContent xmlns:mc="http://schemas.openxmlformats.org/markup-compatibility/2006" xmlns:p14="http://schemas.microsoft.com/office/powerpoint/2010/main">
+    <mc:Choice Requires="p14">
       <p:transition spd="slow" p14:dur="2000" advTm="10000">
         <p:blinds/>
       </p:transition>
     </mc:Choice>
-    <mc:Fallback>
+    <mc:Fallback xmlns="">
       <p:transition spd="slow" advTm="10000">
         <p:blinds/>
       </p:transition>
@@ -5932,13 +5932,13 @@
   <p:clrMapOvr>
     <a:masterClrMapping/>
   </p:clrMapOvr>
-  <mc:AlternateContent xmlns:mc="http://schemas.openxmlformats.org/markup-compatibility/2006">
-    <mc:Choice xmlns:p14="http://schemas.microsoft.com/office/powerpoint/2010/main" Requires="p14">
+  <mc:AlternateContent xmlns:mc="http://schemas.openxmlformats.org/markup-compatibility/2006" xmlns:p14="http://schemas.microsoft.com/office/powerpoint/2010/main">
+    <mc:Choice Requires="p14">
       <p:transition spd="slow" p14:dur="2000" advTm="20000">
         <p:blinds dir="vert"/>
       </p:transition>
     </mc:Choice>
-    <mc:Fallback>
+    <mc:Fallback xmlns="">
       <p:transition spd="slow" advTm="20000">
         <p:blinds dir="vert"/>
       </p:transition>
@@ -6985,13 +6985,13 @@
   <p:clrMapOvr>
     <a:masterClrMapping/>
   </p:clrMapOvr>
-  <mc:AlternateContent xmlns:mc="http://schemas.openxmlformats.org/markup-compatibility/2006">
-    <mc:Choice xmlns:p14="http://schemas.microsoft.com/office/powerpoint/2010/main" Requires="p14">
+  <mc:AlternateContent xmlns:mc="http://schemas.openxmlformats.org/markup-compatibility/2006" xmlns:p14="http://schemas.microsoft.com/office/powerpoint/2010/main">
+    <mc:Choice Requires="p14">
       <p:transition spd="slow" p14:dur="2000" advTm="20000">
         <p14:prism isContent="1" isInverted="1"/>
       </p:transition>
     </mc:Choice>
-    <mc:Fallback>
+    <mc:Fallback xmlns="">
       <p:transition spd="slow" advTm="20000">
         <p:fade/>
       </p:transition>
@@ -7518,6 +7518,9 @@
       <p:sp>
         <p:nvSpPr>
           <p:cNvPr id="4" name="新月形 3">
+            <a:hlinkHover r:id="" action="ppaction://noaction">
+              <a:snd r:embed="rId2" name="chimes.wav"/>
+            </a:hlinkHover>
             <a:extLst>
               <a:ext uri="{FF2B5EF4-FFF2-40B4-BE49-F238E27FC236}">
                 <a16:creationId xmlns:a16="http://schemas.microsoft.com/office/drawing/2014/main" id="{6037E18B-A8A1-4ECF-AE88-35E1D9750344}"/>
@@ -7801,13 +7804,13 @@
   <p:clrMapOvr>
     <a:masterClrMapping/>
   </p:clrMapOvr>
-  <mc:AlternateContent xmlns:mc="http://schemas.openxmlformats.org/markup-compatibility/2006">
-    <mc:Choice xmlns:p14="http://schemas.microsoft.com/office/powerpoint/2010/main" Requires="p14">
+  <mc:AlternateContent xmlns:mc="http://schemas.openxmlformats.org/markup-compatibility/2006" xmlns:p14="http://schemas.microsoft.com/office/powerpoint/2010/main">
+    <mc:Choice Requires="p14">
       <p:transition spd="slow" p14:dur="2000" advTm="20000">
         <p:randomBar/>
       </p:transition>
     </mc:Choice>
-    <mc:Fallback>
+    <mc:Fallback xmlns="">
       <p:transition spd="slow" advTm="20000">
         <p:randomBar/>
       </p:transition>
@@ -8395,13 +8398,13 @@
   <p:clrMapOvr>
     <a:masterClrMapping/>
   </p:clrMapOvr>
-  <mc:AlternateContent xmlns:mc="http://schemas.openxmlformats.org/markup-compatibility/2006">
-    <mc:Choice xmlns:p14="http://schemas.microsoft.com/office/powerpoint/2010/main" Requires="p14">
+  <mc:AlternateContent xmlns:mc="http://schemas.openxmlformats.org/markup-compatibility/2006" xmlns:p14="http://schemas.microsoft.com/office/powerpoint/2010/main">
+    <mc:Choice Requires="p14">
       <p:transition spd="slow" p14:dur="2000" advTm="40000">
         <p14:warp dir="in"/>
       </p:transition>
     </mc:Choice>
-    <mc:Fallback>
+    <mc:Fallback xmlns="">
       <p:transition spd="slow" advTm="40000">
         <p:fade/>
       </p:transition>
@@ -8546,13 +8549,13 @@
   <p:clrMapOvr>
     <a:masterClrMapping/>
   </p:clrMapOvr>
-  <mc:AlternateContent xmlns:mc="http://schemas.openxmlformats.org/markup-compatibility/2006">
-    <mc:Choice xmlns:p14="http://schemas.microsoft.com/office/powerpoint/2010/main" Requires="p14">
+  <mc:AlternateContent xmlns:mc="http://schemas.openxmlformats.org/markup-compatibility/2006" xmlns:p14="http://schemas.microsoft.com/office/powerpoint/2010/main">
+    <mc:Choice Requires="p14">
       <p:transition spd="slow" p14:dur="2000" advTm="10000">
         <p14:prism dir="r" isContent="1"/>
       </p:transition>
     </mc:Choice>
-    <mc:Fallback>
+    <mc:Fallback xmlns="">
       <p:transition spd="slow" advTm="10000">
         <p:fade/>
       </p:transition>

--- a/Exercise1.pptx
+++ b/Exercise1.pptx
@@ -5412,6 +5412,44 @@
           </a:p>
         </p:txBody>
       </p:sp>
+      <p:pic>
+        <p:nvPicPr>
+          <p:cNvPr id="4" name="音频文件music1">
+            <a:hlinkClick r:id="" action="ppaction://media"/>
+            <a:extLst>
+              <a:ext uri="{FF2B5EF4-FFF2-40B4-BE49-F238E27FC236}">
+                <a16:creationId xmlns:a16="http://schemas.microsoft.com/office/drawing/2014/main" id="{DCD570E4-8269-44DE-956D-6B27E0D9E3BD}"/>
+              </a:ext>
+            </a:extLst>
+          </p:cNvPr>
+          <p:cNvPicPr>
+            <a:picLocks noChangeAspect="1"/>
+          </p:cNvPicPr>
+          <p:nvPr>
+            <a:audioFile r:link="rId2"/>
+            <p:extLst>
+              <p:ext uri="{DAA4B4D4-6D71-4841-9C94-3DE7FCFB9230}">
+                <p14:media xmlns:p14="http://schemas.microsoft.com/office/powerpoint/2010/main" r:embed="rId1"/>
+              </p:ext>
+            </p:extLst>
+          </p:nvPr>
+        </p:nvPicPr>
+        <p:blipFill>
+          <a:blip r:embed="rId4"/>
+          <a:stretch>
+            <a:fillRect/>
+          </a:stretch>
+        </p:blipFill>
+        <p:spPr>
+          <a:xfrm>
+            <a:off x="10032675" y="737277"/>
+            <a:ext cx="487363" cy="487363"/>
+          </a:xfrm>
+          <a:prstGeom prst="rect">
+            <a:avLst/>
+          </a:prstGeom>
+        </p:spPr>
+      </p:pic>
     </p:spTree>
     <p:extLst>
       <p:ext uri="{BB962C8B-B14F-4D97-AF65-F5344CB8AC3E}">
@@ -5738,6 +5776,41 @@
                       </p:childTnLst>
                     </p:cTn>
                   </p:par>
+                  <p:par>
+                    <p:cTn id="21" fill="hold">
+                      <p:stCondLst>
+                        <p:cond delay="indefinite"/>
+                      </p:stCondLst>
+                      <p:childTnLst>
+                        <p:par>
+                          <p:cTn id="22" fill="hold">
+                            <p:stCondLst>
+                              <p:cond delay="0"/>
+                            </p:stCondLst>
+                            <p:childTnLst>
+                              <p:par>
+                                <p:cTn id="23" presetID="1" presetClass="mediacall" presetSubtype="0" fill="hold" nodeType="clickEffect">
+                                  <p:stCondLst>
+                                    <p:cond delay="0"/>
+                                  </p:stCondLst>
+                                  <p:childTnLst>
+                                    <p:cmd type="call" cmd="playFrom(0.0)">
+                                      <p:cBhvr>
+                                        <p:cTn id="24" dur="1" fill="hold"/>
+                                        <p:tgtEl>
+                                          <p:spTgt spid="4"/>
+                                        </p:tgtEl>
+                                      </p:cBhvr>
+                                    </p:cmd>
+                                  </p:childTnLst>
+                                </p:cTn>
+                              </p:par>
+                            </p:childTnLst>
+                          </p:cTn>
+                        </p:par>
+                      </p:childTnLst>
+                    </p:cTn>
+                  </p:par>
                 </p:childTnLst>
               </p:cTn>
               <p:prevCondLst>
@@ -5755,6 +5828,25 @@
                 </p:cond>
               </p:nextCondLst>
             </p:seq>
+            <p:audio>
+              <p:cMediaNode vol="80000" numSld="999" showWhenStopped="0">
+                <p:cTn id="25" fill="hold" display="0">
+                  <p:stCondLst>
+                    <p:cond delay="indefinite"/>
+                  </p:stCondLst>
+                  <p:endCondLst>
+                    <p:cond evt="onStopAudio" delay="0">
+                      <p:tgtEl>
+                        <p:sldTgt/>
+                      </p:tgtEl>
+                    </p:cond>
+                  </p:endCondLst>
+                </p:cTn>
+                <p:tgtEl>
+                  <p:spTgt spid="4"/>
+                </p:tgtEl>
+              </p:cMediaNode>
+            </p:audio>
           </p:childTnLst>
         </p:cTn>
       </p:par>

--- a/Exercise1.pptx
+++ b/Exercise1.pptx
@@ -5,7 +5,7 @@
     <p:sldMasterId id="2147483690" r:id="rId1"/>
   </p:sldMasterIdLst>
   <p:notesMasterIdLst>
-    <p:notesMasterId r:id="rId8"/>
+    <p:notesMasterId r:id="rId9"/>
   </p:notesMasterIdLst>
   <p:sldIdLst>
     <p:sldId id="256" r:id="rId2"/>
@@ -14,6 +14,7 @@
     <p:sldId id="259" r:id="rId5"/>
     <p:sldId id="260" r:id="rId6"/>
     <p:sldId id="261" r:id="rId7"/>
+    <p:sldId id="262" r:id="rId8"/>
   </p:sldIdLst>
   <p:sldSz cx="12192000" cy="6858000"/>
   <p:notesSz cx="6858000" cy="9144000"/>
@@ -8788,6 +8789,134 @@
 </p:sld>
 </file>
 
+<file path=ppt/slides/slide7.xml><?xml version="1.0" encoding="utf-8"?>
+<p:sld xmlns:a="http://schemas.openxmlformats.org/drawingml/2006/main" xmlns:r="http://schemas.openxmlformats.org/officeDocument/2006/relationships" xmlns:p="http://schemas.openxmlformats.org/presentationml/2006/main">
+  <p:cSld>
+    <p:bg>
+      <p:bgPr>
+        <a:blipFill>
+          <a:blip r:embed="rId2"/>
+          <a:tile tx="0" ty="0" sx="100000" sy="100000" flip="none" algn="tl"/>
+        </a:blipFill>
+        <a:effectLst/>
+      </p:bgPr>
+    </p:bg>
+    <p:spTree>
+      <p:nvGrpSpPr>
+        <p:cNvPr id="1" name=""/>
+        <p:cNvGrpSpPr/>
+        <p:nvPr/>
+      </p:nvGrpSpPr>
+      <p:grpSpPr>
+        <a:xfrm>
+          <a:off x="0" y="0"/>
+          <a:ext cx="0" cy="0"/>
+          <a:chOff x="0" y="0"/>
+          <a:chExt cx="0" cy="0"/>
+        </a:xfrm>
+      </p:grpSpPr>
+      <p:sp>
+        <p:nvSpPr>
+          <p:cNvPr id="2" name="标题 1">
+            <a:extLst>
+              <a:ext uri="{FF2B5EF4-FFF2-40B4-BE49-F238E27FC236}">
+                <a16:creationId xmlns:a16="http://schemas.microsoft.com/office/drawing/2014/main" id="{B6120465-757B-4381-B60B-021A8ED2660A}"/>
+              </a:ext>
+            </a:extLst>
+          </p:cNvPr>
+          <p:cNvSpPr>
+            <a:spLocks noGrp="1"/>
+          </p:cNvSpPr>
+          <p:nvPr>
+            <p:ph type="title"/>
+          </p:nvPr>
+        </p:nvSpPr>
+        <p:spPr>
+          <a:noFill/>
+        </p:spPr>
+        <p:txBody>
+          <a:bodyPr/>
+          <a:lstStyle/>
+          <a:p>
+            <a:pPr algn="ctr"/>
+            <a:r>
+              <a:rPr lang="zh-CN" altLang="zh-CN" dirty="0">
+                <a:solidFill>
+                  <a:schemeClr val="bg1"/>
+                </a:solidFill>
+              </a:rPr>
+              <a:t>更多诗文请链接</a:t>
+            </a:r>
+            <a:endParaRPr lang="zh-CN" altLang="en-US" dirty="0">
+              <a:solidFill>
+                <a:schemeClr val="bg1"/>
+              </a:solidFill>
+            </a:endParaRPr>
+          </a:p>
+        </p:txBody>
+      </p:sp>
+      <p:sp>
+        <p:nvSpPr>
+          <p:cNvPr id="3" name="内容占位符 2">
+            <a:extLst>
+              <a:ext uri="{FF2B5EF4-FFF2-40B4-BE49-F238E27FC236}">
+                <a16:creationId xmlns:a16="http://schemas.microsoft.com/office/drawing/2014/main" id="{2799D9FC-F217-4EFC-B54D-B8D2FBEFD967}"/>
+              </a:ext>
+            </a:extLst>
+          </p:cNvPr>
+          <p:cNvSpPr>
+            <a:spLocks noGrp="1"/>
+          </p:cNvSpPr>
+          <p:nvPr>
+            <p:ph idx="1"/>
+          </p:nvPr>
+        </p:nvSpPr>
+        <p:spPr/>
+        <p:txBody>
+          <a:bodyPr>
+            <a:normAutofit/>
+          </a:bodyPr>
+          <a:lstStyle/>
+          <a:p>
+            <a:pPr marL="0" indent="0">
+              <a:buNone/>
+            </a:pPr>
+            <a:r>
+              <a:rPr lang="zh-CN" altLang="zh-CN" sz="6000" dirty="0">
+                <a:solidFill>
+                  <a:srgbClr val="7030A0"/>
+                </a:solidFill>
+                <a:hlinkClick r:id="rId3">
+                  <a:extLst>
+                    <a:ext uri="{A12FA001-AC4F-418D-AE19-62706E023703}">
+                      <ahyp:hlinkClr xmlns:ahyp="http://schemas.microsoft.com/office/drawing/2018/hyperlinkcolor" val="tx"/>
+                    </a:ext>
+                  </a:extLst>
+                </a:hlinkClick>
+              </a:rPr>
+              <a:t>在线诗词网</a:t>
+            </a:r>
+            <a:endParaRPr lang="zh-CN" altLang="en-US" sz="6000" dirty="0">
+              <a:solidFill>
+                <a:srgbClr val="7030A0"/>
+              </a:solidFill>
+            </a:endParaRPr>
+          </a:p>
+        </p:txBody>
+      </p:sp>
+    </p:spTree>
+    <p:extLst>
+      <p:ext uri="{BB962C8B-B14F-4D97-AF65-F5344CB8AC3E}">
+        <p14:creationId xmlns:p14="http://schemas.microsoft.com/office/powerpoint/2010/main" val="527304556"/>
+      </p:ext>
+    </p:extLst>
+  </p:cSld>
+  <p:clrMapOvr>
+    <a:masterClrMapping/>
+  </p:clrMapOvr>
+</p:sld>
+</file>
+
 <file path=ppt/theme/theme1.xml><?xml version="1.0" encoding="utf-8"?>
 <a:theme xmlns:a="http://schemas.openxmlformats.org/drawingml/2006/main" name="剪切">
   <a:themeElements>
